--- a/ACS_Boston_2018_Irikura.pptx
+++ b/ACS_Boston_2018_Irikura.pptx
@@ -17,22 +17,22 @@
     <p:sldId id="263" r:id="rId8"/>
     <p:sldId id="262" r:id="rId9"/>
     <p:sldId id="267" r:id="rId10"/>
-    <p:sldId id="268" r:id="rId11"/>
-    <p:sldId id="275" r:id="rId12"/>
-    <p:sldId id="269" r:id="rId13"/>
-    <p:sldId id="271" r:id="rId14"/>
-    <p:sldId id="270" r:id="rId15"/>
-    <p:sldId id="264" r:id="rId16"/>
-    <p:sldId id="266" r:id="rId17"/>
-    <p:sldId id="273" r:id="rId18"/>
-    <p:sldId id="274" r:id="rId19"/>
-    <p:sldId id="276" r:id="rId20"/>
-    <p:sldId id="277" r:id="rId21"/>
-    <p:sldId id="278" r:id="rId22"/>
-    <p:sldId id="279" r:id="rId23"/>
-    <p:sldId id="280" r:id="rId24"/>
-    <p:sldId id="281" r:id="rId25"/>
-    <p:sldId id="272" r:id="rId26"/>
+    <p:sldId id="275" r:id="rId11"/>
+    <p:sldId id="269" r:id="rId12"/>
+    <p:sldId id="271" r:id="rId13"/>
+    <p:sldId id="270" r:id="rId14"/>
+    <p:sldId id="266" r:id="rId15"/>
+    <p:sldId id="273" r:id="rId16"/>
+    <p:sldId id="274" r:id="rId17"/>
+    <p:sldId id="276" r:id="rId18"/>
+    <p:sldId id="277" r:id="rId19"/>
+    <p:sldId id="278" r:id="rId20"/>
+    <p:sldId id="279" r:id="rId21"/>
+    <p:sldId id="280" r:id="rId22"/>
+    <p:sldId id="281" r:id="rId23"/>
+    <p:sldId id="272" r:id="rId24"/>
+    <p:sldId id="268" r:id="rId25"/>
+    <p:sldId id="264" r:id="rId26"/>
     <p:sldId id="265" r:id="rId27"/>
   </p:sldIdLst>
   <p:sldSz cx="12192000" cy="6858000"/>
@@ -233,7 +233,7 @@
           <a:p>
             <a:fld id="{093871A6-C1FC-450D-9B63-9900A59C3DCC}" type="datetimeFigureOut">
               <a:rPr lang="en-US" smtClean="0"/>
-              <a:t>8/7/2018</a:t>
+              <a:t>8/13/2018</a:t>
             </a:fld>
             <a:endParaRPr lang="en-US"/>
           </a:p>
@@ -633,7 +633,13 @@
           <a:p>
             <a:r>
               <a:rPr lang="en-US" dirty="0"/>
-              <a:t>I’ll return to this slide a few times.</a:t>
+              <a:t>BEB theory is described on a supplemental slide. </a:t>
+            </a:r>
+          </a:p>
+          <a:p>
+            <a:r>
+              <a:rPr lang="en-US" dirty="0"/>
+              <a:t>This part of the problem appears to be under control. </a:t>
             </a:r>
           </a:p>
         </p:txBody>
@@ -655,7 +661,7 @@
           <a:p>
             <a:fld id="{834948BD-10A7-4654-BC3D-1A706C7EB1E8}" type="slidenum">
               <a:rPr lang="en-US" smtClean="0"/>
-              <a:t>12</a:t>
+              <a:t>13</a:t>
             </a:fld>
             <a:endParaRPr lang="en-US"/>
           </a:p>
@@ -664,7 +670,7 @@
     </p:spTree>
     <p:extLst>
       <p:ext uri="{BB962C8B-B14F-4D97-AF65-F5344CB8AC3E}">
-        <p14:creationId xmlns:p14="http://schemas.microsoft.com/office/powerpoint/2010/main" val="1383774049"/>
+        <p14:creationId xmlns:p14="http://schemas.microsoft.com/office/powerpoint/2010/main" val="1064968525"/>
       </p:ext>
     </p:extLst>
   </p:cSld>
@@ -720,13 +726,37 @@
           <a:p>
             <a:r>
               <a:rPr lang="en-US" dirty="0"/>
-              <a:t>BEB theory is described on a supplemental slide. </a:t>
-            </a:r>
-          </a:p>
-          <a:p>
-            <a:r>
-              <a:rPr lang="en-US" dirty="0"/>
-              <a:t>This part of the problem appears to be under control. </a:t>
+              <a:t>To a first approximation, the incident electron knocks a bound electron out of the molecule, often creating a molecular ion in an excited state. </a:t>
+            </a:r>
+          </a:p>
+          <a:p>
+            <a:r>
+              <a:rPr lang="en-US" dirty="0"/>
+              <a:t>Diagram shows electrons in molecular orbitals (H</a:t>
+            </a:r>
+            <a:r>
+              <a:rPr lang="en-US" baseline="-25000" dirty="0"/>
+              <a:t>2</a:t>
+            </a:r>
+            <a:r>
+              <a:rPr lang="en-US" dirty="0"/>
+              <a:t>O and H</a:t>
+            </a:r>
+            <a:r>
+              <a:rPr lang="en-US" baseline="-25000" dirty="0"/>
+              <a:t>2</a:t>
+            </a:r>
+            <a:r>
+              <a:rPr lang="en-US" dirty="0"/>
+              <a:t>O</a:t>
+            </a:r>
+            <a:r>
+              <a:rPr lang="en-US" baseline="30000" dirty="0"/>
+              <a:t>+</a:t>
+            </a:r>
+            <a:r>
+              <a:rPr lang="en-US" dirty="0"/>
+              <a:t>) in the frozen-orbital approximation. </a:t>
             </a:r>
           </a:p>
         </p:txBody>
@@ -757,7 +787,7 @@
     </p:spTree>
     <p:extLst>
       <p:ext uri="{BB962C8B-B14F-4D97-AF65-F5344CB8AC3E}">
-        <p14:creationId xmlns:p14="http://schemas.microsoft.com/office/powerpoint/2010/main" val="1064968525"/>
+        <p14:creationId xmlns:p14="http://schemas.microsoft.com/office/powerpoint/2010/main" val="4244621437"/>
       </p:ext>
     </p:extLst>
   </p:cSld>
@@ -813,13 +843,7 @@
           <a:p>
             <a:r>
               <a:rPr lang="en-US" dirty="0"/>
-              <a:t>There are data plotted from several sources, but all for the same quantity (positive ions).  The solid line is BEB theory and the symbols are experimental measurements. </a:t>
-            </a:r>
-          </a:p>
-          <a:p>
-            <a:r>
-              <a:rPr lang="en-US" dirty="0"/>
-              <a:t>The good performance of BEB for TICS adds confidence in using it for individual MO cross sections. </a:t>
+              <a:t>Finding the important reactions on the ground state is done often, but is computationally intensive and usually labor-intensive. </a:t>
             </a:r>
           </a:p>
         </p:txBody>
@@ -850,7 +874,7 @@
     </p:spTree>
     <p:extLst>
       <p:ext uri="{BB962C8B-B14F-4D97-AF65-F5344CB8AC3E}">
-        <p14:creationId xmlns:p14="http://schemas.microsoft.com/office/powerpoint/2010/main" val="3294218096"/>
+        <p14:creationId xmlns:p14="http://schemas.microsoft.com/office/powerpoint/2010/main" val="41565649"/>
       </p:ext>
     </p:extLst>
   </p:cSld>
@@ -906,37 +930,7 @@
           <a:p>
             <a:r>
               <a:rPr lang="en-US" dirty="0"/>
-              <a:t>To a first approximation, the incident electron knocks a bound electron out of the molecule, often creating a molecular ion in an excited state. </a:t>
-            </a:r>
-          </a:p>
-          <a:p>
-            <a:r>
-              <a:rPr lang="en-US" dirty="0"/>
-              <a:t>Diagram shows electrons in molecular orbitals (H</a:t>
-            </a:r>
-            <a:r>
-              <a:rPr lang="en-US" baseline="-25000" dirty="0"/>
-              <a:t>2</a:t>
-            </a:r>
-            <a:r>
-              <a:rPr lang="en-US" dirty="0"/>
-              <a:t>O and H</a:t>
-            </a:r>
-            <a:r>
-              <a:rPr lang="en-US" baseline="-25000" dirty="0"/>
-              <a:t>2</a:t>
-            </a:r>
-            <a:r>
-              <a:rPr lang="en-US" dirty="0"/>
-              <a:t>O</a:t>
-            </a:r>
-            <a:r>
-              <a:rPr lang="en-US" baseline="30000" dirty="0"/>
-              <a:t>+</a:t>
-            </a:r>
-            <a:r>
-              <a:rPr lang="en-US" dirty="0"/>
-              <a:t>) in the frozen-orbital approximation. </a:t>
+              <a:t>When the excited state relaxes to the ground state, the excess energy is transferred to vibrations (red-hot molecular ion on right).  </a:t>
             </a:r>
           </a:p>
         </p:txBody>
@@ -967,7 +961,7 @@
     </p:spTree>
     <p:extLst>
       <p:ext uri="{BB962C8B-B14F-4D97-AF65-F5344CB8AC3E}">
-        <p14:creationId xmlns:p14="http://schemas.microsoft.com/office/powerpoint/2010/main" val="4244621437"/>
+        <p14:creationId xmlns:p14="http://schemas.microsoft.com/office/powerpoint/2010/main" val="2302203558"/>
       </p:ext>
     </p:extLst>
   </p:cSld>
@@ -1021,10 +1015,30 @@
           <a:bodyPr/>
           <a:lstStyle/>
           <a:p>
-            <a:r>
-              <a:rPr lang="en-US" dirty="0"/>
-              <a:t>Working out all the reactivity on the ground state is done often, but still labor-intensive. </a:t>
-            </a:r>
+            <a:pPr marL="0" marR="0" lvl="0" indent="0" algn="l" defTabSz="914400" rtl="0" eaLnBrk="1" fontAlgn="auto" latinLnBrk="0" hangingPunct="1">
+              <a:lnSpc>
+                <a:spcPct val="100000"/>
+              </a:lnSpc>
+              <a:spcBef>
+                <a:spcPts val="0"/>
+              </a:spcBef>
+              <a:spcAft>
+                <a:spcPts val="0"/>
+              </a:spcAft>
+              <a:buClrTx/>
+              <a:buSzTx/>
+              <a:buFontTx/>
+              <a:buNone/>
+              <a:tabLst/>
+              <a:defRPr/>
+            </a:pPr>
+            <a:r>
+              <a:rPr lang="en-US" dirty="0"/>
+              <a:t>We can make these predictions, but they’re a lot of tedious work. </a:t>
+            </a:r>
+          </a:p>
+          <a:p>
+            <a:endParaRPr lang="en-US" dirty="0"/>
           </a:p>
         </p:txBody>
       </p:sp>
@@ -1054,7 +1068,7 @@
     </p:spTree>
     <p:extLst>
       <p:ext uri="{BB962C8B-B14F-4D97-AF65-F5344CB8AC3E}">
-        <p14:creationId xmlns:p14="http://schemas.microsoft.com/office/powerpoint/2010/main" val="41565649"/>
+        <p14:creationId xmlns:p14="http://schemas.microsoft.com/office/powerpoint/2010/main" val="3187274391"/>
       </p:ext>
     </p:extLst>
   </p:cSld>
@@ -1108,10 +1122,7 @@
           <a:bodyPr/>
           <a:lstStyle/>
           <a:p>
-            <a:r>
-              <a:rPr lang="en-US" dirty="0"/>
-              <a:t>When the excited state relaxes to the ground state, the excess energy is transferred to vibrations (red-hot molecular ion on right).  </a:t>
-            </a:r>
+            <a:endParaRPr lang="en-US" dirty="0"/>
           </a:p>
         </p:txBody>
       </p:sp>
@@ -1141,7 +1152,7 @@
     </p:spTree>
     <p:extLst>
       <p:ext uri="{BB962C8B-B14F-4D97-AF65-F5344CB8AC3E}">
-        <p14:creationId xmlns:p14="http://schemas.microsoft.com/office/powerpoint/2010/main" val="2302203558"/>
+        <p14:creationId xmlns:p14="http://schemas.microsoft.com/office/powerpoint/2010/main" val="2304204582"/>
       </p:ext>
     </p:extLst>
   </p:cSld>
@@ -1195,30 +1206,10 @@
           <a:bodyPr/>
           <a:lstStyle/>
           <a:p>
-            <a:pPr marL="0" marR="0" lvl="0" indent="0" algn="l" defTabSz="914400" rtl="0" eaLnBrk="1" fontAlgn="auto" latinLnBrk="0" hangingPunct="1">
-              <a:lnSpc>
-                <a:spcPct val="100000"/>
-              </a:lnSpc>
-              <a:spcBef>
-                <a:spcPts val="0"/>
-              </a:spcBef>
-              <a:spcAft>
-                <a:spcPts val="0"/>
-              </a:spcAft>
-              <a:buClrTx/>
-              <a:buSzTx/>
-              <a:buFontTx/>
-              <a:buNone/>
-              <a:tabLst/>
-              <a:defRPr/>
-            </a:pPr>
-            <a:r>
-              <a:rPr lang="en-US" dirty="0"/>
-              <a:t>We can make these predictions, but they’re a lot of tedious work. </a:t>
-            </a:r>
-          </a:p>
-          <a:p>
-            <a:endParaRPr lang="en-US" dirty="0"/>
+            <a:r>
+              <a:rPr lang="en-US" dirty="0"/>
+              <a:t>We can probably predict accurately sometimes, but not all the time. </a:t>
+            </a:r>
           </a:p>
         </p:txBody>
       </p:sp>
@@ -1248,7 +1239,7 @@
     </p:spTree>
     <p:extLst>
       <p:ext uri="{BB962C8B-B14F-4D97-AF65-F5344CB8AC3E}">
-        <p14:creationId xmlns:p14="http://schemas.microsoft.com/office/powerpoint/2010/main" val="3187274391"/>
+        <p14:creationId xmlns:p14="http://schemas.microsoft.com/office/powerpoint/2010/main" val="3845880663"/>
       </p:ext>
     </p:extLst>
   </p:cSld>
@@ -1302,10 +1293,7 @@
           <a:bodyPr/>
           <a:lstStyle/>
           <a:p>
-            <a:r>
-              <a:rPr lang="en-US" dirty="0"/>
-              <a:t>Working out all the reactivity on the ground state is done often, but still labor-intensive. </a:t>
-            </a:r>
+            <a:endParaRPr lang="en-US" dirty="0"/>
           </a:p>
         </p:txBody>
       </p:sp>
@@ -1335,7 +1323,7 @@
     </p:spTree>
     <p:extLst>
       <p:ext uri="{BB962C8B-B14F-4D97-AF65-F5344CB8AC3E}">
-        <p14:creationId xmlns:p14="http://schemas.microsoft.com/office/powerpoint/2010/main" val="2304204582"/>
+        <p14:creationId xmlns:p14="http://schemas.microsoft.com/office/powerpoint/2010/main" val="3048087069"/>
       </p:ext>
     </p:extLst>
   </p:cSld>
@@ -1391,7 +1379,7 @@
           <a:p>
             <a:r>
               <a:rPr lang="en-US" dirty="0"/>
-              <a:t>We can probably predict accurately sometimes, but not all the time. </a:t>
+              <a:t>Someone might be able to predict accurately sometimes. </a:t>
             </a:r>
           </a:p>
         </p:txBody>
@@ -1422,7 +1410,7 @@
     </p:spTree>
     <p:extLst>
       <p:ext uri="{BB962C8B-B14F-4D97-AF65-F5344CB8AC3E}">
-        <p14:creationId xmlns:p14="http://schemas.microsoft.com/office/powerpoint/2010/main" val="3845880663"/>
+        <p14:creationId xmlns:p14="http://schemas.microsoft.com/office/powerpoint/2010/main" val="1522942110"/>
       </p:ext>
     </p:extLst>
   </p:cSld>
@@ -1478,7 +1466,13 @@
           <a:p>
             <a:r>
               <a:rPr lang="en-US" dirty="0"/>
-              <a:t>Working out all the reactivity on the ground state is done often, but still labor-intensive. </a:t>
+              <a:t>This is to show you that gas-phase chemistry is not only about molecular physics. </a:t>
+            </a:r>
+          </a:p>
+          <a:p>
+            <a:r>
+              <a:rPr lang="en-US" dirty="0"/>
+              <a:t>There are gas-phase analogues of both homogeneous and heterogeneous catalysts. </a:t>
             </a:r>
           </a:p>
         </p:txBody>
@@ -1509,7 +1503,7 @@
     </p:spTree>
     <p:extLst>
       <p:ext uri="{BB962C8B-B14F-4D97-AF65-F5344CB8AC3E}">
-        <p14:creationId xmlns:p14="http://schemas.microsoft.com/office/powerpoint/2010/main" val="3048087069"/>
+        <p14:creationId xmlns:p14="http://schemas.microsoft.com/office/powerpoint/2010/main" val="114952724"/>
       </p:ext>
     </p:extLst>
   </p:cSld>
@@ -1658,10 +1652,7 @@
           <a:bodyPr/>
           <a:lstStyle/>
           <a:p>
-            <a:r>
-              <a:rPr lang="en-US" dirty="0"/>
-              <a:t>Someone might be able to predict accurately sometimes. </a:t>
-            </a:r>
+            <a:endParaRPr lang="en-US" dirty="0"/>
           </a:p>
         </p:txBody>
       </p:sp>
@@ -1682,7 +1673,7 @@
           <a:p>
             <a:fld id="{834948BD-10A7-4654-BC3D-1A706C7EB1E8}" type="slidenum">
               <a:rPr lang="en-US" smtClean="0"/>
-              <a:t>23</a:t>
+              <a:t>24</a:t>
             </a:fld>
             <a:endParaRPr lang="en-US"/>
           </a:p>
@@ -1691,7 +1682,7 @@
     </p:spTree>
     <p:extLst>
       <p:ext uri="{BB962C8B-B14F-4D97-AF65-F5344CB8AC3E}">
-        <p14:creationId xmlns:p14="http://schemas.microsoft.com/office/powerpoint/2010/main" val="1522942110"/>
+        <p14:creationId xmlns:p14="http://schemas.microsoft.com/office/powerpoint/2010/main" val="2913120672"/>
       </p:ext>
     </p:extLst>
   </p:cSld>
@@ -1747,13 +1738,13 @@
           <a:p>
             <a:r>
               <a:rPr lang="en-US" dirty="0"/>
-              <a:t>This is to show you that gas-phase chemistry is not only about molecular physics. </a:t>
-            </a:r>
-          </a:p>
-          <a:p>
-            <a:r>
-              <a:rPr lang="en-US" dirty="0"/>
-              <a:t>There are gas-phase analogues of both homogeneous and heterogeneous catalysts. </a:t>
+              <a:t>There are data plotted from several sources, but all for the same quantity (positive ions).  The solid line is BEB theory and the symbols are experimental measurements. </a:t>
+            </a:r>
+          </a:p>
+          <a:p>
+            <a:r>
+              <a:rPr lang="en-US" dirty="0"/>
+              <a:t>The good performance of BEB for TICS adds confidence in using it for individual MO cross sections. </a:t>
             </a:r>
           </a:p>
         </p:txBody>
@@ -1775,7 +1766,7 @@
           <a:p>
             <a:fld id="{834948BD-10A7-4654-BC3D-1A706C7EB1E8}" type="slidenum">
               <a:rPr lang="en-US" smtClean="0"/>
-              <a:t>24</a:t>
+              <a:t>25</a:t>
             </a:fld>
             <a:endParaRPr lang="en-US"/>
           </a:p>
@@ -1784,7 +1775,7 @@
     </p:spTree>
     <p:extLst>
       <p:ext uri="{BB962C8B-B14F-4D97-AF65-F5344CB8AC3E}">
-        <p14:creationId xmlns:p14="http://schemas.microsoft.com/office/powerpoint/2010/main" val="114952724"/>
+        <p14:creationId xmlns:p14="http://schemas.microsoft.com/office/powerpoint/2010/main" val="3294218096"/>
       </p:ext>
     </p:extLst>
   </p:cSld>
@@ -2342,10 +2333,32 @@
           <a:p>
             <a:pPr algn="l"/>
             <a:r>
+              <a:rPr lang="en-US" sz="1200" b="0" i="0" u="none" strike="noStrike" baseline="0" dirty="0">
+                <a:latin typeface="Palatino Linotype" panose="02040502050505030304" pitchFamily="18" charset="0"/>
+              </a:rPr>
+              <a:t>100 </a:t>
+            </a:r>
+            <a:r>
+              <a:rPr lang="en-US" sz="1200" b="0" i="0" u="none" strike="noStrike" baseline="0" dirty="0" err="1">
+                <a:latin typeface="Palatino Linotype" panose="02040502050505030304" pitchFamily="18" charset="0"/>
+              </a:rPr>
+              <a:t>a.u</a:t>
+            </a:r>
+            <a:r>
+              <a:rPr lang="en-US" sz="1200" b="0" i="0" u="none" strike="noStrike" baseline="0" dirty="0">
+                <a:latin typeface="Palatino Linotype" panose="02040502050505030304" pitchFamily="18" charset="0"/>
+              </a:rPr>
+              <a:t>. of time ~= 2.4 fs</a:t>
+            </a:r>
+            <a:endParaRPr lang="en-US" dirty="0"/>
+          </a:p>
+          <a:p>
+            <a:pPr algn="l"/>
+            <a:r>
               <a:rPr lang="en-US" sz="1200" b="1" i="0" u="none" strike="noStrike" baseline="0" dirty="0">
                 <a:latin typeface="Palatino Linotype,Bold"/>
               </a:rPr>
-              <a:t>Figure 6. </a:t>
+              <a:t>“Figure 6. </a:t>
             </a:r>
             <a:r>
               <a:rPr lang="en-US" sz="1200" b="0" i="0" u="none" strike="noStrike" baseline="0" dirty="0">
@@ -2507,30 +2520,8 @@
               <a:rPr lang="en-US" sz="1200" b="0" i="0" u="none" strike="noStrike" baseline="0" dirty="0">
                 <a:latin typeface="Palatino Linotype" panose="02040502050505030304" pitchFamily="18" charset="0"/>
               </a:rPr>
-              <a:t>molecule (third and the fourth panels). </a:t>
-            </a:r>
-          </a:p>
-          <a:p>
-            <a:pPr algn="l"/>
-            <a:r>
-              <a:rPr lang="en-US" sz="1200" b="0" i="0" u="none" strike="noStrike" baseline="0" dirty="0">
-                <a:latin typeface="Palatino Linotype" panose="02040502050505030304" pitchFamily="18" charset="0"/>
-              </a:rPr>
-              <a:t>100 </a:t>
-            </a:r>
-            <a:r>
-              <a:rPr lang="en-US" sz="1200" b="0" i="0" u="none" strike="noStrike" baseline="0" dirty="0" err="1">
-                <a:latin typeface="Palatino Linotype" panose="02040502050505030304" pitchFamily="18" charset="0"/>
-              </a:rPr>
-              <a:t>a.u</a:t>
-            </a:r>
-            <a:r>
-              <a:rPr lang="en-US" sz="1200" b="0" i="0" u="none" strike="noStrike" baseline="0" dirty="0">
-                <a:latin typeface="Palatino Linotype" panose="02040502050505030304" pitchFamily="18" charset="0"/>
-              </a:rPr>
-              <a:t>. of time ~= 2.4 fs</a:t>
-            </a:r>
-            <a:endParaRPr lang="en-US" dirty="0"/>
+              <a:t>molecule (third and the fourth panels).” </a:t>
+            </a:r>
           </a:p>
         </p:txBody>
       </p:sp>
@@ -2707,7 +2698,10 @@
           <a:bodyPr/>
           <a:lstStyle/>
           <a:p>
-            <a:endParaRPr lang="en-US" dirty="0"/>
+            <a:r>
+              <a:rPr lang="en-US" dirty="0"/>
+              <a:t>I’ll return to this slide a few times.</a:t>
+            </a:r>
           </a:p>
         </p:txBody>
       </p:sp>
@@ -2728,7 +2722,7 @@
           <a:p>
             <a:fld id="{834948BD-10A7-4654-BC3D-1A706C7EB1E8}" type="slidenum">
               <a:rPr lang="en-US" smtClean="0"/>
-              <a:t>10</a:t>
+              <a:t>11</a:t>
             </a:fld>
             <a:endParaRPr lang="en-US"/>
           </a:p>
@@ -2737,7 +2731,7 @@
     </p:spTree>
     <p:extLst>
       <p:ext uri="{BB962C8B-B14F-4D97-AF65-F5344CB8AC3E}">
-        <p14:creationId xmlns:p14="http://schemas.microsoft.com/office/powerpoint/2010/main" val="2913120672"/>
+        <p14:creationId xmlns:p14="http://schemas.microsoft.com/office/powerpoint/2010/main" val="1383774049"/>
       </p:ext>
     </p:extLst>
   </p:cSld>
@@ -2878,7 +2872,7 @@
           <a:p>
             <a:fld id="{FC6A8C3F-F9CD-4550-85ED-F3BB84B83A87}" type="datetimeFigureOut">
               <a:rPr lang="en-US" smtClean="0"/>
-              <a:t>8/7/2018</a:t>
+              <a:t>8/13/2018</a:t>
             </a:fld>
             <a:endParaRPr lang="en-US"/>
           </a:p>
@@ -3048,7 +3042,7 @@
           <a:p>
             <a:fld id="{FC6A8C3F-F9CD-4550-85ED-F3BB84B83A87}" type="datetimeFigureOut">
               <a:rPr lang="en-US" smtClean="0"/>
-              <a:t>8/7/2018</a:t>
+              <a:t>8/13/2018</a:t>
             </a:fld>
             <a:endParaRPr lang="en-US"/>
           </a:p>
@@ -3228,7 +3222,7 @@
           <a:p>
             <a:fld id="{FC6A8C3F-F9CD-4550-85ED-F3BB84B83A87}" type="datetimeFigureOut">
               <a:rPr lang="en-US" smtClean="0"/>
-              <a:t>8/7/2018</a:t>
+              <a:t>8/13/2018</a:t>
             </a:fld>
             <a:endParaRPr lang="en-US"/>
           </a:p>
@@ -3398,7 +3392,7 @@
           <a:p>
             <a:fld id="{FC6A8C3F-F9CD-4550-85ED-F3BB84B83A87}" type="datetimeFigureOut">
               <a:rPr lang="en-US" smtClean="0"/>
-              <a:t>8/7/2018</a:t>
+              <a:t>8/13/2018</a:t>
             </a:fld>
             <a:endParaRPr lang="en-US"/>
           </a:p>
@@ -3644,7 +3638,7 @@
           <a:p>
             <a:fld id="{FC6A8C3F-F9CD-4550-85ED-F3BB84B83A87}" type="datetimeFigureOut">
               <a:rPr lang="en-US" smtClean="0"/>
-              <a:t>8/7/2018</a:t>
+              <a:t>8/13/2018</a:t>
             </a:fld>
             <a:endParaRPr lang="en-US"/>
           </a:p>
@@ -3876,7 +3870,7 @@
           <a:p>
             <a:fld id="{FC6A8C3F-F9CD-4550-85ED-F3BB84B83A87}" type="datetimeFigureOut">
               <a:rPr lang="en-US" smtClean="0"/>
-              <a:t>8/7/2018</a:t>
+              <a:t>8/13/2018</a:t>
             </a:fld>
             <a:endParaRPr lang="en-US"/>
           </a:p>
@@ -4243,7 +4237,7 @@
           <a:p>
             <a:fld id="{FC6A8C3F-F9CD-4550-85ED-F3BB84B83A87}" type="datetimeFigureOut">
               <a:rPr lang="en-US" smtClean="0"/>
-              <a:t>8/7/2018</a:t>
+              <a:t>8/13/2018</a:t>
             </a:fld>
             <a:endParaRPr lang="en-US"/>
           </a:p>
@@ -4361,7 +4355,7 @@
           <a:p>
             <a:fld id="{FC6A8C3F-F9CD-4550-85ED-F3BB84B83A87}" type="datetimeFigureOut">
               <a:rPr lang="en-US" smtClean="0"/>
-              <a:t>8/7/2018</a:t>
+              <a:t>8/13/2018</a:t>
             </a:fld>
             <a:endParaRPr lang="en-US"/>
           </a:p>
@@ -4456,7 +4450,7 @@
           <a:p>
             <a:fld id="{FC6A8C3F-F9CD-4550-85ED-F3BB84B83A87}" type="datetimeFigureOut">
               <a:rPr lang="en-US" smtClean="0"/>
-              <a:t>8/7/2018</a:t>
+              <a:t>8/13/2018</a:t>
             </a:fld>
             <a:endParaRPr lang="en-US"/>
           </a:p>
@@ -4733,7 +4727,7 @@
           <a:p>
             <a:fld id="{FC6A8C3F-F9CD-4550-85ED-F3BB84B83A87}" type="datetimeFigureOut">
               <a:rPr lang="en-US" smtClean="0"/>
-              <a:t>8/7/2018</a:t>
+              <a:t>8/13/2018</a:t>
             </a:fld>
             <a:endParaRPr lang="en-US"/>
           </a:p>
@@ -4990,7 +4984,7 @@
           <a:p>
             <a:fld id="{FC6A8C3F-F9CD-4550-85ED-F3BB84B83A87}" type="datetimeFigureOut">
               <a:rPr lang="en-US" smtClean="0"/>
-              <a:t>8/7/2018</a:t>
+              <a:t>8/13/2018</a:t>
             </a:fld>
             <a:endParaRPr lang="en-US"/>
           </a:p>
@@ -5203,7 +5197,7 @@
           <a:p>
             <a:fld id="{FC6A8C3F-F9CD-4550-85ED-F3BB84B83A87}" type="datetimeFigureOut">
               <a:rPr lang="en-US" smtClean="0"/>
-              <a:t>8/7/2018</a:t>
+              <a:t>8/13/2018</a:t>
             </a:fld>
             <a:endParaRPr lang="en-US"/>
           </a:p>
@@ -5808,7 +5802,7 @@
           <p:cNvPr id="2" name="Title 1">
             <a:extLst>
               <a:ext uri="{FF2B5EF4-FFF2-40B4-BE49-F238E27FC236}">
-                <a16:creationId xmlns:a16="http://schemas.microsoft.com/office/drawing/2014/main" id="{192B8F8F-C6D9-48B2-95D5-2E44AF77662F}"/>
+                <a16:creationId xmlns:a16="http://schemas.microsoft.com/office/drawing/2014/main" id="{07FFDBFC-6AE3-4868-8727-CA2476AF3F85}"/>
               </a:ext>
             </a:extLst>
           </p:cNvPr>
@@ -5819,118 +5813,101 @@
             <p:ph type="title"/>
           </p:nvPr>
         </p:nvSpPr>
-        <p:spPr>
-          <a:xfrm>
-            <a:off x="838200" y="365125"/>
-            <a:ext cx="10515600" cy="836951"/>
-          </a:xfrm>
-        </p:spPr>
+        <p:spPr/>
         <p:txBody>
           <a:bodyPr/>
           <a:lstStyle/>
           <a:p>
+            <a:pPr algn="ctr"/>
             <a:r>
               <a:rPr lang="en-US" dirty="0">
                 <a:solidFill>
                   <a:srgbClr val="00FF00"/>
                 </a:solidFill>
               </a:rPr>
-              <a:t>Electron ionization mass spectrometry (EIMS)</a:t>
-            </a:r>
-          </a:p>
-        </p:txBody>
-      </p:sp>
-      <p:sp>
-        <p:nvSpPr>
-          <p:cNvPr id="3" name="Content Placeholder 2">
+              <a:t>EIMS examples</a:t>
+            </a:r>
+          </a:p>
+        </p:txBody>
+      </p:sp>
+      <p:pic>
+        <p:nvPicPr>
+          <p:cNvPr id="7" name="Picture 6">
             <a:extLst>
               <a:ext uri="{FF2B5EF4-FFF2-40B4-BE49-F238E27FC236}">
-                <a16:creationId xmlns:a16="http://schemas.microsoft.com/office/drawing/2014/main" id="{E314368E-B449-4FE8-BB4E-92A8EAC3565D}"/>
+                <a16:creationId xmlns:a16="http://schemas.microsoft.com/office/drawing/2014/main" id="{6207C051-FFA0-40E9-BC83-67C5E5ADD9EA}"/>
               </a:ext>
             </a:extLst>
           </p:cNvPr>
-          <p:cNvSpPr>
-            <a:spLocks noGrp="1"/>
-          </p:cNvSpPr>
-          <p:nvPr>
-            <p:ph idx="1"/>
-          </p:nvPr>
-        </p:nvSpPr>
-        <p:spPr>
-          <a:xfrm>
-            <a:off x="838201" y="1479479"/>
-            <a:ext cx="5696164" cy="4697484"/>
-          </a:xfrm>
-        </p:spPr>
-        <p:txBody>
-          <a:bodyPr/>
-          <a:lstStyle/>
-          <a:p>
-            <a:r>
-              <a:rPr lang="en-US" dirty="0"/>
-              <a:t>Molecular ions (M</a:t>
-            </a:r>
-            <a:r>
-              <a:rPr lang="en-US" baseline="30000" dirty="0"/>
-              <a:t>+</a:t>
-            </a:r>
-            <a:r>
-              <a:rPr lang="en-US" dirty="0"/>
-              <a:t>) are created with a wide range of internal energies</a:t>
-            </a:r>
-          </a:p>
-          <a:p>
-            <a:r>
-              <a:rPr lang="en-US" dirty="0"/>
-              <a:t>Many break into fragments</a:t>
-            </a:r>
-          </a:p>
-          <a:p>
-            <a:pPr lvl="1"/>
-            <a:r>
-              <a:rPr lang="en-US" dirty="0"/>
-              <a:t>Characteristic “mass spectrum” </a:t>
-            </a:r>
-          </a:p>
-          <a:p>
-            <a:pPr lvl="1"/>
-            <a:r>
-              <a:rPr lang="en-US" dirty="0"/>
-              <a:t>Important for analytical chemistry</a:t>
-            </a:r>
-          </a:p>
-          <a:p>
-            <a:r>
-              <a:rPr lang="en-US" dirty="0"/>
-              <a:t>70 eV is typical in analytical work</a:t>
-            </a:r>
-          </a:p>
-          <a:p>
-            <a:pPr lvl="1"/>
-            <a:r>
-              <a:rPr lang="en-US" dirty="0"/>
-              <a:t>Strong signal</a:t>
-            </a:r>
-          </a:p>
-          <a:p>
-            <a:pPr lvl="1"/>
-            <a:r>
-              <a:rPr lang="en-US" dirty="0"/>
-              <a:t>Stable fragmentation pattern</a:t>
-            </a:r>
-          </a:p>
-          <a:p>
-            <a:pPr lvl="1"/>
-            <a:endParaRPr lang="en-US" dirty="0"/>
-          </a:p>
-        </p:txBody>
-      </p:sp>
-      <p:sp>
-        <p:nvSpPr>
-          <p:cNvPr id="8" name="TextBox 7">
+          <p:cNvPicPr>
+            <a:picLocks noChangeAspect="1"/>
+          </p:cNvPicPr>
+          <p:nvPr/>
+        </p:nvPicPr>
+        <p:blipFill>
+          <a:blip r:embed="rId2">
+            <a:extLst>
+              <a:ext uri="{28A0092B-C50C-407E-A947-70E740481C1C}">
+                <a14:useLocalDpi xmlns:a14="http://schemas.microsoft.com/office/drawing/2010/main" val="0"/>
+              </a:ext>
+            </a:extLst>
+          </a:blip>
+          <a:stretch>
+            <a:fillRect/>
+          </a:stretch>
+        </p:blipFill>
+        <p:spPr>
+          <a:xfrm>
+            <a:off x="301564" y="1438507"/>
+            <a:ext cx="5660624" cy="4245468"/>
+          </a:xfrm>
+          <a:prstGeom prst="rect">
+            <a:avLst/>
+          </a:prstGeom>
+        </p:spPr>
+      </p:pic>
+      <p:pic>
+        <p:nvPicPr>
+          <p:cNvPr id="9" name="Picture 8">
             <a:extLst>
               <a:ext uri="{FF2B5EF4-FFF2-40B4-BE49-F238E27FC236}">
-                <a16:creationId xmlns:a16="http://schemas.microsoft.com/office/drawing/2014/main" id="{C528D227-CC43-41C5-9B56-8B1839B883F5}"/>
+                <a16:creationId xmlns:a16="http://schemas.microsoft.com/office/drawing/2014/main" id="{BE377FD4-979E-4157-83FC-B8F092DDA2B1}"/>
+              </a:ext>
+            </a:extLst>
+          </p:cNvPr>
+          <p:cNvPicPr>
+            <a:picLocks noChangeAspect="1"/>
+          </p:cNvPicPr>
+          <p:nvPr/>
+        </p:nvPicPr>
+        <p:blipFill>
+          <a:blip r:embed="rId3">
+            <a:extLst>
+              <a:ext uri="{28A0092B-C50C-407E-A947-70E740481C1C}">
+                <a14:useLocalDpi xmlns:a14="http://schemas.microsoft.com/office/drawing/2010/main" val="0"/>
+              </a:ext>
+            </a:extLst>
+          </a:blip>
+          <a:stretch>
+            <a:fillRect/>
+          </a:stretch>
+        </p:blipFill>
+        <p:spPr>
+          <a:xfrm>
+            <a:off x="6229812" y="1438507"/>
+            <a:ext cx="5660624" cy="4245468"/>
+          </a:xfrm>
+          <a:prstGeom prst="rect">
+            <a:avLst/>
+          </a:prstGeom>
+        </p:spPr>
+      </p:pic>
+      <p:sp>
+        <p:nvSpPr>
+          <p:cNvPr id="10" name="TextBox 9">
+            <a:extLst>
+              <a:ext uri="{FF2B5EF4-FFF2-40B4-BE49-F238E27FC236}">
+                <a16:creationId xmlns:a16="http://schemas.microsoft.com/office/drawing/2014/main" id="{349F80A7-720B-4AA1-8B20-11528EDF3CE4}"/>
               </a:ext>
             </a:extLst>
           </p:cNvPr>
@@ -5939,8 +5916,8 @@
         </p:nvSpPr>
         <p:spPr>
           <a:xfrm>
-            <a:off x="8664498" y="1398425"/>
-            <a:ext cx="1138453" cy="523220"/>
+            <a:off x="3636794" y="5798635"/>
+            <a:ext cx="5186035" cy="584775"/>
           </a:xfrm>
           <a:prstGeom prst="rect">
             <a:avLst/>
@@ -5954,910 +5931,20 @@
           <a:lstStyle/>
           <a:p>
             <a:r>
-              <a:rPr lang="en-US" sz="2800" dirty="0">
-                <a:solidFill>
-                  <a:srgbClr val="FFFF00"/>
-                </a:solidFill>
-              </a:rPr>
-              <a:t>M + </a:t>
-            </a:r>
-            <a:r>
-              <a:rPr lang="en-US" sz="2800" i="1" dirty="0">
-                <a:solidFill>
-                  <a:srgbClr val="FFFF00"/>
-                </a:solidFill>
-              </a:rPr>
-              <a:t>e</a:t>
-            </a:r>
-            <a:r>
-              <a:rPr lang="en-US" sz="2800" baseline="30000" dirty="0">
-                <a:solidFill>
-                  <a:srgbClr val="FFFF00"/>
-                </a:solidFill>
-                <a:latin typeface="Symbol" panose="05050102010706020507" pitchFamily="18" charset="2"/>
-              </a:rPr>
-              <a:t>-</a:t>
-            </a:r>
-          </a:p>
-        </p:txBody>
-      </p:sp>
-      <p:cxnSp>
-        <p:nvCxnSpPr>
-          <p:cNvPr id="10" name="Straight Arrow Connector 9">
-            <a:extLst>
-              <a:ext uri="{FF2B5EF4-FFF2-40B4-BE49-F238E27FC236}">
-                <a16:creationId xmlns:a16="http://schemas.microsoft.com/office/drawing/2014/main" id="{CEA7AD14-3B31-4A65-A097-AEDEE004C960}"/>
-              </a:ext>
-            </a:extLst>
-          </p:cNvPr>
-          <p:cNvCxnSpPr/>
-          <p:nvPr/>
-        </p:nvCxnSpPr>
-        <p:spPr>
-          <a:xfrm flipH="1">
-            <a:off x="8653346" y="1921644"/>
-            <a:ext cx="423746" cy="646771"/>
-          </a:xfrm>
-          <a:prstGeom prst="straightConnector1">
-            <a:avLst/>
-          </a:prstGeom>
-          <a:ln w="25400">
-            <a:solidFill>
-              <a:srgbClr val="00B0F0"/>
-            </a:solidFill>
-            <a:tailEnd type="triangle"/>
-          </a:ln>
-        </p:spPr>
-        <p:style>
-          <a:lnRef idx="1">
-            <a:schemeClr val="accent1"/>
-          </a:lnRef>
-          <a:fillRef idx="0">
-            <a:schemeClr val="accent1"/>
-          </a:fillRef>
-          <a:effectRef idx="0">
-            <a:schemeClr val="accent1"/>
-          </a:effectRef>
-          <a:fontRef idx="minor">
-            <a:schemeClr val="tx1"/>
-          </a:fontRef>
-        </p:style>
-      </p:cxnSp>
-      <p:sp>
-        <p:nvSpPr>
-          <p:cNvPr id="11" name="TextBox 10">
-            <a:extLst>
-              <a:ext uri="{FF2B5EF4-FFF2-40B4-BE49-F238E27FC236}">
-                <a16:creationId xmlns:a16="http://schemas.microsoft.com/office/drawing/2014/main" id="{040E655A-73F7-48B6-AAB8-F62D685FDCC9}"/>
-              </a:ext>
-            </a:extLst>
-          </p:cNvPr>
-          <p:cNvSpPr txBox="1"/>
-          <p:nvPr/>
-        </p:nvSpPr>
-        <p:spPr>
-          <a:xfrm>
-            <a:off x="7175609" y="2568416"/>
-            <a:ext cx="1901483" cy="523220"/>
-          </a:xfrm>
-          <a:prstGeom prst="rect">
-            <a:avLst/>
-          </a:prstGeom>
-          <a:noFill/>
-        </p:spPr>
-        <p:txBody>
-          <a:bodyPr wrap="none" rtlCol="0">
-            <a:spAutoFit/>
-          </a:bodyPr>
-          <a:lstStyle/>
-          <a:p>
-            <a:r>
-              <a:rPr lang="en-US" sz="2800" dirty="0">
-                <a:solidFill>
-                  <a:srgbClr val="FFFF00"/>
-                </a:solidFill>
-              </a:rPr>
-              <a:t>2</a:t>
-            </a:r>
-            <a:r>
-              <a:rPr lang="en-US" sz="2800" i="1" dirty="0">
-                <a:solidFill>
-                  <a:srgbClr val="FFFF00"/>
-                </a:solidFill>
-              </a:rPr>
-              <a:t>e</a:t>
-            </a:r>
-            <a:r>
-              <a:rPr lang="en-US" sz="2800" baseline="30000" dirty="0">
-                <a:solidFill>
-                  <a:srgbClr val="FFFF00"/>
-                </a:solidFill>
-                <a:latin typeface="Symbol" panose="05050102010706020507" pitchFamily="18" charset="2"/>
-              </a:rPr>
-              <a:t>-</a:t>
-            </a:r>
-            <a:r>
-              <a:rPr lang="en-US" sz="2800" dirty="0">
-                <a:solidFill>
-                  <a:srgbClr val="FFFF00"/>
-                </a:solidFill>
-              </a:rPr>
-              <a:t> + [M</a:t>
-            </a:r>
-            <a:r>
-              <a:rPr lang="en-US" sz="2800" baseline="30000" dirty="0">
-                <a:solidFill>
-                  <a:srgbClr val="FFFF00"/>
-                </a:solidFill>
-              </a:rPr>
-              <a:t>+</a:t>
-            </a:r>
-            <a:r>
-              <a:rPr lang="en-US" sz="2800" dirty="0">
-                <a:solidFill>
-                  <a:srgbClr val="FFFF00"/>
-                </a:solidFill>
-              </a:rPr>
-              <a:t>]*</a:t>
-            </a:r>
-            <a:endParaRPr lang="en-US" sz="2800" baseline="30000" dirty="0">
-              <a:solidFill>
-                <a:srgbClr val="FFFF00"/>
-              </a:solidFill>
-              <a:latin typeface="Symbol" panose="05050102010706020507" pitchFamily="18" charset="2"/>
-            </a:endParaRPr>
-          </a:p>
-        </p:txBody>
-      </p:sp>
-      <p:cxnSp>
-        <p:nvCxnSpPr>
-          <p:cNvPr id="12" name="Straight Arrow Connector 11">
-            <a:extLst>
-              <a:ext uri="{FF2B5EF4-FFF2-40B4-BE49-F238E27FC236}">
-                <a16:creationId xmlns:a16="http://schemas.microsoft.com/office/drawing/2014/main" id="{3DFA1B9C-DCBE-42CC-B6FC-75C7B7438C95}"/>
-              </a:ext>
-            </a:extLst>
-          </p:cNvPr>
-          <p:cNvCxnSpPr>
-            <a:cxnSpLocks/>
-          </p:cNvCxnSpPr>
-          <p:nvPr/>
-        </p:nvCxnSpPr>
-        <p:spPr>
-          <a:xfrm>
-            <a:off x="9379205" y="1921644"/>
-            <a:ext cx="423746" cy="646771"/>
-          </a:xfrm>
-          <a:prstGeom prst="straightConnector1">
-            <a:avLst/>
-          </a:prstGeom>
-          <a:ln w="25400">
-            <a:solidFill>
-              <a:srgbClr val="00B0F0"/>
-            </a:solidFill>
-            <a:tailEnd type="triangle"/>
-          </a:ln>
-        </p:spPr>
-        <p:style>
-          <a:lnRef idx="1">
-            <a:schemeClr val="accent1"/>
-          </a:lnRef>
-          <a:fillRef idx="0">
-            <a:schemeClr val="accent1"/>
-          </a:fillRef>
-          <a:effectRef idx="0">
-            <a:schemeClr val="accent1"/>
-          </a:effectRef>
-          <a:fontRef idx="minor">
-            <a:schemeClr val="tx1"/>
-          </a:fontRef>
-        </p:style>
-      </p:cxnSp>
-      <p:sp>
-        <p:nvSpPr>
-          <p:cNvPr id="13" name="TextBox 12">
-            <a:extLst>
-              <a:ext uri="{FF2B5EF4-FFF2-40B4-BE49-F238E27FC236}">
-                <a16:creationId xmlns:a16="http://schemas.microsoft.com/office/drawing/2014/main" id="{633418CD-4B6A-41AD-9109-0BF6FE29F145}"/>
-              </a:ext>
-            </a:extLst>
-          </p:cNvPr>
-          <p:cNvSpPr txBox="1"/>
-          <p:nvPr/>
-        </p:nvSpPr>
-        <p:spPr>
-          <a:xfrm>
-            <a:off x="9548455" y="2568416"/>
-            <a:ext cx="2012747" cy="523220"/>
-          </a:xfrm>
-          <a:prstGeom prst="rect">
-            <a:avLst/>
-          </a:prstGeom>
-          <a:noFill/>
-        </p:spPr>
-        <p:txBody>
-          <a:bodyPr wrap="square" rtlCol="0">
-            <a:spAutoFit/>
-          </a:bodyPr>
-          <a:lstStyle/>
-          <a:p>
-            <a:r>
-              <a:rPr lang="en-US" sz="2800" dirty="0">
-                <a:solidFill>
-                  <a:srgbClr val="FFFF00"/>
-                </a:solidFill>
-              </a:rPr>
-              <a:t>[M</a:t>
-            </a:r>
-            <a:r>
-              <a:rPr lang="en-US" sz="2800" baseline="30000" dirty="0">
-                <a:solidFill>
-                  <a:srgbClr val="FFFF00"/>
-                </a:solidFill>
-              </a:rPr>
-              <a:t>++</a:t>
-            </a:r>
-            <a:r>
-              <a:rPr lang="en-US" sz="2800" dirty="0">
-                <a:solidFill>
-                  <a:srgbClr val="FFFF00"/>
-                </a:solidFill>
-              </a:rPr>
-              <a:t>]* + 2</a:t>
-            </a:r>
-            <a:r>
-              <a:rPr lang="en-US" sz="2800" i="1" dirty="0">
-                <a:solidFill>
-                  <a:srgbClr val="FFFF00"/>
-                </a:solidFill>
-              </a:rPr>
-              <a:t>e</a:t>
-            </a:r>
-            <a:r>
-              <a:rPr lang="en-US" sz="2800" baseline="30000" dirty="0">
-                <a:solidFill>
-                  <a:srgbClr val="FFFF00"/>
-                </a:solidFill>
-                <a:latin typeface="Symbol" panose="05050102010706020507" pitchFamily="18" charset="2"/>
-              </a:rPr>
-              <a:t>-</a:t>
-            </a:r>
-          </a:p>
-        </p:txBody>
-      </p:sp>
-      <p:cxnSp>
-        <p:nvCxnSpPr>
-          <p:cNvPr id="15" name="Straight Arrow Connector 14">
-            <a:extLst>
-              <a:ext uri="{FF2B5EF4-FFF2-40B4-BE49-F238E27FC236}">
-                <a16:creationId xmlns:a16="http://schemas.microsoft.com/office/drawing/2014/main" id="{8B417EC1-EA07-4EBE-869B-2157303A48D6}"/>
-              </a:ext>
-            </a:extLst>
-          </p:cNvPr>
-          <p:cNvCxnSpPr/>
-          <p:nvPr/>
-        </p:nvCxnSpPr>
-        <p:spPr>
-          <a:xfrm>
-            <a:off x="9034469" y="2830026"/>
-            <a:ext cx="513986" cy="0"/>
-          </a:xfrm>
-          <a:prstGeom prst="straightConnector1">
-            <a:avLst/>
-          </a:prstGeom>
-          <a:ln w="25400">
-            <a:solidFill>
-              <a:srgbClr val="00B0F0"/>
-            </a:solidFill>
-            <a:tailEnd type="triangle"/>
-          </a:ln>
-        </p:spPr>
-        <p:style>
-          <a:lnRef idx="1">
-            <a:schemeClr val="accent1"/>
-          </a:lnRef>
-          <a:fillRef idx="0">
-            <a:schemeClr val="accent1"/>
-          </a:fillRef>
-          <a:effectRef idx="0">
-            <a:schemeClr val="accent1"/>
-          </a:effectRef>
-          <a:fontRef idx="minor">
-            <a:schemeClr val="tx1"/>
-          </a:fontRef>
-        </p:style>
-      </p:cxnSp>
-      <p:cxnSp>
-        <p:nvCxnSpPr>
-          <p:cNvPr id="16" name="Straight Arrow Connector 15">
-            <a:extLst>
-              <a:ext uri="{FF2B5EF4-FFF2-40B4-BE49-F238E27FC236}">
-                <a16:creationId xmlns:a16="http://schemas.microsoft.com/office/drawing/2014/main" id="{D167BC52-486C-4CFD-82EB-09EC8796259D}"/>
-              </a:ext>
-            </a:extLst>
-          </p:cNvPr>
-          <p:cNvCxnSpPr/>
-          <p:nvPr/>
-        </p:nvCxnSpPr>
-        <p:spPr>
-          <a:xfrm flipH="1">
-            <a:off x="7819891" y="3119594"/>
-            <a:ext cx="423746" cy="646771"/>
-          </a:xfrm>
-          <a:prstGeom prst="straightConnector1">
-            <a:avLst/>
-          </a:prstGeom>
-          <a:ln w="25400">
-            <a:solidFill>
-              <a:srgbClr val="00B0F0"/>
-            </a:solidFill>
-            <a:tailEnd type="triangle"/>
-          </a:ln>
-        </p:spPr>
-        <p:style>
-          <a:lnRef idx="1">
-            <a:schemeClr val="accent1"/>
-          </a:lnRef>
-          <a:fillRef idx="0">
-            <a:schemeClr val="accent1"/>
-          </a:fillRef>
-          <a:effectRef idx="0">
-            <a:schemeClr val="accent1"/>
-          </a:effectRef>
-          <a:fontRef idx="minor">
-            <a:schemeClr val="tx1"/>
-          </a:fontRef>
-        </p:style>
-      </p:cxnSp>
-      <p:sp>
-        <p:nvSpPr>
-          <p:cNvPr id="17" name="TextBox 16">
-            <a:extLst>
-              <a:ext uri="{FF2B5EF4-FFF2-40B4-BE49-F238E27FC236}">
-                <a16:creationId xmlns:a16="http://schemas.microsoft.com/office/drawing/2014/main" id="{E4206F67-520A-4C1C-AD27-2CDF4A4A652C}"/>
-              </a:ext>
-            </a:extLst>
-          </p:cNvPr>
-          <p:cNvSpPr txBox="1"/>
-          <p:nvPr/>
-        </p:nvSpPr>
-        <p:spPr>
-          <a:xfrm>
-            <a:off x="7430344" y="3766365"/>
-            <a:ext cx="611065" cy="523220"/>
-          </a:xfrm>
-          <a:prstGeom prst="rect">
-            <a:avLst/>
-          </a:prstGeom>
-          <a:noFill/>
-        </p:spPr>
-        <p:txBody>
-          <a:bodyPr wrap="none" rtlCol="0">
-            <a:spAutoFit/>
-          </a:bodyPr>
-          <a:lstStyle/>
-          <a:p>
-            <a:r>
-              <a:rPr lang="en-US" sz="2800" dirty="0">
-                <a:solidFill>
-                  <a:srgbClr val="FFFF00"/>
-                </a:solidFill>
-              </a:rPr>
-              <a:t>M</a:t>
-            </a:r>
-            <a:r>
-              <a:rPr lang="en-US" sz="2800" baseline="30000" dirty="0">
-                <a:solidFill>
-                  <a:srgbClr val="FFFF00"/>
-                </a:solidFill>
-              </a:rPr>
-              <a:t>+</a:t>
-            </a:r>
-            <a:endParaRPr lang="en-US" sz="2800" baseline="30000" dirty="0">
-              <a:solidFill>
-                <a:srgbClr val="FFFF00"/>
-              </a:solidFill>
-              <a:latin typeface="Symbol" panose="05050102010706020507" pitchFamily="18" charset="2"/>
-            </a:endParaRPr>
-          </a:p>
-        </p:txBody>
-      </p:sp>
-      <p:cxnSp>
-        <p:nvCxnSpPr>
-          <p:cNvPr id="18" name="Straight Arrow Connector 17">
-            <a:extLst>
-              <a:ext uri="{FF2B5EF4-FFF2-40B4-BE49-F238E27FC236}">
-                <a16:creationId xmlns:a16="http://schemas.microsoft.com/office/drawing/2014/main" id="{E030AE71-7F90-4EFC-B7CE-41A7536BDEC3}"/>
-              </a:ext>
-            </a:extLst>
-          </p:cNvPr>
-          <p:cNvCxnSpPr>
-            <a:cxnSpLocks/>
-          </p:cNvCxnSpPr>
-          <p:nvPr/>
-        </p:nvCxnSpPr>
-        <p:spPr>
-          <a:xfrm>
-            <a:off x="10143262" y="3119594"/>
-            <a:ext cx="423746" cy="646771"/>
-          </a:xfrm>
-          <a:prstGeom prst="straightConnector1">
-            <a:avLst/>
-          </a:prstGeom>
-          <a:ln w="25400">
-            <a:solidFill>
-              <a:srgbClr val="00B0F0"/>
-            </a:solidFill>
-            <a:tailEnd type="triangle"/>
-          </a:ln>
-        </p:spPr>
-        <p:style>
-          <a:lnRef idx="1">
-            <a:schemeClr val="accent1"/>
-          </a:lnRef>
-          <a:fillRef idx="0">
-            <a:schemeClr val="accent1"/>
-          </a:fillRef>
-          <a:effectRef idx="0">
-            <a:schemeClr val="accent1"/>
-          </a:effectRef>
-          <a:fontRef idx="minor">
-            <a:schemeClr val="tx1"/>
-          </a:fontRef>
-        </p:style>
-      </p:cxnSp>
-      <p:sp>
-        <p:nvSpPr>
-          <p:cNvPr id="19" name="TextBox 18">
-            <a:extLst>
-              <a:ext uri="{FF2B5EF4-FFF2-40B4-BE49-F238E27FC236}">
-                <a16:creationId xmlns:a16="http://schemas.microsoft.com/office/drawing/2014/main" id="{2DA45B10-5957-429E-8B09-4EAC1194CAC9}"/>
-              </a:ext>
-            </a:extLst>
-          </p:cNvPr>
-          <p:cNvSpPr txBox="1"/>
-          <p:nvPr/>
-        </p:nvSpPr>
-        <p:spPr>
-          <a:xfrm>
-            <a:off x="10450264" y="3766365"/>
-            <a:ext cx="731419" cy="523220"/>
-          </a:xfrm>
-          <a:prstGeom prst="rect">
-            <a:avLst/>
-          </a:prstGeom>
-          <a:noFill/>
-        </p:spPr>
-        <p:txBody>
-          <a:bodyPr wrap="none" rtlCol="0">
-            <a:spAutoFit/>
-          </a:bodyPr>
-          <a:lstStyle/>
-          <a:p>
-            <a:r>
-              <a:rPr lang="en-US" sz="2800" dirty="0">
-                <a:solidFill>
-                  <a:srgbClr val="FFFF00"/>
-                </a:solidFill>
-              </a:rPr>
-              <a:t>M</a:t>
-            </a:r>
-            <a:r>
-              <a:rPr lang="en-US" sz="2800" baseline="30000" dirty="0">
-                <a:solidFill>
-                  <a:srgbClr val="FFFF00"/>
-                </a:solidFill>
-              </a:rPr>
-              <a:t>++</a:t>
-            </a:r>
-            <a:endParaRPr lang="en-US" sz="2800" baseline="30000" dirty="0">
-              <a:solidFill>
-                <a:srgbClr val="FFFF00"/>
-              </a:solidFill>
-              <a:latin typeface="Symbol" panose="05050102010706020507" pitchFamily="18" charset="2"/>
-            </a:endParaRPr>
-          </a:p>
-        </p:txBody>
-      </p:sp>
-      <p:cxnSp>
-        <p:nvCxnSpPr>
-          <p:cNvPr id="20" name="Straight Arrow Connector 19">
-            <a:extLst>
-              <a:ext uri="{FF2B5EF4-FFF2-40B4-BE49-F238E27FC236}">
-                <a16:creationId xmlns:a16="http://schemas.microsoft.com/office/drawing/2014/main" id="{C6E31513-6C58-44C2-85C5-87F1C4CA1177}"/>
-              </a:ext>
-            </a:extLst>
-          </p:cNvPr>
-          <p:cNvCxnSpPr>
-            <a:cxnSpLocks/>
-          </p:cNvCxnSpPr>
-          <p:nvPr/>
-        </p:nvCxnSpPr>
-        <p:spPr>
-          <a:xfrm>
-            <a:off x="8642709" y="3119594"/>
-            <a:ext cx="0" cy="1169991"/>
-          </a:xfrm>
-          <a:prstGeom prst="straightConnector1">
-            <a:avLst/>
-          </a:prstGeom>
-          <a:ln w="25400">
-            <a:solidFill>
-              <a:srgbClr val="00B0F0"/>
-            </a:solidFill>
-            <a:tailEnd type="triangle"/>
-          </a:ln>
-        </p:spPr>
-        <p:style>
-          <a:lnRef idx="1">
-            <a:schemeClr val="accent1"/>
-          </a:lnRef>
-          <a:fillRef idx="0">
-            <a:schemeClr val="accent1"/>
-          </a:fillRef>
-          <a:effectRef idx="0">
-            <a:schemeClr val="accent1"/>
-          </a:effectRef>
-          <a:fontRef idx="minor">
-            <a:schemeClr val="tx1"/>
-          </a:fontRef>
-        </p:style>
-      </p:cxnSp>
-      <p:sp>
-        <p:nvSpPr>
-          <p:cNvPr id="22" name="TextBox 21">
-            <a:extLst>
-              <a:ext uri="{FF2B5EF4-FFF2-40B4-BE49-F238E27FC236}">
-                <a16:creationId xmlns:a16="http://schemas.microsoft.com/office/drawing/2014/main" id="{B2175B3C-86B3-4386-A04B-2BD8B534E665}"/>
-              </a:ext>
-            </a:extLst>
-          </p:cNvPr>
-          <p:cNvSpPr txBox="1"/>
-          <p:nvPr/>
-        </p:nvSpPr>
-        <p:spPr>
-          <a:xfrm>
-            <a:off x="7969644" y="4317543"/>
-            <a:ext cx="1023037" cy="523220"/>
-          </a:xfrm>
-          <a:prstGeom prst="rect">
-            <a:avLst/>
-          </a:prstGeom>
-          <a:noFill/>
-        </p:spPr>
-        <p:txBody>
-          <a:bodyPr wrap="none" rtlCol="0">
-            <a:spAutoFit/>
-          </a:bodyPr>
-          <a:lstStyle/>
-          <a:p>
-            <a:r>
-              <a:rPr lang="en-US" sz="2800" dirty="0">
-                <a:solidFill>
-                  <a:srgbClr val="FFFF00"/>
-                </a:solidFill>
-              </a:rPr>
-              <a:t>Z + A</a:t>
-            </a:r>
-            <a:r>
-              <a:rPr lang="en-US" sz="2800" baseline="30000" dirty="0">
-                <a:solidFill>
-                  <a:srgbClr val="FFFF00"/>
-                </a:solidFill>
-              </a:rPr>
-              <a:t>+</a:t>
-            </a:r>
-            <a:endParaRPr lang="en-US" sz="2800" baseline="30000" dirty="0">
-              <a:solidFill>
-                <a:srgbClr val="FFFF00"/>
-              </a:solidFill>
-              <a:latin typeface="Symbol" panose="05050102010706020507" pitchFamily="18" charset="2"/>
-            </a:endParaRPr>
-          </a:p>
-        </p:txBody>
-      </p:sp>
-      <p:cxnSp>
-        <p:nvCxnSpPr>
-          <p:cNvPr id="23" name="Straight Arrow Connector 22">
-            <a:extLst>
-              <a:ext uri="{FF2B5EF4-FFF2-40B4-BE49-F238E27FC236}">
-                <a16:creationId xmlns:a16="http://schemas.microsoft.com/office/drawing/2014/main" id="{28659E63-6E0E-469F-8DEC-3036FA3DD613}"/>
-              </a:ext>
-            </a:extLst>
-          </p:cNvPr>
-          <p:cNvCxnSpPr>
-            <a:cxnSpLocks/>
-          </p:cNvCxnSpPr>
-          <p:nvPr/>
-        </p:nvCxnSpPr>
-        <p:spPr>
-          <a:xfrm>
-            <a:off x="9802951" y="3129412"/>
-            <a:ext cx="0" cy="1169991"/>
-          </a:xfrm>
-          <a:prstGeom prst="straightConnector1">
-            <a:avLst/>
-          </a:prstGeom>
-          <a:ln w="25400">
-            <a:solidFill>
-              <a:srgbClr val="00B0F0"/>
-            </a:solidFill>
-            <a:tailEnd type="triangle"/>
-          </a:ln>
-        </p:spPr>
-        <p:style>
-          <a:lnRef idx="1">
-            <a:schemeClr val="accent1"/>
-          </a:lnRef>
-          <a:fillRef idx="0">
-            <a:schemeClr val="accent1"/>
-          </a:fillRef>
-          <a:effectRef idx="0">
-            <a:schemeClr val="accent1"/>
-          </a:effectRef>
-          <a:fontRef idx="minor">
-            <a:schemeClr val="tx1"/>
-          </a:fontRef>
-        </p:style>
-      </p:cxnSp>
-      <p:sp>
-        <p:nvSpPr>
-          <p:cNvPr id="24" name="TextBox 23">
-            <a:extLst>
-              <a:ext uri="{FF2B5EF4-FFF2-40B4-BE49-F238E27FC236}">
-                <a16:creationId xmlns:a16="http://schemas.microsoft.com/office/drawing/2014/main" id="{0B93315F-CB7B-4E97-BE36-35ABB585529D}"/>
-              </a:ext>
-            </a:extLst>
-          </p:cNvPr>
-          <p:cNvSpPr txBox="1"/>
-          <p:nvPr/>
-        </p:nvSpPr>
-        <p:spPr>
-          <a:xfrm>
-            <a:off x="9591078" y="4337179"/>
-            <a:ext cx="1669047" cy="523220"/>
-          </a:xfrm>
-          <a:prstGeom prst="rect">
-            <a:avLst/>
-          </a:prstGeom>
-          <a:noFill/>
-        </p:spPr>
-        <p:txBody>
-          <a:bodyPr wrap="none" rtlCol="0">
-            <a:spAutoFit/>
-          </a:bodyPr>
-          <a:lstStyle/>
-          <a:p>
-            <a:r>
-              <a:rPr lang="en-US" sz="2800" dirty="0">
-                <a:solidFill>
-                  <a:srgbClr val="FFFF00"/>
-                </a:solidFill>
-              </a:rPr>
-              <a:t>B</a:t>
-            </a:r>
-            <a:r>
-              <a:rPr lang="en-US" sz="2800" baseline="30000" dirty="0">
-                <a:solidFill>
-                  <a:srgbClr val="FFFF00"/>
-                </a:solidFill>
-              </a:rPr>
-              <a:t>+</a:t>
-            </a:r>
-            <a:r>
-              <a:rPr lang="en-US" sz="2800" dirty="0">
-                <a:solidFill>
-                  <a:srgbClr val="FFFF00"/>
-                </a:solidFill>
-              </a:rPr>
-              <a:t> + C</a:t>
-            </a:r>
-            <a:r>
-              <a:rPr lang="en-US" sz="2800" baseline="30000" dirty="0">
-                <a:solidFill>
-                  <a:srgbClr val="FFFF00"/>
-                </a:solidFill>
-              </a:rPr>
-              <a:t>+</a:t>
-            </a:r>
-            <a:r>
-              <a:rPr lang="en-US" sz="2800" dirty="0">
-                <a:solidFill>
-                  <a:srgbClr val="FFFF00"/>
-                </a:solidFill>
-              </a:rPr>
-              <a:t> + Y</a:t>
-            </a:r>
-            <a:endParaRPr lang="en-US" sz="2800" baseline="30000" dirty="0">
-              <a:solidFill>
-                <a:srgbClr val="FFFF00"/>
-              </a:solidFill>
-              <a:latin typeface="Symbol" panose="05050102010706020507" pitchFamily="18" charset="2"/>
-            </a:endParaRPr>
-          </a:p>
-        </p:txBody>
-      </p:sp>
-      <p:cxnSp>
-        <p:nvCxnSpPr>
-          <p:cNvPr id="25" name="Straight Arrow Connector 24">
-            <a:extLst>
-              <a:ext uri="{FF2B5EF4-FFF2-40B4-BE49-F238E27FC236}">
-                <a16:creationId xmlns:a16="http://schemas.microsoft.com/office/drawing/2014/main" id="{4B8A1C6B-7ED2-4A89-A41A-943DC018E674}"/>
-              </a:ext>
-            </a:extLst>
-          </p:cNvPr>
-          <p:cNvCxnSpPr>
-            <a:cxnSpLocks/>
-          </p:cNvCxnSpPr>
-          <p:nvPr/>
-        </p:nvCxnSpPr>
-        <p:spPr>
-          <a:xfrm>
-            <a:off x="8789575" y="4831435"/>
-            <a:ext cx="520128" cy="551178"/>
-          </a:xfrm>
-          <a:prstGeom prst="straightConnector1">
-            <a:avLst/>
-          </a:prstGeom>
-          <a:ln w="25400">
-            <a:solidFill>
-              <a:srgbClr val="00B0F0"/>
-            </a:solidFill>
-            <a:tailEnd type="triangle"/>
-          </a:ln>
-        </p:spPr>
-        <p:style>
-          <a:lnRef idx="1">
-            <a:schemeClr val="accent1"/>
-          </a:lnRef>
-          <a:fillRef idx="0">
-            <a:schemeClr val="accent1"/>
-          </a:fillRef>
-          <a:effectRef idx="0">
-            <a:schemeClr val="accent1"/>
-          </a:effectRef>
-          <a:fontRef idx="minor">
-            <a:schemeClr val="tx1"/>
-          </a:fontRef>
-        </p:style>
-      </p:cxnSp>
-      <p:cxnSp>
-        <p:nvCxnSpPr>
-          <p:cNvPr id="26" name="Straight Arrow Connector 25">
-            <a:extLst>
-              <a:ext uri="{FF2B5EF4-FFF2-40B4-BE49-F238E27FC236}">
-                <a16:creationId xmlns:a16="http://schemas.microsoft.com/office/drawing/2014/main" id="{7170201E-8A4E-4B20-B39D-DA8E19867B3E}"/>
-              </a:ext>
-            </a:extLst>
-          </p:cNvPr>
-          <p:cNvCxnSpPr>
-            <a:cxnSpLocks/>
-          </p:cNvCxnSpPr>
-          <p:nvPr/>
-        </p:nvCxnSpPr>
-        <p:spPr>
-          <a:xfrm flipH="1">
-            <a:off x="9750603" y="4831435"/>
-            <a:ext cx="614743" cy="557479"/>
-          </a:xfrm>
-          <a:prstGeom prst="straightConnector1">
-            <a:avLst/>
-          </a:prstGeom>
-          <a:ln w="25400">
-            <a:solidFill>
-              <a:srgbClr val="00B0F0"/>
-            </a:solidFill>
-            <a:tailEnd type="triangle"/>
-          </a:ln>
-        </p:spPr>
-        <p:style>
-          <a:lnRef idx="1">
-            <a:schemeClr val="accent1"/>
-          </a:lnRef>
-          <a:fillRef idx="0">
-            <a:schemeClr val="accent1"/>
-          </a:fillRef>
-          <a:effectRef idx="0">
-            <a:schemeClr val="accent1"/>
-          </a:effectRef>
-          <a:fontRef idx="minor">
-            <a:schemeClr val="tx1"/>
-          </a:fontRef>
-        </p:style>
-      </p:cxnSp>
-      <p:cxnSp>
-        <p:nvCxnSpPr>
-          <p:cNvPr id="27" name="Straight Arrow Connector 26">
-            <a:extLst>
-              <a:ext uri="{FF2B5EF4-FFF2-40B4-BE49-F238E27FC236}">
-                <a16:creationId xmlns:a16="http://schemas.microsoft.com/office/drawing/2014/main" id="{22373249-DC19-49F6-A571-266E96256E0A}"/>
-              </a:ext>
-            </a:extLst>
-          </p:cNvPr>
-          <p:cNvCxnSpPr>
-            <a:cxnSpLocks/>
-          </p:cNvCxnSpPr>
-          <p:nvPr/>
-        </p:nvCxnSpPr>
-        <p:spPr>
-          <a:xfrm flipH="1">
-            <a:off x="9548455" y="4837815"/>
-            <a:ext cx="254496" cy="559375"/>
-          </a:xfrm>
-          <a:prstGeom prst="straightConnector1">
-            <a:avLst/>
-          </a:prstGeom>
-          <a:ln w="25400">
-            <a:solidFill>
-              <a:srgbClr val="00B0F0"/>
-            </a:solidFill>
-            <a:tailEnd type="triangle"/>
-          </a:ln>
-        </p:spPr>
-        <p:style>
-          <a:lnRef idx="1">
-            <a:schemeClr val="accent1"/>
-          </a:lnRef>
-          <a:fillRef idx="0">
-            <a:schemeClr val="accent1"/>
-          </a:fillRef>
-          <a:effectRef idx="0">
-            <a:schemeClr val="accent1"/>
-          </a:effectRef>
-          <a:fontRef idx="minor">
-            <a:schemeClr val="tx1"/>
-          </a:fontRef>
-        </p:style>
-      </p:cxnSp>
-      <p:sp>
-        <p:nvSpPr>
-          <p:cNvPr id="31" name="TextBox 30">
-            <a:extLst>
-              <a:ext uri="{FF2B5EF4-FFF2-40B4-BE49-F238E27FC236}">
-                <a16:creationId xmlns:a16="http://schemas.microsoft.com/office/drawing/2014/main" id="{0BC575D0-41EA-45F6-8EFC-2DF33929E5C6}"/>
-              </a:ext>
-            </a:extLst>
-          </p:cNvPr>
-          <p:cNvSpPr txBox="1"/>
-          <p:nvPr/>
-        </p:nvSpPr>
-        <p:spPr>
-          <a:xfrm>
-            <a:off x="8359391" y="5406982"/>
-            <a:ext cx="2051074" cy="461665"/>
-          </a:xfrm>
-          <a:prstGeom prst="rect">
-            <a:avLst/>
-          </a:prstGeom>
-          <a:noFill/>
-        </p:spPr>
-        <p:txBody>
-          <a:bodyPr wrap="none" rtlCol="0">
-            <a:spAutoFit/>
-          </a:bodyPr>
-          <a:lstStyle/>
-          <a:p>
-            <a:r>
-              <a:rPr lang="en-US" sz="2400" dirty="0">
-                <a:solidFill>
-                  <a:srgbClr val="FFFF00"/>
-                </a:solidFill>
-              </a:rPr>
-              <a:t>secondary ions</a:t>
-            </a:r>
-            <a:endParaRPr lang="en-US" sz="2400" baseline="30000" dirty="0">
-              <a:solidFill>
-                <a:srgbClr val="FFFF00"/>
-              </a:solidFill>
-              <a:latin typeface="Symbol" panose="05050102010706020507" pitchFamily="18" charset="2"/>
-            </a:endParaRPr>
+              <a:rPr lang="en-US" sz="3200" dirty="0">
+                <a:solidFill>
+                  <a:srgbClr val="FFFF00"/>
+                </a:solidFill>
+              </a:rPr>
+              <a:t>No reliable, predictive theory!</a:t>
+            </a:r>
           </a:p>
         </p:txBody>
       </p:sp>
     </p:spTree>
     <p:extLst>
       <p:ext uri="{BB962C8B-B14F-4D97-AF65-F5344CB8AC3E}">
-        <p14:creationId xmlns:p14="http://schemas.microsoft.com/office/powerpoint/2010/main" val="3927942114"/>
+        <p14:creationId xmlns:p14="http://schemas.microsoft.com/office/powerpoint/2010/main" val="2349353262"/>
       </p:ext>
     </p:extLst>
   </p:cSld>
@@ -6889,7 +5976,7 @@
           <p:cNvPr id="2" name="Title 1">
             <a:extLst>
               <a:ext uri="{FF2B5EF4-FFF2-40B4-BE49-F238E27FC236}">
-                <a16:creationId xmlns:a16="http://schemas.microsoft.com/office/drawing/2014/main" id="{07FFDBFC-6AE3-4868-8727-CA2476AF3F85}"/>
+                <a16:creationId xmlns:a16="http://schemas.microsoft.com/office/drawing/2014/main" id="{F6A14B19-6D1D-4997-A1B1-8DCA74505436}"/>
               </a:ext>
             </a:extLst>
           </p:cNvPr>
@@ -6900,7 +5987,12 @@
             <p:ph type="title"/>
           </p:nvPr>
         </p:nvSpPr>
-        <p:spPr/>
+        <p:spPr>
+          <a:xfrm>
+            <a:off x="838200" y="365125"/>
+            <a:ext cx="10515600" cy="894963"/>
+          </a:xfrm>
+        </p:spPr>
         <p:txBody>
           <a:bodyPr/>
           <a:lstStyle/>
@@ -6912,89 +6004,185 @@
                   <a:srgbClr val="00FF00"/>
                 </a:solidFill>
               </a:rPr>
-              <a:t>EIMS examples</a:t>
-            </a:r>
-          </a:p>
-        </p:txBody>
-      </p:sp>
-      <p:pic>
-        <p:nvPicPr>
-          <p:cNvPr id="7" name="Picture 6">
+              <a:t>First-Principles modeling of EIMS?</a:t>
+            </a:r>
+          </a:p>
+        </p:txBody>
+      </p:sp>
+      <p:sp>
+        <p:nvSpPr>
+          <p:cNvPr id="3" name="Content Placeholder 2">
             <a:extLst>
               <a:ext uri="{FF2B5EF4-FFF2-40B4-BE49-F238E27FC236}">
-                <a16:creationId xmlns:a16="http://schemas.microsoft.com/office/drawing/2014/main" id="{6207C051-FFA0-40E9-BC83-67C5E5ADD9EA}"/>
+                <a16:creationId xmlns:a16="http://schemas.microsoft.com/office/drawing/2014/main" id="{817C9C84-C8D7-4CB7-8C56-C6846037A693}"/>
               </a:ext>
             </a:extLst>
           </p:cNvPr>
-          <p:cNvPicPr>
-            <a:picLocks noChangeAspect="1"/>
-          </p:cNvPicPr>
-          <p:nvPr/>
-        </p:nvPicPr>
-        <p:blipFill>
-          <a:blip r:embed="rId2">
-            <a:extLst>
-              <a:ext uri="{28A0092B-C50C-407E-A947-70E740481C1C}">
-                <a14:useLocalDpi xmlns:a14="http://schemas.microsoft.com/office/drawing/2010/main" val="0"/>
-              </a:ext>
-            </a:extLst>
-          </a:blip>
-          <a:stretch>
-            <a:fillRect/>
-          </a:stretch>
-        </p:blipFill>
-        <p:spPr>
-          <a:xfrm>
-            <a:off x="301564" y="1438507"/>
-            <a:ext cx="5660624" cy="4245468"/>
-          </a:xfrm>
-          <a:prstGeom prst="rect">
-            <a:avLst/>
-          </a:prstGeom>
-        </p:spPr>
-      </p:pic>
-      <p:pic>
-        <p:nvPicPr>
-          <p:cNvPr id="9" name="Picture 8">
+          <p:cNvSpPr>
+            <a:spLocks noGrp="1"/>
+          </p:cNvSpPr>
+          <p:nvPr>
+            <p:ph idx="1"/>
+          </p:nvPr>
+        </p:nvSpPr>
+        <p:spPr>
+          <a:xfrm>
+            <a:off x="838200" y="1393903"/>
+            <a:ext cx="10515600" cy="4025590"/>
+          </a:xfrm>
+        </p:spPr>
+        <p:txBody>
+          <a:bodyPr>
+            <a:normAutofit lnSpcReduction="10000"/>
+          </a:bodyPr>
+          <a:lstStyle/>
+          <a:p>
+            <a:r>
+              <a:rPr lang="en-US" dirty="0"/>
+              <a:t>Distribution of internal energies (depends on electron energy)</a:t>
+            </a:r>
+          </a:p>
+          <a:p>
+            <a:pPr lvl="1"/>
+            <a:r>
+              <a:rPr lang="en-US" dirty="0"/>
+              <a:t>Can be computed ab initio  </a:t>
+            </a:r>
+            <a:r>
+              <a:rPr lang="en-US" sz="2800" b="1" dirty="0">
+                <a:solidFill>
+                  <a:srgbClr val="00FF00"/>
+                </a:solidFill>
+                <a:latin typeface="Segoe UI Symbol" panose="020B0502040204020203" pitchFamily="34" charset="0"/>
+                <a:ea typeface="Segoe UI Symbol" panose="020B0502040204020203" pitchFamily="34" charset="0"/>
+              </a:rPr>
+              <a:t>😊</a:t>
+            </a:r>
+            <a:endParaRPr lang="en-US" b="1" dirty="0">
+              <a:solidFill>
+                <a:srgbClr val="00FF00"/>
+              </a:solidFill>
+            </a:endParaRPr>
+          </a:p>
+          <a:p>
+            <a:r>
+              <a:rPr lang="en-US" dirty="0"/>
+              <a:t>Chemical fate (depends on internal energy)</a:t>
+            </a:r>
+          </a:p>
+          <a:p>
+            <a:pPr lvl="1"/>
+            <a:r>
+              <a:rPr lang="en-US" dirty="0"/>
+              <a:t>Adiabatic (on ground state potential-energy surface) </a:t>
+            </a:r>
+            <a:r>
+              <a:rPr lang="en-US" sz="2800" b="1" dirty="0">
+                <a:solidFill>
+                  <a:srgbClr val="FFFF00"/>
+                </a:solidFill>
+                <a:latin typeface="Segoe UI Symbol" panose="020B0502040204020203" pitchFamily="34" charset="0"/>
+                <a:ea typeface="Segoe UI Symbol" panose="020B0502040204020203" pitchFamily="34" charset="0"/>
+              </a:rPr>
+              <a:t>😐</a:t>
+            </a:r>
+            <a:endParaRPr lang="en-US" b="1" dirty="0">
+              <a:solidFill>
+                <a:srgbClr val="FFFF00"/>
+              </a:solidFill>
+            </a:endParaRPr>
+          </a:p>
+          <a:p>
+            <a:pPr lvl="1"/>
+            <a:r>
+              <a:rPr lang="en-US" dirty="0"/>
+              <a:t>Diabatic (on excited-state surface) </a:t>
+            </a:r>
+            <a:r>
+              <a:rPr lang="en-US" sz="2800" b="1" dirty="0">
+                <a:solidFill>
+                  <a:srgbClr val="FFC000"/>
+                </a:solidFill>
+                <a:latin typeface="Segoe UI Symbol" panose="020B0502040204020203" pitchFamily="34" charset="0"/>
+                <a:ea typeface="Segoe UI Symbol" panose="020B0502040204020203" pitchFamily="34" charset="0"/>
+              </a:rPr>
+              <a:t>😒</a:t>
+            </a:r>
+            <a:endParaRPr lang="en-US" b="1" dirty="0">
+              <a:solidFill>
+                <a:srgbClr val="FFC000"/>
+              </a:solidFill>
+            </a:endParaRPr>
+          </a:p>
+          <a:p>
+            <a:pPr lvl="1"/>
+            <a:r>
+              <a:rPr lang="en-US" dirty="0">
+                <a:solidFill>
+                  <a:srgbClr val="FFFF00"/>
+                </a:solidFill>
+              </a:rPr>
+              <a:t>Non-adiabatic</a:t>
+            </a:r>
+            <a:r>
+              <a:rPr lang="en-US" dirty="0"/>
+              <a:t> (with electronic transitions) </a:t>
+            </a:r>
+            <a:r>
+              <a:rPr lang="en-US" sz="3200" b="1" dirty="0">
+                <a:solidFill>
+                  <a:srgbClr val="FF0000"/>
+                </a:solidFill>
+                <a:latin typeface="Segoe UI Symbol" panose="020B0502040204020203" pitchFamily="34" charset="0"/>
+                <a:ea typeface="Segoe UI Symbol" panose="020B0502040204020203" pitchFamily="34" charset="0"/>
+              </a:rPr>
+              <a:t>😱</a:t>
+            </a:r>
+            <a:endParaRPr lang="en-US" b="1" dirty="0">
+              <a:solidFill>
+                <a:srgbClr val="FF0000"/>
+              </a:solidFill>
+            </a:endParaRPr>
+          </a:p>
+          <a:p>
+            <a:r>
+              <a:rPr lang="en-US" dirty="0"/>
+              <a:t>Smaller effects that partly cancel  </a:t>
+            </a:r>
+            <a:r>
+              <a:rPr lang="en-US" b="1" dirty="0">
+                <a:solidFill>
+                  <a:srgbClr val="00B0F0"/>
+                </a:solidFill>
+                <a:latin typeface="Segoe UI Symbol" panose="020B0502040204020203" pitchFamily="34" charset="0"/>
+                <a:ea typeface="Segoe UI Symbol" panose="020B0502040204020203" pitchFamily="34" charset="0"/>
+              </a:rPr>
+              <a:t>😫</a:t>
+            </a:r>
+            <a:endParaRPr lang="en-US" dirty="0"/>
+          </a:p>
+          <a:p>
+            <a:pPr lvl="1"/>
+            <a:r>
+              <a:rPr lang="en-US" dirty="0"/>
+              <a:t>Thermal energy of neutral target gas</a:t>
+            </a:r>
+          </a:p>
+          <a:p>
+            <a:pPr lvl="1"/>
+            <a:r>
+              <a:rPr lang="en-US" dirty="0"/>
+              <a:t>Instrumental detection bias</a:t>
+            </a:r>
+          </a:p>
+        </p:txBody>
+      </p:sp>
+      <p:sp>
+        <p:nvSpPr>
+          <p:cNvPr id="4" name="TextBox 3">
             <a:extLst>
               <a:ext uri="{FF2B5EF4-FFF2-40B4-BE49-F238E27FC236}">
-                <a16:creationId xmlns:a16="http://schemas.microsoft.com/office/drawing/2014/main" id="{BE377FD4-979E-4157-83FC-B8F092DDA2B1}"/>
-              </a:ext>
-            </a:extLst>
-          </p:cNvPr>
-          <p:cNvPicPr>
-            <a:picLocks noChangeAspect="1"/>
-          </p:cNvPicPr>
-          <p:nvPr/>
-        </p:nvPicPr>
-        <p:blipFill>
-          <a:blip r:embed="rId3">
-            <a:extLst>
-              <a:ext uri="{28A0092B-C50C-407E-A947-70E740481C1C}">
-                <a14:useLocalDpi xmlns:a14="http://schemas.microsoft.com/office/drawing/2010/main" val="0"/>
-              </a:ext>
-            </a:extLst>
-          </a:blip>
-          <a:stretch>
-            <a:fillRect/>
-          </a:stretch>
-        </p:blipFill>
-        <p:spPr>
-          <a:xfrm>
-            <a:off x="6229812" y="1438507"/>
-            <a:ext cx="5660624" cy="4245468"/>
-          </a:xfrm>
-          <a:prstGeom prst="rect">
-            <a:avLst/>
-          </a:prstGeom>
-        </p:spPr>
-      </p:pic>
-      <p:sp>
-        <p:nvSpPr>
-          <p:cNvPr id="10" name="TextBox 9">
-            <a:extLst>
-              <a:ext uri="{FF2B5EF4-FFF2-40B4-BE49-F238E27FC236}">
-                <a16:creationId xmlns:a16="http://schemas.microsoft.com/office/drawing/2014/main" id="{349F80A7-720B-4AA1-8B20-11528EDF3CE4}"/>
+                <a16:creationId xmlns:a16="http://schemas.microsoft.com/office/drawing/2014/main" id="{689F0EB9-8DD8-4746-ABDA-1EA25B50CA62}"/>
               </a:ext>
             </a:extLst>
           </p:cNvPr>
@@ -7003,8 +6191,8 @@
         </p:nvSpPr>
         <p:spPr>
           <a:xfrm>
-            <a:off x="3636794" y="5798635"/>
-            <a:ext cx="5186035" cy="584775"/>
+            <a:off x="1197351" y="6055112"/>
+            <a:ext cx="9797297" cy="307777"/>
           </a:xfrm>
           <a:prstGeom prst="rect">
             <a:avLst/>
@@ -7018,12 +6206,84 @@
           <a:lstStyle/>
           <a:p>
             <a:r>
-              <a:rPr lang="en-US" sz="3200" dirty="0">
-                <a:solidFill>
-                  <a:srgbClr val="FFFF00"/>
-                </a:solidFill>
-              </a:rPr>
-              <a:t>No reliable, predictive theory!</a:t>
+              <a:rPr lang="en-US" sz="1400" dirty="0" err="1">
+                <a:solidFill>
+                  <a:srgbClr val="FFFF00"/>
+                </a:solidFill>
+              </a:rPr>
+              <a:t>Grimme</a:t>
+            </a:r>
+            <a:r>
+              <a:rPr lang="en-US" sz="1400" dirty="0">
+                <a:solidFill>
+                  <a:srgbClr val="FFFF00"/>
+                </a:solidFill>
+              </a:rPr>
+              <a:t>, S. Towards First Principles Calculation of Electron Impact Mass Spectra of Molecules. </a:t>
+            </a:r>
+            <a:r>
+              <a:rPr lang="en-US" sz="1400" i="1" dirty="0" err="1">
+                <a:solidFill>
+                  <a:srgbClr val="FFFF00"/>
+                </a:solidFill>
+              </a:rPr>
+              <a:t>Angew</a:t>
+            </a:r>
+            <a:r>
+              <a:rPr lang="en-US" sz="1400" i="1" dirty="0">
+                <a:solidFill>
+                  <a:srgbClr val="FFFF00"/>
+                </a:solidFill>
+              </a:rPr>
+              <a:t>. Chem. Int. Ed. </a:t>
+            </a:r>
+            <a:r>
+              <a:rPr lang="en-US" sz="1400" b="1" dirty="0">
+                <a:solidFill>
+                  <a:srgbClr val="FFFF00"/>
+                </a:solidFill>
+              </a:rPr>
+              <a:t>2013</a:t>
+            </a:r>
+            <a:r>
+              <a:rPr lang="en-US" sz="1400" b="1" i="1" dirty="0">
+                <a:solidFill>
+                  <a:srgbClr val="FFFF00"/>
+                </a:solidFill>
+              </a:rPr>
+              <a:t>, </a:t>
+            </a:r>
+            <a:r>
+              <a:rPr lang="en-US" sz="1400" i="1" dirty="0">
+                <a:solidFill>
+                  <a:srgbClr val="FFFF00"/>
+                </a:solidFill>
+              </a:rPr>
+              <a:t>52</a:t>
+            </a:r>
+            <a:r>
+              <a:rPr lang="en-US" sz="1400" b="1" i="1" dirty="0">
+                <a:solidFill>
+                  <a:srgbClr val="FFFF00"/>
+                </a:solidFill>
+              </a:rPr>
+              <a:t>, </a:t>
+            </a:r>
+            <a:r>
+              <a:rPr lang="en-US" sz="1400" dirty="0">
+                <a:solidFill>
+                  <a:srgbClr val="FFFF00"/>
+                </a:solidFill>
+              </a:rPr>
+              <a:t>6306</a:t>
+            </a:r>
+            <a:r>
+              <a:rPr lang="en-US" sz="1400" b="1" i="1" dirty="0">
+                <a:solidFill>
+                  <a:srgbClr val="FFFF00"/>
+                </a:solidFill>
+              </a:rPr>
+              <a:t>.</a:t>
             </a:r>
           </a:p>
         </p:txBody>
@@ -7031,7 +6291,7 @@
     </p:spTree>
     <p:extLst>
       <p:ext uri="{BB962C8B-B14F-4D97-AF65-F5344CB8AC3E}">
-        <p14:creationId xmlns:p14="http://schemas.microsoft.com/office/powerpoint/2010/main" val="2349353262"/>
+        <p14:creationId xmlns:p14="http://schemas.microsoft.com/office/powerpoint/2010/main" val="1451341122"/>
       </p:ext>
     </p:extLst>
   </p:cSld>
@@ -7237,7 +6497,7 @@
               <a:t>Smaller effects that partly cancel  </a:t>
             </a:r>
             <a:r>
-              <a:rPr lang="en-US" b="1" dirty="0">
+              <a:rPr lang="en-US" sz="3200" b="1" dirty="0">
                 <a:solidFill>
                   <a:srgbClr val="00B0F0"/>
                 </a:solidFill>
@@ -7246,7 +6506,11 @@
               </a:rPr>
               <a:t>😫</a:t>
             </a:r>
-            <a:endParaRPr lang="en-US" dirty="0"/>
+            <a:endParaRPr lang="en-US" b="1" dirty="0">
+              <a:solidFill>
+                <a:srgbClr val="00B0F0"/>
+              </a:solidFill>
+            </a:endParaRPr>
           </a:p>
           <a:p>
             <a:pPr lvl="1"/>
@@ -7375,10 +6639,70 @@
           </a:p>
         </p:txBody>
       </p:sp>
+      <p:sp>
+        <p:nvSpPr>
+          <p:cNvPr id="5" name="Rectangle 4">
+            <a:extLst>
+              <a:ext uri="{FF2B5EF4-FFF2-40B4-BE49-F238E27FC236}">
+                <a16:creationId xmlns:a16="http://schemas.microsoft.com/office/drawing/2014/main" id="{015152FC-5A91-4E2A-B229-A33BE7B03F69}"/>
+              </a:ext>
+            </a:extLst>
+          </p:cNvPr>
+          <p:cNvSpPr/>
+          <p:nvPr/>
+        </p:nvSpPr>
+        <p:spPr>
+          <a:xfrm>
+            <a:off x="390293" y="1260088"/>
+            <a:ext cx="10426390" cy="1037063"/>
+          </a:xfrm>
+          <a:prstGeom prst="rect">
+            <a:avLst/>
+          </a:prstGeom>
+          <a:noFill/>
+          <a:ln w="25400">
+            <a:solidFill>
+              <a:srgbClr val="FFFF00"/>
+            </a:solidFill>
+          </a:ln>
+          <a:effectLst>
+            <a:glow rad="139700">
+              <a:schemeClr val="accent4">
+                <a:satMod val="175000"/>
+                <a:alpha val="40000"/>
+              </a:schemeClr>
+            </a:glow>
+          </a:effectLst>
+        </p:spPr>
+        <p:style>
+          <a:lnRef idx="2">
+            <a:schemeClr val="accent1">
+              <a:shade val="50000"/>
+            </a:schemeClr>
+          </a:lnRef>
+          <a:fillRef idx="1">
+            <a:schemeClr val="accent1"/>
+          </a:fillRef>
+          <a:effectRef idx="0">
+            <a:schemeClr val="accent1"/>
+          </a:effectRef>
+          <a:fontRef idx="minor">
+            <a:schemeClr val="lt1"/>
+          </a:fontRef>
+        </p:style>
+        <p:txBody>
+          <a:bodyPr rtlCol="0" anchor="ctr"/>
+          <a:lstStyle/>
+          <a:p>
+            <a:pPr algn="ctr"/>
+            <a:endParaRPr lang="en-US"/>
+          </a:p>
+        </p:txBody>
+      </p:sp>
     </p:spTree>
     <p:extLst>
       <p:ext uri="{BB962C8B-B14F-4D97-AF65-F5344CB8AC3E}">
-        <p14:creationId xmlns:p14="http://schemas.microsoft.com/office/powerpoint/2010/main" val="1451341122"/>
+        <p14:creationId xmlns:p14="http://schemas.microsoft.com/office/powerpoint/2010/main" val="16105891"/>
       </p:ext>
     </p:extLst>
   </p:cSld>
@@ -7410,417 +6734,6 @@
           <p:cNvPr id="2" name="Title 1">
             <a:extLst>
               <a:ext uri="{FF2B5EF4-FFF2-40B4-BE49-F238E27FC236}">
-                <a16:creationId xmlns:a16="http://schemas.microsoft.com/office/drawing/2014/main" id="{F6A14B19-6D1D-4997-A1B1-8DCA74505436}"/>
-              </a:ext>
-            </a:extLst>
-          </p:cNvPr>
-          <p:cNvSpPr>
-            <a:spLocks noGrp="1"/>
-          </p:cNvSpPr>
-          <p:nvPr>
-            <p:ph type="title"/>
-          </p:nvPr>
-        </p:nvSpPr>
-        <p:spPr>
-          <a:xfrm>
-            <a:off x="838200" y="365125"/>
-            <a:ext cx="10515600" cy="894963"/>
-          </a:xfrm>
-        </p:spPr>
-        <p:txBody>
-          <a:bodyPr/>
-          <a:lstStyle/>
-          <a:p>
-            <a:pPr algn="ctr"/>
-            <a:r>
-              <a:rPr lang="en-US" dirty="0">
-                <a:solidFill>
-                  <a:srgbClr val="00FF00"/>
-                </a:solidFill>
-              </a:rPr>
-              <a:t>First-Principles modeling of EIMS?</a:t>
-            </a:r>
-          </a:p>
-        </p:txBody>
-      </p:sp>
-      <p:sp>
-        <p:nvSpPr>
-          <p:cNvPr id="3" name="Content Placeholder 2">
-            <a:extLst>
-              <a:ext uri="{FF2B5EF4-FFF2-40B4-BE49-F238E27FC236}">
-                <a16:creationId xmlns:a16="http://schemas.microsoft.com/office/drawing/2014/main" id="{817C9C84-C8D7-4CB7-8C56-C6846037A693}"/>
-              </a:ext>
-            </a:extLst>
-          </p:cNvPr>
-          <p:cNvSpPr>
-            <a:spLocks noGrp="1"/>
-          </p:cNvSpPr>
-          <p:nvPr>
-            <p:ph idx="1"/>
-          </p:nvPr>
-        </p:nvSpPr>
-        <p:spPr>
-          <a:xfrm>
-            <a:off x="838200" y="1393903"/>
-            <a:ext cx="10515600" cy="4025590"/>
-          </a:xfrm>
-        </p:spPr>
-        <p:txBody>
-          <a:bodyPr>
-            <a:normAutofit lnSpcReduction="10000"/>
-          </a:bodyPr>
-          <a:lstStyle/>
-          <a:p>
-            <a:r>
-              <a:rPr lang="en-US" dirty="0"/>
-              <a:t>Distribution of internal energies (depends on electron energy)</a:t>
-            </a:r>
-          </a:p>
-          <a:p>
-            <a:pPr lvl="1"/>
-            <a:r>
-              <a:rPr lang="en-US" dirty="0"/>
-              <a:t>Can be computed ab initio  </a:t>
-            </a:r>
-            <a:r>
-              <a:rPr lang="en-US" sz="2800" b="1" dirty="0">
-                <a:solidFill>
-                  <a:srgbClr val="00FF00"/>
-                </a:solidFill>
-                <a:latin typeface="Segoe UI Symbol" panose="020B0502040204020203" pitchFamily="34" charset="0"/>
-                <a:ea typeface="Segoe UI Symbol" panose="020B0502040204020203" pitchFamily="34" charset="0"/>
-              </a:rPr>
-              <a:t>😊</a:t>
-            </a:r>
-            <a:endParaRPr lang="en-US" b="1" dirty="0">
-              <a:solidFill>
-                <a:srgbClr val="00FF00"/>
-              </a:solidFill>
-            </a:endParaRPr>
-          </a:p>
-          <a:p>
-            <a:r>
-              <a:rPr lang="en-US" dirty="0"/>
-              <a:t>Chemical fate (depends on internal energy)</a:t>
-            </a:r>
-          </a:p>
-          <a:p>
-            <a:pPr lvl="1"/>
-            <a:r>
-              <a:rPr lang="en-US" dirty="0"/>
-              <a:t>Adiabatic (on ground state potential-energy surface) </a:t>
-            </a:r>
-            <a:r>
-              <a:rPr lang="en-US" sz="2800" b="1" dirty="0">
-                <a:solidFill>
-                  <a:srgbClr val="FFFF00"/>
-                </a:solidFill>
-                <a:latin typeface="Segoe UI Symbol" panose="020B0502040204020203" pitchFamily="34" charset="0"/>
-                <a:ea typeface="Segoe UI Symbol" panose="020B0502040204020203" pitchFamily="34" charset="0"/>
-              </a:rPr>
-              <a:t>😐</a:t>
-            </a:r>
-            <a:endParaRPr lang="en-US" b="1" dirty="0">
-              <a:solidFill>
-                <a:srgbClr val="FFFF00"/>
-              </a:solidFill>
-            </a:endParaRPr>
-          </a:p>
-          <a:p>
-            <a:pPr lvl="1"/>
-            <a:r>
-              <a:rPr lang="en-US" dirty="0"/>
-              <a:t>Diabatic (on excited-state surface) </a:t>
-            </a:r>
-            <a:r>
-              <a:rPr lang="en-US" sz="2800" b="1" dirty="0">
-                <a:solidFill>
-                  <a:srgbClr val="FFC000"/>
-                </a:solidFill>
-                <a:latin typeface="Segoe UI Symbol" panose="020B0502040204020203" pitchFamily="34" charset="0"/>
-                <a:ea typeface="Segoe UI Symbol" panose="020B0502040204020203" pitchFamily="34" charset="0"/>
-              </a:rPr>
-              <a:t>😒</a:t>
-            </a:r>
-            <a:endParaRPr lang="en-US" b="1" dirty="0">
-              <a:solidFill>
-                <a:srgbClr val="FFC000"/>
-              </a:solidFill>
-            </a:endParaRPr>
-          </a:p>
-          <a:p>
-            <a:pPr lvl="1"/>
-            <a:r>
-              <a:rPr lang="en-US" dirty="0">
-                <a:solidFill>
-                  <a:srgbClr val="FFFF00"/>
-                </a:solidFill>
-              </a:rPr>
-              <a:t>Non-adiabatic</a:t>
-            </a:r>
-            <a:r>
-              <a:rPr lang="en-US" dirty="0"/>
-              <a:t> (with electronic transitions) </a:t>
-            </a:r>
-            <a:r>
-              <a:rPr lang="en-US" sz="3200" b="1" dirty="0">
-                <a:solidFill>
-                  <a:srgbClr val="FF0000"/>
-                </a:solidFill>
-                <a:latin typeface="Segoe UI Symbol" panose="020B0502040204020203" pitchFamily="34" charset="0"/>
-                <a:ea typeface="Segoe UI Symbol" panose="020B0502040204020203" pitchFamily="34" charset="0"/>
-              </a:rPr>
-              <a:t>😱</a:t>
-            </a:r>
-            <a:endParaRPr lang="en-US" b="1" dirty="0">
-              <a:solidFill>
-                <a:srgbClr val="FF0000"/>
-              </a:solidFill>
-            </a:endParaRPr>
-          </a:p>
-          <a:p>
-            <a:r>
-              <a:rPr lang="en-US" dirty="0"/>
-              <a:t>Smaller effects that partly cancel  </a:t>
-            </a:r>
-            <a:r>
-              <a:rPr lang="en-US" sz="3200" b="1" dirty="0">
-                <a:solidFill>
-                  <a:srgbClr val="00B0F0"/>
-                </a:solidFill>
-                <a:latin typeface="Segoe UI Symbol" panose="020B0502040204020203" pitchFamily="34" charset="0"/>
-                <a:ea typeface="Segoe UI Symbol" panose="020B0502040204020203" pitchFamily="34" charset="0"/>
-              </a:rPr>
-              <a:t>😫</a:t>
-            </a:r>
-            <a:endParaRPr lang="en-US" b="1" dirty="0">
-              <a:solidFill>
-                <a:srgbClr val="00B0F0"/>
-              </a:solidFill>
-            </a:endParaRPr>
-          </a:p>
-          <a:p>
-            <a:pPr lvl="1"/>
-            <a:r>
-              <a:rPr lang="en-US" dirty="0"/>
-              <a:t>Thermal energy of neutral target gas</a:t>
-            </a:r>
-          </a:p>
-          <a:p>
-            <a:pPr lvl="1"/>
-            <a:r>
-              <a:rPr lang="en-US" dirty="0"/>
-              <a:t>Instrumental detection bias</a:t>
-            </a:r>
-          </a:p>
-        </p:txBody>
-      </p:sp>
-      <p:sp>
-        <p:nvSpPr>
-          <p:cNvPr id="4" name="TextBox 3">
-            <a:extLst>
-              <a:ext uri="{FF2B5EF4-FFF2-40B4-BE49-F238E27FC236}">
-                <a16:creationId xmlns:a16="http://schemas.microsoft.com/office/drawing/2014/main" id="{689F0EB9-8DD8-4746-ABDA-1EA25B50CA62}"/>
-              </a:ext>
-            </a:extLst>
-          </p:cNvPr>
-          <p:cNvSpPr txBox="1"/>
-          <p:nvPr/>
-        </p:nvSpPr>
-        <p:spPr>
-          <a:xfrm>
-            <a:off x="1197351" y="6055112"/>
-            <a:ext cx="9797297" cy="307777"/>
-          </a:xfrm>
-          <a:prstGeom prst="rect">
-            <a:avLst/>
-          </a:prstGeom>
-          <a:noFill/>
-        </p:spPr>
-        <p:txBody>
-          <a:bodyPr wrap="none" rtlCol="0">
-            <a:spAutoFit/>
-          </a:bodyPr>
-          <a:lstStyle/>
-          <a:p>
-            <a:r>
-              <a:rPr lang="en-US" sz="1400" dirty="0" err="1">
-                <a:solidFill>
-                  <a:srgbClr val="FFFF00"/>
-                </a:solidFill>
-              </a:rPr>
-              <a:t>Grimme</a:t>
-            </a:r>
-            <a:r>
-              <a:rPr lang="en-US" sz="1400" dirty="0">
-                <a:solidFill>
-                  <a:srgbClr val="FFFF00"/>
-                </a:solidFill>
-              </a:rPr>
-              <a:t>, S. Towards First Principles Calculation of Electron Impact Mass Spectra of Molecules. </a:t>
-            </a:r>
-            <a:r>
-              <a:rPr lang="en-US" sz="1400" i="1" dirty="0" err="1">
-                <a:solidFill>
-                  <a:srgbClr val="FFFF00"/>
-                </a:solidFill>
-              </a:rPr>
-              <a:t>Angew</a:t>
-            </a:r>
-            <a:r>
-              <a:rPr lang="en-US" sz="1400" i="1" dirty="0">
-                <a:solidFill>
-                  <a:srgbClr val="FFFF00"/>
-                </a:solidFill>
-              </a:rPr>
-              <a:t>. Chem. Int. Ed. </a:t>
-            </a:r>
-            <a:r>
-              <a:rPr lang="en-US" sz="1400" b="1" dirty="0">
-                <a:solidFill>
-                  <a:srgbClr val="FFFF00"/>
-                </a:solidFill>
-              </a:rPr>
-              <a:t>2013</a:t>
-            </a:r>
-            <a:r>
-              <a:rPr lang="en-US" sz="1400" b="1" i="1" dirty="0">
-                <a:solidFill>
-                  <a:srgbClr val="FFFF00"/>
-                </a:solidFill>
-              </a:rPr>
-              <a:t>, </a:t>
-            </a:r>
-            <a:r>
-              <a:rPr lang="en-US" sz="1400" i="1" dirty="0">
-                <a:solidFill>
-                  <a:srgbClr val="FFFF00"/>
-                </a:solidFill>
-              </a:rPr>
-              <a:t>52</a:t>
-            </a:r>
-            <a:r>
-              <a:rPr lang="en-US" sz="1400" b="1" i="1" dirty="0">
-                <a:solidFill>
-                  <a:srgbClr val="FFFF00"/>
-                </a:solidFill>
-              </a:rPr>
-              <a:t>, </a:t>
-            </a:r>
-            <a:r>
-              <a:rPr lang="en-US" sz="1400" dirty="0">
-                <a:solidFill>
-                  <a:srgbClr val="FFFF00"/>
-                </a:solidFill>
-              </a:rPr>
-              <a:t>6306</a:t>
-            </a:r>
-            <a:r>
-              <a:rPr lang="en-US" sz="1400" b="1" i="1" dirty="0">
-                <a:solidFill>
-                  <a:srgbClr val="FFFF00"/>
-                </a:solidFill>
-              </a:rPr>
-              <a:t>.</a:t>
-            </a:r>
-          </a:p>
-        </p:txBody>
-      </p:sp>
-      <p:sp>
-        <p:nvSpPr>
-          <p:cNvPr id="5" name="Rectangle 4">
-            <a:extLst>
-              <a:ext uri="{FF2B5EF4-FFF2-40B4-BE49-F238E27FC236}">
-                <a16:creationId xmlns:a16="http://schemas.microsoft.com/office/drawing/2014/main" id="{015152FC-5A91-4E2A-B229-A33BE7B03F69}"/>
-              </a:ext>
-            </a:extLst>
-          </p:cNvPr>
-          <p:cNvSpPr/>
-          <p:nvPr/>
-        </p:nvSpPr>
-        <p:spPr>
-          <a:xfrm>
-            <a:off x="390293" y="1260088"/>
-            <a:ext cx="10426390" cy="1037063"/>
-          </a:xfrm>
-          <a:prstGeom prst="rect">
-            <a:avLst/>
-          </a:prstGeom>
-          <a:noFill/>
-          <a:ln w="25400">
-            <a:solidFill>
-              <a:srgbClr val="FFFF00"/>
-            </a:solidFill>
-          </a:ln>
-          <a:effectLst>
-            <a:glow rad="139700">
-              <a:schemeClr val="accent4">
-                <a:satMod val="175000"/>
-                <a:alpha val="40000"/>
-              </a:schemeClr>
-            </a:glow>
-          </a:effectLst>
-        </p:spPr>
-        <p:style>
-          <a:lnRef idx="2">
-            <a:schemeClr val="accent1">
-              <a:shade val="50000"/>
-            </a:schemeClr>
-          </a:lnRef>
-          <a:fillRef idx="1">
-            <a:schemeClr val="accent1"/>
-          </a:fillRef>
-          <a:effectRef idx="0">
-            <a:schemeClr val="accent1"/>
-          </a:effectRef>
-          <a:fontRef idx="minor">
-            <a:schemeClr val="lt1"/>
-          </a:fontRef>
-        </p:style>
-        <p:txBody>
-          <a:bodyPr rtlCol="0" anchor="ctr"/>
-          <a:lstStyle/>
-          <a:p>
-            <a:pPr algn="ctr"/>
-            <a:endParaRPr lang="en-US"/>
-          </a:p>
-        </p:txBody>
-      </p:sp>
-    </p:spTree>
-    <p:extLst>
-      <p:ext uri="{BB962C8B-B14F-4D97-AF65-F5344CB8AC3E}">
-        <p14:creationId xmlns:p14="http://schemas.microsoft.com/office/powerpoint/2010/main" val="16105891"/>
-      </p:ext>
-    </p:extLst>
-  </p:cSld>
-  <p:clrMapOvr>
-    <a:masterClrMapping/>
-  </p:clrMapOvr>
-</p:sld>
-</file>
-
-<file path=ppt/slides/slide14.xml><?xml version="1.0" encoding="utf-8"?>
-<p:sld xmlns:a="http://schemas.openxmlformats.org/drawingml/2006/main" xmlns:r="http://schemas.openxmlformats.org/officeDocument/2006/relationships" xmlns:p="http://schemas.openxmlformats.org/presentationml/2006/main">
-  <p:cSld>
-    <p:spTree>
-      <p:nvGrpSpPr>
-        <p:cNvPr id="1" name=""/>
-        <p:cNvGrpSpPr/>
-        <p:nvPr/>
-      </p:nvGrpSpPr>
-      <p:grpSpPr>
-        <a:xfrm>
-          <a:off x="0" y="0"/>
-          <a:ext cx="0" cy="0"/>
-          <a:chOff x="0" y="0"/>
-          <a:chExt cx="0" cy="0"/>
-        </a:xfrm>
-      </p:grpSpPr>
-      <p:sp>
-        <p:nvSpPr>
-          <p:cNvPr id="2" name="Title 1">
-            <a:extLst>
-              <a:ext uri="{FF2B5EF4-FFF2-40B4-BE49-F238E27FC236}">
                 <a16:creationId xmlns:a16="http://schemas.microsoft.com/office/drawing/2014/main" id="{6E81E9CD-F3F7-4D41-931B-9B66D487BA2E}"/>
               </a:ext>
             </a:extLst>
@@ -7937,6 +6850,23 @@
               </a:rPr>
               <a:t>ionization cross section for each molecular orbital (MO)</a:t>
             </a:r>
+          </a:p>
+          <a:p>
+            <a:pPr lvl="1"/>
+            <a:r>
+              <a:rPr lang="en-US" dirty="0">
+                <a:solidFill>
+                  <a:srgbClr val="FFFF00"/>
+                </a:solidFill>
+                <a:hlinkClick r:id="rId5"/>
+              </a:rPr>
+              <a:t>https://github.com/kkinist/BEB</a:t>
+            </a:r>
+            <a:endParaRPr lang="en-US" dirty="0">
+              <a:solidFill>
+                <a:srgbClr val="FFFF00"/>
+              </a:solidFill>
+            </a:endParaRPr>
           </a:p>
           <a:p>
             <a:r>
@@ -7981,12 +6911,12 @@
           <a:graphicData uri="http://schemas.openxmlformats.org/presentationml/2006/ole">
             <mc:AlternateContent xmlns:mc="http://schemas.openxmlformats.org/markup-compatibility/2006">
               <mc:Choice xmlns:v="urn:schemas-microsoft-com:vml" Requires="v">
-                <p:oleObj spid="_x0000_s2074" r:id="rId5" imgW="347220" imgH="385210" progId="">
+                <p:oleObj spid="_x0000_s2077" r:id="rId6" imgW="347220" imgH="385210" progId="">
                   <p:embed/>
                 </p:oleObj>
               </mc:Choice>
               <mc:Fallback>
-                <p:oleObj r:id="rId5" imgW="347220" imgH="385210" progId="">
+                <p:oleObj r:id="rId6" imgW="347220" imgH="385210" progId="">
                   <p:embed/>
                   <p:pic>
                     <p:nvPicPr>
@@ -7995,7 +6925,7 @@
                       <p:nvPr/>
                     </p:nvPicPr>
                     <p:blipFill>
-                      <a:blip r:embed="rId6"/>
+                      <a:blip r:embed="rId7"/>
                       <a:stretch>
                         <a:fillRect/>
                       </a:stretch>
@@ -8125,8 +7055,8 @@
         </p:nvSpPr>
         <p:spPr>
           <a:xfrm>
-            <a:off x="1829203" y="4470967"/>
-            <a:ext cx="1783791" cy="1862048"/>
+            <a:off x="2339320" y="4809595"/>
+            <a:ext cx="1526347" cy="1569660"/>
           </a:xfrm>
           <a:prstGeom prst="rect">
             <a:avLst/>
@@ -8139,7 +7069,7 @@
           <a:lstStyle/>
           <a:p>
             <a:r>
-              <a:rPr lang="en-US" sz="11500" b="1" dirty="0">
+              <a:rPr lang="en-US" sz="9600" b="1" dirty="0">
                 <a:solidFill>
                   <a:srgbClr val="00FF00"/>
                 </a:solidFill>
@@ -8148,7 +7078,7 @@
               </a:rPr>
               <a:t>😊</a:t>
             </a:r>
-            <a:endParaRPr lang="en-US" sz="11500" dirty="0"/>
+            <a:endParaRPr lang="en-US" sz="9600" dirty="0"/>
           </a:p>
         </p:txBody>
       </p:sp>
@@ -8165,301 +7095,7 @@
 </p:sld>
 </file>
 
-<file path=ppt/slides/slide15.xml><?xml version="1.0" encoding="utf-8"?>
-<p:sld xmlns:a="http://schemas.openxmlformats.org/drawingml/2006/main" xmlns:r="http://schemas.openxmlformats.org/officeDocument/2006/relationships" xmlns:p="http://schemas.openxmlformats.org/presentationml/2006/main">
-  <p:cSld>
-    <p:spTree>
-      <p:nvGrpSpPr>
-        <p:cNvPr id="1" name=""/>
-        <p:cNvGrpSpPr/>
-        <p:nvPr/>
-      </p:nvGrpSpPr>
-      <p:grpSpPr>
-        <a:xfrm>
-          <a:off x="0" y="0"/>
-          <a:ext cx="0" cy="0"/>
-          <a:chOff x="0" y="0"/>
-          <a:chExt cx="0" cy="0"/>
-        </a:xfrm>
-      </p:grpSpPr>
-      <p:sp>
-        <p:nvSpPr>
-          <p:cNvPr id="2" name="Title 1">
-            <a:extLst>
-              <a:ext uri="{FF2B5EF4-FFF2-40B4-BE49-F238E27FC236}">
-                <a16:creationId xmlns:a16="http://schemas.microsoft.com/office/drawing/2014/main" id="{1BB8F8B8-3847-498F-A8C9-EC954E53BBCC}"/>
-              </a:ext>
-            </a:extLst>
-          </p:cNvPr>
-          <p:cNvSpPr>
-            <a:spLocks noGrp="1"/>
-          </p:cNvSpPr>
-          <p:nvPr>
-            <p:ph type="title"/>
-          </p:nvPr>
-        </p:nvSpPr>
-        <p:spPr/>
-        <p:txBody>
-          <a:bodyPr/>
-          <a:lstStyle/>
-          <a:p>
-            <a:pPr algn="ctr"/>
-            <a:r>
-              <a:rPr lang="en-US" dirty="0">
-                <a:solidFill>
-                  <a:srgbClr val="00FF00"/>
-                </a:solidFill>
-              </a:rPr>
-              <a:t>Total ionization cross sections (TICS) from BEB</a:t>
-            </a:r>
-          </a:p>
-        </p:txBody>
-      </p:sp>
-      <p:sp>
-        <p:nvSpPr>
-          <p:cNvPr id="3" name="Content Placeholder 2">
-            <a:extLst>
-              <a:ext uri="{FF2B5EF4-FFF2-40B4-BE49-F238E27FC236}">
-                <a16:creationId xmlns:a16="http://schemas.microsoft.com/office/drawing/2014/main" id="{9049A7D8-A6C5-46E9-AE9A-8E6C6270F6F1}"/>
-              </a:ext>
-            </a:extLst>
-          </p:cNvPr>
-          <p:cNvSpPr>
-            <a:spLocks noGrp="1"/>
-          </p:cNvSpPr>
-          <p:nvPr>
-            <p:ph idx="1"/>
-          </p:nvPr>
-        </p:nvSpPr>
-        <p:spPr>
-          <a:xfrm>
-            <a:off x="345689" y="1580298"/>
-            <a:ext cx="4843346" cy="4781331"/>
-          </a:xfrm>
-        </p:spPr>
-        <p:txBody>
-          <a:bodyPr/>
-          <a:lstStyle/>
-          <a:p>
-            <a:r>
-              <a:rPr lang="en-US" dirty="0"/>
-              <a:t>Sum over all MO’s = molecular cross section</a:t>
-            </a:r>
-          </a:p>
-          <a:p>
-            <a:r>
-              <a:rPr lang="en-US" dirty="0">
-                <a:solidFill>
-                  <a:srgbClr val="FFFF00"/>
-                </a:solidFill>
-              </a:rPr>
-              <a:t>TICS typically within 15% of experiments</a:t>
-            </a:r>
-          </a:p>
-          <a:p>
-            <a:r>
-              <a:rPr lang="en-US" dirty="0"/>
-              <a:t>BEB is the most popular theory for computing TICS</a:t>
-            </a:r>
-          </a:p>
-          <a:p>
-            <a:pPr lvl="1"/>
-            <a:r>
-              <a:rPr lang="en-US" dirty="0">
-                <a:solidFill>
-                  <a:srgbClr val="FFFF00"/>
-                </a:solidFill>
-              </a:rPr>
-              <a:t>https://github.com/kkinist/BEB</a:t>
-            </a:r>
-            <a:endParaRPr lang="en-US" dirty="0"/>
-          </a:p>
-        </p:txBody>
-      </p:sp>
-      <p:pic>
-        <p:nvPicPr>
-          <p:cNvPr id="7" name="Picture 6">
-            <a:extLst>
-              <a:ext uri="{FF2B5EF4-FFF2-40B4-BE49-F238E27FC236}">
-                <a16:creationId xmlns:a16="http://schemas.microsoft.com/office/drawing/2014/main" id="{E8877ADF-F4A8-46A6-8ECD-AFAC021B8B67}"/>
-              </a:ext>
-            </a:extLst>
-          </p:cNvPr>
-          <p:cNvPicPr>
-            <a:picLocks noChangeAspect="1"/>
-          </p:cNvPicPr>
-          <p:nvPr/>
-        </p:nvPicPr>
-        <p:blipFill>
-          <a:blip r:embed="rId3">
-            <a:extLst>
-              <a:ext uri="{28A0092B-C50C-407E-A947-70E740481C1C}">
-                <a14:useLocalDpi xmlns:a14="http://schemas.microsoft.com/office/drawing/2010/main" val="0"/>
-              </a:ext>
-            </a:extLst>
-          </a:blip>
-          <a:stretch>
-            <a:fillRect/>
-          </a:stretch>
-        </p:blipFill>
-        <p:spPr>
-          <a:xfrm>
-            <a:off x="5189035" y="1334972"/>
-            <a:ext cx="6856570" cy="4173376"/>
-          </a:xfrm>
-          <a:prstGeom prst="rect">
-            <a:avLst/>
-          </a:prstGeom>
-        </p:spPr>
-      </p:pic>
-      <p:sp>
-        <p:nvSpPr>
-          <p:cNvPr id="8" name="TextBox 7">
-            <a:extLst>
-              <a:ext uri="{FF2B5EF4-FFF2-40B4-BE49-F238E27FC236}">
-                <a16:creationId xmlns:a16="http://schemas.microsoft.com/office/drawing/2014/main" id="{38D566FB-8DF1-43B3-AC64-66A0428B48FD}"/>
-              </a:ext>
-            </a:extLst>
-          </p:cNvPr>
-          <p:cNvSpPr txBox="1"/>
-          <p:nvPr/>
-        </p:nvSpPr>
-        <p:spPr>
-          <a:xfrm>
-            <a:off x="7025268" y="5392810"/>
-            <a:ext cx="3386696" cy="400110"/>
-          </a:xfrm>
-          <a:prstGeom prst="rect">
-            <a:avLst/>
-          </a:prstGeom>
-          <a:noFill/>
-        </p:spPr>
-        <p:txBody>
-          <a:bodyPr wrap="none" rtlCol="0">
-            <a:spAutoFit/>
-          </a:bodyPr>
-          <a:lstStyle/>
-          <a:p>
-            <a:r>
-              <a:rPr lang="en-US" sz="2000" dirty="0">
-                <a:solidFill>
-                  <a:srgbClr val="FFFF00"/>
-                </a:solidFill>
-              </a:rPr>
-              <a:t>http://physics.nist.gov/ionxsec</a:t>
-            </a:r>
-          </a:p>
-        </p:txBody>
-      </p:sp>
-      <p:sp>
-        <p:nvSpPr>
-          <p:cNvPr id="6" name="TextBox 5">
-            <a:extLst>
-              <a:ext uri="{FF2B5EF4-FFF2-40B4-BE49-F238E27FC236}">
-                <a16:creationId xmlns:a16="http://schemas.microsoft.com/office/drawing/2014/main" id="{D547E6DE-550F-4A98-BF5F-23785EBC918F}"/>
-              </a:ext>
-            </a:extLst>
-          </p:cNvPr>
-          <p:cNvSpPr txBox="1"/>
-          <p:nvPr/>
-        </p:nvSpPr>
-        <p:spPr>
-          <a:xfrm>
-            <a:off x="838200" y="6108863"/>
-            <a:ext cx="10823219" cy="369332"/>
-          </a:xfrm>
-          <a:prstGeom prst="rect">
-            <a:avLst/>
-          </a:prstGeom>
-          <a:noFill/>
-        </p:spPr>
-        <p:txBody>
-          <a:bodyPr wrap="none" rtlCol="0">
-            <a:spAutoFit/>
-          </a:bodyPr>
-          <a:lstStyle/>
-          <a:p>
-            <a:r>
-              <a:rPr lang="en-US" dirty="0">
-                <a:solidFill>
-                  <a:srgbClr val="FFFF00"/>
-                </a:solidFill>
-              </a:rPr>
-              <a:t>Kim, Y.-K.; Rudd, M. E. Binary-Encounter-Dipole Model for Electron-Impact Ionization. </a:t>
-            </a:r>
-            <a:r>
-              <a:rPr lang="en-US" i="1" dirty="0">
-                <a:solidFill>
-                  <a:srgbClr val="FFFF00"/>
-                </a:solidFill>
-              </a:rPr>
-              <a:t>Phys. Rev. A </a:t>
-            </a:r>
-            <a:r>
-              <a:rPr lang="en-US" b="1" dirty="0">
-                <a:solidFill>
-                  <a:srgbClr val="FFFF00"/>
-                </a:solidFill>
-              </a:rPr>
-              <a:t>1994</a:t>
-            </a:r>
-            <a:r>
-              <a:rPr lang="en-US" b="1" i="1" dirty="0">
-                <a:solidFill>
-                  <a:srgbClr val="FFFF00"/>
-                </a:solidFill>
-              </a:rPr>
-              <a:t>, </a:t>
-            </a:r>
-            <a:r>
-              <a:rPr lang="en-US" i="1" dirty="0">
-                <a:solidFill>
-                  <a:srgbClr val="FFFF00"/>
-                </a:solidFill>
-              </a:rPr>
-              <a:t>50</a:t>
-            </a:r>
-            <a:r>
-              <a:rPr lang="en-US" b="1" i="1" dirty="0">
-                <a:solidFill>
-                  <a:srgbClr val="FFFF00"/>
-                </a:solidFill>
-              </a:rPr>
-              <a:t>, </a:t>
-            </a:r>
-            <a:r>
-              <a:rPr lang="en-US" dirty="0">
-                <a:solidFill>
-                  <a:srgbClr val="FFFF00"/>
-                </a:solidFill>
-              </a:rPr>
-              <a:t>3954</a:t>
-            </a:r>
-            <a:r>
-              <a:rPr lang="en-US" b="1" i="1" dirty="0">
-                <a:solidFill>
-                  <a:srgbClr val="FFFF00"/>
-                </a:solidFill>
-              </a:rPr>
-              <a:t>.</a:t>
-            </a:r>
-          </a:p>
-        </p:txBody>
-      </p:sp>
-    </p:spTree>
-    <p:extLst>
-      <p:ext uri="{BB962C8B-B14F-4D97-AF65-F5344CB8AC3E}">
-        <p14:creationId xmlns:p14="http://schemas.microsoft.com/office/powerpoint/2010/main" val="3374711574"/>
-      </p:ext>
-    </p:extLst>
-  </p:cSld>
-  <p:clrMapOvr>
-    <a:masterClrMapping/>
-  </p:clrMapOvr>
-</p:sld>
-</file>
-
-<file path=ppt/slides/slide16.xml><?xml version="1.0" encoding="utf-8"?>
+<file path=ppt/slides/slide14.xml><?xml version="1.0" encoding="utf-8"?>
 <p:sld xmlns:a="http://schemas.openxmlformats.org/drawingml/2006/main" xmlns:r="http://schemas.openxmlformats.org/officeDocument/2006/relationships" xmlns:p="http://schemas.openxmlformats.org/presentationml/2006/main">
   <p:cSld>
     <p:bg>
@@ -9854,7 +8490,7 @@
 </p:sld>
 </file>
 
-<file path=ppt/slides/slide17.xml><?xml version="1.0" encoding="utf-8"?>
+<file path=ppt/slides/slide15.xml><?xml version="1.0" encoding="utf-8"?>
 <p:sld xmlns:a="http://schemas.openxmlformats.org/drawingml/2006/main" xmlns:r="http://schemas.openxmlformats.org/officeDocument/2006/relationships" xmlns:p="http://schemas.openxmlformats.org/presentationml/2006/main">
   <p:cSld>
     <p:spTree>
@@ -9927,7 +8563,7 @@
         </p:nvSpPr>
         <p:spPr>
           <a:xfrm>
-            <a:off x="838200" y="1393903"/>
+            <a:off x="849150" y="1393903"/>
             <a:ext cx="10515600" cy="4025590"/>
           </a:xfrm>
         </p:spPr>
@@ -10261,7 +8897,7 @@
 </p:sld>
 </file>
 
-<file path=ppt/slides/slide18.xml><?xml version="1.0" encoding="utf-8"?>
+<file path=ppt/slides/slide16.xml><?xml version="1.0" encoding="utf-8"?>
 <p:sld xmlns:a="http://schemas.openxmlformats.org/drawingml/2006/main" xmlns:r="http://schemas.openxmlformats.org/officeDocument/2006/relationships" xmlns:p="http://schemas.openxmlformats.org/presentationml/2006/main">
   <p:cSld>
     <p:spTree>
@@ -11427,6 +10063,795 @@
 </p:sld>
 </file>
 
+<file path=ppt/slides/slide17.xml><?xml version="1.0" encoding="utf-8"?>
+<p:sld xmlns:a="http://schemas.openxmlformats.org/drawingml/2006/main" xmlns:r="http://schemas.openxmlformats.org/officeDocument/2006/relationships" xmlns:p="http://schemas.openxmlformats.org/presentationml/2006/main">
+  <p:cSld>
+    <p:spTree>
+      <p:nvGrpSpPr>
+        <p:cNvPr id="1" name=""/>
+        <p:cNvGrpSpPr/>
+        <p:nvPr/>
+      </p:nvGrpSpPr>
+      <p:grpSpPr>
+        <a:xfrm>
+          <a:off x="0" y="0"/>
+          <a:ext cx="0" cy="0"/>
+          <a:chOff x="0" y="0"/>
+          <a:chExt cx="0" cy="0"/>
+        </a:xfrm>
+      </p:grpSpPr>
+      <p:sp>
+        <p:nvSpPr>
+          <p:cNvPr id="2" name="Title 1">
+            <a:extLst>
+              <a:ext uri="{FF2B5EF4-FFF2-40B4-BE49-F238E27FC236}">
+                <a16:creationId xmlns:a16="http://schemas.microsoft.com/office/drawing/2014/main" id="{405EF37F-FF9F-46E5-9E2C-303A0B847779}"/>
+              </a:ext>
+            </a:extLst>
+          </p:cNvPr>
+          <p:cNvSpPr>
+            <a:spLocks noGrp="1"/>
+          </p:cNvSpPr>
+          <p:nvPr>
+            <p:ph type="title"/>
+          </p:nvPr>
+        </p:nvSpPr>
+        <p:spPr>
+          <a:xfrm>
+            <a:off x="838200" y="365126"/>
+            <a:ext cx="10515600" cy="888205"/>
+          </a:xfrm>
+        </p:spPr>
+        <p:txBody>
+          <a:bodyPr/>
+          <a:lstStyle/>
+          <a:p>
+            <a:pPr algn="ctr"/>
+            <a:r>
+              <a:rPr lang="en-US" dirty="0">
+                <a:solidFill>
+                  <a:srgbClr val="00FF00"/>
+                </a:solidFill>
+              </a:rPr>
+              <a:t>Predicting ground-state reactivity</a:t>
+            </a:r>
+          </a:p>
+        </p:txBody>
+      </p:sp>
+      <p:sp>
+        <p:nvSpPr>
+          <p:cNvPr id="3" name="Content Placeholder 2">
+            <a:extLst>
+              <a:ext uri="{FF2B5EF4-FFF2-40B4-BE49-F238E27FC236}">
+                <a16:creationId xmlns:a16="http://schemas.microsoft.com/office/drawing/2014/main" id="{1C01DC2F-64B7-4E74-B550-83356BE30AEB}"/>
+              </a:ext>
+            </a:extLst>
+          </p:cNvPr>
+          <p:cNvSpPr>
+            <a:spLocks noGrp="1"/>
+          </p:cNvSpPr>
+          <p:nvPr>
+            <p:ph idx="1"/>
+          </p:nvPr>
+        </p:nvSpPr>
+        <p:spPr>
+          <a:xfrm>
+            <a:off x="331118" y="1253331"/>
+            <a:ext cx="5142273" cy="4351338"/>
+          </a:xfrm>
+        </p:spPr>
+        <p:txBody>
+          <a:bodyPr/>
+          <a:lstStyle/>
+          <a:p>
+            <a:r>
+              <a:rPr lang="en-US" b="1" dirty="0">
+                <a:solidFill>
+                  <a:srgbClr val="00B0F0"/>
+                </a:solidFill>
+              </a:rPr>
+              <a:t>Useful across chemistry!</a:t>
+            </a:r>
+          </a:p>
+          <a:p>
+            <a:r>
+              <a:rPr lang="en-US" dirty="0"/>
+              <a:t>Feasible but laborious</a:t>
+            </a:r>
+          </a:p>
+          <a:p>
+            <a:r>
+              <a:rPr lang="en-US" dirty="0"/>
+              <a:t>Automation is a current research topic</a:t>
+            </a:r>
+          </a:p>
+          <a:p>
+            <a:pPr lvl="1"/>
+            <a:r>
+              <a:rPr lang="en-US" dirty="0"/>
+              <a:t>Some software is becoming available publicly</a:t>
+            </a:r>
+          </a:p>
+          <a:p>
+            <a:pPr lvl="1"/>
+            <a:r>
+              <a:rPr lang="en-US" sz="1800" dirty="0">
+                <a:solidFill>
+                  <a:srgbClr val="FFFF00"/>
+                </a:solidFill>
+              </a:rPr>
+              <a:t>http://forge.cesga.es/projects/tsscds2018</a:t>
+            </a:r>
+          </a:p>
+          <a:p>
+            <a:r>
+              <a:rPr lang="en-US" dirty="0">
+                <a:solidFill>
+                  <a:srgbClr val="FFFF00"/>
+                </a:solidFill>
+              </a:rPr>
+              <a:t>Molecular dynamics </a:t>
+            </a:r>
+            <a:r>
+              <a:rPr lang="en-US" i="1" dirty="0">
+                <a:solidFill>
+                  <a:srgbClr val="FFFF00"/>
+                </a:solidFill>
+              </a:rPr>
+              <a:t>and/or </a:t>
+            </a:r>
+            <a:r>
+              <a:rPr lang="en-US" dirty="0">
+                <a:solidFill>
+                  <a:srgbClr val="FFFF00"/>
+                </a:solidFill>
+              </a:rPr>
+              <a:t>RRKM theory for kinetics</a:t>
+            </a:r>
+            <a:endParaRPr lang="en-US" dirty="0"/>
+          </a:p>
+        </p:txBody>
+      </p:sp>
+      <p:pic>
+        <p:nvPicPr>
+          <p:cNvPr id="9" name="Picture 8">
+            <a:extLst>
+              <a:ext uri="{FF2B5EF4-FFF2-40B4-BE49-F238E27FC236}">
+                <a16:creationId xmlns:a16="http://schemas.microsoft.com/office/drawing/2014/main" id="{869016AB-CB38-44DA-A8AC-AFC3C39B8145}"/>
+              </a:ext>
+            </a:extLst>
+          </p:cNvPr>
+          <p:cNvPicPr>
+            <a:picLocks noChangeAspect="1"/>
+          </p:cNvPicPr>
+          <p:nvPr/>
+        </p:nvPicPr>
+        <p:blipFill>
+          <a:blip r:embed="rId3">
+            <a:extLst>
+              <a:ext uri="{28A0092B-C50C-407E-A947-70E740481C1C}">
+                <a14:useLocalDpi xmlns:a14="http://schemas.microsoft.com/office/drawing/2010/main" val="0"/>
+              </a:ext>
+            </a:extLst>
+          </a:blip>
+          <a:stretch>
+            <a:fillRect/>
+          </a:stretch>
+        </p:blipFill>
+        <p:spPr>
+          <a:xfrm>
+            <a:off x="5561554" y="1340955"/>
+            <a:ext cx="6299328" cy="4724497"/>
+          </a:xfrm>
+          <a:prstGeom prst="rect">
+            <a:avLst/>
+          </a:prstGeom>
+        </p:spPr>
+      </p:pic>
+      <p:sp>
+        <p:nvSpPr>
+          <p:cNvPr id="10" name="TextBox 9">
+            <a:extLst>
+              <a:ext uri="{FF2B5EF4-FFF2-40B4-BE49-F238E27FC236}">
+                <a16:creationId xmlns:a16="http://schemas.microsoft.com/office/drawing/2014/main" id="{73DCA1BB-5B7C-4F75-86D2-623EB45C44E8}"/>
+              </a:ext>
+            </a:extLst>
+          </p:cNvPr>
+          <p:cNvSpPr txBox="1"/>
+          <p:nvPr/>
+        </p:nvSpPr>
+        <p:spPr>
+          <a:xfrm>
+            <a:off x="5787483" y="6131546"/>
+            <a:ext cx="6184912" cy="523220"/>
+          </a:xfrm>
+          <a:prstGeom prst="rect">
+            <a:avLst/>
+          </a:prstGeom>
+          <a:noFill/>
+        </p:spPr>
+        <p:txBody>
+          <a:bodyPr wrap="square" rtlCol="0">
+            <a:spAutoFit/>
+          </a:bodyPr>
+          <a:lstStyle/>
+          <a:p>
+            <a:r>
+              <a:rPr lang="en-US" sz="1400" dirty="0">
+                <a:solidFill>
+                  <a:srgbClr val="FFFF00"/>
+                </a:solidFill>
+              </a:rPr>
+              <a:t>Irikura, K. K.; Todua, N. G. Facile Smiles-type rearrangement in radical cations of N-acyl </a:t>
+            </a:r>
+            <a:r>
+              <a:rPr lang="en-US" sz="1400" dirty="0" err="1">
+                <a:solidFill>
+                  <a:srgbClr val="FFFF00"/>
+                </a:solidFill>
+              </a:rPr>
+              <a:t>arylsulfonamides</a:t>
+            </a:r>
+            <a:r>
+              <a:rPr lang="en-US" sz="1400" dirty="0">
+                <a:solidFill>
+                  <a:srgbClr val="FFFF00"/>
+                </a:solidFill>
+              </a:rPr>
+              <a:t> and analogs. </a:t>
+            </a:r>
+            <a:r>
+              <a:rPr lang="en-US" sz="1400" i="1" dirty="0">
+                <a:solidFill>
+                  <a:srgbClr val="FFFF00"/>
+                </a:solidFill>
+              </a:rPr>
+              <a:t>Rapid </a:t>
+            </a:r>
+            <a:r>
+              <a:rPr lang="en-US" sz="1400" i="1" dirty="0" err="1">
+                <a:solidFill>
+                  <a:srgbClr val="FFFF00"/>
+                </a:solidFill>
+              </a:rPr>
+              <a:t>Commun</a:t>
+            </a:r>
+            <a:r>
+              <a:rPr lang="en-US" sz="1400" i="1" dirty="0">
+                <a:solidFill>
+                  <a:srgbClr val="FFFF00"/>
+                </a:solidFill>
+              </a:rPr>
+              <a:t>. Mass </a:t>
+            </a:r>
+            <a:r>
+              <a:rPr lang="en-US" sz="1400" i="1" dirty="0" err="1">
+                <a:solidFill>
+                  <a:srgbClr val="FFFF00"/>
+                </a:solidFill>
+              </a:rPr>
+              <a:t>Spectrom</a:t>
+            </a:r>
+            <a:r>
+              <a:rPr lang="en-US" sz="1400" i="1" dirty="0">
+                <a:solidFill>
+                  <a:srgbClr val="FFFF00"/>
+                </a:solidFill>
+              </a:rPr>
+              <a:t>. </a:t>
+            </a:r>
+            <a:r>
+              <a:rPr lang="en-US" sz="1400" b="1" dirty="0">
+                <a:solidFill>
+                  <a:srgbClr val="FFFF00"/>
+                </a:solidFill>
+              </a:rPr>
+              <a:t>2014</a:t>
+            </a:r>
+            <a:r>
+              <a:rPr lang="en-US" sz="1400" b="1" i="1" dirty="0">
+                <a:solidFill>
+                  <a:srgbClr val="FFFF00"/>
+                </a:solidFill>
+              </a:rPr>
+              <a:t>, </a:t>
+            </a:r>
+            <a:r>
+              <a:rPr lang="en-US" sz="1400" i="1" dirty="0">
+                <a:solidFill>
+                  <a:srgbClr val="FFFF00"/>
+                </a:solidFill>
+              </a:rPr>
+              <a:t>28</a:t>
+            </a:r>
+            <a:r>
+              <a:rPr lang="en-US" sz="1400" b="1" i="1" dirty="0">
+                <a:solidFill>
+                  <a:srgbClr val="FFFF00"/>
+                </a:solidFill>
+              </a:rPr>
+              <a:t>, </a:t>
+            </a:r>
+            <a:r>
+              <a:rPr lang="en-US" sz="1400" dirty="0">
+                <a:solidFill>
+                  <a:srgbClr val="FFFF00"/>
+                </a:solidFill>
+              </a:rPr>
+              <a:t>829</a:t>
+            </a:r>
+            <a:r>
+              <a:rPr lang="en-US" sz="1400" b="1" i="1" dirty="0">
+                <a:solidFill>
+                  <a:srgbClr val="FFFF00"/>
+                </a:solidFill>
+              </a:rPr>
+              <a:t>.</a:t>
+            </a:r>
+          </a:p>
+        </p:txBody>
+      </p:sp>
+      <p:sp>
+        <p:nvSpPr>
+          <p:cNvPr id="11" name="Rectangle 10">
+            <a:extLst>
+              <a:ext uri="{FF2B5EF4-FFF2-40B4-BE49-F238E27FC236}">
+                <a16:creationId xmlns:a16="http://schemas.microsoft.com/office/drawing/2014/main" id="{BD47E561-7928-460B-92D3-7E8F83C93763}"/>
+              </a:ext>
+            </a:extLst>
+          </p:cNvPr>
+          <p:cNvSpPr/>
+          <p:nvPr/>
+        </p:nvSpPr>
+        <p:spPr>
+          <a:xfrm>
+            <a:off x="2089892" y="5194658"/>
+            <a:ext cx="1415772" cy="1569660"/>
+          </a:xfrm>
+          <a:prstGeom prst="rect">
+            <a:avLst/>
+          </a:prstGeom>
+        </p:spPr>
+        <p:txBody>
+          <a:bodyPr wrap="none">
+            <a:spAutoFit/>
+          </a:bodyPr>
+          <a:lstStyle/>
+          <a:p>
+            <a:r>
+              <a:rPr lang="en-US" sz="9600" b="1" dirty="0">
+                <a:solidFill>
+                  <a:srgbClr val="FFFF00"/>
+                </a:solidFill>
+                <a:latin typeface="Segoe UI Symbol" panose="020B0502040204020203" pitchFamily="34" charset="0"/>
+                <a:ea typeface="Segoe UI Symbol" panose="020B0502040204020203" pitchFamily="34" charset="0"/>
+              </a:rPr>
+              <a:t>😐</a:t>
+            </a:r>
+            <a:endParaRPr lang="en-US" sz="9600" dirty="0"/>
+          </a:p>
+        </p:txBody>
+      </p:sp>
+    </p:spTree>
+    <p:extLst>
+      <p:ext uri="{BB962C8B-B14F-4D97-AF65-F5344CB8AC3E}">
+        <p14:creationId xmlns:p14="http://schemas.microsoft.com/office/powerpoint/2010/main" val="4015623484"/>
+      </p:ext>
+    </p:extLst>
+  </p:cSld>
+  <p:clrMapOvr>
+    <a:masterClrMapping/>
+  </p:clrMapOvr>
+</p:sld>
+</file>
+
+<file path=ppt/slides/slide18.xml><?xml version="1.0" encoding="utf-8"?>
+<p:sld xmlns:a="http://schemas.openxmlformats.org/drawingml/2006/main" xmlns:r="http://schemas.openxmlformats.org/officeDocument/2006/relationships" xmlns:p="http://schemas.openxmlformats.org/presentationml/2006/main">
+  <p:cSld>
+    <p:spTree>
+      <p:nvGrpSpPr>
+        <p:cNvPr id="1" name=""/>
+        <p:cNvGrpSpPr/>
+        <p:nvPr/>
+      </p:nvGrpSpPr>
+      <p:grpSpPr>
+        <a:xfrm>
+          <a:off x="0" y="0"/>
+          <a:ext cx="0" cy="0"/>
+          <a:chOff x="0" y="0"/>
+          <a:chExt cx="0" cy="0"/>
+        </a:xfrm>
+      </p:grpSpPr>
+      <p:sp>
+        <p:nvSpPr>
+          <p:cNvPr id="2" name="Title 1">
+            <a:extLst>
+              <a:ext uri="{FF2B5EF4-FFF2-40B4-BE49-F238E27FC236}">
+                <a16:creationId xmlns:a16="http://schemas.microsoft.com/office/drawing/2014/main" id="{F6A14B19-6D1D-4997-A1B1-8DCA74505436}"/>
+              </a:ext>
+            </a:extLst>
+          </p:cNvPr>
+          <p:cNvSpPr>
+            <a:spLocks noGrp="1"/>
+          </p:cNvSpPr>
+          <p:nvPr>
+            <p:ph type="title"/>
+          </p:nvPr>
+        </p:nvSpPr>
+        <p:spPr>
+          <a:xfrm>
+            <a:off x="838200" y="365125"/>
+            <a:ext cx="10515600" cy="894963"/>
+          </a:xfrm>
+        </p:spPr>
+        <p:txBody>
+          <a:bodyPr/>
+          <a:lstStyle/>
+          <a:p>
+            <a:pPr algn="ctr"/>
+            <a:r>
+              <a:rPr lang="en-US" dirty="0">
+                <a:solidFill>
+                  <a:srgbClr val="00FF00"/>
+                </a:solidFill>
+              </a:rPr>
+              <a:t>First-Principles modeling of EIMS?</a:t>
+            </a:r>
+          </a:p>
+        </p:txBody>
+      </p:sp>
+      <p:sp>
+        <p:nvSpPr>
+          <p:cNvPr id="3" name="Content Placeholder 2">
+            <a:extLst>
+              <a:ext uri="{FF2B5EF4-FFF2-40B4-BE49-F238E27FC236}">
+                <a16:creationId xmlns:a16="http://schemas.microsoft.com/office/drawing/2014/main" id="{817C9C84-C8D7-4CB7-8C56-C6846037A693}"/>
+              </a:ext>
+            </a:extLst>
+          </p:cNvPr>
+          <p:cNvSpPr>
+            <a:spLocks noGrp="1"/>
+          </p:cNvSpPr>
+          <p:nvPr>
+            <p:ph idx="1"/>
+          </p:nvPr>
+        </p:nvSpPr>
+        <p:spPr>
+          <a:xfrm>
+            <a:off x="838200" y="1393903"/>
+            <a:ext cx="10515600" cy="4025590"/>
+          </a:xfrm>
+        </p:spPr>
+        <p:txBody>
+          <a:bodyPr>
+            <a:normAutofit lnSpcReduction="10000"/>
+          </a:bodyPr>
+          <a:lstStyle/>
+          <a:p>
+            <a:r>
+              <a:rPr lang="en-US" dirty="0"/>
+              <a:t>Distribution of internal energies (depends on electron energy)</a:t>
+            </a:r>
+          </a:p>
+          <a:p>
+            <a:pPr lvl="1"/>
+            <a:r>
+              <a:rPr lang="en-US" dirty="0"/>
+              <a:t>Can be computed ab initio  </a:t>
+            </a:r>
+            <a:r>
+              <a:rPr lang="en-US" sz="2800" b="1" dirty="0">
+                <a:solidFill>
+                  <a:srgbClr val="00FF00"/>
+                </a:solidFill>
+                <a:latin typeface="Segoe UI Symbol" panose="020B0502040204020203" pitchFamily="34" charset="0"/>
+                <a:ea typeface="Segoe UI Symbol" panose="020B0502040204020203" pitchFamily="34" charset="0"/>
+              </a:rPr>
+              <a:t>😊</a:t>
+            </a:r>
+            <a:endParaRPr lang="en-US" b="1" dirty="0">
+              <a:solidFill>
+                <a:srgbClr val="00FF00"/>
+              </a:solidFill>
+            </a:endParaRPr>
+          </a:p>
+          <a:p>
+            <a:r>
+              <a:rPr lang="en-US" dirty="0"/>
+              <a:t>Chemical fate (depends on internal energy)</a:t>
+            </a:r>
+          </a:p>
+          <a:p>
+            <a:pPr lvl="1"/>
+            <a:r>
+              <a:rPr lang="en-US" dirty="0"/>
+              <a:t>Adiabatic (on ground state potential-energy surface) </a:t>
+            </a:r>
+            <a:r>
+              <a:rPr lang="en-US" sz="2800" b="1" dirty="0">
+                <a:solidFill>
+                  <a:srgbClr val="FFFF00"/>
+                </a:solidFill>
+                <a:latin typeface="Segoe UI Symbol" panose="020B0502040204020203" pitchFamily="34" charset="0"/>
+                <a:ea typeface="Segoe UI Symbol" panose="020B0502040204020203" pitchFamily="34" charset="0"/>
+              </a:rPr>
+              <a:t>😐</a:t>
+            </a:r>
+            <a:endParaRPr lang="en-US" b="1" dirty="0">
+              <a:solidFill>
+                <a:srgbClr val="FFFF00"/>
+              </a:solidFill>
+            </a:endParaRPr>
+          </a:p>
+          <a:p>
+            <a:pPr lvl="1"/>
+            <a:r>
+              <a:rPr lang="en-US" dirty="0"/>
+              <a:t>Diabatic (on excited-state surface) </a:t>
+            </a:r>
+            <a:r>
+              <a:rPr lang="en-US" sz="2800" b="1" dirty="0">
+                <a:solidFill>
+                  <a:srgbClr val="FFC000"/>
+                </a:solidFill>
+                <a:latin typeface="Segoe UI Symbol" panose="020B0502040204020203" pitchFamily="34" charset="0"/>
+                <a:ea typeface="Segoe UI Symbol" panose="020B0502040204020203" pitchFamily="34" charset="0"/>
+              </a:rPr>
+              <a:t>😒</a:t>
+            </a:r>
+            <a:endParaRPr lang="en-US" b="1" dirty="0">
+              <a:solidFill>
+                <a:srgbClr val="FFC000"/>
+              </a:solidFill>
+            </a:endParaRPr>
+          </a:p>
+          <a:p>
+            <a:pPr lvl="1"/>
+            <a:r>
+              <a:rPr lang="en-US" dirty="0">
+                <a:solidFill>
+                  <a:srgbClr val="FFFF00"/>
+                </a:solidFill>
+              </a:rPr>
+              <a:t>Non-adiabatic</a:t>
+            </a:r>
+            <a:r>
+              <a:rPr lang="en-US" dirty="0"/>
+              <a:t> (with electronic transitions) </a:t>
+            </a:r>
+            <a:r>
+              <a:rPr lang="en-US" sz="3200" b="1" dirty="0">
+                <a:solidFill>
+                  <a:srgbClr val="FF0000"/>
+                </a:solidFill>
+                <a:latin typeface="Segoe UI Symbol" panose="020B0502040204020203" pitchFamily="34" charset="0"/>
+                <a:ea typeface="Segoe UI Symbol" panose="020B0502040204020203" pitchFamily="34" charset="0"/>
+              </a:rPr>
+              <a:t>😱</a:t>
+            </a:r>
+            <a:endParaRPr lang="en-US" b="1" dirty="0">
+              <a:solidFill>
+                <a:srgbClr val="FF0000"/>
+              </a:solidFill>
+            </a:endParaRPr>
+          </a:p>
+          <a:p>
+            <a:r>
+              <a:rPr lang="en-US" dirty="0"/>
+              <a:t>Smaller effects that partly cancel </a:t>
+            </a:r>
+            <a:r>
+              <a:rPr lang="en-US" b="1" dirty="0">
+                <a:solidFill>
+                  <a:srgbClr val="00B0F0"/>
+                </a:solidFill>
+                <a:latin typeface="Segoe UI Symbol" panose="020B0502040204020203" pitchFamily="34" charset="0"/>
+                <a:ea typeface="Segoe UI Symbol" panose="020B0502040204020203" pitchFamily="34" charset="0"/>
+              </a:rPr>
+              <a:t>😫</a:t>
+            </a:r>
+            <a:endParaRPr lang="en-US" dirty="0"/>
+          </a:p>
+          <a:p>
+            <a:pPr lvl="1"/>
+            <a:r>
+              <a:rPr lang="en-US" dirty="0"/>
+              <a:t>Thermal energy of neutral target gas</a:t>
+            </a:r>
+          </a:p>
+          <a:p>
+            <a:pPr lvl="1"/>
+            <a:r>
+              <a:rPr lang="en-US" dirty="0"/>
+              <a:t>Instrumental detection bias</a:t>
+            </a:r>
+          </a:p>
+        </p:txBody>
+      </p:sp>
+      <p:sp>
+        <p:nvSpPr>
+          <p:cNvPr id="4" name="TextBox 3">
+            <a:extLst>
+              <a:ext uri="{FF2B5EF4-FFF2-40B4-BE49-F238E27FC236}">
+                <a16:creationId xmlns:a16="http://schemas.microsoft.com/office/drawing/2014/main" id="{689F0EB9-8DD8-4746-ABDA-1EA25B50CA62}"/>
+              </a:ext>
+            </a:extLst>
+          </p:cNvPr>
+          <p:cNvSpPr txBox="1"/>
+          <p:nvPr/>
+        </p:nvSpPr>
+        <p:spPr>
+          <a:xfrm>
+            <a:off x="1197351" y="6055112"/>
+            <a:ext cx="9797297" cy="307777"/>
+          </a:xfrm>
+          <a:prstGeom prst="rect">
+            <a:avLst/>
+          </a:prstGeom>
+          <a:noFill/>
+        </p:spPr>
+        <p:txBody>
+          <a:bodyPr wrap="none" rtlCol="0">
+            <a:spAutoFit/>
+          </a:bodyPr>
+          <a:lstStyle/>
+          <a:p>
+            <a:r>
+              <a:rPr lang="en-US" sz="1400" dirty="0" err="1">
+                <a:solidFill>
+                  <a:srgbClr val="FFFF00"/>
+                </a:solidFill>
+              </a:rPr>
+              <a:t>Grimme</a:t>
+            </a:r>
+            <a:r>
+              <a:rPr lang="en-US" sz="1400" dirty="0">
+                <a:solidFill>
+                  <a:srgbClr val="FFFF00"/>
+                </a:solidFill>
+              </a:rPr>
+              <a:t>, S. Towards First Principles Calculation of Electron Impact Mass Spectra of Molecules. </a:t>
+            </a:r>
+            <a:r>
+              <a:rPr lang="en-US" sz="1400" i="1" dirty="0" err="1">
+                <a:solidFill>
+                  <a:srgbClr val="FFFF00"/>
+                </a:solidFill>
+              </a:rPr>
+              <a:t>Angew</a:t>
+            </a:r>
+            <a:r>
+              <a:rPr lang="en-US" sz="1400" i="1" dirty="0">
+                <a:solidFill>
+                  <a:srgbClr val="FFFF00"/>
+                </a:solidFill>
+              </a:rPr>
+              <a:t>. Chem. Int. Ed. </a:t>
+            </a:r>
+            <a:r>
+              <a:rPr lang="en-US" sz="1400" b="1" dirty="0">
+                <a:solidFill>
+                  <a:srgbClr val="FFFF00"/>
+                </a:solidFill>
+              </a:rPr>
+              <a:t>2013</a:t>
+            </a:r>
+            <a:r>
+              <a:rPr lang="en-US" sz="1400" b="1" i="1" dirty="0">
+                <a:solidFill>
+                  <a:srgbClr val="FFFF00"/>
+                </a:solidFill>
+              </a:rPr>
+              <a:t>, </a:t>
+            </a:r>
+            <a:r>
+              <a:rPr lang="en-US" sz="1400" i="1" dirty="0">
+                <a:solidFill>
+                  <a:srgbClr val="FFFF00"/>
+                </a:solidFill>
+              </a:rPr>
+              <a:t>52</a:t>
+            </a:r>
+            <a:r>
+              <a:rPr lang="en-US" sz="1400" b="1" i="1" dirty="0">
+                <a:solidFill>
+                  <a:srgbClr val="FFFF00"/>
+                </a:solidFill>
+              </a:rPr>
+              <a:t>, </a:t>
+            </a:r>
+            <a:r>
+              <a:rPr lang="en-US" sz="1400" dirty="0">
+                <a:solidFill>
+                  <a:srgbClr val="FFFF00"/>
+                </a:solidFill>
+              </a:rPr>
+              <a:t>6306</a:t>
+            </a:r>
+            <a:r>
+              <a:rPr lang="en-US" sz="1400" b="1" i="1" dirty="0">
+                <a:solidFill>
+                  <a:srgbClr val="FFFF00"/>
+                </a:solidFill>
+              </a:rPr>
+              <a:t>.</a:t>
+            </a:r>
+          </a:p>
+        </p:txBody>
+      </p:sp>
+      <p:sp>
+        <p:nvSpPr>
+          <p:cNvPr id="5" name="Rectangle 4">
+            <a:extLst>
+              <a:ext uri="{FF2B5EF4-FFF2-40B4-BE49-F238E27FC236}">
+                <a16:creationId xmlns:a16="http://schemas.microsoft.com/office/drawing/2014/main" id="{015152FC-5A91-4E2A-B229-A33BE7B03F69}"/>
+              </a:ext>
+            </a:extLst>
+          </p:cNvPr>
+          <p:cNvSpPr/>
+          <p:nvPr/>
+        </p:nvSpPr>
+        <p:spPr>
+          <a:xfrm>
+            <a:off x="412596" y="2999677"/>
+            <a:ext cx="10426390" cy="535258"/>
+          </a:xfrm>
+          <a:prstGeom prst="rect">
+            <a:avLst/>
+          </a:prstGeom>
+          <a:noFill/>
+          <a:ln w="25400">
+            <a:solidFill>
+              <a:srgbClr val="FFFF00"/>
+            </a:solidFill>
+          </a:ln>
+          <a:effectLst>
+            <a:glow rad="139700">
+              <a:schemeClr val="accent4">
+                <a:satMod val="175000"/>
+                <a:alpha val="40000"/>
+              </a:schemeClr>
+            </a:glow>
+          </a:effectLst>
+        </p:spPr>
+        <p:style>
+          <a:lnRef idx="2">
+            <a:schemeClr val="accent1">
+              <a:shade val="50000"/>
+            </a:schemeClr>
+          </a:lnRef>
+          <a:fillRef idx="1">
+            <a:schemeClr val="accent1"/>
+          </a:fillRef>
+          <a:effectRef idx="0">
+            <a:schemeClr val="accent1"/>
+          </a:effectRef>
+          <a:fontRef idx="minor">
+            <a:schemeClr val="lt1"/>
+          </a:fontRef>
+        </p:style>
+        <p:txBody>
+          <a:bodyPr rtlCol="0" anchor="ctr"/>
+          <a:lstStyle/>
+          <a:p>
+            <a:pPr algn="ctr"/>
+            <a:endParaRPr lang="en-US"/>
+          </a:p>
+        </p:txBody>
+      </p:sp>
+    </p:spTree>
+    <p:extLst>
+      <p:ext uri="{BB962C8B-B14F-4D97-AF65-F5344CB8AC3E}">
+        <p14:creationId xmlns:p14="http://schemas.microsoft.com/office/powerpoint/2010/main" val="3078683113"/>
+      </p:ext>
+    </p:extLst>
+  </p:cSld>
+  <p:clrMapOvr>
+    <a:masterClrMapping/>
+  </p:clrMapOvr>
+</p:sld>
+</file>
+
 <file path=ppt/slides/slide19.xml><?xml version="1.0" encoding="utf-8"?>
 <p:sld xmlns:a="http://schemas.openxmlformats.org/drawingml/2006/main" xmlns:r="http://schemas.openxmlformats.org/officeDocument/2006/relationships" xmlns:p="http://schemas.openxmlformats.org/presentationml/2006/main">
   <p:cSld>
@@ -11449,7 +10874,7 @@
           <p:cNvPr id="2" name="Title 1">
             <a:extLst>
               <a:ext uri="{FF2B5EF4-FFF2-40B4-BE49-F238E27FC236}">
-                <a16:creationId xmlns:a16="http://schemas.microsoft.com/office/drawing/2014/main" id="{405EF37F-FF9F-46E5-9E2C-303A0B847779}"/>
+                <a16:creationId xmlns:a16="http://schemas.microsoft.com/office/drawing/2014/main" id="{541715E4-1A1D-4693-A2F2-7529932FACEC}"/>
               </a:ext>
             </a:extLst>
           </p:cNvPr>
@@ -11462,8 +10887,8 @@
         </p:nvSpPr>
         <p:spPr>
           <a:xfrm>
-            <a:off x="838200" y="365126"/>
-            <a:ext cx="10515600" cy="888205"/>
+            <a:off x="838200" y="365125"/>
+            <a:ext cx="10515600" cy="805753"/>
           </a:xfrm>
         </p:spPr>
         <p:txBody>
@@ -11477,7 +10902,7 @@
                   <a:srgbClr val="00FF00"/>
                 </a:solidFill>
               </a:rPr>
-              <a:t>Predicting ground-state reactivity</a:t>
+              <a:t>Predicting excited-state reactivity</a:t>
             </a:r>
           </a:p>
         </p:txBody>
@@ -11487,7 +10912,7 @@
           <p:cNvPr id="3" name="Content Placeholder 2">
             <a:extLst>
               <a:ext uri="{FF2B5EF4-FFF2-40B4-BE49-F238E27FC236}">
-                <a16:creationId xmlns:a16="http://schemas.microsoft.com/office/drawing/2014/main" id="{1C01DC2F-64B7-4E74-B550-83356BE30AEB}"/>
+                <a16:creationId xmlns:a16="http://schemas.microsoft.com/office/drawing/2014/main" id="{6FBBAE8E-40FA-4DE9-A93B-7CEBC0A4EDF4}"/>
               </a:ext>
             </a:extLst>
           </p:cNvPr>
@@ -11500,928 +10925,6 @@
         </p:nvSpPr>
         <p:spPr>
           <a:xfrm>
-            <a:off x="331118" y="1253331"/>
-            <a:ext cx="5142273" cy="4351338"/>
-          </a:xfrm>
-        </p:spPr>
-        <p:txBody>
-          <a:bodyPr/>
-          <a:lstStyle/>
-          <a:p>
-            <a:r>
-              <a:rPr lang="en-US" b="1" dirty="0">
-                <a:solidFill>
-                  <a:srgbClr val="00B0F0"/>
-                </a:solidFill>
-              </a:rPr>
-              <a:t>Useful across chemistry!</a:t>
-            </a:r>
-          </a:p>
-          <a:p>
-            <a:r>
-              <a:rPr lang="en-US" dirty="0"/>
-              <a:t>Feasible but laborious</a:t>
-            </a:r>
-          </a:p>
-          <a:p>
-            <a:r>
-              <a:rPr lang="en-US" dirty="0"/>
-              <a:t>Automation is a current research topic</a:t>
-            </a:r>
-          </a:p>
-          <a:p>
-            <a:pPr lvl="1"/>
-            <a:r>
-              <a:rPr lang="en-US" dirty="0"/>
-              <a:t>Some software is becoming available publicly</a:t>
-            </a:r>
-          </a:p>
-          <a:p>
-            <a:pPr lvl="1"/>
-            <a:r>
-              <a:rPr lang="en-US" sz="1800" dirty="0">
-                <a:solidFill>
-                  <a:srgbClr val="FFFF00"/>
-                </a:solidFill>
-              </a:rPr>
-              <a:t>http://forge.cesga.es/projects/tsscds2018</a:t>
-            </a:r>
-          </a:p>
-          <a:p>
-            <a:r>
-              <a:rPr lang="en-US" dirty="0">
-                <a:solidFill>
-                  <a:srgbClr val="FFFF00"/>
-                </a:solidFill>
-              </a:rPr>
-              <a:t>Molecular dynamics </a:t>
-            </a:r>
-            <a:r>
-              <a:rPr lang="en-US" i="1" dirty="0">
-                <a:solidFill>
-                  <a:srgbClr val="FFFF00"/>
-                </a:solidFill>
-              </a:rPr>
-              <a:t>and/or</a:t>
-            </a:r>
-          </a:p>
-          <a:p>
-            <a:r>
-              <a:rPr lang="en-US" dirty="0">
-                <a:solidFill>
-                  <a:srgbClr val="FFFF00"/>
-                </a:solidFill>
-              </a:rPr>
-              <a:t>RRKM theory for kinetics</a:t>
-            </a:r>
-            <a:endParaRPr lang="en-US" dirty="0"/>
-          </a:p>
-        </p:txBody>
-      </p:sp>
-      <p:pic>
-        <p:nvPicPr>
-          <p:cNvPr id="9" name="Picture 8">
-            <a:extLst>
-              <a:ext uri="{FF2B5EF4-FFF2-40B4-BE49-F238E27FC236}">
-                <a16:creationId xmlns:a16="http://schemas.microsoft.com/office/drawing/2014/main" id="{869016AB-CB38-44DA-A8AC-AFC3C39B8145}"/>
-              </a:ext>
-            </a:extLst>
-          </p:cNvPr>
-          <p:cNvPicPr>
-            <a:picLocks noChangeAspect="1"/>
-          </p:cNvPicPr>
-          <p:nvPr/>
-        </p:nvPicPr>
-        <p:blipFill>
-          <a:blip r:embed="rId3">
-            <a:extLst>
-              <a:ext uri="{28A0092B-C50C-407E-A947-70E740481C1C}">
-                <a14:useLocalDpi xmlns:a14="http://schemas.microsoft.com/office/drawing/2010/main" val="0"/>
-              </a:ext>
-            </a:extLst>
-          </a:blip>
-          <a:stretch>
-            <a:fillRect/>
-          </a:stretch>
-        </p:blipFill>
-        <p:spPr>
-          <a:xfrm>
-            <a:off x="5561554" y="1340955"/>
-            <a:ext cx="6299328" cy="4724497"/>
-          </a:xfrm>
-          <a:prstGeom prst="rect">
-            <a:avLst/>
-          </a:prstGeom>
-        </p:spPr>
-      </p:pic>
-      <p:sp>
-        <p:nvSpPr>
-          <p:cNvPr id="10" name="TextBox 9">
-            <a:extLst>
-              <a:ext uri="{FF2B5EF4-FFF2-40B4-BE49-F238E27FC236}">
-                <a16:creationId xmlns:a16="http://schemas.microsoft.com/office/drawing/2014/main" id="{73DCA1BB-5B7C-4F75-86D2-623EB45C44E8}"/>
-              </a:ext>
-            </a:extLst>
-          </p:cNvPr>
-          <p:cNvSpPr txBox="1"/>
-          <p:nvPr/>
-        </p:nvSpPr>
-        <p:spPr>
-          <a:xfrm>
-            <a:off x="5787483" y="6131546"/>
-            <a:ext cx="6184912" cy="523220"/>
-          </a:xfrm>
-          <a:prstGeom prst="rect">
-            <a:avLst/>
-          </a:prstGeom>
-          <a:noFill/>
-        </p:spPr>
-        <p:txBody>
-          <a:bodyPr wrap="square" rtlCol="0">
-            <a:spAutoFit/>
-          </a:bodyPr>
-          <a:lstStyle/>
-          <a:p>
-            <a:r>
-              <a:rPr lang="en-US" sz="1400" dirty="0">
-                <a:solidFill>
-                  <a:srgbClr val="FFFF00"/>
-                </a:solidFill>
-              </a:rPr>
-              <a:t>Irikura, K. K.; Todua, N. G. Facile Smiles-type rearrangement in radical cations of N-acyl </a:t>
-            </a:r>
-            <a:r>
-              <a:rPr lang="en-US" sz="1400" dirty="0" err="1">
-                <a:solidFill>
-                  <a:srgbClr val="FFFF00"/>
-                </a:solidFill>
-              </a:rPr>
-              <a:t>arylsulfonamides</a:t>
-            </a:r>
-            <a:r>
-              <a:rPr lang="en-US" sz="1400" dirty="0">
-                <a:solidFill>
-                  <a:srgbClr val="FFFF00"/>
-                </a:solidFill>
-              </a:rPr>
-              <a:t> and analogs. </a:t>
-            </a:r>
-            <a:r>
-              <a:rPr lang="en-US" sz="1400" i="1" dirty="0">
-                <a:solidFill>
-                  <a:srgbClr val="FFFF00"/>
-                </a:solidFill>
-              </a:rPr>
-              <a:t>Rapid </a:t>
-            </a:r>
-            <a:r>
-              <a:rPr lang="en-US" sz="1400" i="1" dirty="0" err="1">
-                <a:solidFill>
-                  <a:srgbClr val="FFFF00"/>
-                </a:solidFill>
-              </a:rPr>
-              <a:t>Commun</a:t>
-            </a:r>
-            <a:r>
-              <a:rPr lang="en-US" sz="1400" i="1" dirty="0">
-                <a:solidFill>
-                  <a:srgbClr val="FFFF00"/>
-                </a:solidFill>
-              </a:rPr>
-              <a:t>. Mass </a:t>
-            </a:r>
-            <a:r>
-              <a:rPr lang="en-US" sz="1400" i="1" dirty="0" err="1">
-                <a:solidFill>
-                  <a:srgbClr val="FFFF00"/>
-                </a:solidFill>
-              </a:rPr>
-              <a:t>Spectrom</a:t>
-            </a:r>
-            <a:r>
-              <a:rPr lang="en-US" sz="1400" i="1" dirty="0">
-                <a:solidFill>
-                  <a:srgbClr val="FFFF00"/>
-                </a:solidFill>
-              </a:rPr>
-              <a:t>. </a:t>
-            </a:r>
-            <a:r>
-              <a:rPr lang="en-US" sz="1400" b="1" dirty="0">
-                <a:solidFill>
-                  <a:srgbClr val="FFFF00"/>
-                </a:solidFill>
-              </a:rPr>
-              <a:t>2014</a:t>
-            </a:r>
-            <a:r>
-              <a:rPr lang="en-US" sz="1400" b="1" i="1" dirty="0">
-                <a:solidFill>
-                  <a:srgbClr val="FFFF00"/>
-                </a:solidFill>
-              </a:rPr>
-              <a:t>, </a:t>
-            </a:r>
-            <a:r>
-              <a:rPr lang="en-US" sz="1400" i="1" dirty="0">
-                <a:solidFill>
-                  <a:srgbClr val="FFFF00"/>
-                </a:solidFill>
-              </a:rPr>
-              <a:t>28</a:t>
-            </a:r>
-            <a:r>
-              <a:rPr lang="en-US" sz="1400" b="1" i="1" dirty="0">
-                <a:solidFill>
-                  <a:srgbClr val="FFFF00"/>
-                </a:solidFill>
-              </a:rPr>
-              <a:t>, </a:t>
-            </a:r>
-            <a:r>
-              <a:rPr lang="en-US" sz="1400" dirty="0">
-                <a:solidFill>
-                  <a:srgbClr val="FFFF00"/>
-                </a:solidFill>
-              </a:rPr>
-              <a:t>829</a:t>
-            </a:r>
-            <a:r>
-              <a:rPr lang="en-US" sz="1400" b="1" i="1" dirty="0">
-                <a:solidFill>
-                  <a:srgbClr val="FFFF00"/>
-                </a:solidFill>
-              </a:rPr>
-              <a:t>.</a:t>
-            </a:r>
-          </a:p>
-        </p:txBody>
-      </p:sp>
-      <p:sp>
-        <p:nvSpPr>
-          <p:cNvPr id="11" name="Rectangle 10">
-            <a:extLst>
-              <a:ext uri="{FF2B5EF4-FFF2-40B4-BE49-F238E27FC236}">
-                <a16:creationId xmlns:a16="http://schemas.microsoft.com/office/drawing/2014/main" id="{BD47E561-7928-460B-92D3-7E8F83C93763}"/>
-              </a:ext>
-            </a:extLst>
-          </p:cNvPr>
-          <p:cNvSpPr/>
-          <p:nvPr/>
-        </p:nvSpPr>
-        <p:spPr>
-          <a:xfrm>
-            <a:off x="1405461" y="5134428"/>
-            <a:ext cx="1659429" cy="1862048"/>
-          </a:xfrm>
-          <a:prstGeom prst="rect">
-            <a:avLst/>
-          </a:prstGeom>
-        </p:spPr>
-        <p:txBody>
-          <a:bodyPr wrap="none">
-            <a:spAutoFit/>
-          </a:bodyPr>
-          <a:lstStyle/>
-          <a:p>
-            <a:r>
-              <a:rPr lang="en-US" sz="11500" b="1" dirty="0">
-                <a:solidFill>
-                  <a:srgbClr val="FFFF00"/>
-                </a:solidFill>
-                <a:latin typeface="Segoe UI Symbol" panose="020B0502040204020203" pitchFamily="34" charset="0"/>
-                <a:ea typeface="Segoe UI Symbol" panose="020B0502040204020203" pitchFamily="34" charset="0"/>
-              </a:rPr>
-              <a:t>😐</a:t>
-            </a:r>
-            <a:endParaRPr lang="en-US" sz="11500" dirty="0"/>
-          </a:p>
-        </p:txBody>
-      </p:sp>
-    </p:spTree>
-    <p:extLst>
-      <p:ext uri="{BB962C8B-B14F-4D97-AF65-F5344CB8AC3E}">
-        <p14:creationId xmlns:p14="http://schemas.microsoft.com/office/powerpoint/2010/main" val="4015623484"/>
-      </p:ext>
-    </p:extLst>
-  </p:cSld>
-  <p:clrMapOvr>
-    <a:masterClrMapping/>
-  </p:clrMapOvr>
-</p:sld>
-</file>
-
-<file path=ppt/slides/slide2.xml><?xml version="1.0" encoding="utf-8"?>
-<p:sld xmlns:a="http://schemas.openxmlformats.org/drawingml/2006/main" xmlns:r="http://schemas.openxmlformats.org/officeDocument/2006/relationships" xmlns:p="http://schemas.openxmlformats.org/presentationml/2006/main">
-  <p:cSld>
-    <p:spTree>
-      <p:nvGrpSpPr>
-        <p:cNvPr id="1" name=""/>
-        <p:cNvGrpSpPr/>
-        <p:nvPr/>
-      </p:nvGrpSpPr>
-      <p:grpSpPr>
-        <a:xfrm>
-          <a:off x="0" y="0"/>
-          <a:ext cx="0" cy="0"/>
-          <a:chOff x="0" y="0"/>
-          <a:chExt cx="0" cy="0"/>
-        </a:xfrm>
-      </p:grpSpPr>
-      <p:sp>
-        <p:nvSpPr>
-          <p:cNvPr id="2" name="Title 1">
-            <a:extLst>
-              <a:ext uri="{FF2B5EF4-FFF2-40B4-BE49-F238E27FC236}">
-                <a16:creationId xmlns:a16="http://schemas.microsoft.com/office/drawing/2014/main" id="{2E6BD18C-FB50-4AE4-B9BA-817230EEFDF7}"/>
-              </a:ext>
-            </a:extLst>
-          </p:cNvPr>
-          <p:cNvSpPr>
-            <a:spLocks noGrp="1"/>
-          </p:cNvSpPr>
-          <p:nvPr>
-            <p:ph type="title"/>
-          </p:nvPr>
-        </p:nvSpPr>
-        <p:spPr/>
-        <p:txBody>
-          <a:bodyPr/>
-          <a:lstStyle/>
-          <a:p>
-            <a:pPr algn="ctr"/>
-            <a:r>
-              <a:rPr lang="en-US" dirty="0">
-                <a:solidFill>
-                  <a:srgbClr val="00FF00"/>
-                </a:solidFill>
-              </a:rPr>
-              <a:t>Overview</a:t>
-            </a:r>
-          </a:p>
-        </p:txBody>
-      </p:sp>
-      <p:sp>
-        <p:nvSpPr>
-          <p:cNvPr id="3" name="Content Placeholder 2">
-            <a:extLst>
-              <a:ext uri="{FF2B5EF4-FFF2-40B4-BE49-F238E27FC236}">
-                <a16:creationId xmlns:a16="http://schemas.microsoft.com/office/drawing/2014/main" id="{687243F3-E3DD-4C01-868B-F026D35A31B4}"/>
-              </a:ext>
-            </a:extLst>
-          </p:cNvPr>
-          <p:cNvSpPr>
-            <a:spLocks noGrp="1"/>
-          </p:cNvSpPr>
-          <p:nvPr>
-            <p:ph idx="1"/>
-          </p:nvPr>
-        </p:nvSpPr>
-        <p:spPr/>
-        <p:txBody>
-          <a:bodyPr/>
-          <a:lstStyle/>
-          <a:p>
-            <a:r>
-              <a:rPr lang="en-US" dirty="0"/>
-              <a:t>Importance of photochemistry</a:t>
-            </a:r>
-          </a:p>
-          <a:p>
-            <a:r>
-              <a:rPr lang="en-US" dirty="0"/>
-              <a:t>“Photochemistry” generalized</a:t>
-            </a:r>
-          </a:p>
-          <a:p>
-            <a:r>
-              <a:rPr lang="en-US" dirty="0"/>
-              <a:t>Examples</a:t>
-            </a:r>
-          </a:p>
-          <a:p>
-            <a:pPr lvl="1"/>
-            <a:r>
-              <a:rPr lang="en-US" dirty="0"/>
-              <a:t>Gamma radiolysis</a:t>
-            </a:r>
-          </a:p>
-          <a:p>
-            <a:pPr lvl="1"/>
-            <a:r>
-              <a:rPr lang="en-US" dirty="0"/>
-              <a:t>Proton beam therapy</a:t>
-            </a:r>
-          </a:p>
-          <a:p>
-            <a:pPr lvl="1"/>
-            <a:r>
-              <a:rPr lang="en-US" dirty="0"/>
-              <a:t>Electron impact</a:t>
-            </a:r>
-          </a:p>
-          <a:p>
-            <a:pPr lvl="1"/>
-            <a:r>
-              <a:rPr lang="en-US" dirty="0"/>
-              <a:t>Gas-phase catalysis</a:t>
-            </a:r>
-          </a:p>
-        </p:txBody>
-      </p:sp>
-    </p:spTree>
-    <p:extLst>
-      <p:ext uri="{BB962C8B-B14F-4D97-AF65-F5344CB8AC3E}">
-        <p14:creationId xmlns:p14="http://schemas.microsoft.com/office/powerpoint/2010/main" val="4262813016"/>
-      </p:ext>
-    </p:extLst>
-  </p:cSld>
-  <p:clrMapOvr>
-    <a:masterClrMapping/>
-  </p:clrMapOvr>
-</p:sld>
-</file>
-
-<file path=ppt/slides/slide20.xml><?xml version="1.0" encoding="utf-8"?>
-<p:sld xmlns:a="http://schemas.openxmlformats.org/drawingml/2006/main" xmlns:r="http://schemas.openxmlformats.org/officeDocument/2006/relationships" xmlns:p="http://schemas.openxmlformats.org/presentationml/2006/main">
-  <p:cSld>
-    <p:spTree>
-      <p:nvGrpSpPr>
-        <p:cNvPr id="1" name=""/>
-        <p:cNvGrpSpPr/>
-        <p:nvPr/>
-      </p:nvGrpSpPr>
-      <p:grpSpPr>
-        <a:xfrm>
-          <a:off x="0" y="0"/>
-          <a:ext cx="0" cy="0"/>
-          <a:chOff x="0" y="0"/>
-          <a:chExt cx="0" cy="0"/>
-        </a:xfrm>
-      </p:grpSpPr>
-      <p:sp>
-        <p:nvSpPr>
-          <p:cNvPr id="2" name="Title 1">
-            <a:extLst>
-              <a:ext uri="{FF2B5EF4-FFF2-40B4-BE49-F238E27FC236}">
-                <a16:creationId xmlns:a16="http://schemas.microsoft.com/office/drawing/2014/main" id="{F6A14B19-6D1D-4997-A1B1-8DCA74505436}"/>
-              </a:ext>
-            </a:extLst>
-          </p:cNvPr>
-          <p:cNvSpPr>
-            <a:spLocks noGrp="1"/>
-          </p:cNvSpPr>
-          <p:nvPr>
-            <p:ph type="title"/>
-          </p:nvPr>
-        </p:nvSpPr>
-        <p:spPr>
-          <a:xfrm>
-            <a:off x="838200" y="365125"/>
-            <a:ext cx="10515600" cy="894963"/>
-          </a:xfrm>
-        </p:spPr>
-        <p:txBody>
-          <a:bodyPr/>
-          <a:lstStyle/>
-          <a:p>
-            <a:pPr algn="ctr"/>
-            <a:r>
-              <a:rPr lang="en-US" dirty="0">
-                <a:solidFill>
-                  <a:srgbClr val="00FF00"/>
-                </a:solidFill>
-              </a:rPr>
-              <a:t>First-Principles modeling of EIMS?</a:t>
-            </a:r>
-          </a:p>
-        </p:txBody>
-      </p:sp>
-      <p:sp>
-        <p:nvSpPr>
-          <p:cNvPr id="3" name="Content Placeholder 2">
-            <a:extLst>
-              <a:ext uri="{FF2B5EF4-FFF2-40B4-BE49-F238E27FC236}">
-                <a16:creationId xmlns:a16="http://schemas.microsoft.com/office/drawing/2014/main" id="{817C9C84-C8D7-4CB7-8C56-C6846037A693}"/>
-              </a:ext>
-            </a:extLst>
-          </p:cNvPr>
-          <p:cNvSpPr>
-            <a:spLocks noGrp="1"/>
-          </p:cNvSpPr>
-          <p:nvPr>
-            <p:ph idx="1"/>
-          </p:nvPr>
-        </p:nvSpPr>
-        <p:spPr>
-          <a:xfrm>
-            <a:off x="838200" y="1393903"/>
-            <a:ext cx="10515600" cy="4025590"/>
-          </a:xfrm>
-        </p:spPr>
-        <p:txBody>
-          <a:bodyPr>
-            <a:normAutofit lnSpcReduction="10000"/>
-          </a:bodyPr>
-          <a:lstStyle/>
-          <a:p>
-            <a:r>
-              <a:rPr lang="en-US" dirty="0"/>
-              <a:t>Distribution of internal energies (depends on electron energy)</a:t>
-            </a:r>
-          </a:p>
-          <a:p>
-            <a:pPr lvl="1"/>
-            <a:r>
-              <a:rPr lang="en-US" dirty="0"/>
-              <a:t>Can be computed ab initio  </a:t>
-            </a:r>
-            <a:r>
-              <a:rPr lang="en-US" sz="2800" b="1" dirty="0">
-                <a:solidFill>
-                  <a:srgbClr val="00FF00"/>
-                </a:solidFill>
-                <a:latin typeface="Segoe UI Symbol" panose="020B0502040204020203" pitchFamily="34" charset="0"/>
-                <a:ea typeface="Segoe UI Symbol" panose="020B0502040204020203" pitchFamily="34" charset="0"/>
-              </a:rPr>
-              <a:t>😊</a:t>
-            </a:r>
-            <a:endParaRPr lang="en-US" b="1" dirty="0">
-              <a:solidFill>
-                <a:srgbClr val="00FF00"/>
-              </a:solidFill>
-            </a:endParaRPr>
-          </a:p>
-          <a:p>
-            <a:r>
-              <a:rPr lang="en-US" dirty="0"/>
-              <a:t>Chemical fate (depends on internal energy)</a:t>
-            </a:r>
-          </a:p>
-          <a:p>
-            <a:pPr lvl="1"/>
-            <a:r>
-              <a:rPr lang="en-US" dirty="0"/>
-              <a:t>Adiabatic (on ground state potential-energy surface) </a:t>
-            </a:r>
-            <a:r>
-              <a:rPr lang="en-US" sz="2800" b="1" dirty="0">
-                <a:solidFill>
-                  <a:srgbClr val="FFFF00"/>
-                </a:solidFill>
-                <a:latin typeface="Segoe UI Symbol" panose="020B0502040204020203" pitchFamily="34" charset="0"/>
-                <a:ea typeface="Segoe UI Symbol" panose="020B0502040204020203" pitchFamily="34" charset="0"/>
-              </a:rPr>
-              <a:t>😐</a:t>
-            </a:r>
-            <a:endParaRPr lang="en-US" b="1" dirty="0">
-              <a:solidFill>
-                <a:srgbClr val="FFFF00"/>
-              </a:solidFill>
-            </a:endParaRPr>
-          </a:p>
-          <a:p>
-            <a:pPr lvl="1"/>
-            <a:r>
-              <a:rPr lang="en-US" dirty="0"/>
-              <a:t>Diabatic (on excited-state surface) </a:t>
-            </a:r>
-            <a:r>
-              <a:rPr lang="en-US" sz="2800" b="1" dirty="0">
-                <a:solidFill>
-                  <a:srgbClr val="FFC000"/>
-                </a:solidFill>
-                <a:latin typeface="Segoe UI Symbol" panose="020B0502040204020203" pitchFamily="34" charset="0"/>
-                <a:ea typeface="Segoe UI Symbol" panose="020B0502040204020203" pitchFamily="34" charset="0"/>
-              </a:rPr>
-              <a:t>😒</a:t>
-            </a:r>
-            <a:endParaRPr lang="en-US" b="1" dirty="0">
-              <a:solidFill>
-                <a:srgbClr val="FFC000"/>
-              </a:solidFill>
-            </a:endParaRPr>
-          </a:p>
-          <a:p>
-            <a:pPr lvl="1"/>
-            <a:r>
-              <a:rPr lang="en-US" dirty="0">
-                <a:solidFill>
-                  <a:srgbClr val="FFFF00"/>
-                </a:solidFill>
-              </a:rPr>
-              <a:t>Non-adiabatic</a:t>
-            </a:r>
-            <a:r>
-              <a:rPr lang="en-US" dirty="0"/>
-              <a:t> (with electronic transitions) </a:t>
-            </a:r>
-            <a:r>
-              <a:rPr lang="en-US" sz="3200" b="1" dirty="0">
-                <a:solidFill>
-                  <a:srgbClr val="FF0000"/>
-                </a:solidFill>
-                <a:latin typeface="Segoe UI Symbol" panose="020B0502040204020203" pitchFamily="34" charset="0"/>
-                <a:ea typeface="Segoe UI Symbol" panose="020B0502040204020203" pitchFamily="34" charset="0"/>
-              </a:rPr>
-              <a:t>😱</a:t>
-            </a:r>
-            <a:endParaRPr lang="en-US" b="1" dirty="0">
-              <a:solidFill>
-                <a:srgbClr val="FF0000"/>
-              </a:solidFill>
-            </a:endParaRPr>
-          </a:p>
-          <a:p>
-            <a:r>
-              <a:rPr lang="en-US" dirty="0"/>
-              <a:t>Smaller effects that partly cancel </a:t>
-            </a:r>
-            <a:r>
-              <a:rPr lang="en-US" b="1" dirty="0">
-                <a:solidFill>
-                  <a:srgbClr val="00B0F0"/>
-                </a:solidFill>
-                <a:latin typeface="Segoe UI Symbol" panose="020B0502040204020203" pitchFamily="34" charset="0"/>
-                <a:ea typeface="Segoe UI Symbol" panose="020B0502040204020203" pitchFamily="34" charset="0"/>
-              </a:rPr>
-              <a:t>😫</a:t>
-            </a:r>
-            <a:endParaRPr lang="en-US" dirty="0"/>
-          </a:p>
-          <a:p>
-            <a:pPr lvl="1"/>
-            <a:r>
-              <a:rPr lang="en-US" dirty="0"/>
-              <a:t>Thermal energy of neutral target gas</a:t>
-            </a:r>
-          </a:p>
-          <a:p>
-            <a:pPr lvl="1"/>
-            <a:r>
-              <a:rPr lang="en-US" dirty="0"/>
-              <a:t>Instrumental detection bias</a:t>
-            </a:r>
-          </a:p>
-        </p:txBody>
-      </p:sp>
-      <p:sp>
-        <p:nvSpPr>
-          <p:cNvPr id="4" name="TextBox 3">
-            <a:extLst>
-              <a:ext uri="{FF2B5EF4-FFF2-40B4-BE49-F238E27FC236}">
-                <a16:creationId xmlns:a16="http://schemas.microsoft.com/office/drawing/2014/main" id="{689F0EB9-8DD8-4746-ABDA-1EA25B50CA62}"/>
-              </a:ext>
-            </a:extLst>
-          </p:cNvPr>
-          <p:cNvSpPr txBox="1"/>
-          <p:nvPr/>
-        </p:nvSpPr>
-        <p:spPr>
-          <a:xfrm>
-            <a:off x="1197351" y="6055112"/>
-            <a:ext cx="9797297" cy="307777"/>
-          </a:xfrm>
-          <a:prstGeom prst="rect">
-            <a:avLst/>
-          </a:prstGeom>
-          <a:noFill/>
-        </p:spPr>
-        <p:txBody>
-          <a:bodyPr wrap="none" rtlCol="0">
-            <a:spAutoFit/>
-          </a:bodyPr>
-          <a:lstStyle/>
-          <a:p>
-            <a:r>
-              <a:rPr lang="en-US" sz="1400" dirty="0" err="1">
-                <a:solidFill>
-                  <a:srgbClr val="FFFF00"/>
-                </a:solidFill>
-              </a:rPr>
-              <a:t>Grimme</a:t>
-            </a:r>
-            <a:r>
-              <a:rPr lang="en-US" sz="1400" dirty="0">
-                <a:solidFill>
-                  <a:srgbClr val="FFFF00"/>
-                </a:solidFill>
-              </a:rPr>
-              <a:t>, S. Towards First Principles Calculation of Electron Impact Mass Spectra of Molecules. </a:t>
-            </a:r>
-            <a:r>
-              <a:rPr lang="en-US" sz="1400" i="1" dirty="0" err="1">
-                <a:solidFill>
-                  <a:srgbClr val="FFFF00"/>
-                </a:solidFill>
-              </a:rPr>
-              <a:t>Angew</a:t>
-            </a:r>
-            <a:r>
-              <a:rPr lang="en-US" sz="1400" i="1" dirty="0">
-                <a:solidFill>
-                  <a:srgbClr val="FFFF00"/>
-                </a:solidFill>
-              </a:rPr>
-              <a:t>. Chem. Int. Ed. </a:t>
-            </a:r>
-            <a:r>
-              <a:rPr lang="en-US" sz="1400" b="1" dirty="0">
-                <a:solidFill>
-                  <a:srgbClr val="FFFF00"/>
-                </a:solidFill>
-              </a:rPr>
-              <a:t>2013</a:t>
-            </a:r>
-            <a:r>
-              <a:rPr lang="en-US" sz="1400" b="1" i="1" dirty="0">
-                <a:solidFill>
-                  <a:srgbClr val="FFFF00"/>
-                </a:solidFill>
-              </a:rPr>
-              <a:t>, </a:t>
-            </a:r>
-            <a:r>
-              <a:rPr lang="en-US" sz="1400" i="1" dirty="0">
-                <a:solidFill>
-                  <a:srgbClr val="FFFF00"/>
-                </a:solidFill>
-              </a:rPr>
-              <a:t>52</a:t>
-            </a:r>
-            <a:r>
-              <a:rPr lang="en-US" sz="1400" b="1" i="1" dirty="0">
-                <a:solidFill>
-                  <a:srgbClr val="FFFF00"/>
-                </a:solidFill>
-              </a:rPr>
-              <a:t>, </a:t>
-            </a:r>
-            <a:r>
-              <a:rPr lang="en-US" sz="1400" dirty="0">
-                <a:solidFill>
-                  <a:srgbClr val="FFFF00"/>
-                </a:solidFill>
-              </a:rPr>
-              <a:t>6306</a:t>
-            </a:r>
-            <a:r>
-              <a:rPr lang="en-US" sz="1400" b="1" i="1" dirty="0">
-                <a:solidFill>
-                  <a:srgbClr val="FFFF00"/>
-                </a:solidFill>
-              </a:rPr>
-              <a:t>.</a:t>
-            </a:r>
-          </a:p>
-        </p:txBody>
-      </p:sp>
-      <p:sp>
-        <p:nvSpPr>
-          <p:cNvPr id="5" name="Rectangle 4">
-            <a:extLst>
-              <a:ext uri="{FF2B5EF4-FFF2-40B4-BE49-F238E27FC236}">
-                <a16:creationId xmlns:a16="http://schemas.microsoft.com/office/drawing/2014/main" id="{015152FC-5A91-4E2A-B229-A33BE7B03F69}"/>
-              </a:ext>
-            </a:extLst>
-          </p:cNvPr>
-          <p:cNvSpPr/>
-          <p:nvPr/>
-        </p:nvSpPr>
-        <p:spPr>
-          <a:xfrm>
-            <a:off x="412596" y="2999677"/>
-            <a:ext cx="10426390" cy="535258"/>
-          </a:xfrm>
-          <a:prstGeom prst="rect">
-            <a:avLst/>
-          </a:prstGeom>
-          <a:noFill/>
-          <a:ln w="25400">
-            <a:solidFill>
-              <a:srgbClr val="FFFF00"/>
-            </a:solidFill>
-          </a:ln>
-          <a:effectLst>
-            <a:glow rad="139700">
-              <a:schemeClr val="accent4">
-                <a:satMod val="175000"/>
-                <a:alpha val="40000"/>
-              </a:schemeClr>
-            </a:glow>
-          </a:effectLst>
-        </p:spPr>
-        <p:style>
-          <a:lnRef idx="2">
-            <a:schemeClr val="accent1">
-              <a:shade val="50000"/>
-            </a:schemeClr>
-          </a:lnRef>
-          <a:fillRef idx="1">
-            <a:schemeClr val="accent1"/>
-          </a:fillRef>
-          <a:effectRef idx="0">
-            <a:schemeClr val="accent1"/>
-          </a:effectRef>
-          <a:fontRef idx="minor">
-            <a:schemeClr val="lt1"/>
-          </a:fontRef>
-        </p:style>
-        <p:txBody>
-          <a:bodyPr rtlCol="0" anchor="ctr"/>
-          <a:lstStyle/>
-          <a:p>
-            <a:pPr algn="ctr"/>
-            <a:endParaRPr lang="en-US"/>
-          </a:p>
-        </p:txBody>
-      </p:sp>
-    </p:spTree>
-    <p:extLst>
-      <p:ext uri="{BB962C8B-B14F-4D97-AF65-F5344CB8AC3E}">
-        <p14:creationId xmlns:p14="http://schemas.microsoft.com/office/powerpoint/2010/main" val="3078683113"/>
-      </p:ext>
-    </p:extLst>
-  </p:cSld>
-  <p:clrMapOvr>
-    <a:masterClrMapping/>
-  </p:clrMapOvr>
-</p:sld>
-</file>
-
-<file path=ppt/slides/slide21.xml><?xml version="1.0" encoding="utf-8"?>
-<p:sld xmlns:a="http://schemas.openxmlformats.org/drawingml/2006/main" xmlns:r="http://schemas.openxmlformats.org/officeDocument/2006/relationships" xmlns:p="http://schemas.openxmlformats.org/presentationml/2006/main">
-  <p:cSld>
-    <p:spTree>
-      <p:nvGrpSpPr>
-        <p:cNvPr id="1" name=""/>
-        <p:cNvGrpSpPr/>
-        <p:nvPr/>
-      </p:nvGrpSpPr>
-      <p:grpSpPr>
-        <a:xfrm>
-          <a:off x="0" y="0"/>
-          <a:ext cx="0" cy="0"/>
-          <a:chOff x="0" y="0"/>
-          <a:chExt cx="0" cy="0"/>
-        </a:xfrm>
-      </p:grpSpPr>
-      <p:sp>
-        <p:nvSpPr>
-          <p:cNvPr id="2" name="Title 1">
-            <a:extLst>
-              <a:ext uri="{FF2B5EF4-FFF2-40B4-BE49-F238E27FC236}">
-                <a16:creationId xmlns:a16="http://schemas.microsoft.com/office/drawing/2014/main" id="{541715E4-1A1D-4693-A2F2-7529932FACEC}"/>
-              </a:ext>
-            </a:extLst>
-          </p:cNvPr>
-          <p:cNvSpPr>
-            <a:spLocks noGrp="1"/>
-          </p:cNvSpPr>
-          <p:nvPr>
-            <p:ph type="title"/>
-          </p:nvPr>
-        </p:nvSpPr>
-        <p:spPr>
-          <a:xfrm>
-            <a:off x="838200" y="365125"/>
-            <a:ext cx="10515600" cy="805753"/>
-          </a:xfrm>
-        </p:spPr>
-        <p:txBody>
-          <a:bodyPr/>
-          <a:lstStyle/>
-          <a:p>
-            <a:pPr algn="ctr"/>
-            <a:r>
-              <a:rPr lang="en-US" dirty="0">
-                <a:solidFill>
-                  <a:srgbClr val="00FF00"/>
-                </a:solidFill>
-              </a:rPr>
-              <a:t>Predicting excited-state reactivity</a:t>
-            </a:r>
-          </a:p>
-        </p:txBody>
-      </p:sp>
-      <p:sp>
-        <p:nvSpPr>
-          <p:cNvPr id="3" name="Content Placeholder 2">
-            <a:extLst>
-              <a:ext uri="{FF2B5EF4-FFF2-40B4-BE49-F238E27FC236}">
-                <a16:creationId xmlns:a16="http://schemas.microsoft.com/office/drawing/2014/main" id="{6FBBAE8E-40FA-4DE9-A93B-7CEBC0A4EDF4}"/>
-              </a:ext>
-            </a:extLst>
-          </p:cNvPr>
-          <p:cNvSpPr>
-            <a:spLocks noGrp="1"/>
-          </p:cNvSpPr>
-          <p:nvPr>
-            <p:ph idx="1"/>
-          </p:nvPr>
-        </p:nvSpPr>
-        <p:spPr>
-          <a:xfrm>
             <a:off x="838200" y="1630214"/>
             <a:ext cx="5629507" cy="3716525"/>
           </a:xfrm>
@@ -12459,7 +10962,7 @@
             <a:pPr lvl="1"/>
             <a:r>
               <a:rPr lang="en-US" dirty="0"/>
-              <a:t>Complication: staying on the “same” excited state across intersections</a:t>
+              <a:t>How to stay on the “same” excited state across intersections?</a:t>
             </a:r>
           </a:p>
           <a:p>
@@ -13071,7 +11574,138 @@
 </p:sld>
 </file>
 
-<file path=ppt/slides/slide22.xml><?xml version="1.0" encoding="utf-8"?>
+<file path=ppt/slides/slide2.xml><?xml version="1.0" encoding="utf-8"?>
+<p:sld xmlns:a="http://schemas.openxmlformats.org/drawingml/2006/main" xmlns:r="http://schemas.openxmlformats.org/officeDocument/2006/relationships" xmlns:p="http://schemas.openxmlformats.org/presentationml/2006/main">
+  <p:cSld>
+    <p:spTree>
+      <p:nvGrpSpPr>
+        <p:cNvPr id="1" name=""/>
+        <p:cNvGrpSpPr/>
+        <p:nvPr/>
+      </p:nvGrpSpPr>
+      <p:grpSpPr>
+        <a:xfrm>
+          <a:off x="0" y="0"/>
+          <a:ext cx="0" cy="0"/>
+          <a:chOff x="0" y="0"/>
+          <a:chExt cx="0" cy="0"/>
+        </a:xfrm>
+      </p:grpSpPr>
+      <p:sp>
+        <p:nvSpPr>
+          <p:cNvPr id="2" name="Title 1">
+            <a:extLst>
+              <a:ext uri="{FF2B5EF4-FFF2-40B4-BE49-F238E27FC236}">
+                <a16:creationId xmlns:a16="http://schemas.microsoft.com/office/drawing/2014/main" id="{2E6BD18C-FB50-4AE4-B9BA-817230EEFDF7}"/>
+              </a:ext>
+            </a:extLst>
+          </p:cNvPr>
+          <p:cNvSpPr>
+            <a:spLocks noGrp="1"/>
+          </p:cNvSpPr>
+          <p:nvPr>
+            <p:ph type="title"/>
+          </p:nvPr>
+        </p:nvSpPr>
+        <p:spPr/>
+        <p:txBody>
+          <a:bodyPr/>
+          <a:lstStyle/>
+          <a:p>
+            <a:pPr algn="ctr"/>
+            <a:r>
+              <a:rPr lang="en-US" dirty="0">
+                <a:solidFill>
+                  <a:srgbClr val="00FF00"/>
+                </a:solidFill>
+              </a:rPr>
+              <a:t>Overview</a:t>
+            </a:r>
+          </a:p>
+        </p:txBody>
+      </p:sp>
+      <p:sp>
+        <p:nvSpPr>
+          <p:cNvPr id="3" name="Content Placeholder 2">
+            <a:extLst>
+              <a:ext uri="{FF2B5EF4-FFF2-40B4-BE49-F238E27FC236}">
+                <a16:creationId xmlns:a16="http://schemas.microsoft.com/office/drawing/2014/main" id="{687243F3-E3DD-4C01-868B-F026D35A31B4}"/>
+              </a:ext>
+            </a:extLst>
+          </p:cNvPr>
+          <p:cNvSpPr>
+            <a:spLocks noGrp="1"/>
+          </p:cNvSpPr>
+          <p:nvPr>
+            <p:ph idx="1"/>
+          </p:nvPr>
+        </p:nvSpPr>
+        <p:spPr/>
+        <p:txBody>
+          <a:bodyPr/>
+          <a:lstStyle/>
+          <a:p>
+            <a:r>
+              <a:rPr lang="en-US" dirty="0"/>
+              <a:t>Importance of photochemistry</a:t>
+            </a:r>
+          </a:p>
+          <a:p>
+            <a:r>
+              <a:rPr lang="en-US" dirty="0"/>
+              <a:t>“Photochemistry” generalized</a:t>
+            </a:r>
+          </a:p>
+          <a:p>
+            <a:r>
+              <a:rPr lang="en-US" dirty="0"/>
+              <a:t>Examples</a:t>
+            </a:r>
+          </a:p>
+          <a:p>
+            <a:pPr lvl="1"/>
+            <a:r>
+              <a:rPr lang="en-US" dirty="0"/>
+              <a:t>Gamma radiolysis</a:t>
+            </a:r>
+          </a:p>
+          <a:p>
+            <a:pPr lvl="1"/>
+            <a:r>
+              <a:rPr lang="en-US" dirty="0"/>
+              <a:t>Proton beam therapy</a:t>
+            </a:r>
+          </a:p>
+          <a:p>
+            <a:pPr lvl="1"/>
+            <a:r>
+              <a:rPr lang="en-US" dirty="0"/>
+              <a:t>Electron impact</a:t>
+            </a:r>
+          </a:p>
+          <a:p>
+            <a:pPr lvl="1"/>
+            <a:r>
+              <a:rPr lang="en-US" dirty="0"/>
+              <a:t>Gas-phase catalysis</a:t>
+            </a:r>
+          </a:p>
+        </p:txBody>
+      </p:sp>
+    </p:spTree>
+    <p:extLst>
+      <p:ext uri="{BB962C8B-B14F-4D97-AF65-F5344CB8AC3E}">
+        <p14:creationId xmlns:p14="http://schemas.microsoft.com/office/powerpoint/2010/main" val="4262813016"/>
+      </p:ext>
+    </p:extLst>
+  </p:cSld>
+  <p:clrMapOvr>
+    <a:masterClrMapping/>
+  </p:clrMapOvr>
+</p:sld>
+</file>
+
+<file path=ppt/slides/slide20.xml><?xml version="1.0" encoding="utf-8"?>
 <p:sld xmlns:a="http://schemas.openxmlformats.org/drawingml/2006/main" xmlns:r="http://schemas.openxmlformats.org/officeDocument/2006/relationships" xmlns:p="http://schemas.openxmlformats.org/presentationml/2006/main">
   <p:cSld>
     <p:spTree>
@@ -13478,7 +12112,7 @@
 </p:sld>
 </file>
 
-<file path=ppt/slides/slide23.xml><?xml version="1.0" encoding="utf-8"?>
+<file path=ppt/slides/slide21.xml><?xml version="1.0" encoding="utf-8"?>
 <p:sld xmlns:a="http://schemas.openxmlformats.org/drawingml/2006/main" xmlns:r="http://schemas.openxmlformats.org/officeDocument/2006/relationships" xmlns:p="http://schemas.openxmlformats.org/presentationml/2006/main">
   <p:cSld>
     <p:spTree>
@@ -15141,6 +13775,445 @@
 </p:sld>
 </file>
 
+<file path=ppt/slides/slide22.xml><?xml version="1.0" encoding="utf-8"?>
+<p:sld xmlns:a="http://schemas.openxmlformats.org/drawingml/2006/main" xmlns:r="http://schemas.openxmlformats.org/officeDocument/2006/relationships" xmlns:p="http://schemas.openxmlformats.org/presentationml/2006/main">
+  <p:cSld>
+    <p:spTree>
+      <p:nvGrpSpPr>
+        <p:cNvPr id="1" name=""/>
+        <p:cNvGrpSpPr/>
+        <p:nvPr/>
+      </p:nvGrpSpPr>
+      <p:grpSpPr>
+        <a:xfrm>
+          <a:off x="0" y="0"/>
+          <a:ext cx="0" cy="0"/>
+          <a:chOff x="0" y="0"/>
+          <a:chExt cx="0" cy="0"/>
+        </a:xfrm>
+      </p:grpSpPr>
+      <p:sp>
+        <p:nvSpPr>
+          <p:cNvPr id="2" name="Title 1">
+            <a:extLst>
+              <a:ext uri="{FF2B5EF4-FFF2-40B4-BE49-F238E27FC236}">
+                <a16:creationId xmlns:a16="http://schemas.microsoft.com/office/drawing/2014/main" id="{2DBCF5FA-7B5D-4D89-AC73-73AD8BC4A688}"/>
+              </a:ext>
+            </a:extLst>
+          </p:cNvPr>
+          <p:cNvSpPr>
+            <a:spLocks noGrp="1"/>
+          </p:cNvSpPr>
+          <p:nvPr>
+            <p:ph type="title"/>
+          </p:nvPr>
+        </p:nvSpPr>
+        <p:spPr>
+          <a:xfrm>
+            <a:off x="838200" y="365126"/>
+            <a:ext cx="10515600" cy="850358"/>
+          </a:xfrm>
+        </p:spPr>
+        <p:txBody>
+          <a:bodyPr/>
+          <a:lstStyle/>
+          <a:p>
+            <a:pPr algn="ctr"/>
+            <a:r>
+              <a:rPr lang="en-US" dirty="0">
+                <a:solidFill>
+                  <a:srgbClr val="00FF00"/>
+                </a:solidFill>
+              </a:rPr>
+              <a:t>Catalysis by gas-phase ions</a:t>
+            </a:r>
+          </a:p>
+        </p:txBody>
+      </p:sp>
+      <p:sp>
+        <p:nvSpPr>
+          <p:cNvPr id="3" name="Content Placeholder 2">
+            <a:extLst>
+              <a:ext uri="{FF2B5EF4-FFF2-40B4-BE49-F238E27FC236}">
+                <a16:creationId xmlns:a16="http://schemas.microsoft.com/office/drawing/2014/main" id="{5623BC6F-26FD-439A-9693-D2E5942A71BA}"/>
+              </a:ext>
+            </a:extLst>
+          </p:cNvPr>
+          <p:cNvSpPr>
+            <a:spLocks noGrp="1"/>
+          </p:cNvSpPr>
+          <p:nvPr>
+            <p:ph idx="1"/>
+          </p:nvPr>
+        </p:nvSpPr>
+        <p:spPr>
+          <a:xfrm>
+            <a:off x="440308" y="1215484"/>
+            <a:ext cx="5655692" cy="4538545"/>
+          </a:xfrm>
+        </p:spPr>
+        <p:txBody>
+          <a:bodyPr/>
+          <a:lstStyle/>
+          <a:p>
+            <a:r>
+              <a:rPr lang="en-US" dirty="0"/>
+              <a:t>CH</a:t>
+            </a:r>
+            <a:r>
+              <a:rPr lang="en-US" baseline="-25000" dirty="0"/>
+              <a:t>4</a:t>
+            </a:r>
+            <a:r>
+              <a:rPr lang="en-US" dirty="0"/>
+              <a:t> conversion by Au</a:t>
+            </a:r>
+            <a:r>
+              <a:rPr lang="en-US" baseline="-25000" dirty="0"/>
+              <a:t>2</a:t>
+            </a:r>
+            <a:r>
+              <a:rPr lang="en-US" baseline="30000" dirty="0"/>
+              <a:t>+</a:t>
+            </a:r>
+            <a:r>
+              <a:rPr lang="en-US" dirty="0"/>
+              <a:t> (shown)</a:t>
+            </a:r>
+          </a:p>
+          <a:p>
+            <a:pPr lvl="1"/>
+            <a:r>
+              <a:rPr lang="en-US" dirty="0"/>
+              <a:t>In presence of O</a:t>
+            </a:r>
+            <a:r>
+              <a:rPr lang="en-US" baseline="-25000" dirty="0"/>
+              <a:t>2</a:t>
+            </a:r>
+            <a:r>
+              <a:rPr lang="en-US" dirty="0"/>
+              <a:t>, selective is controlled by temperature</a:t>
+            </a:r>
+          </a:p>
+          <a:p>
+            <a:pPr lvl="1"/>
+            <a:r>
+              <a:rPr lang="en-US" dirty="0"/>
+              <a:t>C</a:t>
+            </a:r>
+            <a:r>
+              <a:rPr lang="en-US" baseline="-25000" dirty="0"/>
+              <a:t>2</a:t>
+            </a:r>
+            <a:r>
+              <a:rPr lang="en-US" dirty="0"/>
+              <a:t>H</a:t>
+            </a:r>
+            <a:r>
+              <a:rPr lang="en-US" baseline="-25000" dirty="0"/>
+              <a:t>4</a:t>
+            </a:r>
+            <a:r>
+              <a:rPr lang="en-US" dirty="0"/>
+              <a:t> for </a:t>
+            </a:r>
+            <a:r>
+              <a:rPr lang="en-US" i="1" dirty="0"/>
+              <a:t>T</a:t>
+            </a:r>
+            <a:r>
+              <a:rPr lang="en-US" dirty="0"/>
+              <a:t> &gt; 260 K</a:t>
+            </a:r>
+          </a:p>
+          <a:p>
+            <a:pPr lvl="1"/>
+            <a:r>
+              <a:rPr lang="en-US" dirty="0"/>
+              <a:t>CH</a:t>
+            </a:r>
+            <a:r>
+              <a:rPr lang="en-US" baseline="-25000" dirty="0"/>
+              <a:t>2</a:t>
+            </a:r>
+            <a:r>
+              <a:rPr lang="en-US" dirty="0"/>
+              <a:t>O for </a:t>
+            </a:r>
+            <a:r>
+              <a:rPr lang="en-US" i="1" dirty="0"/>
+              <a:t>T</a:t>
+            </a:r>
+            <a:r>
+              <a:rPr lang="en-US" dirty="0"/>
+              <a:t> &lt; 230 K</a:t>
+            </a:r>
+          </a:p>
+          <a:p>
+            <a:r>
+              <a:rPr lang="en-US" dirty="0"/>
+              <a:t>Olefin </a:t>
+            </a:r>
+            <a:r>
+              <a:rPr lang="en-US" dirty="0" err="1"/>
+              <a:t>dehydroaromatization</a:t>
+            </a:r>
+            <a:r>
+              <a:rPr lang="en-US" dirty="0"/>
+              <a:t> (not shown)</a:t>
+            </a:r>
+          </a:p>
+          <a:p>
+            <a:pPr lvl="1"/>
+            <a:r>
+              <a:rPr lang="en-US" dirty="0"/>
+              <a:t>Catalyzed by Fe</a:t>
+            </a:r>
+            <a:r>
+              <a:rPr lang="en-US" baseline="-25000" dirty="0"/>
+              <a:t>4</a:t>
+            </a:r>
+            <a:r>
+              <a:rPr lang="en-US" baseline="30000" dirty="0"/>
+              <a:t>+</a:t>
+            </a:r>
+            <a:r>
+              <a:rPr lang="en-US" dirty="0"/>
+              <a:t> and by some atomic ions</a:t>
+            </a:r>
+          </a:p>
+          <a:p>
+            <a:pPr lvl="1"/>
+            <a:r>
+              <a:rPr lang="en-US" dirty="0"/>
+              <a:t>Product desorption requires input energy (or alkyne feed)</a:t>
+            </a:r>
+          </a:p>
+        </p:txBody>
+      </p:sp>
+      <p:pic>
+        <p:nvPicPr>
+          <p:cNvPr id="5" name="Picture 4">
+            <a:extLst>
+              <a:ext uri="{FF2B5EF4-FFF2-40B4-BE49-F238E27FC236}">
+                <a16:creationId xmlns:a16="http://schemas.microsoft.com/office/drawing/2014/main" id="{C92995CF-63FD-4834-B328-DA60260D744D}"/>
+              </a:ext>
+            </a:extLst>
+          </p:cNvPr>
+          <p:cNvPicPr>
+            <a:picLocks noChangeAspect="1"/>
+          </p:cNvPicPr>
+          <p:nvPr/>
+        </p:nvPicPr>
+        <p:blipFill>
+          <a:blip r:embed="rId3">
+            <a:extLst>
+              <a:ext uri="{28A0092B-C50C-407E-A947-70E740481C1C}">
+                <a14:useLocalDpi xmlns:a14="http://schemas.microsoft.com/office/drawing/2010/main" val="0"/>
+              </a:ext>
+            </a:extLst>
+          </a:blip>
+          <a:stretch>
+            <a:fillRect/>
+          </a:stretch>
+        </p:blipFill>
+        <p:spPr>
+          <a:xfrm>
+            <a:off x="6356195" y="1215484"/>
+            <a:ext cx="5496737" cy="5011896"/>
+          </a:xfrm>
+          <a:prstGeom prst="rect">
+            <a:avLst/>
+          </a:prstGeom>
+        </p:spPr>
+      </p:pic>
+      <p:sp>
+        <p:nvSpPr>
+          <p:cNvPr id="6" name="TextBox 5">
+            <a:extLst>
+              <a:ext uri="{FF2B5EF4-FFF2-40B4-BE49-F238E27FC236}">
+                <a16:creationId xmlns:a16="http://schemas.microsoft.com/office/drawing/2014/main" id="{81E66534-87D3-4685-AEA7-6762C92AB166}"/>
+              </a:ext>
+            </a:extLst>
+          </p:cNvPr>
+          <p:cNvSpPr txBox="1"/>
+          <p:nvPr/>
+        </p:nvSpPr>
+        <p:spPr>
+          <a:xfrm>
+            <a:off x="1325131" y="6300441"/>
+            <a:ext cx="9965485" cy="307777"/>
+          </a:xfrm>
+          <a:prstGeom prst="rect">
+            <a:avLst/>
+          </a:prstGeom>
+          <a:noFill/>
+        </p:spPr>
+        <p:txBody>
+          <a:bodyPr wrap="none" rtlCol="0">
+            <a:spAutoFit/>
+          </a:bodyPr>
+          <a:lstStyle/>
+          <a:p>
+            <a:r>
+              <a:rPr lang="en-US" sz="1400" dirty="0">
+                <a:solidFill>
+                  <a:srgbClr val="FFFF00"/>
+                </a:solidFill>
+              </a:rPr>
+              <a:t>Schwarz, H. Ménage-à-trois: single-atom catalysis, mass spectrometry, and computational chemistry. </a:t>
+            </a:r>
+            <a:r>
+              <a:rPr lang="en-US" sz="1400" i="1" dirty="0" err="1">
+                <a:solidFill>
+                  <a:srgbClr val="FFFF00"/>
+                </a:solidFill>
+              </a:rPr>
+              <a:t>Catal</a:t>
+            </a:r>
+            <a:r>
+              <a:rPr lang="en-US" sz="1400" i="1" dirty="0">
+                <a:solidFill>
+                  <a:srgbClr val="FFFF00"/>
+                </a:solidFill>
+              </a:rPr>
+              <a:t>. Sci. Tech. </a:t>
+            </a:r>
+            <a:r>
+              <a:rPr lang="en-US" sz="1400" b="1" dirty="0">
+                <a:solidFill>
+                  <a:srgbClr val="FFFF00"/>
+                </a:solidFill>
+              </a:rPr>
+              <a:t>2017</a:t>
+            </a:r>
+            <a:r>
+              <a:rPr lang="en-US" sz="1400" b="1" i="1" dirty="0">
+                <a:solidFill>
+                  <a:srgbClr val="FFFF00"/>
+                </a:solidFill>
+              </a:rPr>
+              <a:t>, </a:t>
+            </a:r>
+            <a:r>
+              <a:rPr lang="en-US" sz="1400" i="1" dirty="0">
+                <a:solidFill>
+                  <a:srgbClr val="FFFF00"/>
+                </a:solidFill>
+              </a:rPr>
+              <a:t>7</a:t>
+            </a:r>
+            <a:r>
+              <a:rPr lang="en-US" sz="1400" b="1" i="1" dirty="0">
+                <a:solidFill>
+                  <a:srgbClr val="FFFF00"/>
+                </a:solidFill>
+              </a:rPr>
+              <a:t>, </a:t>
+            </a:r>
+            <a:r>
+              <a:rPr lang="en-US" sz="1400" dirty="0">
+                <a:solidFill>
+                  <a:srgbClr val="FFFF00"/>
+                </a:solidFill>
+              </a:rPr>
+              <a:t>4302</a:t>
+            </a:r>
+            <a:r>
+              <a:rPr lang="en-US" sz="1400" b="1" i="1" dirty="0">
+                <a:solidFill>
+                  <a:srgbClr val="FFFF00"/>
+                </a:solidFill>
+              </a:rPr>
+              <a:t>.</a:t>
+            </a:r>
+          </a:p>
+        </p:txBody>
+      </p:sp>
+    </p:spTree>
+    <p:extLst>
+      <p:ext uri="{BB962C8B-B14F-4D97-AF65-F5344CB8AC3E}">
+        <p14:creationId xmlns:p14="http://schemas.microsoft.com/office/powerpoint/2010/main" val="3288280280"/>
+      </p:ext>
+    </p:extLst>
+  </p:cSld>
+  <p:clrMapOvr>
+    <a:masterClrMapping/>
+  </p:clrMapOvr>
+</p:sld>
+</file>
+
+<file path=ppt/slides/slide23.xml><?xml version="1.0" encoding="utf-8"?>
+<p:sld xmlns:a="http://schemas.openxmlformats.org/drawingml/2006/main" xmlns:r="http://schemas.openxmlformats.org/officeDocument/2006/relationships" xmlns:p="http://schemas.openxmlformats.org/presentationml/2006/main">
+  <p:cSld>
+    <p:spTree>
+      <p:nvGrpSpPr>
+        <p:cNvPr id="1" name=""/>
+        <p:cNvGrpSpPr/>
+        <p:nvPr/>
+      </p:nvGrpSpPr>
+      <p:grpSpPr>
+        <a:xfrm>
+          <a:off x="0" y="0"/>
+          <a:ext cx="0" cy="0"/>
+          <a:chOff x="0" y="0"/>
+          <a:chExt cx="0" cy="0"/>
+        </a:xfrm>
+      </p:grpSpPr>
+      <p:sp>
+        <p:nvSpPr>
+          <p:cNvPr id="2" name="Title 1">
+            <a:extLst>
+              <a:ext uri="{FF2B5EF4-FFF2-40B4-BE49-F238E27FC236}">
+                <a16:creationId xmlns:a16="http://schemas.microsoft.com/office/drawing/2014/main" id="{464E55BD-821A-493F-934B-681073927AE1}"/>
+              </a:ext>
+            </a:extLst>
+          </p:cNvPr>
+          <p:cNvSpPr>
+            <a:spLocks noGrp="1"/>
+          </p:cNvSpPr>
+          <p:nvPr>
+            <p:ph type="title"/>
+          </p:nvPr>
+        </p:nvSpPr>
+        <p:spPr>
+          <a:xfrm>
+            <a:off x="838200" y="365125"/>
+            <a:ext cx="10515600" cy="5946465"/>
+          </a:xfrm>
+        </p:spPr>
+        <p:txBody>
+          <a:bodyPr>
+            <a:normAutofit/>
+          </a:bodyPr>
+          <a:lstStyle/>
+          <a:p>
+            <a:pPr algn="ctr"/>
+            <a:r>
+              <a:rPr lang="en-US" sz="7200" dirty="0">
+                <a:solidFill>
+                  <a:srgbClr val="00FF00"/>
+                </a:solidFill>
+              </a:rPr>
+              <a:t>Questions?</a:t>
+            </a:r>
+          </a:p>
+        </p:txBody>
+      </p:sp>
+    </p:spTree>
+    <p:extLst>
+      <p:ext uri="{BB962C8B-B14F-4D97-AF65-F5344CB8AC3E}">
+        <p14:creationId xmlns:p14="http://schemas.microsoft.com/office/powerpoint/2010/main" val="1468094616"/>
+      </p:ext>
+    </p:extLst>
+  </p:cSld>
+  <p:clrMapOvr>
+    <a:masterClrMapping/>
+  </p:clrMapOvr>
+</p:sld>
+</file>
+
 <file path=ppt/slides/slide24.xml><?xml version="1.0" encoding="utf-8"?>
 <p:sld xmlns:a="http://schemas.openxmlformats.org/drawingml/2006/main" xmlns:r="http://schemas.openxmlformats.org/officeDocument/2006/relationships" xmlns:p="http://schemas.openxmlformats.org/presentationml/2006/main">
   <p:cSld>
@@ -15163,7 +14236,7 @@
           <p:cNvPr id="2" name="Title 1">
             <a:extLst>
               <a:ext uri="{FF2B5EF4-FFF2-40B4-BE49-F238E27FC236}">
-                <a16:creationId xmlns:a16="http://schemas.microsoft.com/office/drawing/2014/main" id="{2DBCF5FA-7B5D-4D89-AC73-73AD8BC4A688}"/>
+                <a16:creationId xmlns:a16="http://schemas.microsoft.com/office/drawing/2014/main" id="{192B8F8F-C6D9-48B2-95D5-2E44AF77662F}"/>
               </a:ext>
             </a:extLst>
           </p:cNvPr>
@@ -15176,22 +14249,21 @@
         </p:nvSpPr>
         <p:spPr>
           <a:xfrm>
-            <a:off x="838200" y="365126"/>
-            <a:ext cx="10515600" cy="850358"/>
+            <a:off x="838200" y="365125"/>
+            <a:ext cx="10515600" cy="836951"/>
           </a:xfrm>
         </p:spPr>
         <p:txBody>
           <a:bodyPr/>
           <a:lstStyle/>
           <a:p>
-            <a:pPr algn="ctr"/>
             <a:r>
               <a:rPr lang="en-US" dirty="0">
                 <a:solidFill>
                   <a:srgbClr val="00FF00"/>
                 </a:solidFill>
               </a:rPr>
-              <a:t>Catalysis by gas-phase ions</a:t>
+              <a:t>Electron ionization mass spectrometry (EIMS)</a:t>
             </a:r>
           </a:p>
         </p:txBody>
@@ -15201,7 +14273,7 @@
           <p:cNvPr id="3" name="Content Placeholder 2">
             <a:extLst>
               <a:ext uri="{FF2B5EF4-FFF2-40B4-BE49-F238E27FC236}">
-                <a16:creationId xmlns:a16="http://schemas.microsoft.com/office/drawing/2014/main" id="{5623BC6F-26FD-439A-9693-D2E5942A71BA}"/>
+                <a16:creationId xmlns:a16="http://schemas.microsoft.com/office/drawing/2014/main" id="{E314368E-B449-4FE8-BB4E-92A8EAC3565D}"/>
               </a:ext>
             </a:extLst>
           </p:cNvPr>
@@ -15214,8 +14286,8 @@
         </p:nvSpPr>
         <p:spPr>
           <a:xfrm>
-            <a:off x="440308" y="1215484"/>
-            <a:ext cx="5655692" cy="4538545"/>
+            <a:off x="838201" y="1479479"/>
+            <a:ext cx="5696164" cy="4697484"/>
           </a:xfrm>
         </p:spPr>
         <p:txBody>
@@ -15224,19 +14296,7 @@
           <a:p>
             <a:r>
               <a:rPr lang="en-US" dirty="0"/>
-              <a:t>CH</a:t>
-            </a:r>
-            <a:r>
-              <a:rPr lang="en-US" baseline="-25000" dirty="0"/>
-              <a:t>4</a:t>
-            </a:r>
-            <a:r>
-              <a:rPr lang="en-US" dirty="0"/>
-              <a:t> conversion by Au</a:t>
-            </a:r>
-            <a:r>
-              <a:rPr lang="en-US" baseline="-25000" dirty="0"/>
-              <a:t>2</a:t>
+              <a:t>Molecular ions (M</a:t>
             </a:r>
             <a:r>
               <a:rPr lang="en-US" baseline="30000" dirty="0"/>
@@ -15244,162 +14304,61 @@
             </a:r>
             <a:r>
               <a:rPr lang="en-US" dirty="0"/>
-              <a:t> (shown)</a:t>
+              <a:t>) are created with a wide range of internal energies</a:t>
+            </a:r>
+          </a:p>
+          <a:p>
+            <a:r>
+              <a:rPr lang="en-US" dirty="0"/>
+              <a:t>Many break into fragments</a:t>
             </a:r>
           </a:p>
           <a:p>
             <a:pPr lvl="1"/>
             <a:r>
               <a:rPr lang="en-US" dirty="0"/>
-              <a:t>In presence of O</a:t>
-            </a:r>
-            <a:r>
-              <a:rPr lang="en-US" baseline="-25000" dirty="0"/>
-              <a:t>2</a:t>
-            </a:r>
-            <a:r>
-              <a:rPr lang="en-US" dirty="0"/>
-              <a:t>, selective is controlled by temperature</a:t>
+              <a:t>Characteristic “mass spectrum” </a:t>
             </a:r>
           </a:p>
           <a:p>
             <a:pPr lvl="1"/>
             <a:r>
               <a:rPr lang="en-US" dirty="0"/>
-              <a:t>C</a:t>
-            </a:r>
-            <a:r>
-              <a:rPr lang="en-US" baseline="-25000" dirty="0"/>
-              <a:t>2</a:t>
-            </a:r>
-            <a:r>
-              <a:rPr lang="en-US" dirty="0"/>
-              <a:t>H</a:t>
-            </a:r>
-            <a:r>
-              <a:rPr lang="en-US" baseline="-25000" dirty="0"/>
-              <a:t>4</a:t>
-            </a:r>
-            <a:r>
-              <a:rPr lang="en-US" dirty="0"/>
-              <a:t> for </a:t>
-            </a:r>
-            <a:r>
-              <a:rPr lang="en-US" i="1" dirty="0"/>
-              <a:t>T</a:t>
-            </a:r>
-            <a:r>
-              <a:rPr lang="en-US" dirty="0"/>
-              <a:t> &gt; 260 K</a:t>
+              <a:t>Important for analytical chemistry</a:t>
+            </a:r>
+          </a:p>
+          <a:p>
+            <a:r>
+              <a:rPr lang="en-US" dirty="0"/>
+              <a:t>70 eV is typical in analytical work</a:t>
             </a:r>
           </a:p>
           <a:p>
             <a:pPr lvl="1"/>
             <a:r>
               <a:rPr lang="en-US" dirty="0"/>
-              <a:t>CH</a:t>
-            </a:r>
-            <a:r>
-              <a:rPr lang="en-US" baseline="-25000" dirty="0"/>
-              <a:t>2</a:t>
-            </a:r>
-            <a:r>
-              <a:rPr lang="en-US" dirty="0"/>
-              <a:t>O for </a:t>
-            </a:r>
-            <a:r>
-              <a:rPr lang="en-US" i="1" dirty="0"/>
-              <a:t>T</a:t>
-            </a:r>
-            <a:r>
-              <a:rPr lang="en-US" dirty="0"/>
-              <a:t> &lt; 230 K</a:t>
-            </a:r>
-          </a:p>
-          <a:p>
-            <a:r>
-              <a:rPr lang="en-US" dirty="0"/>
-              <a:t>Olefin </a:t>
-            </a:r>
-            <a:r>
-              <a:rPr lang="en-US" dirty="0" err="1"/>
-              <a:t>dehydroaromatization</a:t>
-            </a:r>
-            <a:r>
-              <a:rPr lang="en-US" dirty="0"/>
-              <a:t> (not shown)</a:t>
+              <a:t>Strong signal</a:t>
             </a:r>
           </a:p>
           <a:p>
             <a:pPr lvl="1"/>
             <a:r>
               <a:rPr lang="en-US" dirty="0"/>
-              <a:t>Catalyzed by Fe</a:t>
-            </a:r>
-            <a:r>
-              <a:rPr lang="en-US" baseline="-25000" dirty="0"/>
-              <a:t>4</a:t>
-            </a:r>
-            <a:r>
-              <a:rPr lang="en-US" baseline="30000" dirty="0"/>
-              <a:t>+</a:t>
-            </a:r>
-            <a:r>
-              <a:rPr lang="en-US" dirty="0"/>
-              <a:t> and by some atomic ions</a:t>
+              <a:t>Stable fragmentation pattern</a:t>
             </a:r>
           </a:p>
           <a:p>
             <a:pPr lvl="1"/>
-            <a:r>
-              <a:rPr lang="en-US" dirty="0"/>
-              <a:t>Product desorption requires input energy (or alkyne feed)</a:t>
-            </a:r>
-          </a:p>
-        </p:txBody>
-      </p:sp>
-      <p:pic>
-        <p:nvPicPr>
-          <p:cNvPr id="5" name="Picture 4">
+            <a:endParaRPr lang="en-US" dirty="0"/>
+          </a:p>
+        </p:txBody>
+      </p:sp>
+      <p:sp>
+        <p:nvSpPr>
+          <p:cNvPr id="8" name="TextBox 7">
             <a:extLst>
               <a:ext uri="{FF2B5EF4-FFF2-40B4-BE49-F238E27FC236}">
-                <a16:creationId xmlns:a16="http://schemas.microsoft.com/office/drawing/2014/main" id="{C92995CF-63FD-4834-B328-DA60260D744D}"/>
-              </a:ext>
-            </a:extLst>
-          </p:cNvPr>
-          <p:cNvPicPr>
-            <a:picLocks noChangeAspect="1"/>
-          </p:cNvPicPr>
-          <p:nvPr/>
-        </p:nvPicPr>
-        <p:blipFill>
-          <a:blip r:embed="rId3">
-            <a:extLst>
-              <a:ext uri="{28A0092B-C50C-407E-A947-70E740481C1C}">
-                <a14:useLocalDpi xmlns:a14="http://schemas.microsoft.com/office/drawing/2010/main" val="0"/>
-              </a:ext>
-            </a:extLst>
-          </a:blip>
-          <a:stretch>
-            <a:fillRect/>
-          </a:stretch>
-        </p:blipFill>
-        <p:spPr>
-          <a:xfrm>
-            <a:off x="6356195" y="1215484"/>
-            <a:ext cx="5496737" cy="5011896"/>
-          </a:xfrm>
-          <a:prstGeom prst="rect">
-            <a:avLst/>
-          </a:prstGeom>
-        </p:spPr>
-      </p:pic>
-      <p:sp>
-        <p:nvSpPr>
-          <p:cNvPr id="6" name="TextBox 5">
-            <a:extLst>
-              <a:ext uri="{FF2B5EF4-FFF2-40B4-BE49-F238E27FC236}">
-                <a16:creationId xmlns:a16="http://schemas.microsoft.com/office/drawing/2014/main" id="{81E66534-87D3-4685-AEA7-6762C92AB166}"/>
+                <a16:creationId xmlns:a16="http://schemas.microsoft.com/office/drawing/2014/main" id="{C528D227-CC43-41C5-9B56-8B1839B883F5}"/>
               </a:ext>
             </a:extLst>
           </p:cNvPr>
@@ -15408,8 +14367,8 @@
         </p:nvSpPr>
         <p:spPr>
           <a:xfrm>
-            <a:off x="1325131" y="6300441"/>
-            <a:ext cx="9965485" cy="307777"/>
+            <a:off x="8664498" y="1398425"/>
+            <a:ext cx="1138453" cy="523220"/>
           </a:xfrm>
           <a:prstGeom prst="rect">
             <a:avLst/>
@@ -15423,84 +14382,910 @@
           <a:lstStyle/>
           <a:p>
             <a:r>
-              <a:rPr lang="en-US" sz="1400" dirty="0">
-                <a:solidFill>
-                  <a:srgbClr val="FFFF00"/>
-                </a:solidFill>
-              </a:rPr>
-              <a:t>Schwarz, H. Ménage-à-trois: single-atom catalysis, mass spectrometry, and computational chemistry. </a:t>
-            </a:r>
-            <a:r>
-              <a:rPr lang="en-US" sz="1400" i="1" dirty="0" err="1">
-                <a:solidFill>
-                  <a:srgbClr val="FFFF00"/>
-                </a:solidFill>
-              </a:rPr>
-              <a:t>Catal</a:t>
-            </a:r>
-            <a:r>
-              <a:rPr lang="en-US" sz="1400" i="1" dirty="0">
-                <a:solidFill>
-                  <a:srgbClr val="FFFF00"/>
-                </a:solidFill>
-              </a:rPr>
-              <a:t>. Sci. Tech. </a:t>
-            </a:r>
-            <a:r>
-              <a:rPr lang="en-US" sz="1400" b="1" dirty="0">
-                <a:solidFill>
-                  <a:srgbClr val="FFFF00"/>
-                </a:solidFill>
-              </a:rPr>
-              <a:t>2017</a:t>
-            </a:r>
-            <a:r>
-              <a:rPr lang="en-US" sz="1400" b="1" i="1" dirty="0">
-                <a:solidFill>
-                  <a:srgbClr val="FFFF00"/>
-                </a:solidFill>
-              </a:rPr>
-              <a:t>, </a:t>
-            </a:r>
-            <a:r>
-              <a:rPr lang="en-US" sz="1400" i="1" dirty="0">
-                <a:solidFill>
-                  <a:srgbClr val="FFFF00"/>
-                </a:solidFill>
-              </a:rPr>
-              <a:t>7</a:t>
-            </a:r>
-            <a:r>
-              <a:rPr lang="en-US" sz="1400" b="1" i="1" dirty="0">
-                <a:solidFill>
-                  <a:srgbClr val="FFFF00"/>
-                </a:solidFill>
-              </a:rPr>
-              <a:t>, </a:t>
-            </a:r>
-            <a:r>
-              <a:rPr lang="en-US" sz="1400" dirty="0">
-                <a:solidFill>
-                  <a:srgbClr val="FFFF00"/>
-                </a:solidFill>
-              </a:rPr>
-              <a:t>4302</a:t>
-            </a:r>
-            <a:r>
-              <a:rPr lang="en-US" sz="1400" b="1" i="1" dirty="0">
-                <a:solidFill>
-                  <a:srgbClr val="FFFF00"/>
-                </a:solidFill>
-              </a:rPr>
-              <a:t>.</a:t>
-            </a:r>
+              <a:rPr lang="en-US" sz="2800" dirty="0">
+                <a:solidFill>
+                  <a:srgbClr val="FFFF00"/>
+                </a:solidFill>
+              </a:rPr>
+              <a:t>M + </a:t>
+            </a:r>
+            <a:r>
+              <a:rPr lang="en-US" sz="2800" i="1" dirty="0">
+                <a:solidFill>
+                  <a:srgbClr val="FFFF00"/>
+                </a:solidFill>
+              </a:rPr>
+              <a:t>e</a:t>
+            </a:r>
+            <a:r>
+              <a:rPr lang="en-US" sz="2800" baseline="30000" dirty="0">
+                <a:solidFill>
+                  <a:srgbClr val="FFFF00"/>
+                </a:solidFill>
+                <a:latin typeface="Symbol" panose="05050102010706020507" pitchFamily="18" charset="2"/>
+              </a:rPr>
+              <a:t>-</a:t>
+            </a:r>
+          </a:p>
+        </p:txBody>
+      </p:sp>
+      <p:cxnSp>
+        <p:nvCxnSpPr>
+          <p:cNvPr id="10" name="Straight Arrow Connector 9">
+            <a:extLst>
+              <a:ext uri="{FF2B5EF4-FFF2-40B4-BE49-F238E27FC236}">
+                <a16:creationId xmlns:a16="http://schemas.microsoft.com/office/drawing/2014/main" id="{CEA7AD14-3B31-4A65-A097-AEDEE004C960}"/>
+              </a:ext>
+            </a:extLst>
+          </p:cNvPr>
+          <p:cNvCxnSpPr/>
+          <p:nvPr/>
+        </p:nvCxnSpPr>
+        <p:spPr>
+          <a:xfrm flipH="1">
+            <a:off x="8653346" y="1921644"/>
+            <a:ext cx="423746" cy="646771"/>
+          </a:xfrm>
+          <a:prstGeom prst="straightConnector1">
+            <a:avLst/>
+          </a:prstGeom>
+          <a:ln w="25400">
+            <a:solidFill>
+              <a:srgbClr val="00B0F0"/>
+            </a:solidFill>
+            <a:tailEnd type="triangle"/>
+          </a:ln>
+        </p:spPr>
+        <p:style>
+          <a:lnRef idx="1">
+            <a:schemeClr val="accent1"/>
+          </a:lnRef>
+          <a:fillRef idx="0">
+            <a:schemeClr val="accent1"/>
+          </a:fillRef>
+          <a:effectRef idx="0">
+            <a:schemeClr val="accent1"/>
+          </a:effectRef>
+          <a:fontRef idx="minor">
+            <a:schemeClr val="tx1"/>
+          </a:fontRef>
+        </p:style>
+      </p:cxnSp>
+      <p:sp>
+        <p:nvSpPr>
+          <p:cNvPr id="11" name="TextBox 10">
+            <a:extLst>
+              <a:ext uri="{FF2B5EF4-FFF2-40B4-BE49-F238E27FC236}">
+                <a16:creationId xmlns:a16="http://schemas.microsoft.com/office/drawing/2014/main" id="{040E655A-73F7-48B6-AAB8-F62D685FDCC9}"/>
+              </a:ext>
+            </a:extLst>
+          </p:cNvPr>
+          <p:cNvSpPr txBox="1"/>
+          <p:nvPr/>
+        </p:nvSpPr>
+        <p:spPr>
+          <a:xfrm>
+            <a:off x="7175609" y="2568416"/>
+            <a:ext cx="1901483" cy="523220"/>
+          </a:xfrm>
+          <a:prstGeom prst="rect">
+            <a:avLst/>
+          </a:prstGeom>
+          <a:noFill/>
+        </p:spPr>
+        <p:txBody>
+          <a:bodyPr wrap="none" rtlCol="0">
+            <a:spAutoFit/>
+          </a:bodyPr>
+          <a:lstStyle/>
+          <a:p>
+            <a:r>
+              <a:rPr lang="en-US" sz="2800" dirty="0">
+                <a:solidFill>
+                  <a:srgbClr val="FFFF00"/>
+                </a:solidFill>
+              </a:rPr>
+              <a:t>2</a:t>
+            </a:r>
+            <a:r>
+              <a:rPr lang="en-US" sz="2800" i="1" dirty="0">
+                <a:solidFill>
+                  <a:srgbClr val="FFFF00"/>
+                </a:solidFill>
+              </a:rPr>
+              <a:t>e</a:t>
+            </a:r>
+            <a:r>
+              <a:rPr lang="en-US" sz="2800" baseline="30000" dirty="0">
+                <a:solidFill>
+                  <a:srgbClr val="FFFF00"/>
+                </a:solidFill>
+                <a:latin typeface="Symbol" panose="05050102010706020507" pitchFamily="18" charset="2"/>
+              </a:rPr>
+              <a:t>-</a:t>
+            </a:r>
+            <a:r>
+              <a:rPr lang="en-US" sz="2800" dirty="0">
+                <a:solidFill>
+                  <a:srgbClr val="FFFF00"/>
+                </a:solidFill>
+              </a:rPr>
+              <a:t> + [M</a:t>
+            </a:r>
+            <a:r>
+              <a:rPr lang="en-US" sz="2800" baseline="30000" dirty="0">
+                <a:solidFill>
+                  <a:srgbClr val="FFFF00"/>
+                </a:solidFill>
+              </a:rPr>
+              <a:t>+</a:t>
+            </a:r>
+            <a:r>
+              <a:rPr lang="en-US" sz="2800" dirty="0">
+                <a:solidFill>
+                  <a:srgbClr val="FFFF00"/>
+                </a:solidFill>
+              </a:rPr>
+              <a:t>]*</a:t>
+            </a:r>
+            <a:endParaRPr lang="en-US" sz="2800" baseline="30000" dirty="0">
+              <a:solidFill>
+                <a:srgbClr val="FFFF00"/>
+              </a:solidFill>
+              <a:latin typeface="Symbol" panose="05050102010706020507" pitchFamily="18" charset="2"/>
+            </a:endParaRPr>
+          </a:p>
+        </p:txBody>
+      </p:sp>
+      <p:cxnSp>
+        <p:nvCxnSpPr>
+          <p:cNvPr id="12" name="Straight Arrow Connector 11">
+            <a:extLst>
+              <a:ext uri="{FF2B5EF4-FFF2-40B4-BE49-F238E27FC236}">
+                <a16:creationId xmlns:a16="http://schemas.microsoft.com/office/drawing/2014/main" id="{3DFA1B9C-DCBE-42CC-B6FC-75C7B7438C95}"/>
+              </a:ext>
+            </a:extLst>
+          </p:cNvPr>
+          <p:cNvCxnSpPr>
+            <a:cxnSpLocks/>
+          </p:cNvCxnSpPr>
+          <p:nvPr/>
+        </p:nvCxnSpPr>
+        <p:spPr>
+          <a:xfrm>
+            <a:off x="9379205" y="1921644"/>
+            <a:ext cx="423746" cy="646771"/>
+          </a:xfrm>
+          <a:prstGeom prst="straightConnector1">
+            <a:avLst/>
+          </a:prstGeom>
+          <a:ln w="25400">
+            <a:solidFill>
+              <a:srgbClr val="00B0F0"/>
+            </a:solidFill>
+            <a:tailEnd type="triangle"/>
+          </a:ln>
+        </p:spPr>
+        <p:style>
+          <a:lnRef idx="1">
+            <a:schemeClr val="accent1"/>
+          </a:lnRef>
+          <a:fillRef idx="0">
+            <a:schemeClr val="accent1"/>
+          </a:fillRef>
+          <a:effectRef idx="0">
+            <a:schemeClr val="accent1"/>
+          </a:effectRef>
+          <a:fontRef idx="minor">
+            <a:schemeClr val="tx1"/>
+          </a:fontRef>
+        </p:style>
+      </p:cxnSp>
+      <p:sp>
+        <p:nvSpPr>
+          <p:cNvPr id="13" name="TextBox 12">
+            <a:extLst>
+              <a:ext uri="{FF2B5EF4-FFF2-40B4-BE49-F238E27FC236}">
+                <a16:creationId xmlns:a16="http://schemas.microsoft.com/office/drawing/2014/main" id="{633418CD-4B6A-41AD-9109-0BF6FE29F145}"/>
+              </a:ext>
+            </a:extLst>
+          </p:cNvPr>
+          <p:cNvSpPr txBox="1"/>
+          <p:nvPr/>
+        </p:nvSpPr>
+        <p:spPr>
+          <a:xfrm>
+            <a:off x="9548455" y="2568416"/>
+            <a:ext cx="2012747" cy="523220"/>
+          </a:xfrm>
+          <a:prstGeom prst="rect">
+            <a:avLst/>
+          </a:prstGeom>
+          <a:noFill/>
+        </p:spPr>
+        <p:txBody>
+          <a:bodyPr wrap="square" rtlCol="0">
+            <a:spAutoFit/>
+          </a:bodyPr>
+          <a:lstStyle/>
+          <a:p>
+            <a:r>
+              <a:rPr lang="en-US" sz="2800" dirty="0">
+                <a:solidFill>
+                  <a:srgbClr val="FFFF00"/>
+                </a:solidFill>
+              </a:rPr>
+              <a:t>[M</a:t>
+            </a:r>
+            <a:r>
+              <a:rPr lang="en-US" sz="2800" baseline="30000" dirty="0">
+                <a:solidFill>
+                  <a:srgbClr val="FFFF00"/>
+                </a:solidFill>
+              </a:rPr>
+              <a:t>++</a:t>
+            </a:r>
+            <a:r>
+              <a:rPr lang="en-US" sz="2800" dirty="0">
+                <a:solidFill>
+                  <a:srgbClr val="FFFF00"/>
+                </a:solidFill>
+              </a:rPr>
+              <a:t>]* + 3</a:t>
+            </a:r>
+            <a:r>
+              <a:rPr lang="en-US" sz="2800" i="1" dirty="0">
+                <a:solidFill>
+                  <a:srgbClr val="FFFF00"/>
+                </a:solidFill>
+              </a:rPr>
+              <a:t>e</a:t>
+            </a:r>
+            <a:r>
+              <a:rPr lang="en-US" sz="2800" baseline="30000" dirty="0">
+                <a:solidFill>
+                  <a:srgbClr val="FFFF00"/>
+                </a:solidFill>
+                <a:latin typeface="Symbol" panose="05050102010706020507" pitchFamily="18" charset="2"/>
+              </a:rPr>
+              <a:t>-</a:t>
+            </a:r>
+          </a:p>
+        </p:txBody>
+      </p:sp>
+      <p:cxnSp>
+        <p:nvCxnSpPr>
+          <p:cNvPr id="15" name="Straight Arrow Connector 14">
+            <a:extLst>
+              <a:ext uri="{FF2B5EF4-FFF2-40B4-BE49-F238E27FC236}">
+                <a16:creationId xmlns:a16="http://schemas.microsoft.com/office/drawing/2014/main" id="{8B417EC1-EA07-4EBE-869B-2157303A48D6}"/>
+              </a:ext>
+            </a:extLst>
+          </p:cNvPr>
+          <p:cNvCxnSpPr/>
+          <p:nvPr/>
+        </p:nvCxnSpPr>
+        <p:spPr>
+          <a:xfrm>
+            <a:off x="9034469" y="2830026"/>
+            <a:ext cx="513986" cy="0"/>
+          </a:xfrm>
+          <a:prstGeom prst="straightConnector1">
+            <a:avLst/>
+          </a:prstGeom>
+          <a:ln w="25400">
+            <a:solidFill>
+              <a:srgbClr val="00B0F0"/>
+            </a:solidFill>
+            <a:tailEnd type="triangle"/>
+          </a:ln>
+        </p:spPr>
+        <p:style>
+          <a:lnRef idx="1">
+            <a:schemeClr val="accent1"/>
+          </a:lnRef>
+          <a:fillRef idx="0">
+            <a:schemeClr val="accent1"/>
+          </a:fillRef>
+          <a:effectRef idx="0">
+            <a:schemeClr val="accent1"/>
+          </a:effectRef>
+          <a:fontRef idx="minor">
+            <a:schemeClr val="tx1"/>
+          </a:fontRef>
+        </p:style>
+      </p:cxnSp>
+      <p:cxnSp>
+        <p:nvCxnSpPr>
+          <p:cNvPr id="16" name="Straight Arrow Connector 15">
+            <a:extLst>
+              <a:ext uri="{FF2B5EF4-FFF2-40B4-BE49-F238E27FC236}">
+                <a16:creationId xmlns:a16="http://schemas.microsoft.com/office/drawing/2014/main" id="{D167BC52-486C-4CFD-82EB-09EC8796259D}"/>
+              </a:ext>
+            </a:extLst>
+          </p:cNvPr>
+          <p:cNvCxnSpPr/>
+          <p:nvPr/>
+        </p:nvCxnSpPr>
+        <p:spPr>
+          <a:xfrm flipH="1">
+            <a:off x="7819891" y="3119594"/>
+            <a:ext cx="423746" cy="646771"/>
+          </a:xfrm>
+          <a:prstGeom prst="straightConnector1">
+            <a:avLst/>
+          </a:prstGeom>
+          <a:ln w="25400">
+            <a:solidFill>
+              <a:srgbClr val="00B0F0"/>
+            </a:solidFill>
+            <a:tailEnd type="triangle"/>
+          </a:ln>
+        </p:spPr>
+        <p:style>
+          <a:lnRef idx="1">
+            <a:schemeClr val="accent1"/>
+          </a:lnRef>
+          <a:fillRef idx="0">
+            <a:schemeClr val="accent1"/>
+          </a:fillRef>
+          <a:effectRef idx="0">
+            <a:schemeClr val="accent1"/>
+          </a:effectRef>
+          <a:fontRef idx="minor">
+            <a:schemeClr val="tx1"/>
+          </a:fontRef>
+        </p:style>
+      </p:cxnSp>
+      <p:sp>
+        <p:nvSpPr>
+          <p:cNvPr id="17" name="TextBox 16">
+            <a:extLst>
+              <a:ext uri="{FF2B5EF4-FFF2-40B4-BE49-F238E27FC236}">
+                <a16:creationId xmlns:a16="http://schemas.microsoft.com/office/drawing/2014/main" id="{E4206F67-520A-4C1C-AD27-2CDF4A4A652C}"/>
+              </a:ext>
+            </a:extLst>
+          </p:cNvPr>
+          <p:cNvSpPr txBox="1"/>
+          <p:nvPr/>
+        </p:nvSpPr>
+        <p:spPr>
+          <a:xfrm>
+            <a:off x="7430344" y="3766365"/>
+            <a:ext cx="611065" cy="523220"/>
+          </a:xfrm>
+          <a:prstGeom prst="rect">
+            <a:avLst/>
+          </a:prstGeom>
+          <a:noFill/>
+        </p:spPr>
+        <p:txBody>
+          <a:bodyPr wrap="none" rtlCol="0">
+            <a:spAutoFit/>
+          </a:bodyPr>
+          <a:lstStyle/>
+          <a:p>
+            <a:r>
+              <a:rPr lang="en-US" sz="2800" dirty="0">
+                <a:solidFill>
+                  <a:srgbClr val="FFFF00"/>
+                </a:solidFill>
+              </a:rPr>
+              <a:t>M</a:t>
+            </a:r>
+            <a:r>
+              <a:rPr lang="en-US" sz="2800" baseline="30000" dirty="0">
+                <a:solidFill>
+                  <a:srgbClr val="FFFF00"/>
+                </a:solidFill>
+              </a:rPr>
+              <a:t>+</a:t>
+            </a:r>
+            <a:endParaRPr lang="en-US" sz="2800" baseline="30000" dirty="0">
+              <a:solidFill>
+                <a:srgbClr val="FFFF00"/>
+              </a:solidFill>
+              <a:latin typeface="Symbol" panose="05050102010706020507" pitchFamily="18" charset="2"/>
+            </a:endParaRPr>
+          </a:p>
+        </p:txBody>
+      </p:sp>
+      <p:cxnSp>
+        <p:nvCxnSpPr>
+          <p:cNvPr id="18" name="Straight Arrow Connector 17">
+            <a:extLst>
+              <a:ext uri="{FF2B5EF4-FFF2-40B4-BE49-F238E27FC236}">
+                <a16:creationId xmlns:a16="http://schemas.microsoft.com/office/drawing/2014/main" id="{E030AE71-7F90-4EFC-B7CE-41A7536BDEC3}"/>
+              </a:ext>
+            </a:extLst>
+          </p:cNvPr>
+          <p:cNvCxnSpPr>
+            <a:cxnSpLocks/>
+          </p:cNvCxnSpPr>
+          <p:nvPr/>
+        </p:nvCxnSpPr>
+        <p:spPr>
+          <a:xfrm>
+            <a:off x="10143262" y="3119594"/>
+            <a:ext cx="423746" cy="646771"/>
+          </a:xfrm>
+          <a:prstGeom prst="straightConnector1">
+            <a:avLst/>
+          </a:prstGeom>
+          <a:ln w="25400">
+            <a:solidFill>
+              <a:srgbClr val="00B0F0"/>
+            </a:solidFill>
+            <a:tailEnd type="triangle"/>
+          </a:ln>
+        </p:spPr>
+        <p:style>
+          <a:lnRef idx="1">
+            <a:schemeClr val="accent1"/>
+          </a:lnRef>
+          <a:fillRef idx="0">
+            <a:schemeClr val="accent1"/>
+          </a:fillRef>
+          <a:effectRef idx="0">
+            <a:schemeClr val="accent1"/>
+          </a:effectRef>
+          <a:fontRef idx="minor">
+            <a:schemeClr val="tx1"/>
+          </a:fontRef>
+        </p:style>
+      </p:cxnSp>
+      <p:sp>
+        <p:nvSpPr>
+          <p:cNvPr id="19" name="TextBox 18">
+            <a:extLst>
+              <a:ext uri="{FF2B5EF4-FFF2-40B4-BE49-F238E27FC236}">
+                <a16:creationId xmlns:a16="http://schemas.microsoft.com/office/drawing/2014/main" id="{2DA45B10-5957-429E-8B09-4EAC1194CAC9}"/>
+              </a:ext>
+            </a:extLst>
+          </p:cNvPr>
+          <p:cNvSpPr txBox="1"/>
+          <p:nvPr/>
+        </p:nvSpPr>
+        <p:spPr>
+          <a:xfrm>
+            <a:off x="10450264" y="3766365"/>
+            <a:ext cx="731419" cy="523220"/>
+          </a:xfrm>
+          <a:prstGeom prst="rect">
+            <a:avLst/>
+          </a:prstGeom>
+          <a:noFill/>
+        </p:spPr>
+        <p:txBody>
+          <a:bodyPr wrap="none" rtlCol="0">
+            <a:spAutoFit/>
+          </a:bodyPr>
+          <a:lstStyle/>
+          <a:p>
+            <a:r>
+              <a:rPr lang="en-US" sz="2800" dirty="0">
+                <a:solidFill>
+                  <a:srgbClr val="FFFF00"/>
+                </a:solidFill>
+              </a:rPr>
+              <a:t>M</a:t>
+            </a:r>
+            <a:r>
+              <a:rPr lang="en-US" sz="2800" baseline="30000" dirty="0">
+                <a:solidFill>
+                  <a:srgbClr val="FFFF00"/>
+                </a:solidFill>
+              </a:rPr>
+              <a:t>++</a:t>
+            </a:r>
+            <a:endParaRPr lang="en-US" sz="2800" baseline="30000" dirty="0">
+              <a:solidFill>
+                <a:srgbClr val="FFFF00"/>
+              </a:solidFill>
+              <a:latin typeface="Symbol" panose="05050102010706020507" pitchFamily="18" charset="2"/>
+            </a:endParaRPr>
+          </a:p>
+        </p:txBody>
+      </p:sp>
+      <p:cxnSp>
+        <p:nvCxnSpPr>
+          <p:cNvPr id="20" name="Straight Arrow Connector 19">
+            <a:extLst>
+              <a:ext uri="{FF2B5EF4-FFF2-40B4-BE49-F238E27FC236}">
+                <a16:creationId xmlns:a16="http://schemas.microsoft.com/office/drawing/2014/main" id="{C6E31513-6C58-44C2-85C5-87F1C4CA1177}"/>
+              </a:ext>
+            </a:extLst>
+          </p:cNvPr>
+          <p:cNvCxnSpPr>
+            <a:cxnSpLocks/>
+          </p:cNvCxnSpPr>
+          <p:nvPr/>
+        </p:nvCxnSpPr>
+        <p:spPr>
+          <a:xfrm>
+            <a:off x="8642709" y="3119594"/>
+            <a:ext cx="0" cy="1169991"/>
+          </a:xfrm>
+          <a:prstGeom prst="straightConnector1">
+            <a:avLst/>
+          </a:prstGeom>
+          <a:ln w="25400">
+            <a:solidFill>
+              <a:srgbClr val="00B0F0"/>
+            </a:solidFill>
+            <a:tailEnd type="triangle"/>
+          </a:ln>
+        </p:spPr>
+        <p:style>
+          <a:lnRef idx="1">
+            <a:schemeClr val="accent1"/>
+          </a:lnRef>
+          <a:fillRef idx="0">
+            <a:schemeClr val="accent1"/>
+          </a:fillRef>
+          <a:effectRef idx="0">
+            <a:schemeClr val="accent1"/>
+          </a:effectRef>
+          <a:fontRef idx="minor">
+            <a:schemeClr val="tx1"/>
+          </a:fontRef>
+        </p:style>
+      </p:cxnSp>
+      <p:sp>
+        <p:nvSpPr>
+          <p:cNvPr id="22" name="TextBox 21">
+            <a:extLst>
+              <a:ext uri="{FF2B5EF4-FFF2-40B4-BE49-F238E27FC236}">
+                <a16:creationId xmlns:a16="http://schemas.microsoft.com/office/drawing/2014/main" id="{B2175B3C-86B3-4386-A04B-2BD8B534E665}"/>
+              </a:ext>
+            </a:extLst>
+          </p:cNvPr>
+          <p:cNvSpPr txBox="1"/>
+          <p:nvPr/>
+        </p:nvSpPr>
+        <p:spPr>
+          <a:xfrm>
+            <a:off x="7969644" y="4317543"/>
+            <a:ext cx="1023037" cy="523220"/>
+          </a:xfrm>
+          <a:prstGeom prst="rect">
+            <a:avLst/>
+          </a:prstGeom>
+          <a:noFill/>
+        </p:spPr>
+        <p:txBody>
+          <a:bodyPr wrap="none" rtlCol="0">
+            <a:spAutoFit/>
+          </a:bodyPr>
+          <a:lstStyle/>
+          <a:p>
+            <a:r>
+              <a:rPr lang="en-US" sz="2800" dirty="0">
+                <a:solidFill>
+                  <a:srgbClr val="FFFF00"/>
+                </a:solidFill>
+              </a:rPr>
+              <a:t>Z + A</a:t>
+            </a:r>
+            <a:r>
+              <a:rPr lang="en-US" sz="2800" baseline="30000" dirty="0">
+                <a:solidFill>
+                  <a:srgbClr val="FFFF00"/>
+                </a:solidFill>
+              </a:rPr>
+              <a:t>+</a:t>
+            </a:r>
+            <a:endParaRPr lang="en-US" sz="2800" baseline="30000" dirty="0">
+              <a:solidFill>
+                <a:srgbClr val="FFFF00"/>
+              </a:solidFill>
+              <a:latin typeface="Symbol" panose="05050102010706020507" pitchFamily="18" charset="2"/>
+            </a:endParaRPr>
+          </a:p>
+        </p:txBody>
+      </p:sp>
+      <p:cxnSp>
+        <p:nvCxnSpPr>
+          <p:cNvPr id="23" name="Straight Arrow Connector 22">
+            <a:extLst>
+              <a:ext uri="{FF2B5EF4-FFF2-40B4-BE49-F238E27FC236}">
+                <a16:creationId xmlns:a16="http://schemas.microsoft.com/office/drawing/2014/main" id="{28659E63-6E0E-469F-8DEC-3036FA3DD613}"/>
+              </a:ext>
+            </a:extLst>
+          </p:cNvPr>
+          <p:cNvCxnSpPr>
+            <a:cxnSpLocks/>
+          </p:cNvCxnSpPr>
+          <p:nvPr/>
+        </p:nvCxnSpPr>
+        <p:spPr>
+          <a:xfrm>
+            <a:off x="9802951" y="3129412"/>
+            <a:ext cx="0" cy="1169991"/>
+          </a:xfrm>
+          <a:prstGeom prst="straightConnector1">
+            <a:avLst/>
+          </a:prstGeom>
+          <a:ln w="25400">
+            <a:solidFill>
+              <a:srgbClr val="00B0F0"/>
+            </a:solidFill>
+            <a:tailEnd type="triangle"/>
+          </a:ln>
+        </p:spPr>
+        <p:style>
+          <a:lnRef idx="1">
+            <a:schemeClr val="accent1"/>
+          </a:lnRef>
+          <a:fillRef idx="0">
+            <a:schemeClr val="accent1"/>
+          </a:fillRef>
+          <a:effectRef idx="0">
+            <a:schemeClr val="accent1"/>
+          </a:effectRef>
+          <a:fontRef idx="minor">
+            <a:schemeClr val="tx1"/>
+          </a:fontRef>
+        </p:style>
+      </p:cxnSp>
+      <p:sp>
+        <p:nvSpPr>
+          <p:cNvPr id="24" name="TextBox 23">
+            <a:extLst>
+              <a:ext uri="{FF2B5EF4-FFF2-40B4-BE49-F238E27FC236}">
+                <a16:creationId xmlns:a16="http://schemas.microsoft.com/office/drawing/2014/main" id="{0B93315F-CB7B-4E97-BE36-35ABB585529D}"/>
+              </a:ext>
+            </a:extLst>
+          </p:cNvPr>
+          <p:cNvSpPr txBox="1"/>
+          <p:nvPr/>
+        </p:nvSpPr>
+        <p:spPr>
+          <a:xfrm>
+            <a:off x="9591078" y="4337179"/>
+            <a:ext cx="1669047" cy="523220"/>
+          </a:xfrm>
+          <a:prstGeom prst="rect">
+            <a:avLst/>
+          </a:prstGeom>
+          <a:noFill/>
+        </p:spPr>
+        <p:txBody>
+          <a:bodyPr wrap="none" rtlCol="0">
+            <a:spAutoFit/>
+          </a:bodyPr>
+          <a:lstStyle/>
+          <a:p>
+            <a:r>
+              <a:rPr lang="en-US" sz="2800" dirty="0">
+                <a:solidFill>
+                  <a:srgbClr val="FFFF00"/>
+                </a:solidFill>
+              </a:rPr>
+              <a:t>B</a:t>
+            </a:r>
+            <a:r>
+              <a:rPr lang="en-US" sz="2800" baseline="30000" dirty="0">
+                <a:solidFill>
+                  <a:srgbClr val="FFFF00"/>
+                </a:solidFill>
+              </a:rPr>
+              <a:t>+</a:t>
+            </a:r>
+            <a:r>
+              <a:rPr lang="en-US" sz="2800" dirty="0">
+                <a:solidFill>
+                  <a:srgbClr val="FFFF00"/>
+                </a:solidFill>
+              </a:rPr>
+              <a:t> + C</a:t>
+            </a:r>
+            <a:r>
+              <a:rPr lang="en-US" sz="2800" baseline="30000" dirty="0">
+                <a:solidFill>
+                  <a:srgbClr val="FFFF00"/>
+                </a:solidFill>
+              </a:rPr>
+              <a:t>+</a:t>
+            </a:r>
+            <a:r>
+              <a:rPr lang="en-US" sz="2800" dirty="0">
+                <a:solidFill>
+                  <a:srgbClr val="FFFF00"/>
+                </a:solidFill>
+              </a:rPr>
+              <a:t> + Y</a:t>
+            </a:r>
+            <a:endParaRPr lang="en-US" sz="2800" baseline="30000" dirty="0">
+              <a:solidFill>
+                <a:srgbClr val="FFFF00"/>
+              </a:solidFill>
+              <a:latin typeface="Symbol" panose="05050102010706020507" pitchFamily="18" charset="2"/>
+            </a:endParaRPr>
+          </a:p>
+        </p:txBody>
+      </p:sp>
+      <p:cxnSp>
+        <p:nvCxnSpPr>
+          <p:cNvPr id="25" name="Straight Arrow Connector 24">
+            <a:extLst>
+              <a:ext uri="{FF2B5EF4-FFF2-40B4-BE49-F238E27FC236}">
+                <a16:creationId xmlns:a16="http://schemas.microsoft.com/office/drawing/2014/main" id="{4B8A1C6B-7ED2-4A89-A41A-943DC018E674}"/>
+              </a:ext>
+            </a:extLst>
+          </p:cNvPr>
+          <p:cNvCxnSpPr>
+            <a:cxnSpLocks/>
+          </p:cNvCxnSpPr>
+          <p:nvPr/>
+        </p:nvCxnSpPr>
+        <p:spPr>
+          <a:xfrm>
+            <a:off x="8789575" y="4831435"/>
+            <a:ext cx="520128" cy="551178"/>
+          </a:xfrm>
+          <a:prstGeom prst="straightConnector1">
+            <a:avLst/>
+          </a:prstGeom>
+          <a:ln w="25400">
+            <a:solidFill>
+              <a:srgbClr val="00B0F0"/>
+            </a:solidFill>
+            <a:tailEnd type="triangle"/>
+          </a:ln>
+        </p:spPr>
+        <p:style>
+          <a:lnRef idx="1">
+            <a:schemeClr val="accent1"/>
+          </a:lnRef>
+          <a:fillRef idx="0">
+            <a:schemeClr val="accent1"/>
+          </a:fillRef>
+          <a:effectRef idx="0">
+            <a:schemeClr val="accent1"/>
+          </a:effectRef>
+          <a:fontRef idx="minor">
+            <a:schemeClr val="tx1"/>
+          </a:fontRef>
+        </p:style>
+      </p:cxnSp>
+      <p:cxnSp>
+        <p:nvCxnSpPr>
+          <p:cNvPr id="26" name="Straight Arrow Connector 25">
+            <a:extLst>
+              <a:ext uri="{FF2B5EF4-FFF2-40B4-BE49-F238E27FC236}">
+                <a16:creationId xmlns:a16="http://schemas.microsoft.com/office/drawing/2014/main" id="{7170201E-8A4E-4B20-B39D-DA8E19867B3E}"/>
+              </a:ext>
+            </a:extLst>
+          </p:cNvPr>
+          <p:cNvCxnSpPr>
+            <a:cxnSpLocks/>
+          </p:cNvCxnSpPr>
+          <p:nvPr/>
+        </p:nvCxnSpPr>
+        <p:spPr>
+          <a:xfrm flipH="1">
+            <a:off x="9750603" y="4831435"/>
+            <a:ext cx="614743" cy="557479"/>
+          </a:xfrm>
+          <a:prstGeom prst="straightConnector1">
+            <a:avLst/>
+          </a:prstGeom>
+          <a:ln w="25400">
+            <a:solidFill>
+              <a:srgbClr val="00B0F0"/>
+            </a:solidFill>
+            <a:tailEnd type="triangle"/>
+          </a:ln>
+        </p:spPr>
+        <p:style>
+          <a:lnRef idx="1">
+            <a:schemeClr val="accent1"/>
+          </a:lnRef>
+          <a:fillRef idx="0">
+            <a:schemeClr val="accent1"/>
+          </a:fillRef>
+          <a:effectRef idx="0">
+            <a:schemeClr val="accent1"/>
+          </a:effectRef>
+          <a:fontRef idx="minor">
+            <a:schemeClr val="tx1"/>
+          </a:fontRef>
+        </p:style>
+      </p:cxnSp>
+      <p:cxnSp>
+        <p:nvCxnSpPr>
+          <p:cNvPr id="27" name="Straight Arrow Connector 26">
+            <a:extLst>
+              <a:ext uri="{FF2B5EF4-FFF2-40B4-BE49-F238E27FC236}">
+                <a16:creationId xmlns:a16="http://schemas.microsoft.com/office/drawing/2014/main" id="{22373249-DC19-49F6-A571-266E96256E0A}"/>
+              </a:ext>
+            </a:extLst>
+          </p:cNvPr>
+          <p:cNvCxnSpPr>
+            <a:cxnSpLocks/>
+          </p:cNvCxnSpPr>
+          <p:nvPr/>
+        </p:nvCxnSpPr>
+        <p:spPr>
+          <a:xfrm flipH="1">
+            <a:off x="9548455" y="4837815"/>
+            <a:ext cx="254496" cy="559375"/>
+          </a:xfrm>
+          <a:prstGeom prst="straightConnector1">
+            <a:avLst/>
+          </a:prstGeom>
+          <a:ln w="25400">
+            <a:solidFill>
+              <a:srgbClr val="00B0F0"/>
+            </a:solidFill>
+            <a:tailEnd type="triangle"/>
+          </a:ln>
+        </p:spPr>
+        <p:style>
+          <a:lnRef idx="1">
+            <a:schemeClr val="accent1"/>
+          </a:lnRef>
+          <a:fillRef idx="0">
+            <a:schemeClr val="accent1"/>
+          </a:fillRef>
+          <a:effectRef idx="0">
+            <a:schemeClr val="accent1"/>
+          </a:effectRef>
+          <a:fontRef idx="minor">
+            <a:schemeClr val="tx1"/>
+          </a:fontRef>
+        </p:style>
+      </p:cxnSp>
+      <p:sp>
+        <p:nvSpPr>
+          <p:cNvPr id="31" name="TextBox 30">
+            <a:extLst>
+              <a:ext uri="{FF2B5EF4-FFF2-40B4-BE49-F238E27FC236}">
+                <a16:creationId xmlns:a16="http://schemas.microsoft.com/office/drawing/2014/main" id="{0BC575D0-41EA-45F6-8EFC-2DF33929E5C6}"/>
+              </a:ext>
+            </a:extLst>
+          </p:cNvPr>
+          <p:cNvSpPr txBox="1"/>
+          <p:nvPr/>
+        </p:nvSpPr>
+        <p:spPr>
+          <a:xfrm>
+            <a:off x="8359391" y="5406982"/>
+            <a:ext cx="2051074" cy="461665"/>
+          </a:xfrm>
+          <a:prstGeom prst="rect">
+            <a:avLst/>
+          </a:prstGeom>
+          <a:noFill/>
+        </p:spPr>
+        <p:txBody>
+          <a:bodyPr wrap="none" rtlCol="0">
+            <a:spAutoFit/>
+          </a:bodyPr>
+          <a:lstStyle/>
+          <a:p>
+            <a:r>
+              <a:rPr lang="en-US" sz="2400" dirty="0">
+                <a:solidFill>
+                  <a:srgbClr val="FFFF00"/>
+                </a:solidFill>
+              </a:rPr>
+              <a:t>secondary ions</a:t>
+            </a:r>
+            <a:endParaRPr lang="en-US" sz="2400" baseline="30000" dirty="0">
+              <a:solidFill>
+                <a:srgbClr val="FFFF00"/>
+              </a:solidFill>
+              <a:latin typeface="Symbol" panose="05050102010706020507" pitchFamily="18" charset="2"/>
+            </a:endParaRPr>
           </a:p>
         </p:txBody>
       </p:sp>
     </p:spTree>
     <p:extLst>
       <p:ext uri="{BB962C8B-B14F-4D97-AF65-F5344CB8AC3E}">
-        <p14:creationId xmlns:p14="http://schemas.microsoft.com/office/powerpoint/2010/main" val="3288280280"/>
+        <p14:creationId xmlns:p14="http://schemas.microsoft.com/office/powerpoint/2010/main" val="3927942114"/>
       </p:ext>
     </p:extLst>
   </p:cSld>
@@ -15532,7 +15317,7 @@
           <p:cNvPr id="2" name="Title 1">
             <a:extLst>
               <a:ext uri="{FF2B5EF4-FFF2-40B4-BE49-F238E27FC236}">
-                <a16:creationId xmlns:a16="http://schemas.microsoft.com/office/drawing/2014/main" id="{464E55BD-821A-493F-934B-681073927AE1}"/>
+                <a16:creationId xmlns:a16="http://schemas.microsoft.com/office/drawing/2014/main" id="{1BB8F8B8-3847-498F-A8C9-EC954E53BBCC}"/>
               </a:ext>
             </a:extLst>
           </p:cNvPr>
@@ -15543,26 +15328,250 @@
             <p:ph type="title"/>
           </p:nvPr>
         </p:nvSpPr>
-        <p:spPr>
-          <a:xfrm>
-            <a:off x="838200" y="365125"/>
-            <a:ext cx="10515600" cy="5946465"/>
-          </a:xfrm>
-        </p:spPr>
-        <p:txBody>
-          <a:bodyPr>
-            <a:normAutofit/>
+        <p:spPr/>
+        <p:txBody>
+          <a:bodyPr/>
+          <a:lstStyle/>
+          <a:p>
+            <a:pPr algn="ctr"/>
+            <a:r>
+              <a:rPr lang="en-US" dirty="0">
+                <a:solidFill>
+                  <a:srgbClr val="00FF00"/>
+                </a:solidFill>
+              </a:rPr>
+              <a:t>Total ionization cross sections (TICS) from BEB</a:t>
+            </a:r>
+          </a:p>
+        </p:txBody>
+      </p:sp>
+      <p:sp>
+        <p:nvSpPr>
+          <p:cNvPr id="3" name="Content Placeholder 2">
+            <a:extLst>
+              <a:ext uri="{FF2B5EF4-FFF2-40B4-BE49-F238E27FC236}">
+                <a16:creationId xmlns:a16="http://schemas.microsoft.com/office/drawing/2014/main" id="{9049A7D8-A6C5-46E9-AE9A-8E6C6270F6F1}"/>
+              </a:ext>
+            </a:extLst>
+          </p:cNvPr>
+          <p:cNvSpPr>
+            <a:spLocks noGrp="1"/>
+          </p:cNvSpPr>
+          <p:nvPr>
+            <p:ph idx="1"/>
+          </p:nvPr>
+        </p:nvSpPr>
+        <p:spPr>
+          <a:xfrm>
+            <a:off x="340214" y="1580298"/>
+            <a:ext cx="4843346" cy="4781331"/>
+          </a:xfrm>
+        </p:spPr>
+        <p:txBody>
+          <a:bodyPr/>
+          <a:lstStyle/>
+          <a:p>
+            <a:r>
+              <a:rPr lang="en-US" dirty="0"/>
+              <a:t>Sum over all MO’s = molecular cross section</a:t>
+            </a:r>
+          </a:p>
+          <a:p>
+            <a:r>
+              <a:rPr lang="en-US" dirty="0">
+                <a:solidFill>
+                  <a:srgbClr val="FFFF00"/>
+                </a:solidFill>
+              </a:rPr>
+              <a:t>TICS typically within 15% of experiments</a:t>
+            </a:r>
+          </a:p>
+          <a:p>
+            <a:r>
+              <a:rPr lang="en-US" dirty="0"/>
+              <a:t>BEB is the most popular theory for computing TICS</a:t>
+            </a:r>
+          </a:p>
+          <a:p>
+            <a:pPr lvl="1"/>
+            <a:r>
+              <a:rPr lang="en-US" dirty="0">
+                <a:solidFill>
+                  <a:srgbClr val="FFFF00"/>
+                </a:solidFill>
+              </a:rPr>
+              <a:t>https://github.com/kkinist/BEB</a:t>
+            </a:r>
+            <a:endParaRPr lang="en-US" dirty="0"/>
+          </a:p>
+        </p:txBody>
+      </p:sp>
+      <p:pic>
+        <p:nvPicPr>
+          <p:cNvPr id="7" name="Picture 6">
+            <a:extLst>
+              <a:ext uri="{FF2B5EF4-FFF2-40B4-BE49-F238E27FC236}">
+                <a16:creationId xmlns:a16="http://schemas.microsoft.com/office/drawing/2014/main" id="{E8877ADF-F4A8-46A6-8ECD-AFAC021B8B67}"/>
+              </a:ext>
+            </a:extLst>
+          </p:cNvPr>
+          <p:cNvPicPr>
+            <a:picLocks noChangeAspect="1"/>
+          </p:cNvPicPr>
+          <p:nvPr/>
+        </p:nvPicPr>
+        <p:blipFill>
+          <a:blip r:embed="rId3">
+            <a:extLst>
+              <a:ext uri="{28A0092B-C50C-407E-A947-70E740481C1C}">
+                <a14:useLocalDpi xmlns:a14="http://schemas.microsoft.com/office/drawing/2010/main" val="0"/>
+              </a:ext>
+            </a:extLst>
+          </a:blip>
+          <a:stretch>
+            <a:fillRect/>
+          </a:stretch>
+        </p:blipFill>
+        <p:spPr>
+          <a:xfrm>
+            <a:off x="5189035" y="1334972"/>
+            <a:ext cx="6856570" cy="4173376"/>
+          </a:xfrm>
+          <a:prstGeom prst="rect">
+            <a:avLst/>
+          </a:prstGeom>
+        </p:spPr>
+      </p:pic>
+      <p:sp>
+        <p:nvSpPr>
+          <p:cNvPr id="8" name="TextBox 7">
+            <a:extLst>
+              <a:ext uri="{FF2B5EF4-FFF2-40B4-BE49-F238E27FC236}">
+                <a16:creationId xmlns:a16="http://schemas.microsoft.com/office/drawing/2014/main" id="{38D566FB-8DF1-43B3-AC64-66A0428B48FD}"/>
+              </a:ext>
+            </a:extLst>
+          </p:cNvPr>
+          <p:cNvSpPr txBox="1"/>
+          <p:nvPr/>
+        </p:nvSpPr>
+        <p:spPr>
+          <a:xfrm>
+            <a:off x="7025268" y="5392810"/>
+            <a:ext cx="3386696" cy="400110"/>
+          </a:xfrm>
+          <a:prstGeom prst="rect">
+            <a:avLst/>
+          </a:prstGeom>
+          <a:noFill/>
+        </p:spPr>
+        <p:txBody>
+          <a:bodyPr wrap="none" rtlCol="0">
+            <a:spAutoFit/>
           </a:bodyPr>
           <a:lstStyle/>
           <a:p>
-            <a:pPr algn="ctr"/>
-            <a:r>
-              <a:rPr lang="en-US" sz="7200" dirty="0">
-                <a:solidFill>
-                  <a:srgbClr val="00FF00"/>
-                </a:solidFill>
-              </a:rPr>
-              <a:t>Questions?</a:t>
+            <a:r>
+              <a:rPr lang="en-US" sz="2000" dirty="0">
+                <a:solidFill>
+                  <a:srgbClr val="FFFF00"/>
+                </a:solidFill>
+              </a:rPr>
+              <a:t>http://physics.nist.gov/ionxsec</a:t>
+            </a:r>
+          </a:p>
+        </p:txBody>
+      </p:sp>
+      <p:sp>
+        <p:nvSpPr>
+          <p:cNvPr id="6" name="TextBox 5">
+            <a:extLst>
+              <a:ext uri="{FF2B5EF4-FFF2-40B4-BE49-F238E27FC236}">
+                <a16:creationId xmlns:a16="http://schemas.microsoft.com/office/drawing/2014/main" id="{D547E6DE-550F-4A98-BF5F-23785EBC918F}"/>
+              </a:ext>
+            </a:extLst>
+          </p:cNvPr>
+          <p:cNvSpPr txBox="1"/>
+          <p:nvPr/>
+        </p:nvSpPr>
+        <p:spPr>
+          <a:xfrm>
+            <a:off x="838200" y="6108863"/>
+            <a:ext cx="10823219" cy="369332"/>
+          </a:xfrm>
+          <a:prstGeom prst="rect">
+            <a:avLst/>
+          </a:prstGeom>
+          <a:noFill/>
+        </p:spPr>
+        <p:txBody>
+          <a:bodyPr wrap="none" rtlCol="0">
+            <a:spAutoFit/>
+          </a:bodyPr>
+          <a:lstStyle/>
+          <a:p>
+            <a:r>
+              <a:rPr lang="en-US" dirty="0">
+                <a:solidFill>
+                  <a:srgbClr val="FFFF00"/>
+                </a:solidFill>
+              </a:rPr>
+              <a:t>Kim, Y.-K.; Rudd, M. E. Binary-Encounter-Dipole Model for Electron-Impact Ionization. </a:t>
+            </a:r>
+            <a:r>
+              <a:rPr lang="en-US" i="1" dirty="0">
+                <a:solidFill>
+                  <a:srgbClr val="FFFF00"/>
+                </a:solidFill>
+              </a:rPr>
+              <a:t>Phys. Rev. A </a:t>
+            </a:r>
+            <a:r>
+              <a:rPr lang="en-US" b="1" dirty="0">
+                <a:solidFill>
+                  <a:srgbClr val="FFFF00"/>
+                </a:solidFill>
+              </a:rPr>
+              <a:t>1994</a:t>
+            </a:r>
+            <a:r>
+              <a:rPr lang="en-US" b="1" i="1" dirty="0">
+                <a:solidFill>
+                  <a:srgbClr val="FFFF00"/>
+                </a:solidFill>
+              </a:rPr>
+              <a:t>, </a:t>
+            </a:r>
+            <a:r>
+              <a:rPr lang="en-US" i="1" dirty="0">
+                <a:solidFill>
+                  <a:srgbClr val="FFFF00"/>
+                </a:solidFill>
+              </a:rPr>
+              <a:t>50</a:t>
+            </a:r>
+            <a:r>
+              <a:rPr lang="en-US" b="1" i="1" dirty="0">
+                <a:solidFill>
+                  <a:srgbClr val="FFFF00"/>
+                </a:solidFill>
+              </a:rPr>
+              <a:t>, </a:t>
+            </a:r>
+            <a:r>
+              <a:rPr lang="en-US" dirty="0">
+                <a:solidFill>
+                  <a:srgbClr val="FFFF00"/>
+                </a:solidFill>
+              </a:rPr>
+              <a:t>3954</a:t>
+            </a:r>
+            <a:r>
+              <a:rPr lang="en-US" b="1" i="1" dirty="0">
+                <a:solidFill>
+                  <a:srgbClr val="FFFF00"/>
+                </a:solidFill>
+              </a:rPr>
+              <a:t>.</a:t>
             </a:r>
           </a:p>
         </p:txBody>
@@ -15570,7 +15579,7 @@
     </p:spTree>
     <p:extLst>
       <p:ext uri="{BB962C8B-B14F-4D97-AF65-F5344CB8AC3E}">
-        <p14:creationId xmlns:p14="http://schemas.microsoft.com/office/powerpoint/2010/main" val="1468094616"/>
+        <p14:creationId xmlns:p14="http://schemas.microsoft.com/office/powerpoint/2010/main" val="3374711574"/>
       </p:ext>
     </p:extLst>
   </p:cSld>
@@ -15918,7 +15927,7 @@
           <a:graphicData uri="http://schemas.openxmlformats.org/presentationml/2006/ole">
             <mc:AlternateContent xmlns:mc="http://schemas.openxmlformats.org/markup-compatibility/2006">
               <mc:Choice xmlns:v="urn:schemas-microsoft-com:vml" Requires="v">
-                <p:oleObj spid="_x0000_s1057" name="Equation" r:id="rId4" imgW="3162240" imgH="469800" progId="Equation.DSMT4">
+                <p:oleObj spid="_x0000_s1060" name="Equation" r:id="rId4" imgW="3162240" imgH="469800" progId="Equation.DSMT4">
                   <p:embed/>
                 </p:oleObj>
               </mc:Choice>

--- a/ACS_Boston_2018_Irikura.pptx
+++ b/ACS_Boston_2018_Irikura.pptx
@@ -1122,7 +1122,10 @@
           <a:bodyPr/>
           <a:lstStyle/>
           <a:p>
-            <a:endParaRPr lang="en-US" dirty="0"/>
+            <a:r>
+              <a:rPr lang="en-US" dirty="0"/>
+              <a:t>The existence of photochemistry proves that excited states do not always relax to the ground state before reacting. </a:t>
+            </a:r>
           </a:p>
         </p:txBody>
       </p:sp>
@@ -6117,16 +6120,8 @@
           <a:p>
             <a:pPr lvl="1"/>
             <a:r>
-              <a:rPr lang="en-US" dirty="0">
-                <a:solidFill>
-                  <a:srgbClr val="FFFF00"/>
-                </a:solidFill>
-              </a:rPr>
-              <a:t>Non-adiabatic</a:t>
-            </a:r>
-            <a:r>
-              <a:rPr lang="en-US" dirty="0"/>
-              <a:t> (with electronic transitions) </a:t>
+              <a:rPr lang="en-US" dirty="0"/>
+              <a:t>Non-adiabatic (with electronic transitions) </a:t>
             </a:r>
             <a:r>
               <a:rPr lang="en-US" sz="3200" b="1" dirty="0">
@@ -6464,16 +6459,8 @@
           <a:p>
             <a:pPr lvl="1"/>
             <a:r>
-              <a:rPr lang="en-US" dirty="0">
-                <a:solidFill>
-                  <a:srgbClr val="FFFF00"/>
-                </a:solidFill>
-              </a:rPr>
-              <a:t>Non-adiabatic</a:t>
-            </a:r>
-            <a:r>
-              <a:rPr lang="en-US" dirty="0"/>
-              <a:t> (with electronic transitions) </a:t>
+              <a:rPr lang="en-US" dirty="0"/>
+              <a:t>Non-adiabatic (with electronic transitions) </a:t>
             </a:r>
             <a:r>
               <a:rPr lang="en-US" sz="3200" b="1" dirty="0">
@@ -6911,7 +6898,7 @@
           <a:graphicData uri="http://schemas.openxmlformats.org/presentationml/2006/ole">
             <mc:AlternateContent xmlns:mc="http://schemas.openxmlformats.org/markup-compatibility/2006">
               <mc:Choice xmlns:v="urn:schemas-microsoft-com:vml" Requires="v">
-                <p:oleObj spid="_x0000_s2077" r:id="rId6" imgW="347220" imgH="385210" progId="">
+                <p:oleObj spid="_x0000_s2079" r:id="rId6" imgW="347220" imgH="385210" progId="">
                   <p:embed/>
                 </p:oleObj>
               </mc:Choice>
@@ -8609,8 +8596,16 @@
           <a:p>
             <a:pPr lvl="1"/>
             <a:r>
-              <a:rPr lang="en-US" dirty="0"/>
-              <a:t>Adiabatic (on ground state potential-energy surface) </a:t>
+              <a:rPr lang="en-US" dirty="0">
+                <a:solidFill>
+                  <a:srgbClr val="FFFF00"/>
+                </a:solidFill>
+              </a:rPr>
+              <a:t>Adiabatic</a:t>
+            </a:r>
+            <a:r>
+              <a:rPr lang="en-US" dirty="0"/>
+              <a:t> (on ground state potential-energy surface) </a:t>
             </a:r>
             <a:r>
               <a:rPr lang="en-US" sz="2800" b="1" dirty="0">
@@ -8653,16 +8648,8 @@
           <a:p>
             <a:pPr lvl="1"/>
             <a:r>
-              <a:rPr lang="en-US" dirty="0">
-                <a:solidFill>
-                  <a:srgbClr val="FFFF00"/>
-                </a:solidFill>
-              </a:rPr>
-              <a:t>Non-adiabatic</a:t>
-            </a:r>
-            <a:r>
-              <a:rPr lang="en-US" dirty="0"/>
-              <a:t> (with electronic transitions) </a:t>
+              <a:rPr lang="en-US" dirty="0"/>
+              <a:t>Non-adiabatic (with electronic transitions) </a:t>
             </a:r>
             <a:r>
               <a:rPr lang="en-US" sz="3200" b="1" dirty="0">
@@ -8976,7 +8963,7 @@
         </p:spPr>
         <p:txBody>
           <a:bodyPr>
-            <a:normAutofit/>
+            <a:normAutofit lnSpcReduction="10000"/>
           </a:bodyPr>
           <a:lstStyle/>
           <a:p>
@@ -9014,6 +9001,28 @@
             <a:r>
               <a:rPr lang="en-US" sz="2800" dirty="0"/>
               <a:t>Hot ions can dissociate</a:t>
+            </a:r>
+          </a:p>
+          <a:p>
+            <a:r>
+              <a:rPr lang="en-US" sz="3200" dirty="0"/>
+              <a:t>Molecular dynamics </a:t>
+            </a:r>
+            <a:r>
+              <a:rPr lang="en-US" sz="3200" i="1" dirty="0"/>
+              <a:t>and/or </a:t>
+            </a:r>
+            <a:r>
+              <a:rPr lang="en-US" sz="3200" dirty="0"/>
+              <a:t>RRKM theory for </a:t>
+            </a:r>
+            <a:r>
+              <a:rPr lang="en-US" sz="3200" dirty="0">
+                <a:solidFill>
+                  <a:srgbClr val="FFFF00"/>
+                </a:solidFill>
+              </a:rPr>
+              <a:t>kinetics</a:t>
             </a:r>
           </a:p>
         </p:txBody>
@@ -10187,28 +10196,11 @@
             <a:r>
               <a:rPr lang="en-US" dirty="0">
                 <a:solidFill>
-                  <a:srgbClr val="FFFF00"/>
-                </a:solidFill>
-              </a:rPr>
-              <a:t>Molecular dynamics </a:t>
-            </a:r>
-            <a:r>
-              <a:rPr lang="en-US" i="1" dirty="0">
-                <a:solidFill>
-                  <a:srgbClr val="FFFF00"/>
-                </a:solidFill>
-              </a:rPr>
-              <a:t>and/or </a:t>
-            </a:r>
-            <a:r>
-              <a:rPr lang="en-US" dirty="0">
-                <a:solidFill>
-                  <a:srgbClr val="FFFF00"/>
-                </a:solidFill>
-              </a:rPr>
-              <a:t>RRKM theory for kinetics</a:t>
-            </a:r>
-            <a:endParaRPr lang="en-US" dirty="0"/>
+                  <a:srgbClr val="FFC000"/>
+                </a:solidFill>
+              </a:rPr>
+              <a:t>Sometimes we can predict accurately</a:t>
+            </a:r>
           </a:p>
         </p:txBody>
       </p:sp>
@@ -10586,8 +10578,16 @@
           <a:p>
             <a:pPr lvl="1"/>
             <a:r>
-              <a:rPr lang="en-US" dirty="0"/>
-              <a:t>Diabatic (on excited-state surface) </a:t>
+              <a:rPr lang="en-US" dirty="0">
+                <a:solidFill>
+                  <a:srgbClr val="FFFF00"/>
+                </a:solidFill>
+              </a:rPr>
+              <a:t>Diabatic</a:t>
+            </a:r>
+            <a:r>
+              <a:rPr lang="en-US" dirty="0"/>
+              <a:t> (on excited-state surface) </a:t>
             </a:r>
             <a:r>
               <a:rPr lang="en-US" sz="2800" b="1" dirty="0">
@@ -10608,16 +10608,8 @@
           <a:p>
             <a:pPr lvl="1"/>
             <a:r>
-              <a:rPr lang="en-US" dirty="0">
-                <a:solidFill>
-                  <a:srgbClr val="FFFF00"/>
-                </a:solidFill>
-              </a:rPr>
-              <a:t>Non-adiabatic</a:t>
-            </a:r>
-            <a:r>
-              <a:rPr lang="en-US" dirty="0"/>
-              <a:t> (with electronic transitions) </a:t>
+              <a:rPr lang="en-US" dirty="0"/>
+              <a:t>Non-adiabatic (with electronic transitions) </a:t>
             </a:r>
             <a:r>
               <a:rPr lang="en-US" sz="3200" b="1" dirty="0">
@@ -12185,8 +12177,8 @@
         </p:nvSpPr>
         <p:spPr>
           <a:xfrm>
-            <a:off x="838201" y="1630214"/>
-            <a:ext cx="5032302" cy="3716525"/>
+            <a:off x="622571" y="1630214"/>
+            <a:ext cx="5247932" cy="3716525"/>
           </a:xfrm>
         </p:spPr>
         <p:txBody>
@@ -12227,7 +12219,7 @@
                   <a:srgbClr val="FF0000"/>
                 </a:solidFill>
               </a:rPr>
-              <a:t>Can we predict accurately?</a:t>
+              <a:t>Can anyone predict accurately??</a:t>
             </a:r>
           </a:p>
         </p:txBody>
@@ -12825,7 +12817,7 @@
         </p:nvSpPr>
         <p:spPr>
           <a:xfrm>
-            <a:off x="1907266" y="4531121"/>
+            <a:off x="2268544" y="4665251"/>
             <a:ext cx="1955985" cy="2215991"/>
           </a:xfrm>
           <a:prstGeom prst="rect">
@@ -15927,7 +15919,7 @@
           <a:graphicData uri="http://schemas.openxmlformats.org/presentationml/2006/ole">
             <mc:AlternateContent xmlns:mc="http://schemas.openxmlformats.org/markup-compatibility/2006">
               <mc:Choice xmlns:v="urn:schemas-microsoft-com:vml" Requires="v">
-                <p:oleObj spid="_x0000_s1060" name="Equation" r:id="rId4" imgW="3162240" imgH="469800" progId="Equation.DSMT4">
+                <p:oleObj spid="_x0000_s1062" name="Equation" r:id="rId4" imgW="3162240" imgH="469800" progId="Equation.DSMT4">
                   <p:embed/>
                 </p:oleObj>
               </mc:Choice>
@@ -16067,23 +16059,43 @@
           <a:lstStyle/>
           <a:p>
             <a:r>
-              <a:rPr lang="en-US" dirty="0"/>
+              <a:rPr lang="en-US" dirty="0">
+                <a:solidFill>
+                  <a:srgbClr val="FFFF00"/>
+                </a:solidFill>
+              </a:rPr>
               <a:t>Cosmochemistry (</a:t>
             </a:r>
             <a:r>
-              <a:rPr lang="en-US" i="1" dirty="0"/>
+              <a:rPr lang="en-US" i="1" dirty="0">
+                <a:solidFill>
+                  <a:srgbClr val="FFFF00"/>
+                </a:solidFill>
+              </a:rPr>
               <a:t>t</a:t>
             </a:r>
             <a:r>
-              <a:rPr lang="en-US" dirty="0"/>
+              <a:rPr lang="en-US" dirty="0">
+                <a:solidFill>
+                  <a:srgbClr val="FFFF00"/>
+                </a:solidFill>
+              </a:rPr>
               <a:t> = 380,000 </a:t>
             </a:r>
             <a:r>
-              <a:rPr lang="en-US" dirty="0" err="1"/>
+              <a:rPr lang="en-US" dirty="0" err="1">
+                <a:solidFill>
+                  <a:srgbClr val="FFFF00"/>
+                </a:solidFill>
+              </a:rPr>
               <a:t>yr</a:t>
             </a:r>
             <a:r>
-              <a:rPr lang="en-US" dirty="0"/>
+              <a:rPr lang="en-US" dirty="0">
+                <a:solidFill>
+                  <a:srgbClr val="FFFF00"/>
+                </a:solidFill>
+              </a:rPr>
               <a:t>)</a:t>
             </a:r>
           </a:p>
@@ -17810,7 +17822,7 @@
         </p:nvSpPr>
         <p:spPr>
           <a:xfrm>
-            <a:off x="838201" y="1825625"/>
+            <a:off x="582651" y="1572706"/>
             <a:ext cx="5584902" cy="4351338"/>
           </a:xfrm>
         </p:spPr>
@@ -18163,8 +18175,8 @@
         </p:nvSpPr>
         <p:spPr>
           <a:xfrm>
-            <a:off x="669072" y="2558908"/>
-            <a:ext cx="8084635" cy="2029521"/>
+            <a:off x="690664" y="2821559"/>
+            <a:ext cx="8063043" cy="1283518"/>
           </a:xfrm>
           <a:prstGeom prst="rect">
             <a:avLst/>
@@ -18222,8 +18234,8 @@
         </p:nvSpPr>
         <p:spPr>
           <a:xfrm>
-            <a:off x="838200" y="1284270"/>
-            <a:ext cx="10457985" cy="5105379"/>
+            <a:off x="838200" y="1556426"/>
+            <a:ext cx="10457985" cy="4833223"/>
           </a:xfrm>
         </p:spPr>
         <p:txBody>
@@ -18289,44 +18301,15 @@
             <a:pPr lvl="1"/>
             <a:r>
               <a:rPr lang="en-US" dirty="0"/>
-              <a:t>“Total ionization cross section” = total ion yield</a:t>
-            </a:r>
-          </a:p>
-          <a:p>
-            <a:pPr lvl="2"/>
-            <a:r>
-              <a:rPr lang="en-US" dirty="0"/>
-              <a:t>Routine calculations (</a:t>
-            </a:r>
-            <a:r>
-              <a:rPr lang="en-US" dirty="0">
-                <a:solidFill>
-                  <a:srgbClr val="FFFF00"/>
-                </a:solidFill>
-              </a:rPr>
-              <a:t>https://github.com/kkinist/BEB</a:t>
-            </a:r>
-            <a:r>
-              <a:rPr lang="en-US" dirty="0"/>
-              <a:t>)</a:t>
-            </a:r>
+              <a:t>Produces many different fragment ions</a:t>
+            </a:r>
+            <a:endParaRPr lang="en-US" i="1" dirty="0"/>
           </a:p>
           <a:p>
             <a:pPr lvl="1"/>
             <a:r>
               <a:rPr lang="en-US" dirty="0"/>
-              <a:t>“Partial ionization cross section” = yield of specific </a:t>
-            </a:r>
-            <a:r>
-              <a:rPr lang="en-US" i="1" dirty="0"/>
-              <a:t>m/z</a:t>
-            </a:r>
-          </a:p>
-          <a:p>
-            <a:pPr lvl="2"/>
-            <a:r>
-              <a:rPr lang="en-US" dirty="0"/>
-              <a:t>Essence of electron-ionization mass spectrometry (EIMS)</a:t>
+              <a:t>Basis of electron-ionization mass spectrometry (EIMS)</a:t>
             </a:r>
           </a:p>
           <a:p>

--- a/ACS_Boston_2018_Irikura.pptx
+++ b/ACS_Boston_2018_Irikura.pptx
@@ -5,7 +5,7 @@
     <p:sldMasterId id="2147483813" r:id="rId1"/>
   </p:sldMasterIdLst>
   <p:notesMasterIdLst>
-    <p:notesMasterId r:id="rId28"/>
+    <p:notesMasterId r:id="rId29"/>
   </p:notesMasterIdLst>
   <p:sldIdLst>
     <p:sldId id="256" r:id="rId2"/>
@@ -34,6 +34,7 @@
     <p:sldId id="268" r:id="rId25"/>
     <p:sldId id="264" r:id="rId26"/>
     <p:sldId id="265" r:id="rId27"/>
+    <p:sldId id="282" r:id="rId28"/>
   </p:sldIdLst>
   <p:sldSz cx="12192000" cy="6858000"/>
   <p:notesSz cx="6858000" cy="9144000"/>
@@ -233,7 +234,7 @@
           <a:p>
             <a:fld id="{093871A6-C1FC-450D-9B63-9900A59C3DCC}" type="datetimeFigureOut">
               <a:rPr lang="en-US" smtClean="0"/>
-              <a:t>8/13/2018</a:t>
+              <a:t>8/14/2018</a:t>
             </a:fld>
             <a:endParaRPr lang="en-US"/>
           </a:p>
@@ -1881,6 +1882,127 @@
 </p:notes>
 </file>
 
+<file path=ppt/notesSlides/notesSlide23.xml><?xml version="1.0" encoding="utf-8"?>
+<p:notes xmlns:a="http://schemas.openxmlformats.org/drawingml/2006/main" xmlns:r="http://schemas.openxmlformats.org/officeDocument/2006/relationships" xmlns:p="http://schemas.openxmlformats.org/presentationml/2006/main">
+  <p:cSld>
+    <p:spTree>
+      <p:nvGrpSpPr>
+        <p:cNvPr id="1" name=""/>
+        <p:cNvGrpSpPr/>
+        <p:nvPr/>
+      </p:nvGrpSpPr>
+      <p:grpSpPr>
+        <a:xfrm>
+          <a:off x="0" y="0"/>
+          <a:ext cx="0" cy="0"/>
+          <a:chOff x="0" y="0"/>
+          <a:chExt cx="0" cy="0"/>
+        </a:xfrm>
+      </p:grpSpPr>
+      <p:sp>
+        <p:nvSpPr>
+          <p:cNvPr id="2" name="Slide Image Placeholder 1"/>
+          <p:cNvSpPr>
+            <a:spLocks noGrp="1" noRot="1" noChangeAspect="1"/>
+          </p:cNvSpPr>
+          <p:nvPr>
+            <p:ph type="sldImg"/>
+          </p:nvPr>
+        </p:nvSpPr>
+        <p:spPr/>
+      </p:sp>
+      <p:sp>
+        <p:nvSpPr>
+          <p:cNvPr id="3" name="Notes Placeholder 2"/>
+          <p:cNvSpPr>
+            <a:spLocks noGrp="1"/>
+          </p:cNvSpPr>
+          <p:nvPr>
+            <p:ph type="body" idx="1"/>
+          </p:nvPr>
+        </p:nvSpPr>
+        <p:spPr/>
+        <p:txBody>
+          <a:bodyPr/>
+          <a:lstStyle/>
+          <a:p>
+            <a:r>
+              <a:rPr lang="en-US" dirty="0"/>
+              <a:t>The figures are for gas-phase H</a:t>
+            </a:r>
+            <a:r>
+              <a:rPr lang="en-US" baseline="-25000" dirty="0"/>
+              <a:t>2</a:t>
+            </a:r>
+            <a:r>
+              <a:rPr lang="en-US" dirty="0"/>
+              <a:t>O. </a:t>
+            </a:r>
+          </a:p>
+          <a:p>
+            <a:r>
+              <a:rPr lang="en-US" dirty="0"/>
+              <a:t>When a proton ionizes something, it loses some energy and slows down. </a:t>
+            </a:r>
+          </a:p>
+          <a:p>
+            <a:r>
+              <a:rPr lang="en-US" dirty="0"/>
+              <a:t>Cross section for ejecting electrons peaks near 50 </a:t>
+            </a:r>
+            <a:r>
+              <a:rPr lang="en-US" dirty="0" err="1"/>
+              <a:t>keV</a:t>
+            </a:r>
+            <a:r>
+              <a:rPr lang="en-US" dirty="0"/>
+              <a:t>.  </a:t>
+            </a:r>
+          </a:p>
+          <a:p>
+            <a:r>
+              <a:rPr lang="en-US" dirty="0"/>
+              <a:t>Cross section for creating positive ions is larger and declines with energy.  As a proton slows down, it becomes more likely to slow down further. </a:t>
+            </a:r>
+          </a:p>
+        </p:txBody>
+      </p:sp>
+      <p:sp>
+        <p:nvSpPr>
+          <p:cNvPr id="4" name="Slide Number Placeholder 3"/>
+          <p:cNvSpPr>
+            <a:spLocks noGrp="1"/>
+          </p:cNvSpPr>
+          <p:nvPr>
+            <p:ph type="sldNum" sz="quarter" idx="10"/>
+          </p:nvPr>
+        </p:nvSpPr>
+        <p:spPr/>
+        <p:txBody>
+          <a:bodyPr/>
+          <a:lstStyle/>
+          <a:p>
+            <a:fld id="{834948BD-10A7-4654-BC3D-1A706C7EB1E8}" type="slidenum">
+              <a:rPr lang="en-US" smtClean="0"/>
+              <a:t>27</a:t>
+            </a:fld>
+            <a:endParaRPr lang="en-US"/>
+          </a:p>
+        </p:txBody>
+      </p:sp>
+    </p:spTree>
+    <p:extLst>
+      <p:ext uri="{BB962C8B-B14F-4D97-AF65-F5344CB8AC3E}">
+        <p14:creationId xmlns:p14="http://schemas.microsoft.com/office/powerpoint/2010/main" val="2411898555"/>
+      </p:ext>
+    </p:extLst>
+  </p:cSld>
+  <p:clrMapOvr>
+    <a:masterClrMapping/>
+  </p:clrMapOvr>
+</p:notes>
+</file>
+
 <file path=ppt/notesSlides/notesSlide3.xml><?xml version="1.0" encoding="utf-8"?>
 <p:notes xmlns:a="http://schemas.openxmlformats.org/drawingml/2006/main" xmlns:r="http://schemas.openxmlformats.org/officeDocument/2006/relationships" xmlns:p="http://schemas.openxmlformats.org/presentationml/2006/main">
   <p:cSld>
@@ -2875,7 +2997,7 @@
           <a:p>
             <a:fld id="{FC6A8C3F-F9CD-4550-85ED-F3BB84B83A87}" type="datetimeFigureOut">
               <a:rPr lang="en-US" smtClean="0"/>
-              <a:t>8/13/2018</a:t>
+              <a:t>8/14/2018</a:t>
             </a:fld>
             <a:endParaRPr lang="en-US"/>
           </a:p>
@@ -3045,7 +3167,7 @@
           <a:p>
             <a:fld id="{FC6A8C3F-F9CD-4550-85ED-F3BB84B83A87}" type="datetimeFigureOut">
               <a:rPr lang="en-US" smtClean="0"/>
-              <a:t>8/13/2018</a:t>
+              <a:t>8/14/2018</a:t>
             </a:fld>
             <a:endParaRPr lang="en-US"/>
           </a:p>
@@ -3225,7 +3347,7 @@
           <a:p>
             <a:fld id="{FC6A8C3F-F9CD-4550-85ED-F3BB84B83A87}" type="datetimeFigureOut">
               <a:rPr lang="en-US" smtClean="0"/>
-              <a:t>8/13/2018</a:t>
+              <a:t>8/14/2018</a:t>
             </a:fld>
             <a:endParaRPr lang="en-US"/>
           </a:p>
@@ -3395,7 +3517,7 @@
           <a:p>
             <a:fld id="{FC6A8C3F-F9CD-4550-85ED-F3BB84B83A87}" type="datetimeFigureOut">
               <a:rPr lang="en-US" smtClean="0"/>
-              <a:t>8/13/2018</a:t>
+              <a:t>8/14/2018</a:t>
             </a:fld>
             <a:endParaRPr lang="en-US"/>
           </a:p>
@@ -3641,7 +3763,7 @@
           <a:p>
             <a:fld id="{FC6A8C3F-F9CD-4550-85ED-F3BB84B83A87}" type="datetimeFigureOut">
               <a:rPr lang="en-US" smtClean="0"/>
-              <a:t>8/13/2018</a:t>
+              <a:t>8/14/2018</a:t>
             </a:fld>
             <a:endParaRPr lang="en-US"/>
           </a:p>
@@ -3873,7 +3995,7 @@
           <a:p>
             <a:fld id="{FC6A8C3F-F9CD-4550-85ED-F3BB84B83A87}" type="datetimeFigureOut">
               <a:rPr lang="en-US" smtClean="0"/>
-              <a:t>8/13/2018</a:t>
+              <a:t>8/14/2018</a:t>
             </a:fld>
             <a:endParaRPr lang="en-US"/>
           </a:p>
@@ -4240,7 +4362,7 @@
           <a:p>
             <a:fld id="{FC6A8C3F-F9CD-4550-85ED-F3BB84B83A87}" type="datetimeFigureOut">
               <a:rPr lang="en-US" smtClean="0"/>
-              <a:t>8/13/2018</a:t>
+              <a:t>8/14/2018</a:t>
             </a:fld>
             <a:endParaRPr lang="en-US"/>
           </a:p>
@@ -4358,7 +4480,7 @@
           <a:p>
             <a:fld id="{FC6A8C3F-F9CD-4550-85ED-F3BB84B83A87}" type="datetimeFigureOut">
               <a:rPr lang="en-US" smtClean="0"/>
-              <a:t>8/13/2018</a:t>
+              <a:t>8/14/2018</a:t>
             </a:fld>
             <a:endParaRPr lang="en-US"/>
           </a:p>
@@ -4453,7 +4575,7 @@
           <a:p>
             <a:fld id="{FC6A8C3F-F9CD-4550-85ED-F3BB84B83A87}" type="datetimeFigureOut">
               <a:rPr lang="en-US" smtClean="0"/>
-              <a:t>8/13/2018</a:t>
+              <a:t>8/14/2018</a:t>
             </a:fld>
             <a:endParaRPr lang="en-US"/>
           </a:p>
@@ -4730,7 +4852,7 @@
           <a:p>
             <a:fld id="{FC6A8C3F-F9CD-4550-85ED-F3BB84B83A87}" type="datetimeFigureOut">
               <a:rPr lang="en-US" smtClean="0"/>
-              <a:t>8/13/2018</a:t>
+              <a:t>8/14/2018</a:t>
             </a:fld>
             <a:endParaRPr lang="en-US"/>
           </a:p>
@@ -4987,7 +5109,7 @@
           <a:p>
             <a:fld id="{FC6A8C3F-F9CD-4550-85ED-F3BB84B83A87}" type="datetimeFigureOut">
               <a:rPr lang="en-US" smtClean="0"/>
-              <a:t>8/13/2018</a:t>
+              <a:t>8/14/2018</a:t>
             </a:fld>
             <a:endParaRPr lang="en-US"/>
           </a:p>
@@ -5200,7 +5322,7 @@
           <a:p>
             <a:fld id="{FC6A8C3F-F9CD-4550-85ED-F3BB84B83A87}" type="datetimeFigureOut">
               <a:rPr lang="en-US" smtClean="0"/>
-              <a:t>8/13/2018</a:t>
+              <a:t>8/14/2018</a:t>
             </a:fld>
             <a:endParaRPr lang="en-US"/>
           </a:p>
@@ -6042,7 +6164,7 @@
           <a:p>
             <a:r>
               <a:rPr lang="en-US" dirty="0"/>
-              <a:t>Distribution of internal energies (depends on electron energy)</a:t>
+              <a:t>Distribution of internal energies</a:t>
             </a:r>
           </a:p>
           <a:p>
@@ -6052,7 +6174,7 @@
               <a:t>Can be computed ab initio  </a:t>
             </a:r>
             <a:r>
-              <a:rPr lang="en-US" sz="2800" b="1" dirty="0">
+              <a:rPr lang="en-US" sz="3200" b="1" dirty="0">
                 <a:solidFill>
                   <a:srgbClr val="00FF00"/>
                 </a:solidFill>
@@ -6070,7 +6192,7 @@
           <a:p>
             <a:r>
               <a:rPr lang="en-US" dirty="0"/>
-              <a:t>Chemical fate (depends on internal energy)</a:t>
+              <a:t>Chemical fate (branching fractions of reaction products)</a:t>
             </a:r>
           </a:p>
           <a:p>
@@ -6080,7 +6202,7 @@
               <a:t>Adiabatic (on ground state potential-energy surface) </a:t>
             </a:r>
             <a:r>
-              <a:rPr lang="en-US" sz="2800" b="1" dirty="0">
+              <a:rPr lang="en-US" sz="3200" b="1" dirty="0">
                 <a:solidFill>
                   <a:srgbClr val="FFFF00"/>
                 </a:solidFill>
@@ -6102,7 +6224,7 @@
               <a:t>Diabatic (on excited-state surface) </a:t>
             </a:r>
             <a:r>
-              <a:rPr lang="en-US" sz="2800" b="1" dirty="0">
+              <a:rPr lang="en-US" sz="3200" b="1" dirty="0">
                 <a:solidFill>
                   <a:srgbClr val="FFC000"/>
                 </a:solidFill>
@@ -6145,7 +6267,7 @@
               <a:t>Smaller effects that partly cancel  </a:t>
             </a:r>
             <a:r>
-              <a:rPr lang="en-US" b="1" dirty="0">
+              <a:rPr lang="en-US" sz="3200" b="1" dirty="0">
                 <a:solidFill>
                   <a:srgbClr val="00B0F0"/>
                 </a:solidFill>
@@ -6381,7 +6503,7 @@
           <a:p>
             <a:r>
               <a:rPr lang="en-US" dirty="0"/>
-              <a:t>Distribution of internal energies (depends on electron energy)</a:t>
+              <a:t>Distribution of internal energies</a:t>
             </a:r>
           </a:p>
           <a:p>
@@ -6391,7 +6513,7 @@
               <a:t>Can be computed ab initio  </a:t>
             </a:r>
             <a:r>
-              <a:rPr lang="en-US" sz="2800" b="1" dirty="0">
+              <a:rPr lang="en-US" sz="3200" b="1" dirty="0">
                 <a:solidFill>
                   <a:srgbClr val="00FF00"/>
                 </a:solidFill>
@@ -6409,7 +6531,7 @@
           <a:p>
             <a:r>
               <a:rPr lang="en-US" dirty="0"/>
-              <a:t>Chemical fate (depends on internal energy)</a:t>
+              <a:t>Chemical fate (branching fractions of reaction products)</a:t>
             </a:r>
           </a:p>
           <a:p>
@@ -6419,7 +6541,7 @@
               <a:t>Adiabatic (on ground state potential-energy surface) </a:t>
             </a:r>
             <a:r>
-              <a:rPr lang="en-US" sz="2800" b="1" dirty="0">
+              <a:rPr lang="en-US" sz="3200" b="1" dirty="0">
                 <a:solidFill>
                   <a:srgbClr val="FFFF00"/>
                 </a:solidFill>
@@ -6441,7 +6563,7 @@
               <a:t>Diabatic (on excited-state surface) </a:t>
             </a:r>
             <a:r>
-              <a:rPr lang="en-US" sz="2800" b="1" dirty="0">
+              <a:rPr lang="en-US" sz="3200" b="1" dirty="0">
                 <a:solidFill>
                   <a:srgbClr val="FFC000"/>
                 </a:solidFill>
@@ -6898,7 +7020,7 @@
           <a:graphicData uri="http://schemas.openxmlformats.org/presentationml/2006/ole">
             <mc:AlternateContent xmlns:mc="http://schemas.openxmlformats.org/markup-compatibility/2006">
               <mc:Choice xmlns:v="urn:schemas-microsoft-com:vml" Requires="v">
-                <p:oleObj spid="_x0000_s2079" r:id="rId6" imgW="347220" imgH="385210" progId="">
+                <p:oleObj spid="_x0000_s2083" r:id="rId6" imgW="347220" imgH="385210" progId="">
                   <p:embed/>
                 </p:oleObj>
               </mc:Choice>
@@ -7210,23 +7332,9 @@
             </a:r>
           </a:p>
           <a:p>
-            <a:pPr lvl="2"/>
-            <a:r>
-              <a:rPr lang="en-US" sz="2400" dirty="0"/>
-              <a:t>Pre-dissociated</a:t>
-            </a:r>
-          </a:p>
-          <a:p>
-            <a:pPr lvl="2"/>
-            <a:r>
-              <a:rPr lang="en-US" sz="2400" dirty="0"/>
-              <a:t>Pre-ionized</a:t>
-            </a:r>
-          </a:p>
-          <a:p>
-            <a:pPr lvl="2"/>
-            <a:r>
-              <a:rPr lang="en-US" sz="2400" dirty="0"/>
+            <a:pPr lvl="1"/>
+            <a:r>
+              <a:rPr lang="en-US" sz="2800" dirty="0"/>
               <a:t>Probably non-adiabatic</a:t>
             </a:r>
           </a:p>
@@ -8562,7 +8670,7 @@
           <a:p>
             <a:r>
               <a:rPr lang="en-US" dirty="0"/>
-              <a:t>Distribution of internal energies (depends on electron energy)</a:t>
+              <a:t>Distribution of internal energies</a:t>
             </a:r>
           </a:p>
           <a:p>
@@ -8572,7 +8680,7 @@
               <a:t>Can be computed ab initio  </a:t>
             </a:r>
             <a:r>
-              <a:rPr lang="en-US" sz="2800" b="1" dirty="0">
+              <a:rPr lang="en-US" sz="3200" b="1" dirty="0">
                 <a:solidFill>
                   <a:srgbClr val="00FF00"/>
                 </a:solidFill>
@@ -8590,7 +8698,7 @@
           <a:p>
             <a:r>
               <a:rPr lang="en-US" dirty="0"/>
-              <a:t>Chemical fate (depends on internal energy)</a:t>
+              <a:t>Chemical fate (branching fractions of reaction products)</a:t>
             </a:r>
           </a:p>
           <a:p>
@@ -8608,7 +8716,7 @@
               <a:t> (on ground state potential-energy surface) </a:t>
             </a:r>
             <a:r>
-              <a:rPr lang="en-US" sz="2800" b="1" dirty="0">
+              <a:rPr lang="en-US" sz="3200" b="1" dirty="0">
                 <a:solidFill>
                   <a:srgbClr val="FFFF00"/>
                 </a:solidFill>
@@ -8630,7 +8738,7 @@
               <a:t>Diabatic (on excited-state surface) </a:t>
             </a:r>
             <a:r>
-              <a:rPr lang="en-US" sz="2800" b="1" dirty="0">
+              <a:rPr lang="en-US" sz="3200" b="1" dirty="0">
                 <a:solidFill>
                   <a:srgbClr val="FFC000"/>
                 </a:solidFill>
@@ -8673,7 +8781,7 @@
               <a:t>Smaller effects that partly cancel </a:t>
             </a:r>
             <a:r>
-              <a:rPr lang="en-US" b="1" dirty="0">
+              <a:rPr lang="en-US" sz="3200" b="1" dirty="0">
                 <a:solidFill>
                   <a:srgbClr val="00B0F0"/>
                 </a:solidFill>
@@ -8825,7 +8933,7 @@
         </p:nvSpPr>
         <p:spPr>
           <a:xfrm>
-            <a:off x="412596" y="2631688"/>
+            <a:off x="412596" y="2660872"/>
             <a:ext cx="10426390" cy="535258"/>
           </a:xfrm>
           <a:prstGeom prst="rect">
@@ -8976,7 +9084,7 @@
             <a:pPr lvl="1"/>
             <a:r>
               <a:rPr lang="en-US" sz="2800" dirty="0"/>
-              <a:t>Internal energy not high</a:t>
+              <a:t>Low internal energy</a:t>
             </a:r>
           </a:p>
           <a:p>
@@ -10522,7 +10630,7 @@
           <a:p>
             <a:r>
               <a:rPr lang="en-US" dirty="0"/>
-              <a:t>Distribution of internal energies (depends on electron energy)</a:t>
+              <a:t>Distribution of internal energies</a:t>
             </a:r>
           </a:p>
           <a:p>
@@ -10532,7 +10640,7 @@
               <a:t>Can be computed ab initio  </a:t>
             </a:r>
             <a:r>
-              <a:rPr lang="en-US" sz="2800" b="1" dirty="0">
+              <a:rPr lang="en-US" sz="3200" b="1" dirty="0">
                 <a:solidFill>
                   <a:srgbClr val="00FF00"/>
                 </a:solidFill>
@@ -10550,7 +10658,7 @@
           <a:p>
             <a:r>
               <a:rPr lang="en-US" dirty="0"/>
-              <a:t>Chemical fate (depends on internal energy)</a:t>
+              <a:t>Chemical fate (branching fractions of reaction products)</a:t>
             </a:r>
           </a:p>
           <a:p>
@@ -10560,7 +10668,7 @@
               <a:t>Adiabatic (on ground state potential-energy surface) </a:t>
             </a:r>
             <a:r>
-              <a:rPr lang="en-US" sz="2800" b="1" dirty="0">
+              <a:rPr lang="en-US" sz="3200" b="1" dirty="0">
                 <a:solidFill>
                   <a:srgbClr val="FFFF00"/>
                 </a:solidFill>
@@ -10590,7 +10698,7 @@
               <a:t> (on excited-state surface) </a:t>
             </a:r>
             <a:r>
-              <a:rPr lang="en-US" sz="2800" b="1" dirty="0">
+              <a:rPr lang="en-US" sz="3200" b="1" dirty="0">
                 <a:solidFill>
                   <a:srgbClr val="FFC000"/>
                 </a:solidFill>
@@ -10633,7 +10741,7 @@
               <a:t>Smaller effects that partly cancel </a:t>
             </a:r>
             <a:r>
-              <a:rPr lang="en-US" b="1" dirty="0">
+              <a:rPr lang="en-US" sz="3200" b="1" dirty="0">
                 <a:solidFill>
                   <a:srgbClr val="00B0F0"/>
                 </a:solidFill>
@@ -10785,7 +10893,7 @@
         </p:nvSpPr>
         <p:spPr>
           <a:xfrm>
-            <a:off x="412596" y="2999677"/>
+            <a:off x="412596" y="3087229"/>
             <a:ext cx="10426390" cy="535258"/>
           </a:xfrm>
           <a:prstGeom prst="rect">
@@ -11782,7 +11890,7 @@
           <a:p>
             <a:r>
               <a:rPr lang="en-US" dirty="0"/>
-              <a:t>Distribution of internal energies (depends on electron energy)</a:t>
+              <a:t>Distribution of internal energies</a:t>
             </a:r>
           </a:p>
           <a:p>
@@ -11792,7 +11900,7 @@
               <a:t>Can be computed ab initio  </a:t>
             </a:r>
             <a:r>
-              <a:rPr lang="en-US" sz="2800" b="1" dirty="0">
+              <a:rPr lang="en-US" sz="3200" b="1" dirty="0">
                 <a:solidFill>
                   <a:srgbClr val="00FF00"/>
                 </a:solidFill>
@@ -11810,7 +11918,7 @@
           <a:p>
             <a:r>
               <a:rPr lang="en-US" dirty="0"/>
-              <a:t>Chemical fate (depends on internal energy)</a:t>
+              <a:t>Chemical fate (branching fractions of reaction products)</a:t>
             </a:r>
           </a:p>
           <a:p>
@@ -11820,7 +11928,7 @@
               <a:t>Adiabatic (on ground state potential-energy surface) </a:t>
             </a:r>
             <a:r>
-              <a:rPr lang="en-US" sz="2800" b="1" dirty="0">
+              <a:rPr lang="en-US" sz="3200" b="1" dirty="0">
                 <a:solidFill>
                   <a:srgbClr val="FFFF00"/>
                 </a:solidFill>
@@ -11842,7 +11950,7 @@
               <a:t>Diabatic (on excited-state surface) </a:t>
             </a:r>
             <a:r>
-              <a:rPr lang="en-US" sz="2800" b="1" dirty="0">
+              <a:rPr lang="en-US" sz="3200" b="1" dirty="0">
                 <a:solidFill>
                   <a:srgbClr val="FFC000"/>
                 </a:solidFill>
@@ -11893,7 +12001,7 @@
               <a:t>Smaller effects that partly cancel </a:t>
             </a:r>
             <a:r>
-              <a:rPr lang="en-US" b="1" dirty="0">
+              <a:rPr lang="en-US" sz="3200" b="1" dirty="0">
                 <a:solidFill>
                   <a:srgbClr val="00B0F0"/>
                 </a:solidFill>
@@ -12045,7 +12153,7 @@
         </p:nvSpPr>
         <p:spPr>
           <a:xfrm>
-            <a:off x="412596" y="3412267"/>
+            <a:off x="412596" y="3538728"/>
             <a:ext cx="10426390" cy="535258"/>
           </a:xfrm>
           <a:prstGeom prst="rect">
@@ -14278,8 +14386,8 @@
         </p:nvSpPr>
         <p:spPr>
           <a:xfrm>
-            <a:off x="838201" y="1479479"/>
-            <a:ext cx="5696164" cy="4697484"/>
+            <a:off x="543247" y="1479479"/>
+            <a:ext cx="6342579" cy="4697484"/>
           </a:xfrm>
         </p:spPr>
         <p:txBody>
@@ -14309,7 +14417,7 @@
             <a:pPr lvl="1"/>
             <a:r>
               <a:rPr lang="en-US" dirty="0"/>
-              <a:t>Characteristic “mass spectrum” </a:t>
+              <a:t>Characteristic spectrum of fragment masses</a:t>
             </a:r>
           </a:p>
           <a:p>
@@ -15919,7 +16027,7 @@
           <a:graphicData uri="http://schemas.openxmlformats.org/presentationml/2006/ole">
             <mc:AlternateContent xmlns:mc="http://schemas.openxmlformats.org/markup-compatibility/2006">
               <mc:Choice xmlns:v="urn:schemas-microsoft-com:vml" Requires="v">
-                <p:oleObj spid="_x0000_s1062" name="Equation" r:id="rId4" imgW="3162240" imgH="469800" progId="Equation.DSMT4">
+                <p:oleObj spid="_x0000_s1066" name="Equation" r:id="rId4" imgW="3162240" imgH="469800" progId="Equation.DSMT4">
                   <p:embed/>
                 </p:oleObj>
               </mc:Choice>
@@ -15980,1204 +16088,7 @@
 </p:sld>
 </file>
 
-<file path=ppt/slides/slide3.xml><?xml version="1.0" encoding="utf-8"?>
-<p:sld xmlns:a="http://schemas.openxmlformats.org/drawingml/2006/main" xmlns:r="http://schemas.openxmlformats.org/officeDocument/2006/relationships" xmlns:p="http://schemas.openxmlformats.org/presentationml/2006/main">
-  <p:cSld>
-    <p:spTree>
-      <p:nvGrpSpPr>
-        <p:cNvPr id="1" name=""/>
-        <p:cNvGrpSpPr/>
-        <p:nvPr/>
-      </p:nvGrpSpPr>
-      <p:grpSpPr>
-        <a:xfrm>
-          <a:off x="0" y="0"/>
-          <a:ext cx="0" cy="0"/>
-          <a:chOff x="0" y="0"/>
-          <a:chExt cx="0" cy="0"/>
-        </a:xfrm>
-      </p:grpSpPr>
-      <p:sp>
-        <p:nvSpPr>
-          <p:cNvPr id="2" name="Title 1">
-            <a:extLst>
-              <a:ext uri="{FF2B5EF4-FFF2-40B4-BE49-F238E27FC236}">
-                <a16:creationId xmlns:a16="http://schemas.microsoft.com/office/drawing/2014/main" id="{F877A936-D5E9-40A9-97B8-EA146464C640}"/>
-              </a:ext>
-            </a:extLst>
-          </p:cNvPr>
-          <p:cNvSpPr>
-            <a:spLocks noGrp="1"/>
-          </p:cNvSpPr>
-          <p:nvPr>
-            <p:ph type="title"/>
-          </p:nvPr>
-        </p:nvSpPr>
-        <p:spPr/>
-        <p:txBody>
-          <a:bodyPr/>
-          <a:lstStyle/>
-          <a:p>
-            <a:pPr algn="ctr"/>
-            <a:r>
-              <a:rPr lang="en-US" dirty="0">
-                <a:solidFill>
-                  <a:srgbClr val="00FF00"/>
-                </a:solidFill>
-              </a:rPr>
-              <a:t>Photochemistry is important</a:t>
-            </a:r>
-          </a:p>
-        </p:txBody>
-      </p:sp>
-      <p:sp>
-        <p:nvSpPr>
-          <p:cNvPr id="3" name="Content Placeholder 2">
-            <a:extLst>
-              <a:ext uri="{FF2B5EF4-FFF2-40B4-BE49-F238E27FC236}">
-                <a16:creationId xmlns:a16="http://schemas.microsoft.com/office/drawing/2014/main" id="{3F98D51D-EC46-4C5F-9045-6D63F653DE21}"/>
-              </a:ext>
-            </a:extLst>
-          </p:cNvPr>
-          <p:cNvSpPr>
-            <a:spLocks noGrp="1"/>
-          </p:cNvSpPr>
-          <p:nvPr>
-            <p:ph idx="1"/>
-          </p:nvPr>
-        </p:nvSpPr>
-        <p:spPr>
-          <a:xfrm>
-            <a:off x="838200" y="1616364"/>
-            <a:ext cx="10515600" cy="4775200"/>
-          </a:xfrm>
-        </p:spPr>
-        <p:txBody>
-          <a:bodyPr>
-            <a:normAutofit/>
-          </a:bodyPr>
-          <a:lstStyle/>
-          <a:p>
-            <a:r>
-              <a:rPr lang="en-US" dirty="0">
-                <a:solidFill>
-                  <a:srgbClr val="FFFF00"/>
-                </a:solidFill>
-              </a:rPr>
-              <a:t>Cosmochemistry (</a:t>
-            </a:r>
-            <a:r>
-              <a:rPr lang="en-US" i="1" dirty="0">
-                <a:solidFill>
-                  <a:srgbClr val="FFFF00"/>
-                </a:solidFill>
-              </a:rPr>
-              <a:t>t</a:t>
-            </a:r>
-            <a:r>
-              <a:rPr lang="en-US" dirty="0">
-                <a:solidFill>
-                  <a:srgbClr val="FFFF00"/>
-                </a:solidFill>
-              </a:rPr>
-              <a:t> = 380,000 </a:t>
-            </a:r>
-            <a:r>
-              <a:rPr lang="en-US" dirty="0" err="1">
-                <a:solidFill>
-                  <a:srgbClr val="FFFF00"/>
-                </a:solidFill>
-              </a:rPr>
-              <a:t>yr</a:t>
-            </a:r>
-            <a:r>
-              <a:rPr lang="en-US" dirty="0">
-                <a:solidFill>
-                  <a:srgbClr val="FFFF00"/>
-                </a:solidFill>
-              </a:rPr>
-              <a:t>)</a:t>
-            </a:r>
-          </a:p>
-          <a:p>
-            <a:r>
-              <a:rPr lang="en-US" dirty="0"/>
-              <a:t>Supports life on Earth (photosynthesis)</a:t>
-            </a:r>
-          </a:p>
-          <a:p>
-            <a:r>
-              <a:rPr lang="en-US" dirty="0"/>
-              <a:t>Basis of vision (rhodopsin)</a:t>
-            </a:r>
-          </a:p>
-          <a:p>
-            <a:r>
-              <a:rPr lang="en-US" dirty="0"/>
-              <a:t>Spectroscopy and analytical chemistry</a:t>
-            </a:r>
-          </a:p>
-          <a:p>
-            <a:r>
-              <a:rPr lang="en-US" dirty="0"/>
-              <a:t>Photography and photolithography</a:t>
-            </a:r>
-          </a:p>
-          <a:p>
-            <a:r>
-              <a:rPr lang="en-US" dirty="0"/>
-              <a:t>Photodegradation (weathering; skin cancer)</a:t>
-            </a:r>
-          </a:p>
-          <a:p>
-            <a:r>
-              <a:rPr lang="en-US" dirty="0"/>
-              <a:t>Cleaner source of energy for civilization (photovoltaics; plants)</a:t>
-            </a:r>
-          </a:p>
-          <a:p>
-            <a:r>
-              <a:rPr lang="en-US" dirty="0"/>
-              <a:t>Fluorescence, phosphorescence, chemiluminescence</a:t>
-            </a:r>
-          </a:p>
-          <a:p>
-            <a:r>
-              <a:rPr lang="en-US" dirty="0"/>
-              <a:t>Synthetic chemistry</a:t>
-            </a:r>
-          </a:p>
-          <a:p>
-            <a:endParaRPr lang="en-US" dirty="0"/>
-          </a:p>
-        </p:txBody>
-      </p:sp>
-    </p:spTree>
-    <p:extLst>
-      <p:ext uri="{BB962C8B-B14F-4D97-AF65-F5344CB8AC3E}">
-        <p14:creationId xmlns:p14="http://schemas.microsoft.com/office/powerpoint/2010/main" val="1214807022"/>
-      </p:ext>
-    </p:extLst>
-  </p:cSld>
-  <p:clrMapOvr>
-    <a:masterClrMapping/>
-  </p:clrMapOvr>
-</p:sld>
-</file>
-
-<file path=ppt/slides/slide4.xml><?xml version="1.0" encoding="utf-8"?>
-<p:sld xmlns:a="http://schemas.openxmlformats.org/drawingml/2006/main" xmlns:r="http://schemas.openxmlformats.org/officeDocument/2006/relationships" xmlns:p="http://schemas.openxmlformats.org/presentationml/2006/main">
-  <p:cSld>
-    <p:spTree>
-      <p:nvGrpSpPr>
-        <p:cNvPr id="1" name=""/>
-        <p:cNvGrpSpPr/>
-        <p:nvPr/>
-      </p:nvGrpSpPr>
-      <p:grpSpPr>
-        <a:xfrm>
-          <a:off x="0" y="0"/>
-          <a:ext cx="0" cy="0"/>
-          <a:chOff x="0" y="0"/>
-          <a:chExt cx="0" cy="0"/>
-        </a:xfrm>
-      </p:grpSpPr>
-      <p:sp>
-        <p:nvSpPr>
-          <p:cNvPr id="2" name="Title 1">
-            <a:extLst>
-              <a:ext uri="{FF2B5EF4-FFF2-40B4-BE49-F238E27FC236}">
-                <a16:creationId xmlns:a16="http://schemas.microsoft.com/office/drawing/2014/main" id="{3A2A5C01-83E7-4ABD-BF4E-874C04A98863}"/>
-              </a:ext>
-            </a:extLst>
-          </p:cNvPr>
-          <p:cNvSpPr>
-            <a:spLocks noGrp="1"/>
-          </p:cNvSpPr>
-          <p:nvPr>
-            <p:ph type="title"/>
-          </p:nvPr>
-        </p:nvSpPr>
-        <p:spPr>
-          <a:xfrm>
-            <a:off x="838200" y="365126"/>
-            <a:ext cx="10515600" cy="883812"/>
-          </a:xfrm>
-        </p:spPr>
-        <p:txBody>
-          <a:bodyPr/>
-          <a:lstStyle/>
-          <a:p>
-            <a:pPr algn="ctr"/>
-            <a:r>
-              <a:rPr lang="en-US" dirty="0">
-                <a:solidFill>
-                  <a:srgbClr val="00FF00"/>
-                </a:solidFill>
-              </a:rPr>
-              <a:t>“Photochemistry” generalized</a:t>
-            </a:r>
-          </a:p>
-        </p:txBody>
-      </p:sp>
-      <p:sp>
-        <p:nvSpPr>
-          <p:cNvPr id="3" name="Content Placeholder 2">
-            <a:extLst>
-              <a:ext uri="{FF2B5EF4-FFF2-40B4-BE49-F238E27FC236}">
-                <a16:creationId xmlns:a16="http://schemas.microsoft.com/office/drawing/2014/main" id="{BE838D02-9066-4972-B4FE-D60C59C632D4}"/>
-              </a:ext>
-            </a:extLst>
-          </p:cNvPr>
-          <p:cNvSpPr>
-            <a:spLocks noGrp="1"/>
-          </p:cNvSpPr>
-          <p:nvPr>
-            <p:ph idx="1"/>
-          </p:nvPr>
-        </p:nvSpPr>
-        <p:spPr>
-          <a:xfrm>
-            <a:off x="838200" y="1438508"/>
-            <a:ext cx="10515600" cy="5054368"/>
-          </a:xfrm>
-        </p:spPr>
-        <p:txBody>
-          <a:bodyPr>
-            <a:normAutofit/>
-          </a:bodyPr>
-          <a:lstStyle/>
-          <a:p>
-            <a:r>
-              <a:rPr lang="en-US" dirty="0">
-                <a:solidFill>
-                  <a:srgbClr val="FFFF00"/>
-                </a:solidFill>
-              </a:rPr>
-              <a:t>Goal: inject lots of energy non-thermally </a:t>
-            </a:r>
-            <a:r>
-              <a:rPr lang="en-US" dirty="0"/>
-              <a:t>(without incineration)</a:t>
-            </a:r>
-          </a:p>
-          <a:p>
-            <a:pPr lvl="1"/>
-            <a:r>
-              <a:rPr lang="en-US" dirty="0"/>
-              <a:t>Non-adiabatic dynamics</a:t>
-            </a:r>
-          </a:p>
-          <a:p>
-            <a:r>
-              <a:rPr lang="en-US" dirty="0"/>
-              <a:t>“Photochemistry” usually means visible/UV light</a:t>
-            </a:r>
-          </a:p>
-          <a:p>
-            <a:pPr lvl="1"/>
-            <a:r>
-              <a:rPr lang="en-US" dirty="0"/>
-              <a:t>Sunlight is abundant and free</a:t>
-            </a:r>
-          </a:p>
-          <a:p>
-            <a:pPr lvl="1"/>
-            <a:r>
-              <a:rPr lang="en-US" dirty="0"/>
-              <a:t>Enough energy for electronic excitation</a:t>
-            </a:r>
-          </a:p>
-          <a:p>
-            <a:r>
-              <a:rPr lang="en-US" dirty="0"/>
-              <a:t>Shorter wavelengths of light</a:t>
-            </a:r>
-          </a:p>
-          <a:p>
-            <a:pPr lvl="1"/>
-            <a:r>
-              <a:rPr lang="en-US" dirty="0"/>
-              <a:t>Gamma radiolysis</a:t>
-            </a:r>
-          </a:p>
-          <a:p>
-            <a:r>
-              <a:rPr lang="en-US" dirty="0"/>
-              <a:t>Charged particles (alpha, beta “rays”)</a:t>
-            </a:r>
-          </a:p>
-          <a:p>
-            <a:pPr lvl="1"/>
-            <a:r>
-              <a:rPr lang="en-US" dirty="0"/>
-              <a:t>Proton-beam cancer therapy</a:t>
-            </a:r>
-          </a:p>
-          <a:p>
-            <a:pPr lvl="1"/>
-            <a:r>
-              <a:rPr lang="en-US" dirty="0"/>
-              <a:t>Electron-ionization mass spectrometry</a:t>
-            </a:r>
-          </a:p>
-          <a:p>
-            <a:r>
-              <a:rPr lang="en-US" dirty="0"/>
-              <a:t>Lightning bolts, plasmas (both particles and radiation)</a:t>
-            </a:r>
-          </a:p>
-        </p:txBody>
-      </p:sp>
-    </p:spTree>
-    <p:extLst>
-      <p:ext uri="{BB962C8B-B14F-4D97-AF65-F5344CB8AC3E}">
-        <p14:creationId xmlns:p14="http://schemas.microsoft.com/office/powerpoint/2010/main" val="872814274"/>
-      </p:ext>
-    </p:extLst>
-  </p:cSld>
-  <p:clrMapOvr>
-    <a:masterClrMapping/>
-  </p:clrMapOvr>
-</p:sld>
-</file>
-
-<file path=ppt/slides/slide5.xml><?xml version="1.0" encoding="utf-8"?>
-<p:sld xmlns:a="http://schemas.openxmlformats.org/drawingml/2006/main" xmlns:r="http://schemas.openxmlformats.org/officeDocument/2006/relationships" xmlns:p="http://schemas.openxmlformats.org/presentationml/2006/main">
-  <p:cSld>
-    <p:spTree>
-      <p:nvGrpSpPr>
-        <p:cNvPr id="1" name=""/>
-        <p:cNvGrpSpPr/>
-        <p:nvPr/>
-      </p:nvGrpSpPr>
-      <p:grpSpPr>
-        <a:xfrm>
-          <a:off x="0" y="0"/>
-          <a:ext cx="0" cy="0"/>
-          <a:chOff x="0" y="0"/>
-          <a:chExt cx="0" cy="0"/>
-        </a:xfrm>
-      </p:grpSpPr>
-      <p:sp>
-        <p:nvSpPr>
-          <p:cNvPr id="2" name="Title 1">
-            <a:extLst>
-              <a:ext uri="{FF2B5EF4-FFF2-40B4-BE49-F238E27FC236}">
-                <a16:creationId xmlns:a16="http://schemas.microsoft.com/office/drawing/2014/main" id="{9E12B27F-0A30-4040-879C-226796DE5C8F}"/>
-              </a:ext>
-            </a:extLst>
-          </p:cNvPr>
-          <p:cNvSpPr>
-            <a:spLocks noGrp="1"/>
-          </p:cNvSpPr>
-          <p:nvPr>
-            <p:ph type="title"/>
-          </p:nvPr>
-        </p:nvSpPr>
-        <p:spPr>
-          <a:xfrm>
-            <a:off x="838200" y="365126"/>
-            <a:ext cx="10515600" cy="867596"/>
-          </a:xfrm>
-        </p:spPr>
-        <p:txBody>
-          <a:bodyPr anchor="ctr" anchorCtr="0"/>
-          <a:lstStyle/>
-          <a:p>
-            <a:pPr algn="ctr"/>
-            <a:r>
-              <a:rPr lang="en-US" dirty="0">
-                <a:solidFill>
-                  <a:srgbClr val="00FF00"/>
-                </a:solidFill>
-              </a:rPr>
-              <a:t>Gamma radiolysis</a:t>
-            </a:r>
-          </a:p>
-        </p:txBody>
-      </p:sp>
-      <p:sp>
-        <p:nvSpPr>
-          <p:cNvPr id="3" name="Content Placeholder 2">
-            <a:extLst>
-              <a:ext uri="{FF2B5EF4-FFF2-40B4-BE49-F238E27FC236}">
-                <a16:creationId xmlns:a16="http://schemas.microsoft.com/office/drawing/2014/main" id="{5327FC95-D15D-46A2-80FA-ED0E96522E9B}"/>
-              </a:ext>
-            </a:extLst>
-          </p:cNvPr>
-          <p:cNvSpPr>
-            <a:spLocks noGrp="1"/>
-          </p:cNvSpPr>
-          <p:nvPr>
-            <p:ph idx="1"/>
-          </p:nvPr>
-        </p:nvSpPr>
-        <p:spPr>
-          <a:xfrm>
-            <a:off x="838200" y="1232722"/>
-            <a:ext cx="5534891" cy="4944241"/>
-          </a:xfrm>
-        </p:spPr>
-        <p:txBody>
-          <a:bodyPr>
-            <a:normAutofit fontScale="92500" lnSpcReduction="10000"/>
-          </a:bodyPr>
-          <a:lstStyle/>
-          <a:p>
-            <a:r>
-              <a:rPr lang="en-US" dirty="0"/>
-              <a:t>High-energy photon</a:t>
-            </a:r>
-          </a:p>
-          <a:p>
-            <a:pPr lvl="1"/>
-            <a:r>
-              <a:rPr lang="en-US" dirty="0"/>
-              <a:t>Everything is a “chromophore”</a:t>
-            </a:r>
-          </a:p>
-          <a:p>
-            <a:pPr lvl="1"/>
-            <a:r>
-              <a:rPr lang="en-US" dirty="0"/>
-              <a:t>Non-selective chemistry</a:t>
-            </a:r>
-          </a:p>
-          <a:p>
-            <a:r>
-              <a:rPr lang="en-US" dirty="0">
-                <a:solidFill>
-                  <a:srgbClr val="FFFF00"/>
-                </a:solidFill>
-              </a:rPr>
-              <a:t>“Pulse radiolysis” uses high-energy electrons</a:t>
-            </a:r>
-            <a:r>
-              <a:rPr lang="en-US" dirty="0"/>
-              <a:t> (several MeV)</a:t>
-            </a:r>
-          </a:p>
-          <a:p>
-            <a:r>
-              <a:rPr lang="en-US" dirty="0"/>
-              <a:t>Mostly excite H</a:t>
-            </a:r>
-            <a:r>
-              <a:rPr lang="en-US" baseline="-25000" dirty="0"/>
-              <a:t>2</a:t>
-            </a:r>
-            <a:r>
-              <a:rPr lang="en-US" dirty="0"/>
-              <a:t>O molecules, not solute</a:t>
-            </a:r>
-          </a:p>
-          <a:p>
-            <a:pPr lvl="1"/>
-            <a:r>
-              <a:rPr lang="en-US" dirty="0"/>
-              <a:t>Oxidative DNA damage</a:t>
-            </a:r>
-          </a:p>
-          <a:p>
-            <a:pPr lvl="1"/>
-            <a:r>
-              <a:rPr lang="en-US" dirty="0"/>
-              <a:t>Radiation damage of materials</a:t>
-            </a:r>
-          </a:p>
-          <a:p>
-            <a:r>
-              <a:rPr lang="en-US" dirty="0"/>
-              <a:t>Example: </a:t>
-            </a:r>
-            <a:r>
-              <a:rPr lang="en-US" dirty="0">
-                <a:solidFill>
-                  <a:srgbClr val="FFFF00"/>
-                </a:solidFill>
-              </a:rPr>
-              <a:t>reduction of aqueous nitrate</a:t>
-            </a:r>
-            <a:r>
-              <a:rPr lang="en-US" dirty="0"/>
-              <a:t> (nuclear reactors)</a:t>
-            </a:r>
-          </a:p>
-          <a:p>
-            <a:pPr lvl="1"/>
-            <a:r>
-              <a:rPr lang="en-US" dirty="0"/>
-              <a:t>Compare with municipal wastewater treatment by </a:t>
-            </a:r>
-            <a:r>
-              <a:rPr lang="en-US" dirty="0">
-                <a:solidFill>
-                  <a:srgbClr val="00B0F0"/>
-                </a:solidFill>
-              </a:rPr>
-              <a:t>photocatalytic reduction</a:t>
-            </a:r>
-          </a:p>
-        </p:txBody>
-      </p:sp>
-      <p:pic>
-        <p:nvPicPr>
-          <p:cNvPr id="11" name="Picture 10">
-            <a:extLst>
-              <a:ext uri="{FF2B5EF4-FFF2-40B4-BE49-F238E27FC236}">
-                <a16:creationId xmlns:a16="http://schemas.microsoft.com/office/drawing/2014/main" id="{8E6EA461-A37D-409D-8608-3A976C2D1948}"/>
-              </a:ext>
-            </a:extLst>
-          </p:cNvPr>
-          <p:cNvPicPr>
-            <a:picLocks noChangeAspect="1"/>
-          </p:cNvPicPr>
-          <p:nvPr/>
-        </p:nvPicPr>
-        <p:blipFill>
-          <a:blip r:embed="rId3">
-            <a:extLst>
-              <a:ext uri="{28A0092B-C50C-407E-A947-70E740481C1C}">
-                <a14:useLocalDpi xmlns:a14="http://schemas.microsoft.com/office/drawing/2010/main" val="0"/>
-              </a:ext>
-            </a:extLst>
-          </a:blip>
-          <a:stretch>
-            <a:fillRect/>
-          </a:stretch>
-        </p:blipFill>
-        <p:spPr>
-          <a:xfrm>
-            <a:off x="6203594" y="1594626"/>
-            <a:ext cx="5666368" cy="3944768"/>
-          </a:xfrm>
-          <a:prstGeom prst="rect">
-            <a:avLst/>
-          </a:prstGeom>
-          <a:ln w="25400" cap="rnd">
-            <a:solidFill>
-              <a:srgbClr val="FFFF00"/>
-            </a:solidFill>
-          </a:ln>
-        </p:spPr>
-      </p:pic>
-      <p:sp>
-        <p:nvSpPr>
-          <p:cNvPr id="12" name="TextBox 11">
-            <a:extLst>
-              <a:ext uri="{FF2B5EF4-FFF2-40B4-BE49-F238E27FC236}">
-                <a16:creationId xmlns:a16="http://schemas.microsoft.com/office/drawing/2014/main" id="{F73A20A0-21F9-4EF5-B51B-338BA158C2CD}"/>
-              </a:ext>
-            </a:extLst>
-          </p:cNvPr>
-          <p:cNvSpPr txBox="1"/>
-          <p:nvPr/>
-        </p:nvSpPr>
-        <p:spPr>
-          <a:xfrm>
-            <a:off x="6315309" y="5743027"/>
-            <a:ext cx="5554653" cy="738664"/>
-          </a:xfrm>
-          <a:prstGeom prst="rect">
-            <a:avLst/>
-          </a:prstGeom>
-          <a:noFill/>
-        </p:spPr>
-        <p:txBody>
-          <a:bodyPr wrap="square" rtlCol="0">
-            <a:spAutoFit/>
-          </a:bodyPr>
-          <a:lstStyle/>
-          <a:p>
-            <a:r>
-              <a:rPr lang="en-US" sz="1400" dirty="0">
-                <a:solidFill>
-                  <a:srgbClr val="FFFF00"/>
-                </a:solidFill>
-              </a:rPr>
-              <a:t>Horne, G. P.; </a:t>
-            </a:r>
-            <a:r>
-              <a:rPr lang="en-US" sz="1400" dirty="0" err="1">
-                <a:solidFill>
-                  <a:srgbClr val="FFFF00"/>
-                </a:solidFill>
-              </a:rPr>
-              <a:t>Donoclift</a:t>
-            </a:r>
-            <a:r>
-              <a:rPr lang="en-US" sz="1400" dirty="0">
-                <a:solidFill>
-                  <a:srgbClr val="FFFF00"/>
-                </a:solidFill>
-              </a:rPr>
-              <a:t>, T. A.; Sims, H. E.; Orr, R. M.; </a:t>
-            </a:r>
-            <a:r>
-              <a:rPr lang="en-US" sz="1400" dirty="0" err="1">
-                <a:solidFill>
-                  <a:srgbClr val="FFFF00"/>
-                </a:solidFill>
-              </a:rPr>
-              <a:t>Pimblott</a:t>
-            </a:r>
-            <a:r>
-              <a:rPr lang="en-US" sz="1400" dirty="0">
-                <a:solidFill>
-                  <a:srgbClr val="FFFF00"/>
-                </a:solidFill>
-              </a:rPr>
-              <a:t>, S. M. Multi-Scale Modeling of the Gamma Radiolysis of Nitrate Solutions. </a:t>
-            </a:r>
-            <a:r>
-              <a:rPr lang="en-US" sz="1400" i="1" dirty="0">
-                <a:solidFill>
-                  <a:srgbClr val="FFFF00"/>
-                </a:solidFill>
-              </a:rPr>
-              <a:t>J. Phys. Chem. B </a:t>
-            </a:r>
-            <a:r>
-              <a:rPr lang="en-US" sz="1400" b="1" dirty="0">
-                <a:solidFill>
-                  <a:srgbClr val="FFFF00"/>
-                </a:solidFill>
-              </a:rPr>
-              <a:t>2016</a:t>
-            </a:r>
-            <a:r>
-              <a:rPr lang="en-US" sz="1400" b="1" i="1" dirty="0">
-                <a:solidFill>
-                  <a:srgbClr val="FFFF00"/>
-                </a:solidFill>
-              </a:rPr>
-              <a:t>, </a:t>
-            </a:r>
-            <a:r>
-              <a:rPr lang="en-US" sz="1400" i="1" dirty="0">
-                <a:solidFill>
-                  <a:srgbClr val="FFFF00"/>
-                </a:solidFill>
-              </a:rPr>
-              <a:t>120</a:t>
-            </a:r>
-            <a:r>
-              <a:rPr lang="en-US" sz="1400" b="1" i="1" dirty="0">
-                <a:solidFill>
-                  <a:srgbClr val="FFFF00"/>
-                </a:solidFill>
-              </a:rPr>
-              <a:t>, </a:t>
-            </a:r>
-            <a:r>
-              <a:rPr lang="en-US" sz="1400" dirty="0">
-                <a:solidFill>
-                  <a:srgbClr val="FFFF00"/>
-                </a:solidFill>
-              </a:rPr>
-              <a:t>11781</a:t>
-            </a:r>
-            <a:r>
-              <a:rPr lang="en-US" sz="1400" b="1" i="1" dirty="0">
-                <a:solidFill>
-                  <a:srgbClr val="FFFF00"/>
-                </a:solidFill>
-              </a:rPr>
-              <a:t>.</a:t>
-            </a:r>
-          </a:p>
-        </p:txBody>
-      </p:sp>
-      <p:sp>
-        <p:nvSpPr>
-          <p:cNvPr id="13" name="TextBox 12">
-            <a:extLst>
-              <a:ext uri="{FF2B5EF4-FFF2-40B4-BE49-F238E27FC236}">
-                <a16:creationId xmlns:a16="http://schemas.microsoft.com/office/drawing/2014/main" id="{F227E597-F6ED-47CE-A26B-3D514F5E60D1}"/>
-              </a:ext>
-            </a:extLst>
-          </p:cNvPr>
-          <p:cNvSpPr txBox="1"/>
-          <p:nvPr/>
-        </p:nvSpPr>
-        <p:spPr>
-          <a:xfrm>
-            <a:off x="512956" y="5870787"/>
-            <a:ext cx="5363737" cy="738664"/>
-          </a:xfrm>
-          <a:prstGeom prst="rect">
-            <a:avLst/>
-          </a:prstGeom>
-          <a:noFill/>
-        </p:spPr>
-        <p:txBody>
-          <a:bodyPr wrap="square" rtlCol="0">
-            <a:spAutoFit/>
-          </a:bodyPr>
-          <a:lstStyle/>
-          <a:p>
-            <a:r>
-              <a:rPr lang="en-US" sz="1400" dirty="0" err="1">
-                <a:solidFill>
-                  <a:srgbClr val="00B0F0"/>
-                </a:solidFill>
-              </a:rPr>
-              <a:t>Tugaoen</a:t>
-            </a:r>
-            <a:r>
-              <a:rPr lang="en-US" sz="1400" dirty="0">
-                <a:solidFill>
-                  <a:srgbClr val="00B0F0"/>
-                </a:solidFill>
-              </a:rPr>
-              <a:t>, H. O.; Garcia-Segura, S.; </a:t>
-            </a:r>
-            <a:r>
-              <a:rPr lang="en-US" sz="1400" dirty="0" err="1">
-                <a:solidFill>
-                  <a:srgbClr val="00B0F0"/>
-                </a:solidFill>
-              </a:rPr>
-              <a:t>Hristovski</a:t>
-            </a:r>
-            <a:r>
-              <a:rPr lang="en-US" sz="1400" dirty="0">
-                <a:solidFill>
-                  <a:srgbClr val="00B0F0"/>
-                </a:solidFill>
-              </a:rPr>
-              <a:t>, K.; </a:t>
-            </a:r>
-            <a:r>
-              <a:rPr lang="en-US" sz="1400" dirty="0" err="1">
-                <a:solidFill>
-                  <a:srgbClr val="00B0F0"/>
-                </a:solidFill>
-              </a:rPr>
-              <a:t>Westerhoff</a:t>
-            </a:r>
-            <a:r>
-              <a:rPr lang="en-US" sz="1400" dirty="0">
-                <a:solidFill>
-                  <a:srgbClr val="00B0F0"/>
-                </a:solidFill>
-              </a:rPr>
-              <a:t>, P. Challenges in photocatalytic reduction of nitrate as a water treatment technology. </a:t>
-            </a:r>
-            <a:r>
-              <a:rPr lang="en-US" sz="1400" i="1" dirty="0">
-                <a:solidFill>
-                  <a:srgbClr val="00B0F0"/>
-                </a:solidFill>
-              </a:rPr>
-              <a:t>Sci. Total Environ. </a:t>
-            </a:r>
-            <a:r>
-              <a:rPr lang="en-US" sz="1400" b="1" dirty="0">
-                <a:solidFill>
-                  <a:srgbClr val="00B0F0"/>
-                </a:solidFill>
-              </a:rPr>
-              <a:t>2017</a:t>
-            </a:r>
-            <a:r>
-              <a:rPr lang="en-US" sz="1400" b="1" i="1" dirty="0">
-                <a:solidFill>
-                  <a:srgbClr val="00B0F0"/>
-                </a:solidFill>
-              </a:rPr>
-              <a:t>, </a:t>
-            </a:r>
-            <a:r>
-              <a:rPr lang="en-US" sz="1400" i="1" dirty="0">
-                <a:solidFill>
-                  <a:srgbClr val="00B0F0"/>
-                </a:solidFill>
-              </a:rPr>
-              <a:t>599</a:t>
-            </a:r>
-            <a:r>
-              <a:rPr lang="en-US" sz="1400" b="1" i="1" dirty="0">
-                <a:solidFill>
-                  <a:srgbClr val="00B0F0"/>
-                </a:solidFill>
-              </a:rPr>
-              <a:t>, </a:t>
-            </a:r>
-            <a:r>
-              <a:rPr lang="en-US" sz="1400" dirty="0">
-                <a:solidFill>
-                  <a:srgbClr val="00B0F0"/>
-                </a:solidFill>
-              </a:rPr>
-              <a:t>1524</a:t>
-            </a:r>
-            <a:r>
-              <a:rPr lang="en-US" sz="1400" b="1" i="1" dirty="0">
-                <a:solidFill>
-                  <a:srgbClr val="00B0F0"/>
-                </a:solidFill>
-              </a:rPr>
-              <a:t>.</a:t>
-            </a:r>
-          </a:p>
-        </p:txBody>
-      </p:sp>
-    </p:spTree>
-    <p:extLst>
-      <p:ext uri="{BB962C8B-B14F-4D97-AF65-F5344CB8AC3E}">
-        <p14:creationId xmlns:p14="http://schemas.microsoft.com/office/powerpoint/2010/main" val="274505371"/>
-      </p:ext>
-    </p:extLst>
-  </p:cSld>
-  <p:clrMapOvr>
-    <a:masterClrMapping/>
-  </p:clrMapOvr>
-</p:sld>
-</file>
-
-<file path=ppt/slides/slide6.xml><?xml version="1.0" encoding="utf-8"?>
-<p:sld xmlns:a="http://schemas.openxmlformats.org/drawingml/2006/main" xmlns:r="http://schemas.openxmlformats.org/officeDocument/2006/relationships" xmlns:p="http://schemas.openxmlformats.org/presentationml/2006/main">
-  <p:cSld>
-    <p:spTree>
-      <p:nvGrpSpPr>
-        <p:cNvPr id="1" name=""/>
-        <p:cNvGrpSpPr/>
-        <p:nvPr/>
-      </p:nvGrpSpPr>
-      <p:grpSpPr>
-        <a:xfrm>
-          <a:off x="0" y="0"/>
-          <a:ext cx="0" cy="0"/>
-          <a:chOff x="0" y="0"/>
-          <a:chExt cx="0" cy="0"/>
-        </a:xfrm>
-      </p:grpSpPr>
-      <p:sp>
-        <p:nvSpPr>
-          <p:cNvPr id="2" name="Title 1">
-            <a:extLst>
-              <a:ext uri="{FF2B5EF4-FFF2-40B4-BE49-F238E27FC236}">
-                <a16:creationId xmlns:a16="http://schemas.microsoft.com/office/drawing/2014/main" id="{F57ADDE1-A1D4-4B1D-849C-4C648BE8F43B}"/>
-              </a:ext>
-            </a:extLst>
-          </p:cNvPr>
-          <p:cNvSpPr>
-            <a:spLocks noGrp="1"/>
-          </p:cNvSpPr>
-          <p:nvPr>
-            <p:ph type="title"/>
-          </p:nvPr>
-        </p:nvSpPr>
-        <p:spPr>
-          <a:xfrm>
-            <a:off x="838200" y="365126"/>
-            <a:ext cx="10515600" cy="705838"/>
-          </a:xfrm>
-        </p:spPr>
-        <p:txBody>
-          <a:bodyPr/>
-          <a:lstStyle/>
-          <a:p>
-            <a:pPr algn="ctr"/>
-            <a:r>
-              <a:rPr lang="en-US" dirty="0">
-                <a:solidFill>
-                  <a:srgbClr val="00FF00"/>
-                </a:solidFill>
-              </a:rPr>
-              <a:t>Proton beam therapy</a:t>
-            </a:r>
-          </a:p>
-        </p:txBody>
-      </p:sp>
-      <p:sp>
-        <p:nvSpPr>
-          <p:cNvPr id="3" name="Content Placeholder 2">
-            <a:extLst>
-              <a:ext uri="{FF2B5EF4-FFF2-40B4-BE49-F238E27FC236}">
-                <a16:creationId xmlns:a16="http://schemas.microsoft.com/office/drawing/2014/main" id="{B0A035A6-280C-4AA7-A8B8-BD6B47EDD356}"/>
-              </a:ext>
-            </a:extLst>
-          </p:cNvPr>
-          <p:cNvSpPr>
-            <a:spLocks noGrp="1"/>
-          </p:cNvSpPr>
-          <p:nvPr>
-            <p:ph idx="1"/>
-          </p:nvPr>
-        </p:nvSpPr>
-        <p:spPr>
-          <a:xfrm>
-            <a:off x="620749" y="1319453"/>
-            <a:ext cx="4953000" cy="4847171"/>
-          </a:xfrm>
-        </p:spPr>
-        <p:txBody>
-          <a:bodyPr>
-            <a:normAutofit/>
-          </a:bodyPr>
-          <a:lstStyle/>
-          <a:p>
-            <a:r>
-              <a:rPr lang="en-US" dirty="0"/>
-              <a:t>For treating cancer</a:t>
-            </a:r>
-          </a:p>
-          <a:p>
-            <a:r>
-              <a:rPr lang="en-US" dirty="0"/>
-              <a:t>Dosage is better targeted than radiation therapy</a:t>
-            </a:r>
-          </a:p>
-          <a:p>
-            <a:pPr lvl="1"/>
-            <a:r>
-              <a:rPr lang="en-US" dirty="0"/>
-              <a:t>No exit dose</a:t>
-            </a:r>
-          </a:p>
-          <a:p>
-            <a:pPr lvl="1"/>
-            <a:r>
-              <a:rPr lang="en-US" dirty="0"/>
-              <a:t>Less damage to healthy tissue</a:t>
-            </a:r>
-          </a:p>
-          <a:p>
-            <a:r>
-              <a:rPr lang="en-US" dirty="0">
-                <a:solidFill>
-                  <a:srgbClr val="FFFF00"/>
-                </a:solidFill>
-              </a:rPr>
-              <a:t>High-energy H</a:t>
-            </a:r>
-            <a:r>
-              <a:rPr lang="en-US" baseline="30000" dirty="0">
-                <a:solidFill>
-                  <a:srgbClr val="FFFF00"/>
-                </a:solidFill>
-              </a:rPr>
-              <a:t>+</a:t>
-            </a:r>
-            <a:r>
-              <a:rPr lang="en-US" dirty="0">
-                <a:solidFill>
-                  <a:srgbClr val="FFFF00"/>
-                </a:solidFill>
-              </a:rPr>
-              <a:t> slows down</a:t>
-            </a:r>
-          </a:p>
-          <a:p>
-            <a:pPr lvl="1"/>
-            <a:r>
-              <a:rPr lang="en-US" dirty="0"/>
-              <a:t>By scattering electrons</a:t>
-            </a:r>
-          </a:p>
-          <a:p>
-            <a:r>
-              <a:rPr lang="en-US" dirty="0">
-                <a:solidFill>
-                  <a:srgbClr val="FFFF00"/>
-                </a:solidFill>
-              </a:rPr>
-              <a:t>Slow H</a:t>
-            </a:r>
-            <a:r>
-              <a:rPr lang="en-US" baseline="30000" dirty="0">
-                <a:solidFill>
-                  <a:srgbClr val="FFFF00"/>
-                </a:solidFill>
-              </a:rPr>
-              <a:t>+</a:t>
-            </a:r>
-            <a:r>
-              <a:rPr lang="en-US" dirty="0">
-                <a:solidFill>
-                  <a:srgbClr val="FFFF00"/>
-                </a:solidFill>
-              </a:rPr>
-              <a:t> has big cross section</a:t>
-            </a:r>
-            <a:endParaRPr lang="en-US" dirty="0"/>
-          </a:p>
-          <a:p>
-            <a:pPr lvl="1"/>
-            <a:r>
-              <a:rPr lang="en-US" dirty="0"/>
-              <a:t>Radiolysis chemistry (DNA damage)</a:t>
-            </a:r>
-          </a:p>
-          <a:p>
-            <a:pPr lvl="1"/>
-            <a:r>
-              <a:rPr lang="en-US" dirty="0"/>
-              <a:t>Non-adiabatic dynamics</a:t>
-            </a:r>
-          </a:p>
-        </p:txBody>
-      </p:sp>
-      <p:pic>
-        <p:nvPicPr>
-          <p:cNvPr id="7" name="Picture 6">
-            <a:extLst>
-              <a:ext uri="{FF2B5EF4-FFF2-40B4-BE49-F238E27FC236}">
-                <a16:creationId xmlns:a16="http://schemas.microsoft.com/office/drawing/2014/main" id="{B219DD24-811F-4A9A-AB63-C5F950F50C5C}"/>
-              </a:ext>
-            </a:extLst>
-          </p:cNvPr>
-          <p:cNvPicPr>
-            <a:picLocks noChangeAspect="1"/>
-          </p:cNvPicPr>
-          <p:nvPr/>
-        </p:nvPicPr>
-        <p:blipFill rotWithShape="1">
-          <a:blip r:embed="rId3">
-            <a:extLst>
-              <a:ext uri="{28A0092B-C50C-407E-A947-70E740481C1C}">
-                <a14:useLocalDpi xmlns:a14="http://schemas.microsoft.com/office/drawing/2010/main" val="0"/>
-              </a:ext>
-            </a:extLst>
-          </a:blip>
-          <a:srcRect b="18080"/>
-          <a:stretch/>
-        </p:blipFill>
-        <p:spPr>
-          <a:xfrm>
-            <a:off x="5791201" y="1338145"/>
-            <a:ext cx="6102560" cy="4448892"/>
-          </a:xfrm>
-          <a:prstGeom prst="rect">
-            <a:avLst/>
-          </a:prstGeom>
-          <a:ln w="25400">
-            <a:solidFill>
-              <a:srgbClr val="92D050"/>
-            </a:solidFill>
-          </a:ln>
-        </p:spPr>
-      </p:pic>
-      <p:sp>
-        <p:nvSpPr>
-          <p:cNvPr id="8" name="TextBox 7">
-            <a:extLst>
-              <a:ext uri="{FF2B5EF4-FFF2-40B4-BE49-F238E27FC236}">
-                <a16:creationId xmlns:a16="http://schemas.microsoft.com/office/drawing/2014/main" id="{6B7E08B2-23DD-40C8-8786-FA2BB1550A47}"/>
-              </a:ext>
-            </a:extLst>
-          </p:cNvPr>
-          <p:cNvSpPr txBox="1"/>
-          <p:nvPr/>
-        </p:nvSpPr>
-        <p:spPr>
-          <a:xfrm>
-            <a:off x="6636834" y="5905014"/>
-            <a:ext cx="4806174" cy="523220"/>
-          </a:xfrm>
-          <a:prstGeom prst="rect">
-            <a:avLst/>
-          </a:prstGeom>
-          <a:noFill/>
-        </p:spPr>
-        <p:txBody>
-          <a:bodyPr wrap="square" rtlCol="0">
-            <a:spAutoFit/>
-          </a:bodyPr>
-          <a:lstStyle/>
-          <a:p>
-            <a:r>
-              <a:rPr lang="en-US" sz="1400" dirty="0" err="1">
-                <a:solidFill>
-                  <a:srgbClr val="92D050"/>
-                </a:solidFill>
-              </a:rPr>
-              <a:t>Newhauser</a:t>
-            </a:r>
-            <a:r>
-              <a:rPr lang="en-US" sz="1400" dirty="0">
-                <a:solidFill>
-                  <a:srgbClr val="92D050"/>
-                </a:solidFill>
-              </a:rPr>
-              <a:t>, W., D.; Zhang, R. The physics of proton therapy. </a:t>
-            </a:r>
-            <a:r>
-              <a:rPr lang="en-US" sz="1400" i="1" dirty="0">
-                <a:solidFill>
-                  <a:srgbClr val="92D050"/>
-                </a:solidFill>
-              </a:rPr>
-              <a:t>Phys. Med. Biol. </a:t>
-            </a:r>
-            <a:r>
-              <a:rPr lang="en-US" sz="1400" b="1" dirty="0">
-                <a:solidFill>
-                  <a:srgbClr val="92D050"/>
-                </a:solidFill>
-              </a:rPr>
-              <a:t>2015</a:t>
-            </a:r>
-            <a:r>
-              <a:rPr lang="en-US" sz="1400" b="1" i="1" dirty="0">
-                <a:solidFill>
-                  <a:srgbClr val="92D050"/>
-                </a:solidFill>
-              </a:rPr>
-              <a:t>, </a:t>
-            </a:r>
-            <a:r>
-              <a:rPr lang="en-US" sz="1400" i="1" dirty="0">
-                <a:solidFill>
-                  <a:srgbClr val="92D050"/>
-                </a:solidFill>
-              </a:rPr>
-              <a:t>60</a:t>
-            </a:r>
-            <a:r>
-              <a:rPr lang="en-US" sz="1400" b="1" i="1" dirty="0">
-                <a:solidFill>
-                  <a:srgbClr val="92D050"/>
-                </a:solidFill>
-              </a:rPr>
-              <a:t>, </a:t>
-            </a:r>
-            <a:r>
-              <a:rPr lang="en-US" sz="1400" dirty="0">
-                <a:solidFill>
-                  <a:srgbClr val="92D050"/>
-                </a:solidFill>
-              </a:rPr>
-              <a:t>R155</a:t>
-            </a:r>
-            <a:r>
-              <a:rPr lang="en-US" sz="1400" b="1" i="1" dirty="0">
-                <a:solidFill>
-                  <a:srgbClr val="92D050"/>
-                </a:solidFill>
-              </a:rPr>
-              <a:t>.</a:t>
-            </a:r>
-          </a:p>
-        </p:txBody>
-      </p:sp>
-    </p:spTree>
-    <p:extLst>
-      <p:ext uri="{BB962C8B-B14F-4D97-AF65-F5344CB8AC3E}">
-        <p14:creationId xmlns:p14="http://schemas.microsoft.com/office/powerpoint/2010/main" val="1324253908"/>
-      </p:ext>
-    </p:extLst>
-  </p:cSld>
-  <p:clrMapOvr>
-    <a:masterClrMapping/>
-  </p:clrMapOvr>
-</p:sld>
-</file>
-
-<file path=ppt/slides/slide7.xml><?xml version="1.0" encoding="utf-8"?>
+<file path=ppt/slides/slide27.xml><?xml version="1.0" encoding="utf-8"?>
 <p:sld xmlns:a="http://schemas.openxmlformats.org/drawingml/2006/main" xmlns:r="http://schemas.openxmlformats.org/officeDocument/2006/relationships" xmlns:p="http://schemas.openxmlformats.org/presentationml/2006/main">
   <p:cSld>
     <p:spTree>
@@ -17739,6 +16650,1763 @@
     </p:spTree>
     <p:extLst>
       <p:ext uri="{BB962C8B-B14F-4D97-AF65-F5344CB8AC3E}">
+        <p14:creationId xmlns:p14="http://schemas.microsoft.com/office/powerpoint/2010/main" val="1205312427"/>
+      </p:ext>
+    </p:extLst>
+  </p:cSld>
+  <p:clrMapOvr>
+    <a:masterClrMapping/>
+  </p:clrMapOvr>
+</p:sld>
+</file>
+
+<file path=ppt/slides/slide3.xml><?xml version="1.0" encoding="utf-8"?>
+<p:sld xmlns:a="http://schemas.openxmlformats.org/drawingml/2006/main" xmlns:r="http://schemas.openxmlformats.org/officeDocument/2006/relationships" xmlns:p="http://schemas.openxmlformats.org/presentationml/2006/main">
+  <p:cSld>
+    <p:spTree>
+      <p:nvGrpSpPr>
+        <p:cNvPr id="1" name=""/>
+        <p:cNvGrpSpPr/>
+        <p:nvPr/>
+      </p:nvGrpSpPr>
+      <p:grpSpPr>
+        <a:xfrm>
+          <a:off x="0" y="0"/>
+          <a:ext cx="0" cy="0"/>
+          <a:chOff x="0" y="0"/>
+          <a:chExt cx="0" cy="0"/>
+        </a:xfrm>
+      </p:grpSpPr>
+      <p:sp>
+        <p:nvSpPr>
+          <p:cNvPr id="2" name="Title 1">
+            <a:extLst>
+              <a:ext uri="{FF2B5EF4-FFF2-40B4-BE49-F238E27FC236}">
+                <a16:creationId xmlns:a16="http://schemas.microsoft.com/office/drawing/2014/main" id="{F877A936-D5E9-40A9-97B8-EA146464C640}"/>
+              </a:ext>
+            </a:extLst>
+          </p:cNvPr>
+          <p:cNvSpPr>
+            <a:spLocks noGrp="1"/>
+          </p:cNvSpPr>
+          <p:nvPr>
+            <p:ph type="title"/>
+          </p:nvPr>
+        </p:nvSpPr>
+        <p:spPr/>
+        <p:txBody>
+          <a:bodyPr/>
+          <a:lstStyle/>
+          <a:p>
+            <a:pPr algn="ctr"/>
+            <a:r>
+              <a:rPr lang="en-US" dirty="0">
+                <a:solidFill>
+                  <a:srgbClr val="00FF00"/>
+                </a:solidFill>
+              </a:rPr>
+              <a:t>Photochemistry is important</a:t>
+            </a:r>
+          </a:p>
+        </p:txBody>
+      </p:sp>
+      <p:sp>
+        <p:nvSpPr>
+          <p:cNvPr id="3" name="Content Placeholder 2">
+            <a:extLst>
+              <a:ext uri="{FF2B5EF4-FFF2-40B4-BE49-F238E27FC236}">
+                <a16:creationId xmlns:a16="http://schemas.microsoft.com/office/drawing/2014/main" id="{3F98D51D-EC46-4C5F-9045-6D63F653DE21}"/>
+              </a:ext>
+            </a:extLst>
+          </p:cNvPr>
+          <p:cNvSpPr>
+            <a:spLocks noGrp="1"/>
+          </p:cNvSpPr>
+          <p:nvPr>
+            <p:ph idx="1"/>
+          </p:nvPr>
+        </p:nvSpPr>
+        <p:spPr>
+          <a:xfrm>
+            <a:off x="838200" y="1616364"/>
+            <a:ext cx="10515600" cy="4775200"/>
+          </a:xfrm>
+        </p:spPr>
+        <p:txBody>
+          <a:bodyPr>
+            <a:normAutofit/>
+          </a:bodyPr>
+          <a:lstStyle/>
+          <a:p>
+            <a:r>
+              <a:rPr lang="en-US" dirty="0">
+                <a:solidFill>
+                  <a:srgbClr val="FFFF00"/>
+                </a:solidFill>
+              </a:rPr>
+              <a:t>Cosmochemistry (</a:t>
+            </a:r>
+            <a:r>
+              <a:rPr lang="en-US" i="1" dirty="0">
+                <a:solidFill>
+                  <a:srgbClr val="FFFF00"/>
+                </a:solidFill>
+              </a:rPr>
+              <a:t>t</a:t>
+            </a:r>
+            <a:r>
+              <a:rPr lang="en-US" dirty="0">
+                <a:solidFill>
+                  <a:srgbClr val="FFFF00"/>
+                </a:solidFill>
+              </a:rPr>
+              <a:t> = 380,000 </a:t>
+            </a:r>
+            <a:r>
+              <a:rPr lang="en-US" dirty="0" err="1">
+                <a:solidFill>
+                  <a:srgbClr val="FFFF00"/>
+                </a:solidFill>
+              </a:rPr>
+              <a:t>yr</a:t>
+            </a:r>
+            <a:r>
+              <a:rPr lang="en-US" dirty="0">
+                <a:solidFill>
+                  <a:srgbClr val="FFFF00"/>
+                </a:solidFill>
+              </a:rPr>
+              <a:t>)</a:t>
+            </a:r>
+          </a:p>
+          <a:p>
+            <a:r>
+              <a:rPr lang="en-US" dirty="0"/>
+              <a:t>Supports life on Earth (photosynthesis)</a:t>
+            </a:r>
+          </a:p>
+          <a:p>
+            <a:r>
+              <a:rPr lang="en-US" dirty="0"/>
+              <a:t>Basis of vision (rhodopsin)</a:t>
+            </a:r>
+          </a:p>
+          <a:p>
+            <a:r>
+              <a:rPr lang="en-US" dirty="0"/>
+              <a:t>Spectroscopy and analytical chemistry</a:t>
+            </a:r>
+          </a:p>
+          <a:p>
+            <a:r>
+              <a:rPr lang="en-US" dirty="0"/>
+              <a:t>Photography and photolithography</a:t>
+            </a:r>
+          </a:p>
+          <a:p>
+            <a:r>
+              <a:rPr lang="en-US" dirty="0"/>
+              <a:t>Photodegradation (weathering; skin cancer)</a:t>
+            </a:r>
+          </a:p>
+          <a:p>
+            <a:r>
+              <a:rPr lang="en-US" dirty="0"/>
+              <a:t>Cleaner source of energy for civilization (photovoltaics; plants)</a:t>
+            </a:r>
+          </a:p>
+          <a:p>
+            <a:r>
+              <a:rPr lang="en-US" dirty="0"/>
+              <a:t>Fluorescence, phosphorescence, chemiluminescence</a:t>
+            </a:r>
+          </a:p>
+          <a:p>
+            <a:r>
+              <a:rPr lang="en-US" dirty="0"/>
+              <a:t>Synthetic chemistry</a:t>
+            </a:r>
+          </a:p>
+          <a:p>
+            <a:endParaRPr lang="en-US" dirty="0"/>
+          </a:p>
+        </p:txBody>
+      </p:sp>
+    </p:spTree>
+    <p:extLst>
+      <p:ext uri="{BB962C8B-B14F-4D97-AF65-F5344CB8AC3E}">
+        <p14:creationId xmlns:p14="http://schemas.microsoft.com/office/powerpoint/2010/main" val="1214807022"/>
+      </p:ext>
+    </p:extLst>
+  </p:cSld>
+  <p:clrMapOvr>
+    <a:masterClrMapping/>
+  </p:clrMapOvr>
+</p:sld>
+</file>
+
+<file path=ppt/slides/slide4.xml><?xml version="1.0" encoding="utf-8"?>
+<p:sld xmlns:a="http://schemas.openxmlformats.org/drawingml/2006/main" xmlns:r="http://schemas.openxmlformats.org/officeDocument/2006/relationships" xmlns:p="http://schemas.openxmlformats.org/presentationml/2006/main">
+  <p:cSld>
+    <p:spTree>
+      <p:nvGrpSpPr>
+        <p:cNvPr id="1" name=""/>
+        <p:cNvGrpSpPr/>
+        <p:nvPr/>
+      </p:nvGrpSpPr>
+      <p:grpSpPr>
+        <a:xfrm>
+          <a:off x="0" y="0"/>
+          <a:ext cx="0" cy="0"/>
+          <a:chOff x="0" y="0"/>
+          <a:chExt cx="0" cy="0"/>
+        </a:xfrm>
+      </p:grpSpPr>
+      <p:sp>
+        <p:nvSpPr>
+          <p:cNvPr id="2" name="Title 1">
+            <a:extLst>
+              <a:ext uri="{FF2B5EF4-FFF2-40B4-BE49-F238E27FC236}">
+                <a16:creationId xmlns:a16="http://schemas.microsoft.com/office/drawing/2014/main" id="{3A2A5C01-83E7-4ABD-BF4E-874C04A98863}"/>
+              </a:ext>
+            </a:extLst>
+          </p:cNvPr>
+          <p:cNvSpPr>
+            <a:spLocks noGrp="1"/>
+          </p:cNvSpPr>
+          <p:nvPr>
+            <p:ph type="title"/>
+          </p:nvPr>
+        </p:nvSpPr>
+        <p:spPr>
+          <a:xfrm>
+            <a:off x="838200" y="365126"/>
+            <a:ext cx="10515600" cy="883812"/>
+          </a:xfrm>
+        </p:spPr>
+        <p:txBody>
+          <a:bodyPr/>
+          <a:lstStyle/>
+          <a:p>
+            <a:pPr algn="ctr"/>
+            <a:r>
+              <a:rPr lang="en-US" dirty="0">
+                <a:solidFill>
+                  <a:srgbClr val="00FF00"/>
+                </a:solidFill>
+              </a:rPr>
+              <a:t>“Photochemistry” generalized</a:t>
+            </a:r>
+          </a:p>
+        </p:txBody>
+      </p:sp>
+      <p:sp>
+        <p:nvSpPr>
+          <p:cNvPr id="3" name="Content Placeholder 2">
+            <a:extLst>
+              <a:ext uri="{FF2B5EF4-FFF2-40B4-BE49-F238E27FC236}">
+                <a16:creationId xmlns:a16="http://schemas.microsoft.com/office/drawing/2014/main" id="{BE838D02-9066-4972-B4FE-D60C59C632D4}"/>
+              </a:ext>
+            </a:extLst>
+          </p:cNvPr>
+          <p:cNvSpPr>
+            <a:spLocks noGrp="1"/>
+          </p:cNvSpPr>
+          <p:nvPr>
+            <p:ph idx="1"/>
+          </p:nvPr>
+        </p:nvSpPr>
+        <p:spPr>
+          <a:xfrm>
+            <a:off x="838200" y="1438508"/>
+            <a:ext cx="10515600" cy="5054368"/>
+          </a:xfrm>
+        </p:spPr>
+        <p:txBody>
+          <a:bodyPr>
+            <a:normAutofit/>
+          </a:bodyPr>
+          <a:lstStyle/>
+          <a:p>
+            <a:r>
+              <a:rPr lang="en-US" dirty="0">
+                <a:solidFill>
+                  <a:srgbClr val="FFFF00"/>
+                </a:solidFill>
+              </a:rPr>
+              <a:t>Goal: inject lots of energy non-thermally </a:t>
+            </a:r>
+            <a:r>
+              <a:rPr lang="en-US" dirty="0"/>
+              <a:t>(without incineration)</a:t>
+            </a:r>
+          </a:p>
+          <a:p>
+            <a:pPr lvl="1"/>
+            <a:r>
+              <a:rPr lang="en-US" dirty="0"/>
+              <a:t>Non-adiabatic dynamics</a:t>
+            </a:r>
+          </a:p>
+          <a:p>
+            <a:r>
+              <a:rPr lang="en-US" dirty="0"/>
+              <a:t>“Photochemistry” usually means visible/UV light</a:t>
+            </a:r>
+          </a:p>
+          <a:p>
+            <a:pPr lvl="1"/>
+            <a:r>
+              <a:rPr lang="en-US" dirty="0"/>
+              <a:t>Sunlight is abundant and free</a:t>
+            </a:r>
+          </a:p>
+          <a:p>
+            <a:pPr lvl="1"/>
+            <a:r>
+              <a:rPr lang="en-US" dirty="0"/>
+              <a:t>Enough energy for electronic excitation</a:t>
+            </a:r>
+          </a:p>
+          <a:p>
+            <a:r>
+              <a:rPr lang="en-US" dirty="0"/>
+              <a:t>Shorter wavelengths of light</a:t>
+            </a:r>
+          </a:p>
+          <a:p>
+            <a:pPr lvl="1"/>
+            <a:r>
+              <a:rPr lang="en-US" dirty="0"/>
+              <a:t>Gamma radiolysis</a:t>
+            </a:r>
+          </a:p>
+          <a:p>
+            <a:r>
+              <a:rPr lang="en-US" dirty="0"/>
+              <a:t>Charged particles (alpha, beta “rays”)</a:t>
+            </a:r>
+          </a:p>
+          <a:p>
+            <a:pPr lvl="1"/>
+            <a:r>
+              <a:rPr lang="en-US" dirty="0"/>
+              <a:t>Proton-beam cancer therapy</a:t>
+            </a:r>
+          </a:p>
+          <a:p>
+            <a:pPr lvl="1"/>
+            <a:r>
+              <a:rPr lang="en-US" dirty="0"/>
+              <a:t>Electron-ionization mass spectrometry</a:t>
+            </a:r>
+          </a:p>
+          <a:p>
+            <a:r>
+              <a:rPr lang="en-US" dirty="0"/>
+              <a:t>Lightning bolts, plasmas (both particles and radiation)</a:t>
+            </a:r>
+          </a:p>
+        </p:txBody>
+      </p:sp>
+    </p:spTree>
+    <p:extLst>
+      <p:ext uri="{BB962C8B-B14F-4D97-AF65-F5344CB8AC3E}">
+        <p14:creationId xmlns:p14="http://schemas.microsoft.com/office/powerpoint/2010/main" val="872814274"/>
+      </p:ext>
+    </p:extLst>
+  </p:cSld>
+  <p:clrMapOvr>
+    <a:masterClrMapping/>
+  </p:clrMapOvr>
+</p:sld>
+</file>
+
+<file path=ppt/slides/slide5.xml><?xml version="1.0" encoding="utf-8"?>
+<p:sld xmlns:a="http://schemas.openxmlformats.org/drawingml/2006/main" xmlns:r="http://schemas.openxmlformats.org/officeDocument/2006/relationships" xmlns:p="http://schemas.openxmlformats.org/presentationml/2006/main">
+  <p:cSld>
+    <p:spTree>
+      <p:nvGrpSpPr>
+        <p:cNvPr id="1" name=""/>
+        <p:cNvGrpSpPr/>
+        <p:nvPr/>
+      </p:nvGrpSpPr>
+      <p:grpSpPr>
+        <a:xfrm>
+          <a:off x="0" y="0"/>
+          <a:ext cx="0" cy="0"/>
+          <a:chOff x="0" y="0"/>
+          <a:chExt cx="0" cy="0"/>
+        </a:xfrm>
+      </p:grpSpPr>
+      <p:sp>
+        <p:nvSpPr>
+          <p:cNvPr id="2" name="Title 1">
+            <a:extLst>
+              <a:ext uri="{FF2B5EF4-FFF2-40B4-BE49-F238E27FC236}">
+                <a16:creationId xmlns:a16="http://schemas.microsoft.com/office/drawing/2014/main" id="{9E12B27F-0A30-4040-879C-226796DE5C8F}"/>
+              </a:ext>
+            </a:extLst>
+          </p:cNvPr>
+          <p:cNvSpPr>
+            <a:spLocks noGrp="1"/>
+          </p:cNvSpPr>
+          <p:nvPr>
+            <p:ph type="title"/>
+          </p:nvPr>
+        </p:nvSpPr>
+        <p:spPr>
+          <a:xfrm>
+            <a:off x="838200" y="365126"/>
+            <a:ext cx="10515600" cy="867596"/>
+          </a:xfrm>
+        </p:spPr>
+        <p:txBody>
+          <a:bodyPr anchor="ctr" anchorCtr="0"/>
+          <a:lstStyle/>
+          <a:p>
+            <a:pPr algn="ctr"/>
+            <a:r>
+              <a:rPr lang="en-US" dirty="0">
+                <a:solidFill>
+                  <a:srgbClr val="00FF00"/>
+                </a:solidFill>
+              </a:rPr>
+              <a:t>Gamma radiolysis</a:t>
+            </a:r>
+          </a:p>
+        </p:txBody>
+      </p:sp>
+      <p:sp>
+        <p:nvSpPr>
+          <p:cNvPr id="3" name="Content Placeholder 2">
+            <a:extLst>
+              <a:ext uri="{FF2B5EF4-FFF2-40B4-BE49-F238E27FC236}">
+                <a16:creationId xmlns:a16="http://schemas.microsoft.com/office/drawing/2014/main" id="{5327FC95-D15D-46A2-80FA-ED0E96522E9B}"/>
+              </a:ext>
+            </a:extLst>
+          </p:cNvPr>
+          <p:cNvSpPr>
+            <a:spLocks noGrp="1"/>
+          </p:cNvSpPr>
+          <p:nvPr>
+            <p:ph idx="1"/>
+          </p:nvPr>
+        </p:nvSpPr>
+        <p:spPr>
+          <a:xfrm>
+            <a:off x="838200" y="1232722"/>
+            <a:ext cx="5534891" cy="4944241"/>
+          </a:xfrm>
+        </p:spPr>
+        <p:txBody>
+          <a:bodyPr>
+            <a:normAutofit fontScale="92500" lnSpcReduction="10000"/>
+          </a:bodyPr>
+          <a:lstStyle/>
+          <a:p>
+            <a:r>
+              <a:rPr lang="en-US" dirty="0"/>
+              <a:t>High-energy photon</a:t>
+            </a:r>
+          </a:p>
+          <a:p>
+            <a:pPr lvl="1"/>
+            <a:r>
+              <a:rPr lang="en-US" dirty="0"/>
+              <a:t>Everything is a “chromophore”</a:t>
+            </a:r>
+          </a:p>
+          <a:p>
+            <a:pPr lvl="1"/>
+            <a:r>
+              <a:rPr lang="en-US" dirty="0"/>
+              <a:t>Non-selective chemistry</a:t>
+            </a:r>
+          </a:p>
+          <a:p>
+            <a:r>
+              <a:rPr lang="en-US" dirty="0">
+                <a:solidFill>
+                  <a:srgbClr val="FFFF00"/>
+                </a:solidFill>
+              </a:rPr>
+              <a:t>“Pulse radiolysis” uses high-energy electrons</a:t>
+            </a:r>
+            <a:r>
+              <a:rPr lang="en-US" dirty="0"/>
+              <a:t> (several MeV)</a:t>
+            </a:r>
+          </a:p>
+          <a:p>
+            <a:r>
+              <a:rPr lang="en-US" dirty="0"/>
+              <a:t>Mostly excite H</a:t>
+            </a:r>
+            <a:r>
+              <a:rPr lang="en-US" baseline="-25000" dirty="0"/>
+              <a:t>2</a:t>
+            </a:r>
+            <a:r>
+              <a:rPr lang="en-US" dirty="0"/>
+              <a:t>O molecules, not solute</a:t>
+            </a:r>
+          </a:p>
+          <a:p>
+            <a:pPr lvl="1"/>
+            <a:r>
+              <a:rPr lang="en-US" dirty="0"/>
+              <a:t>Oxidative DNA damage</a:t>
+            </a:r>
+          </a:p>
+          <a:p>
+            <a:pPr lvl="1"/>
+            <a:r>
+              <a:rPr lang="en-US" dirty="0"/>
+              <a:t>Radiation damage of materials</a:t>
+            </a:r>
+          </a:p>
+          <a:p>
+            <a:r>
+              <a:rPr lang="en-US" dirty="0"/>
+              <a:t>Example: </a:t>
+            </a:r>
+            <a:r>
+              <a:rPr lang="en-US" dirty="0">
+                <a:solidFill>
+                  <a:srgbClr val="FFFF00"/>
+                </a:solidFill>
+              </a:rPr>
+              <a:t>reduction of aqueous nitrate</a:t>
+            </a:r>
+            <a:r>
+              <a:rPr lang="en-US" dirty="0"/>
+              <a:t> (nuclear reactors)</a:t>
+            </a:r>
+          </a:p>
+          <a:p>
+            <a:pPr lvl="1"/>
+            <a:r>
+              <a:rPr lang="en-US" dirty="0"/>
+              <a:t>Compare with municipal wastewater treatment by </a:t>
+            </a:r>
+            <a:r>
+              <a:rPr lang="en-US" dirty="0">
+                <a:solidFill>
+                  <a:srgbClr val="00B0F0"/>
+                </a:solidFill>
+              </a:rPr>
+              <a:t>photocatalytic reduction</a:t>
+            </a:r>
+          </a:p>
+        </p:txBody>
+      </p:sp>
+      <p:pic>
+        <p:nvPicPr>
+          <p:cNvPr id="11" name="Picture 10">
+            <a:extLst>
+              <a:ext uri="{FF2B5EF4-FFF2-40B4-BE49-F238E27FC236}">
+                <a16:creationId xmlns:a16="http://schemas.microsoft.com/office/drawing/2014/main" id="{8E6EA461-A37D-409D-8608-3A976C2D1948}"/>
+              </a:ext>
+            </a:extLst>
+          </p:cNvPr>
+          <p:cNvPicPr>
+            <a:picLocks noChangeAspect="1"/>
+          </p:cNvPicPr>
+          <p:nvPr/>
+        </p:nvPicPr>
+        <p:blipFill>
+          <a:blip r:embed="rId3">
+            <a:extLst>
+              <a:ext uri="{28A0092B-C50C-407E-A947-70E740481C1C}">
+                <a14:useLocalDpi xmlns:a14="http://schemas.microsoft.com/office/drawing/2010/main" val="0"/>
+              </a:ext>
+            </a:extLst>
+          </a:blip>
+          <a:stretch>
+            <a:fillRect/>
+          </a:stretch>
+        </p:blipFill>
+        <p:spPr>
+          <a:xfrm>
+            <a:off x="6203594" y="1594626"/>
+            <a:ext cx="5666368" cy="3944768"/>
+          </a:xfrm>
+          <a:prstGeom prst="rect">
+            <a:avLst/>
+          </a:prstGeom>
+          <a:ln w="25400" cap="rnd">
+            <a:solidFill>
+              <a:srgbClr val="FFFF00"/>
+            </a:solidFill>
+          </a:ln>
+        </p:spPr>
+      </p:pic>
+      <p:sp>
+        <p:nvSpPr>
+          <p:cNvPr id="12" name="TextBox 11">
+            <a:extLst>
+              <a:ext uri="{FF2B5EF4-FFF2-40B4-BE49-F238E27FC236}">
+                <a16:creationId xmlns:a16="http://schemas.microsoft.com/office/drawing/2014/main" id="{F73A20A0-21F9-4EF5-B51B-338BA158C2CD}"/>
+              </a:ext>
+            </a:extLst>
+          </p:cNvPr>
+          <p:cNvSpPr txBox="1"/>
+          <p:nvPr/>
+        </p:nvSpPr>
+        <p:spPr>
+          <a:xfrm>
+            <a:off x="6315309" y="5743027"/>
+            <a:ext cx="5554653" cy="738664"/>
+          </a:xfrm>
+          <a:prstGeom prst="rect">
+            <a:avLst/>
+          </a:prstGeom>
+          <a:noFill/>
+        </p:spPr>
+        <p:txBody>
+          <a:bodyPr wrap="square" rtlCol="0">
+            <a:spAutoFit/>
+          </a:bodyPr>
+          <a:lstStyle/>
+          <a:p>
+            <a:r>
+              <a:rPr lang="en-US" sz="1400" dirty="0">
+                <a:solidFill>
+                  <a:srgbClr val="FFFF00"/>
+                </a:solidFill>
+              </a:rPr>
+              <a:t>Horne, G. P.; </a:t>
+            </a:r>
+            <a:r>
+              <a:rPr lang="en-US" sz="1400" dirty="0" err="1">
+                <a:solidFill>
+                  <a:srgbClr val="FFFF00"/>
+                </a:solidFill>
+              </a:rPr>
+              <a:t>Donoclift</a:t>
+            </a:r>
+            <a:r>
+              <a:rPr lang="en-US" sz="1400" dirty="0">
+                <a:solidFill>
+                  <a:srgbClr val="FFFF00"/>
+                </a:solidFill>
+              </a:rPr>
+              <a:t>, T. A.; Sims, H. E.; Orr, R. M.; </a:t>
+            </a:r>
+            <a:r>
+              <a:rPr lang="en-US" sz="1400" dirty="0" err="1">
+                <a:solidFill>
+                  <a:srgbClr val="FFFF00"/>
+                </a:solidFill>
+              </a:rPr>
+              <a:t>Pimblott</a:t>
+            </a:r>
+            <a:r>
+              <a:rPr lang="en-US" sz="1400" dirty="0">
+                <a:solidFill>
+                  <a:srgbClr val="FFFF00"/>
+                </a:solidFill>
+              </a:rPr>
+              <a:t>, S. M. Multi-Scale Modeling of the Gamma Radiolysis of Nitrate Solutions. </a:t>
+            </a:r>
+            <a:r>
+              <a:rPr lang="en-US" sz="1400" i="1" dirty="0">
+                <a:solidFill>
+                  <a:srgbClr val="FFFF00"/>
+                </a:solidFill>
+              </a:rPr>
+              <a:t>J. Phys. Chem. B </a:t>
+            </a:r>
+            <a:r>
+              <a:rPr lang="en-US" sz="1400" b="1" dirty="0">
+                <a:solidFill>
+                  <a:srgbClr val="FFFF00"/>
+                </a:solidFill>
+              </a:rPr>
+              <a:t>2016</a:t>
+            </a:r>
+            <a:r>
+              <a:rPr lang="en-US" sz="1400" b="1" i="1" dirty="0">
+                <a:solidFill>
+                  <a:srgbClr val="FFFF00"/>
+                </a:solidFill>
+              </a:rPr>
+              <a:t>, </a:t>
+            </a:r>
+            <a:r>
+              <a:rPr lang="en-US" sz="1400" i="1" dirty="0">
+                <a:solidFill>
+                  <a:srgbClr val="FFFF00"/>
+                </a:solidFill>
+              </a:rPr>
+              <a:t>120</a:t>
+            </a:r>
+            <a:r>
+              <a:rPr lang="en-US" sz="1400" b="1" i="1" dirty="0">
+                <a:solidFill>
+                  <a:srgbClr val="FFFF00"/>
+                </a:solidFill>
+              </a:rPr>
+              <a:t>, </a:t>
+            </a:r>
+            <a:r>
+              <a:rPr lang="en-US" sz="1400" dirty="0">
+                <a:solidFill>
+                  <a:srgbClr val="FFFF00"/>
+                </a:solidFill>
+              </a:rPr>
+              <a:t>11781</a:t>
+            </a:r>
+            <a:r>
+              <a:rPr lang="en-US" sz="1400" b="1" i="1" dirty="0">
+                <a:solidFill>
+                  <a:srgbClr val="FFFF00"/>
+                </a:solidFill>
+              </a:rPr>
+              <a:t>.</a:t>
+            </a:r>
+          </a:p>
+        </p:txBody>
+      </p:sp>
+      <p:sp>
+        <p:nvSpPr>
+          <p:cNvPr id="13" name="TextBox 12">
+            <a:extLst>
+              <a:ext uri="{FF2B5EF4-FFF2-40B4-BE49-F238E27FC236}">
+                <a16:creationId xmlns:a16="http://schemas.microsoft.com/office/drawing/2014/main" id="{F227E597-F6ED-47CE-A26B-3D514F5E60D1}"/>
+              </a:ext>
+            </a:extLst>
+          </p:cNvPr>
+          <p:cNvSpPr txBox="1"/>
+          <p:nvPr/>
+        </p:nvSpPr>
+        <p:spPr>
+          <a:xfrm>
+            <a:off x="512956" y="5870787"/>
+            <a:ext cx="5363737" cy="738664"/>
+          </a:xfrm>
+          <a:prstGeom prst="rect">
+            <a:avLst/>
+          </a:prstGeom>
+          <a:noFill/>
+        </p:spPr>
+        <p:txBody>
+          <a:bodyPr wrap="square" rtlCol="0">
+            <a:spAutoFit/>
+          </a:bodyPr>
+          <a:lstStyle/>
+          <a:p>
+            <a:r>
+              <a:rPr lang="en-US" sz="1400" dirty="0" err="1">
+                <a:solidFill>
+                  <a:srgbClr val="00B0F0"/>
+                </a:solidFill>
+              </a:rPr>
+              <a:t>Tugaoen</a:t>
+            </a:r>
+            <a:r>
+              <a:rPr lang="en-US" sz="1400" dirty="0">
+                <a:solidFill>
+                  <a:srgbClr val="00B0F0"/>
+                </a:solidFill>
+              </a:rPr>
+              <a:t>, H. O.; Garcia-Segura, S.; </a:t>
+            </a:r>
+            <a:r>
+              <a:rPr lang="en-US" sz="1400" dirty="0" err="1">
+                <a:solidFill>
+                  <a:srgbClr val="00B0F0"/>
+                </a:solidFill>
+              </a:rPr>
+              <a:t>Hristovski</a:t>
+            </a:r>
+            <a:r>
+              <a:rPr lang="en-US" sz="1400" dirty="0">
+                <a:solidFill>
+                  <a:srgbClr val="00B0F0"/>
+                </a:solidFill>
+              </a:rPr>
+              <a:t>, K.; </a:t>
+            </a:r>
+            <a:r>
+              <a:rPr lang="en-US" sz="1400" dirty="0" err="1">
+                <a:solidFill>
+                  <a:srgbClr val="00B0F0"/>
+                </a:solidFill>
+              </a:rPr>
+              <a:t>Westerhoff</a:t>
+            </a:r>
+            <a:r>
+              <a:rPr lang="en-US" sz="1400" dirty="0">
+                <a:solidFill>
+                  <a:srgbClr val="00B0F0"/>
+                </a:solidFill>
+              </a:rPr>
+              <a:t>, P. Challenges in photocatalytic reduction of nitrate as a water treatment technology. </a:t>
+            </a:r>
+            <a:r>
+              <a:rPr lang="en-US" sz="1400" i="1" dirty="0">
+                <a:solidFill>
+                  <a:srgbClr val="00B0F0"/>
+                </a:solidFill>
+              </a:rPr>
+              <a:t>Sci. Total Environ. </a:t>
+            </a:r>
+            <a:r>
+              <a:rPr lang="en-US" sz="1400" b="1" dirty="0">
+                <a:solidFill>
+                  <a:srgbClr val="00B0F0"/>
+                </a:solidFill>
+              </a:rPr>
+              <a:t>2017</a:t>
+            </a:r>
+            <a:r>
+              <a:rPr lang="en-US" sz="1400" b="1" i="1" dirty="0">
+                <a:solidFill>
+                  <a:srgbClr val="00B0F0"/>
+                </a:solidFill>
+              </a:rPr>
+              <a:t>, </a:t>
+            </a:r>
+            <a:r>
+              <a:rPr lang="en-US" sz="1400" i="1" dirty="0">
+                <a:solidFill>
+                  <a:srgbClr val="00B0F0"/>
+                </a:solidFill>
+              </a:rPr>
+              <a:t>599</a:t>
+            </a:r>
+            <a:r>
+              <a:rPr lang="en-US" sz="1400" b="1" i="1" dirty="0">
+                <a:solidFill>
+                  <a:srgbClr val="00B0F0"/>
+                </a:solidFill>
+              </a:rPr>
+              <a:t>, </a:t>
+            </a:r>
+            <a:r>
+              <a:rPr lang="en-US" sz="1400" dirty="0">
+                <a:solidFill>
+                  <a:srgbClr val="00B0F0"/>
+                </a:solidFill>
+              </a:rPr>
+              <a:t>1524</a:t>
+            </a:r>
+            <a:r>
+              <a:rPr lang="en-US" sz="1400" b="1" i="1" dirty="0">
+                <a:solidFill>
+                  <a:srgbClr val="00B0F0"/>
+                </a:solidFill>
+              </a:rPr>
+              <a:t>.</a:t>
+            </a:r>
+          </a:p>
+        </p:txBody>
+      </p:sp>
+    </p:spTree>
+    <p:extLst>
+      <p:ext uri="{BB962C8B-B14F-4D97-AF65-F5344CB8AC3E}">
+        <p14:creationId xmlns:p14="http://schemas.microsoft.com/office/powerpoint/2010/main" val="274505371"/>
+      </p:ext>
+    </p:extLst>
+  </p:cSld>
+  <p:clrMapOvr>
+    <a:masterClrMapping/>
+  </p:clrMapOvr>
+</p:sld>
+</file>
+
+<file path=ppt/slides/slide6.xml><?xml version="1.0" encoding="utf-8"?>
+<p:sld xmlns:a="http://schemas.openxmlformats.org/drawingml/2006/main" xmlns:r="http://schemas.openxmlformats.org/officeDocument/2006/relationships" xmlns:p="http://schemas.openxmlformats.org/presentationml/2006/main">
+  <p:cSld>
+    <p:spTree>
+      <p:nvGrpSpPr>
+        <p:cNvPr id="1" name=""/>
+        <p:cNvGrpSpPr/>
+        <p:nvPr/>
+      </p:nvGrpSpPr>
+      <p:grpSpPr>
+        <a:xfrm>
+          <a:off x="0" y="0"/>
+          <a:ext cx="0" cy="0"/>
+          <a:chOff x="0" y="0"/>
+          <a:chExt cx="0" cy="0"/>
+        </a:xfrm>
+      </p:grpSpPr>
+      <p:sp>
+        <p:nvSpPr>
+          <p:cNvPr id="2" name="Title 1">
+            <a:extLst>
+              <a:ext uri="{FF2B5EF4-FFF2-40B4-BE49-F238E27FC236}">
+                <a16:creationId xmlns:a16="http://schemas.microsoft.com/office/drawing/2014/main" id="{F57ADDE1-A1D4-4B1D-849C-4C648BE8F43B}"/>
+              </a:ext>
+            </a:extLst>
+          </p:cNvPr>
+          <p:cNvSpPr>
+            <a:spLocks noGrp="1"/>
+          </p:cNvSpPr>
+          <p:nvPr>
+            <p:ph type="title"/>
+          </p:nvPr>
+        </p:nvSpPr>
+        <p:spPr>
+          <a:xfrm>
+            <a:off x="838200" y="365126"/>
+            <a:ext cx="10515600" cy="705838"/>
+          </a:xfrm>
+        </p:spPr>
+        <p:txBody>
+          <a:bodyPr/>
+          <a:lstStyle/>
+          <a:p>
+            <a:pPr algn="ctr"/>
+            <a:r>
+              <a:rPr lang="en-US" dirty="0">
+                <a:solidFill>
+                  <a:srgbClr val="00FF00"/>
+                </a:solidFill>
+              </a:rPr>
+              <a:t>Proton beam therapy</a:t>
+            </a:r>
+          </a:p>
+        </p:txBody>
+      </p:sp>
+      <p:sp>
+        <p:nvSpPr>
+          <p:cNvPr id="3" name="Content Placeholder 2">
+            <a:extLst>
+              <a:ext uri="{FF2B5EF4-FFF2-40B4-BE49-F238E27FC236}">
+                <a16:creationId xmlns:a16="http://schemas.microsoft.com/office/drawing/2014/main" id="{B0A035A6-280C-4AA7-A8B8-BD6B47EDD356}"/>
+              </a:ext>
+            </a:extLst>
+          </p:cNvPr>
+          <p:cNvSpPr>
+            <a:spLocks noGrp="1"/>
+          </p:cNvSpPr>
+          <p:nvPr>
+            <p:ph idx="1"/>
+          </p:nvPr>
+        </p:nvSpPr>
+        <p:spPr>
+          <a:xfrm>
+            <a:off x="620749" y="1319453"/>
+            <a:ext cx="4953000" cy="4847171"/>
+          </a:xfrm>
+        </p:spPr>
+        <p:txBody>
+          <a:bodyPr>
+            <a:normAutofit/>
+          </a:bodyPr>
+          <a:lstStyle/>
+          <a:p>
+            <a:r>
+              <a:rPr lang="en-US" dirty="0"/>
+              <a:t>For treating cancer</a:t>
+            </a:r>
+          </a:p>
+          <a:p>
+            <a:r>
+              <a:rPr lang="en-US" dirty="0"/>
+              <a:t>Dosage is better targeted than radiation therapy</a:t>
+            </a:r>
+          </a:p>
+          <a:p>
+            <a:pPr lvl="1"/>
+            <a:r>
+              <a:rPr lang="en-US" dirty="0"/>
+              <a:t>No exit dose</a:t>
+            </a:r>
+          </a:p>
+          <a:p>
+            <a:pPr lvl="1"/>
+            <a:r>
+              <a:rPr lang="en-US" dirty="0"/>
+              <a:t>Less damage to healthy tissue</a:t>
+            </a:r>
+          </a:p>
+          <a:p>
+            <a:r>
+              <a:rPr lang="en-US" dirty="0">
+                <a:solidFill>
+                  <a:srgbClr val="FFFF00"/>
+                </a:solidFill>
+              </a:rPr>
+              <a:t>High-energy H</a:t>
+            </a:r>
+            <a:r>
+              <a:rPr lang="en-US" baseline="30000" dirty="0">
+                <a:solidFill>
+                  <a:srgbClr val="FFFF00"/>
+                </a:solidFill>
+              </a:rPr>
+              <a:t>+</a:t>
+            </a:r>
+            <a:r>
+              <a:rPr lang="en-US" dirty="0">
+                <a:solidFill>
+                  <a:srgbClr val="FFFF00"/>
+                </a:solidFill>
+              </a:rPr>
+              <a:t> slows down</a:t>
+            </a:r>
+          </a:p>
+          <a:p>
+            <a:pPr lvl="1"/>
+            <a:r>
+              <a:rPr lang="en-US" dirty="0"/>
+              <a:t>By scattering electrons</a:t>
+            </a:r>
+          </a:p>
+          <a:p>
+            <a:r>
+              <a:rPr lang="en-US" dirty="0">
+                <a:solidFill>
+                  <a:srgbClr val="FFFF00"/>
+                </a:solidFill>
+              </a:rPr>
+              <a:t>Slow H</a:t>
+            </a:r>
+            <a:r>
+              <a:rPr lang="en-US" baseline="30000" dirty="0">
+                <a:solidFill>
+                  <a:srgbClr val="FFFF00"/>
+                </a:solidFill>
+              </a:rPr>
+              <a:t>+</a:t>
+            </a:r>
+            <a:r>
+              <a:rPr lang="en-US" dirty="0">
+                <a:solidFill>
+                  <a:srgbClr val="FFFF00"/>
+                </a:solidFill>
+              </a:rPr>
+              <a:t> has big cross section</a:t>
+            </a:r>
+            <a:endParaRPr lang="en-US" dirty="0"/>
+          </a:p>
+          <a:p>
+            <a:pPr lvl="1"/>
+            <a:r>
+              <a:rPr lang="en-US" dirty="0"/>
+              <a:t>Radiolysis chemistry (DNA damage)</a:t>
+            </a:r>
+          </a:p>
+          <a:p>
+            <a:pPr lvl="1"/>
+            <a:r>
+              <a:rPr lang="en-US" dirty="0"/>
+              <a:t>Non-adiabatic dynamics</a:t>
+            </a:r>
+          </a:p>
+        </p:txBody>
+      </p:sp>
+      <p:pic>
+        <p:nvPicPr>
+          <p:cNvPr id="7" name="Picture 6">
+            <a:extLst>
+              <a:ext uri="{FF2B5EF4-FFF2-40B4-BE49-F238E27FC236}">
+                <a16:creationId xmlns:a16="http://schemas.microsoft.com/office/drawing/2014/main" id="{B219DD24-811F-4A9A-AB63-C5F950F50C5C}"/>
+              </a:ext>
+            </a:extLst>
+          </p:cNvPr>
+          <p:cNvPicPr>
+            <a:picLocks noChangeAspect="1"/>
+          </p:cNvPicPr>
+          <p:nvPr/>
+        </p:nvPicPr>
+        <p:blipFill rotWithShape="1">
+          <a:blip r:embed="rId3">
+            <a:extLst>
+              <a:ext uri="{28A0092B-C50C-407E-A947-70E740481C1C}">
+                <a14:useLocalDpi xmlns:a14="http://schemas.microsoft.com/office/drawing/2010/main" val="0"/>
+              </a:ext>
+            </a:extLst>
+          </a:blip>
+          <a:srcRect b="18080"/>
+          <a:stretch/>
+        </p:blipFill>
+        <p:spPr>
+          <a:xfrm>
+            <a:off x="5791201" y="1338145"/>
+            <a:ext cx="6102560" cy="4448892"/>
+          </a:xfrm>
+          <a:prstGeom prst="rect">
+            <a:avLst/>
+          </a:prstGeom>
+          <a:ln w="25400">
+            <a:solidFill>
+              <a:srgbClr val="92D050"/>
+            </a:solidFill>
+          </a:ln>
+        </p:spPr>
+      </p:pic>
+      <p:sp>
+        <p:nvSpPr>
+          <p:cNvPr id="8" name="TextBox 7">
+            <a:extLst>
+              <a:ext uri="{FF2B5EF4-FFF2-40B4-BE49-F238E27FC236}">
+                <a16:creationId xmlns:a16="http://schemas.microsoft.com/office/drawing/2014/main" id="{6B7E08B2-23DD-40C8-8786-FA2BB1550A47}"/>
+              </a:ext>
+            </a:extLst>
+          </p:cNvPr>
+          <p:cNvSpPr txBox="1"/>
+          <p:nvPr/>
+        </p:nvSpPr>
+        <p:spPr>
+          <a:xfrm>
+            <a:off x="6636834" y="5905014"/>
+            <a:ext cx="4806174" cy="523220"/>
+          </a:xfrm>
+          <a:prstGeom prst="rect">
+            <a:avLst/>
+          </a:prstGeom>
+          <a:noFill/>
+        </p:spPr>
+        <p:txBody>
+          <a:bodyPr wrap="square" rtlCol="0">
+            <a:spAutoFit/>
+          </a:bodyPr>
+          <a:lstStyle/>
+          <a:p>
+            <a:r>
+              <a:rPr lang="en-US" sz="1400" dirty="0" err="1">
+                <a:solidFill>
+                  <a:srgbClr val="92D050"/>
+                </a:solidFill>
+              </a:rPr>
+              <a:t>Newhauser</a:t>
+            </a:r>
+            <a:r>
+              <a:rPr lang="en-US" sz="1400" dirty="0">
+                <a:solidFill>
+                  <a:srgbClr val="92D050"/>
+                </a:solidFill>
+              </a:rPr>
+              <a:t>, W., D.; Zhang, R. The physics of proton therapy. </a:t>
+            </a:r>
+            <a:r>
+              <a:rPr lang="en-US" sz="1400" i="1" dirty="0">
+                <a:solidFill>
+                  <a:srgbClr val="92D050"/>
+                </a:solidFill>
+              </a:rPr>
+              <a:t>Phys. Med. Biol. </a:t>
+            </a:r>
+            <a:r>
+              <a:rPr lang="en-US" sz="1400" b="1" dirty="0">
+                <a:solidFill>
+                  <a:srgbClr val="92D050"/>
+                </a:solidFill>
+              </a:rPr>
+              <a:t>2015</a:t>
+            </a:r>
+            <a:r>
+              <a:rPr lang="en-US" sz="1400" b="1" i="1" dirty="0">
+                <a:solidFill>
+                  <a:srgbClr val="92D050"/>
+                </a:solidFill>
+              </a:rPr>
+              <a:t>, </a:t>
+            </a:r>
+            <a:r>
+              <a:rPr lang="en-US" sz="1400" i="1" dirty="0">
+                <a:solidFill>
+                  <a:srgbClr val="92D050"/>
+                </a:solidFill>
+              </a:rPr>
+              <a:t>60</a:t>
+            </a:r>
+            <a:r>
+              <a:rPr lang="en-US" sz="1400" b="1" i="1" dirty="0">
+                <a:solidFill>
+                  <a:srgbClr val="92D050"/>
+                </a:solidFill>
+              </a:rPr>
+              <a:t>, </a:t>
+            </a:r>
+            <a:r>
+              <a:rPr lang="en-US" sz="1400" dirty="0">
+                <a:solidFill>
+                  <a:srgbClr val="92D050"/>
+                </a:solidFill>
+              </a:rPr>
+              <a:t>R155</a:t>
+            </a:r>
+            <a:r>
+              <a:rPr lang="en-US" sz="1400" b="1" i="1" dirty="0">
+                <a:solidFill>
+                  <a:srgbClr val="92D050"/>
+                </a:solidFill>
+              </a:rPr>
+              <a:t>.</a:t>
+            </a:r>
+          </a:p>
+        </p:txBody>
+      </p:sp>
+    </p:spTree>
+    <p:extLst>
+      <p:ext uri="{BB962C8B-B14F-4D97-AF65-F5344CB8AC3E}">
+        <p14:creationId xmlns:p14="http://schemas.microsoft.com/office/powerpoint/2010/main" val="1324253908"/>
+      </p:ext>
+    </p:extLst>
+  </p:cSld>
+  <p:clrMapOvr>
+    <a:masterClrMapping/>
+  </p:clrMapOvr>
+</p:sld>
+</file>
+
+<file path=ppt/slides/slide7.xml><?xml version="1.0" encoding="utf-8"?>
+<p:sld xmlns:a="http://schemas.openxmlformats.org/drawingml/2006/main" xmlns:r="http://schemas.openxmlformats.org/officeDocument/2006/relationships" xmlns:p="http://schemas.openxmlformats.org/presentationml/2006/main">
+  <p:cSld>
+    <p:spTree>
+      <p:nvGrpSpPr>
+        <p:cNvPr id="1" name=""/>
+        <p:cNvGrpSpPr/>
+        <p:nvPr/>
+      </p:nvGrpSpPr>
+      <p:grpSpPr>
+        <a:xfrm>
+          <a:off x="0" y="0"/>
+          <a:ext cx="0" cy="0"/>
+          <a:chOff x="0" y="0"/>
+          <a:chExt cx="0" cy="0"/>
+        </a:xfrm>
+      </p:grpSpPr>
+      <p:sp>
+        <p:nvSpPr>
+          <p:cNvPr id="2" name="Title 1">
+            <a:extLst>
+              <a:ext uri="{FF2B5EF4-FFF2-40B4-BE49-F238E27FC236}">
+                <a16:creationId xmlns:a16="http://schemas.microsoft.com/office/drawing/2014/main" id="{121B788C-2425-4C98-AD41-B63712AAFB5B}"/>
+              </a:ext>
+            </a:extLst>
+          </p:cNvPr>
+          <p:cNvSpPr>
+            <a:spLocks noGrp="1"/>
+          </p:cNvSpPr>
+          <p:nvPr>
+            <p:ph type="title"/>
+          </p:nvPr>
+        </p:nvSpPr>
+        <p:spPr>
+          <a:xfrm>
+            <a:off x="838200" y="365125"/>
+            <a:ext cx="10515600" cy="762933"/>
+          </a:xfrm>
+        </p:spPr>
+        <p:txBody>
+          <a:bodyPr/>
+          <a:lstStyle/>
+          <a:p>
+            <a:pPr algn="ctr"/>
+            <a:r>
+              <a:rPr lang="en-US" dirty="0">
+                <a:solidFill>
+                  <a:srgbClr val="00FF00"/>
+                </a:solidFill>
+              </a:rPr>
+              <a:t>Proton ionization cross sections</a:t>
+            </a:r>
+          </a:p>
+        </p:txBody>
+      </p:sp>
+      <p:sp>
+        <p:nvSpPr>
+          <p:cNvPr id="3" name="Content Placeholder 2">
+            <a:extLst>
+              <a:ext uri="{FF2B5EF4-FFF2-40B4-BE49-F238E27FC236}">
+                <a16:creationId xmlns:a16="http://schemas.microsoft.com/office/drawing/2014/main" id="{E07D8FBF-16E8-47E7-B008-837DF4E481D2}"/>
+              </a:ext>
+            </a:extLst>
+          </p:cNvPr>
+          <p:cNvSpPr>
+            <a:spLocks noGrp="1"/>
+          </p:cNvSpPr>
+          <p:nvPr>
+            <p:ph idx="1"/>
+          </p:nvPr>
+        </p:nvSpPr>
+        <p:spPr>
+          <a:xfrm>
+            <a:off x="291316" y="1412537"/>
+            <a:ext cx="4708701" cy="1380972"/>
+          </a:xfrm>
+        </p:spPr>
+        <p:txBody>
+          <a:bodyPr/>
+          <a:lstStyle/>
+          <a:p>
+            <a:r>
+              <a:rPr lang="en-US" dirty="0"/>
+              <a:t>Cross section (</a:t>
+            </a:r>
+            <a:r>
+              <a:rPr lang="en-US" dirty="0">
+                <a:latin typeface="Symbol" panose="05050102010706020507" pitchFamily="18" charset="2"/>
+              </a:rPr>
+              <a:t>s</a:t>
+            </a:r>
+            <a:r>
+              <a:rPr lang="en-US" dirty="0"/>
+              <a:t>) is the extinction coefficient per particle (units: area)</a:t>
+            </a:r>
+          </a:p>
+        </p:txBody>
+      </p:sp>
+      <p:sp>
+        <p:nvSpPr>
+          <p:cNvPr id="4" name="TextBox 3">
+            <a:extLst>
+              <a:ext uri="{FF2B5EF4-FFF2-40B4-BE49-F238E27FC236}">
+                <a16:creationId xmlns:a16="http://schemas.microsoft.com/office/drawing/2014/main" id="{1DFF22A0-DD66-4234-920B-B7DF4894423B}"/>
+              </a:ext>
+            </a:extLst>
+          </p:cNvPr>
+          <p:cNvSpPr txBox="1"/>
+          <p:nvPr/>
+        </p:nvSpPr>
+        <p:spPr>
+          <a:xfrm>
+            <a:off x="735980" y="6344540"/>
+            <a:ext cx="10891443" cy="307777"/>
+          </a:xfrm>
+          <a:prstGeom prst="rect">
+            <a:avLst/>
+          </a:prstGeom>
+          <a:noFill/>
+        </p:spPr>
+        <p:txBody>
+          <a:bodyPr wrap="square" rtlCol="0">
+            <a:spAutoFit/>
+          </a:bodyPr>
+          <a:lstStyle/>
+          <a:p>
+            <a:r>
+              <a:rPr lang="en-US" sz="1400" dirty="0">
+                <a:solidFill>
+                  <a:srgbClr val="FFFF00"/>
+                </a:solidFill>
+              </a:rPr>
+              <a:t>Rudd, M. E.; </a:t>
+            </a:r>
+            <a:r>
+              <a:rPr lang="en-US" sz="1400" dirty="0" err="1">
+                <a:solidFill>
+                  <a:srgbClr val="FFFF00"/>
+                </a:solidFill>
+              </a:rPr>
+              <a:t>Goffe</a:t>
+            </a:r>
+            <a:r>
+              <a:rPr lang="en-US" sz="1400" dirty="0">
+                <a:solidFill>
+                  <a:srgbClr val="FFFF00"/>
+                </a:solidFill>
+              </a:rPr>
+              <a:t>, T. V.; Dubois, R. D.; </a:t>
+            </a:r>
+            <a:r>
+              <a:rPr lang="en-US" sz="1400" dirty="0" err="1">
+                <a:solidFill>
+                  <a:srgbClr val="FFFF00"/>
+                </a:solidFill>
+              </a:rPr>
+              <a:t>Toburen</a:t>
+            </a:r>
+            <a:r>
+              <a:rPr lang="en-US" sz="1400" dirty="0">
+                <a:solidFill>
+                  <a:srgbClr val="FFFF00"/>
+                </a:solidFill>
+              </a:rPr>
+              <a:t>, L. H. Cross sections for ionization of water vapor by 7-4000-keV protons. </a:t>
+            </a:r>
+            <a:r>
+              <a:rPr lang="en-US" sz="1400" i="1" dirty="0">
+                <a:solidFill>
+                  <a:srgbClr val="FFFF00"/>
+                </a:solidFill>
+              </a:rPr>
+              <a:t>Phys. Rev. A </a:t>
+            </a:r>
+            <a:r>
+              <a:rPr lang="en-US" sz="1400" b="1" dirty="0">
+                <a:solidFill>
+                  <a:srgbClr val="FFFF00"/>
+                </a:solidFill>
+              </a:rPr>
+              <a:t>1985</a:t>
+            </a:r>
+            <a:r>
+              <a:rPr lang="en-US" sz="1400" b="1" i="1" dirty="0">
+                <a:solidFill>
+                  <a:srgbClr val="FFFF00"/>
+                </a:solidFill>
+              </a:rPr>
+              <a:t>, </a:t>
+            </a:r>
+            <a:r>
+              <a:rPr lang="en-US" sz="1400" i="1" dirty="0">
+                <a:solidFill>
+                  <a:srgbClr val="FFFF00"/>
+                </a:solidFill>
+              </a:rPr>
+              <a:t>31</a:t>
+            </a:r>
+            <a:r>
+              <a:rPr lang="en-US" sz="1400" b="1" i="1" dirty="0">
+                <a:solidFill>
+                  <a:srgbClr val="FFFF00"/>
+                </a:solidFill>
+              </a:rPr>
+              <a:t>, </a:t>
+            </a:r>
+            <a:r>
+              <a:rPr lang="en-US" sz="1400" dirty="0">
+                <a:solidFill>
+                  <a:srgbClr val="FFFF00"/>
+                </a:solidFill>
+              </a:rPr>
+              <a:t>492</a:t>
+            </a:r>
+            <a:r>
+              <a:rPr lang="en-US" sz="1400" b="1" i="1" dirty="0">
+                <a:solidFill>
+                  <a:srgbClr val="FFFF00"/>
+                </a:solidFill>
+              </a:rPr>
+              <a:t>.</a:t>
+            </a:r>
+          </a:p>
+        </p:txBody>
+      </p:sp>
+      <p:pic>
+        <p:nvPicPr>
+          <p:cNvPr id="8" name="Picture 7">
+            <a:extLst>
+              <a:ext uri="{FF2B5EF4-FFF2-40B4-BE49-F238E27FC236}">
+                <a16:creationId xmlns:a16="http://schemas.microsoft.com/office/drawing/2014/main" id="{4E06D697-59B7-41F1-9F35-2D4FB68B8698}"/>
+              </a:ext>
+            </a:extLst>
+          </p:cNvPr>
+          <p:cNvPicPr>
+            <a:picLocks noChangeAspect="1"/>
+          </p:cNvPicPr>
+          <p:nvPr/>
+        </p:nvPicPr>
+        <p:blipFill>
+          <a:blip r:embed="rId3">
+            <a:extLst>
+              <a:ext uri="{28A0092B-C50C-407E-A947-70E740481C1C}">
+                <a14:useLocalDpi xmlns:a14="http://schemas.microsoft.com/office/drawing/2010/main" val="0"/>
+              </a:ext>
+            </a:extLst>
+          </a:blip>
+          <a:stretch>
+            <a:fillRect/>
+          </a:stretch>
+        </p:blipFill>
+        <p:spPr>
+          <a:xfrm>
+            <a:off x="5418308" y="989613"/>
+            <a:ext cx="6958519" cy="5155951"/>
+          </a:xfrm>
+          <a:prstGeom prst="rect">
+            <a:avLst/>
+          </a:prstGeom>
+        </p:spPr>
+      </p:pic>
+      <mc:AlternateContent xmlns:mc="http://schemas.openxmlformats.org/markup-compatibility/2006" xmlns:a14="http://schemas.microsoft.com/office/drawing/2010/main">
+        <mc:Choice Requires="a14">
+          <p:sp>
+            <p:nvSpPr>
+              <p:cNvPr id="7" name="TextBox 6">
+                <a:extLst>
+                  <a:ext uri="{FF2B5EF4-FFF2-40B4-BE49-F238E27FC236}">
+                    <a16:creationId xmlns:a16="http://schemas.microsoft.com/office/drawing/2014/main" id="{04562281-B97F-4DF3-9737-BCE0A5D1CDE8}"/>
+                  </a:ext>
+                </a:extLst>
+              </p:cNvPr>
+              <p:cNvSpPr txBox="1"/>
+              <p:nvPr/>
+            </p:nvSpPr>
+            <p:spPr>
+              <a:xfrm>
+                <a:off x="572393" y="2838596"/>
+                <a:ext cx="5264202" cy="307777"/>
+              </a:xfrm>
+              <a:prstGeom prst="rect">
+                <a:avLst/>
+              </a:prstGeom>
+              <a:noFill/>
+            </p:spPr>
+            <p:txBody>
+              <a:bodyPr wrap="square" lIns="0" tIns="0" rIns="0" bIns="0" rtlCol="0">
+                <a:spAutoFit/>
+              </a:bodyPr>
+              <a:lstStyle/>
+              <a:p>
+                <a:pPr/>
+                <a14:m>
+                  <m:oMathPara xmlns:m="http://schemas.openxmlformats.org/officeDocument/2006/math">
+                    <m:oMathParaPr>
+                      <m:jc m:val="left"/>
+                    </m:oMathParaPr>
+                    <m:oMath xmlns:m="http://schemas.openxmlformats.org/officeDocument/2006/math">
+                      <m:r>
+                        <a:rPr lang="en-US" sz="2000" b="1" i="0" smtClean="0">
+                          <a:solidFill>
+                            <a:srgbClr val="00B0F0"/>
+                          </a:solidFill>
+                          <a:latin typeface="Cambria Math" panose="02040503050406030204" pitchFamily="18" charset="0"/>
+                        </a:rPr>
+                        <m:t>𝐥𝐧</m:t>
+                      </m:r>
+                      <m:d>
+                        <m:dPr>
+                          <m:ctrlPr>
+                            <a:rPr lang="en-US" sz="2000" b="1" i="1" smtClean="0">
+                              <a:solidFill>
+                                <a:srgbClr val="00B0F0"/>
+                              </a:solidFill>
+                              <a:latin typeface="Cambria Math" panose="02040503050406030204" pitchFamily="18" charset="0"/>
+                            </a:rPr>
+                          </m:ctrlPr>
+                        </m:dPr>
+                        <m:e>
+                          <m:f>
+                            <m:fPr>
+                              <m:type m:val="lin"/>
+                              <m:ctrlPr>
+                                <a:rPr lang="en-US" sz="2000" b="1" i="1">
+                                  <a:solidFill>
+                                    <a:srgbClr val="00B0F0"/>
+                                  </a:solidFill>
+                                  <a:latin typeface="Cambria Math" panose="02040503050406030204" pitchFamily="18" charset="0"/>
+                                </a:rPr>
+                              </m:ctrlPr>
+                            </m:fPr>
+                            <m:num>
+                              <m:r>
+                                <a:rPr lang="en-US" sz="2000" b="1" i="1">
+                                  <a:solidFill>
+                                    <a:srgbClr val="00B0F0"/>
+                                  </a:solidFill>
+                                  <a:latin typeface="Cambria Math" panose="02040503050406030204" pitchFamily="18" charset="0"/>
+                                </a:rPr>
+                                <m:t>𝑰</m:t>
+                              </m:r>
+                            </m:num>
+                            <m:den>
+                              <m:sSub>
+                                <m:sSubPr>
+                                  <m:ctrlPr>
+                                    <a:rPr lang="en-US" sz="2000" b="1" i="1">
+                                      <a:solidFill>
+                                        <a:srgbClr val="00B0F0"/>
+                                      </a:solidFill>
+                                      <a:latin typeface="Cambria Math" panose="02040503050406030204" pitchFamily="18" charset="0"/>
+                                    </a:rPr>
+                                  </m:ctrlPr>
+                                </m:sSubPr>
+                                <m:e>
+                                  <m:r>
+                                    <a:rPr lang="en-US" sz="2000" b="1" i="1">
+                                      <a:solidFill>
+                                        <a:srgbClr val="00B0F0"/>
+                                      </a:solidFill>
+                                      <a:latin typeface="Cambria Math" panose="02040503050406030204" pitchFamily="18" charset="0"/>
+                                    </a:rPr>
+                                    <m:t>𝑰</m:t>
+                                  </m:r>
+                                </m:e>
+                                <m:sub>
+                                  <m:r>
+                                    <a:rPr lang="en-US" sz="2000" b="1" i="1">
+                                      <a:solidFill>
+                                        <a:srgbClr val="00B0F0"/>
+                                      </a:solidFill>
+                                      <a:latin typeface="Cambria Math" panose="02040503050406030204" pitchFamily="18" charset="0"/>
+                                    </a:rPr>
+                                    <m:t>𝟎</m:t>
+                                  </m:r>
+                                </m:sub>
+                              </m:sSub>
+                            </m:den>
+                          </m:f>
+                        </m:e>
+                      </m:d>
+                      <m:r>
+                        <a:rPr lang="en-US" sz="2000" b="1" i="1" smtClean="0">
+                          <a:solidFill>
+                            <a:srgbClr val="00B0F0"/>
+                          </a:solidFill>
+                          <a:latin typeface="Cambria Math" panose="02040503050406030204" pitchFamily="18" charset="0"/>
+                        </a:rPr>
+                        <m:t>=−</m:t>
+                      </m:r>
+                      <m:r>
+                        <a:rPr lang="en-US" sz="2000" b="1" i="1" smtClean="0">
+                          <a:solidFill>
+                            <a:srgbClr val="00B0F0"/>
+                          </a:solidFill>
+                          <a:latin typeface="Cambria Math" panose="02040503050406030204" pitchFamily="18" charset="0"/>
+                          <a:ea typeface="Cambria Math" panose="02040503050406030204" pitchFamily="18" charset="0"/>
+                        </a:rPr>
+                        <m:t>𝝈</m:t>
+                      </m:r>
+                      <m:r>
+                        <a:rPr lang="en-US" sz="2000" b="1" i="1" smtClean="0">
+                          <a:solidFill>
+                            <a:srgbClr val="00B0F0"/>
+                          </a:solidFill>
+                          <a:latin typeface="Cambria Math" panose="02040503050406030204" pitchFamily="18" charset="0"/>
+                          <a:ea typeface="Cambria Math" panose="02040503050406030204" pitchFamily="18" charset="0"/>
+                        </a:rPr>
+                        <m:t>∙</m:t>
+                      </m:r>
+                      <m:d>
+                        <m:dPr>
+                          <m:ctrlPr>
+                            <a:rPr lang="en-US" sz="2000" b="1" i="1" smtClean="0">
+                              <a:solidFill>
+                                <a:srgbClr val="00B0F0"/>
+                              </a:solidFill>
+                              <a:latin typeface="Cambria Math" panose="02040503050406030204" pitchFamily="18" charset="0"/>
+                              <a:ea typeface="Cambria Math" panose="02040503050406030204" pitchFamily="18" charset="0"/>
+                            </a:rPr>
+                          </m:ctrlPr>
+                        </m:dPr>
+                        <m:e>
+                          <m:r>
+                            <a:rPr lang="en-US" sz="2000" b="1" i="1" smtClean="0">
+                              <a:solidFill>
+                                <a:srgbClr val="00B0F0"/>
+                              </a:solidFill>
+                              <a:latin typeface="Cambria Math" panose="02040503050406030204" pitchFamily="18" charset="0"/>
+                              <a:ea typeface="Cambria Math" panose="02040503050406030204" pitchFamily="18" charset="0"/>
+                            </a:rPr>
+                            <m:t>𝒅𝒆𝒏𝒔𝒊𝒕𝒚</m:t>
+                          </m:r>
+                        </m:e>
+                      </m:d>
+                      <m:r>
+                        <a:rPr lang="en-US" sz="2000" b="1" i="1" smtClean="0">
+                          <a:solidFill>
+                            <a:srgbClr val="00B0F0"/>
+                          </a:solidFill>
+                          <a:latin typeface="Cambria Math" panose="02040503050406030204" pitchFamily="18" charset="0"/>
+                          <a:ea typeface="Cambria Math" panose="02040503050406030204" pitchFamily="18" charset="0"/>
+                        </a:rPr>
+                        <m:t>∙</m:t>
+                      </m:r>
+                      <m:d>
+                        <m:dPr>
+                          <m:ctrlPr>
+                            <a:rPr lang="en-US" sz="2000" b="1" i="1" smtClean="0">
+                              <a:solidFill>
+                                <a:srgbClr val="00B0F0"/>
+                              </a:solidFill>
+                              <a:latin typeface="Cambria Math" panose="02040503050406030204" pitchFamily="18" charset="0"/>
+                              <a:ea typeface="Cambria Math" panose="02040503050406030204" pitchFamily="18" charset="0"/>
+                            </a:rPr>
+                          </m:ctrlPr>
+                        </m:dPr>
+                        <m:e>
+                          <m:r>
+                            <a:rPr lang="en-US" sz="2000" b="1" i="1" smtClean="0">
+                              <a:solidFill>
+                                <a:srgbClr val="00B0F0"/>
+                              </a:solidFill>
+                              <a:latin typeface="Cambria Math" panose="02040503050406030204" pitchFamily="18" charset="0"/>
+                              <a:ea typeface="Cambria Math" panose="02040503050406030204" pitchFamily="18" charset="0"/>
+                            </a:rPr>
+                            <m:t>𝒑𝒂𝒕𝒉</m:t>
+                          </m:r>
+                          <m:r>
+                            <a:rPr lang="en-US" sz="2000" b="1" i="1" smtClean="0">
+                              <a:solidFill>
+                                <a:srgbClr val="00B0F0"/>
+                              </a:solidFill>
+                              <a:latin typeface="Cambria Math" panose="02040503050406030204" pitchFamily="18" charset="0"/>
+                              <a:ea typeface="Cambria Math" panose="02040503050406030204" pitchFamily="18" charset="0"/>
+                            </a:rPr>
+                            <m:t> </m:t>
+                          </m:r>
+                          <m:r>
+                            <a:rPr lang="en-US" sz="2000" b="1" i="1" smtClean="0">
+                              <a:solidFill>
+                                <a:srgbClr val="00B0F0"/>
+                              </a:solidFill>
+                              <a:latin typeface="Cambria Math" panose="02040503050406030204" pitchFamily="18" charset="0"/>
+                              <a:ea typeface="Cambria Math" panose="02040503050406030204" pitchFamily="18" charset="0"/>
+                            </a:rPr>
+                            <m:t>𝒍𝒆𝒏𝒈𝒕𝒉</m:t>
+                          </m:r>
+                        </m:e>
+                      </m:d>
+                    </m:oMath>
+                  </m:oMathPara>
+                </a14:m>
+                <a:endParaRPr lang="en-US" sz="2000" b="1" dirty="0">
+                  <a:solidFill>
+                    <a:srgbClr val="00B0F0"/>
+                  </a:solidFill>
+                </a:endParaRPr>
+              </a:p>
+            </p:txBody>
+          </p:sp>
+        </mc:Choice>
+        <mc:Fallback xmlns="">
+          <p:sp>
+            <p:nvSpPr>
+              <p:cNvPr id="7" name="TextBox 6">
+                <a:extLst>
+                  <a:ext uri="{FF2B5EF4-FFF2-40B4-BE49-F238E27FC236}">
+                    <a16:creationId xmlns:a16="http://schemas.microsoft.com/office/drawing/2014/main" id="{04562281-B97F-4DF3-9737-BCE0A5D1CDE8}"/>
+                  </a:ext>
+                </a:extLst>
+              </p:cNvPr>
+              <p:cNvSpPr txBox="1">
+                <a:spLocks noRot="1" noChangeAspect="1" noMove="1" noResize="1" noEditPoints="1" noAdjustHandles="1" noChangeArrowheads="1" noChangeShapeType="1" noTextEdit="1"/>
+              </p:cNvSpPr>
+              <p:nvPr/>
+            </p:nvSpPr>
+            <p:spPr>
+              <a:xfrm>
+                <a:off x="572393" y="2838596"/>
+                <a:ext cx="5264202" cy="307777"/>
+              </a:xfrm>
+              <a:prstGeom prst="rect">
+                <a:avLst/>
+              </a:prstGeom>
+              <a:blipFill>
+                <a:blip r:embed="rId4"/>
+                <a:stretch>
+                  <a:fillRect l="-1854" t="-170000" b="-250000"/>
+                </a:stretch>
+              </a:blipFill>
+            </p:spPr>
+            <p:txBody>
+              <a:bodyPr/>
+              <a:lstStyle/>
+              <a:p>
+                <a:r>
+                  <a:rPr lang="en-US">
+                    <a:noFill/>
+                  </a:rPr>
+                  <a:t> </a:t>
+                </a:r>
+              </a:p>
+            </p:txBody>
+          </p:sp>
+        </mc:Fallback>
+      </mc:AlternateContent>
+    </p:spTree>
+    <p:extLst>
+      <p:ext uri="{BB962C8B-B14F-4D97-AF65-F5344CB8AC3E}">
         <p14:creationId xmlns:p14="http://schemas.microsoft.com/office/powerpoint/2010/main" val="600976411"/>
       </p:ext>
     </p:extLst>
@@ -17832,7 +18500,7 @@
           <a:p>
             <a:r>
               <a:rPr lang="en-US" dirty="0"/>
-              <a:t>High energy (10s of </a:t>
+              <a:t>High-energy (10s of </a:t>
             </a:r>
             <a:r>
               <a:rPr lang="en-US" dirty="0" err="1"/>
@@ -17918,6 +18586,21 @@
             <a:r>
               <a:rPr lang="en-US" dirty="0"/>
               <a:t> collisions with DNA</a:t>
+            </a:r>
+          </a:p>
+          <a:p>
+            <a:pPr lvl="1"/>
+            <a:r>
+              <a:rPr lang="en-US" dirty="0"/>
+              <a:t>(100 </a:t>
+            </a:r>
+            <a:r>
+              <a:rPr lang="en-US" dirty="0" err="1"/>
+              <a:t>a.u</a:t>
+            </a:r>
+            <a:r>
+              <a:rPr lang="en-US" dirty="0"/>
+              <a:t>. of time ≈ 2.4 fs)</a:t>
             </a:r>
           </a:p>
         </p:txBody>

--- a/ACS_Boston_2018_Irikura.pptx
+++ b/ACS_Boston_2018_Irikura.pptx
@@ -234,7 +234,7 @@
           <a:p>
             <a:fld id="{093871A6-C1FC-450D-9B63-9900A59C3DCC}" type="datetimeFigureOut">
               <a:rPr lang="en-US" smtClean="0"/>
-              <a:t>8/14/2018</a:t>
+              <a:t>8/15/2018</a:t>
             </a:fld>
             <a:endParaRPr lang="en-US"/>
           </a:p>
@@ -2997,7 +2997,7 @@
           <a:p>
             <a:fld id="{FC6A8C3F-F9CD-4550-85ED-F3BB84B83A87}" type="datetimeFigureOut">
               <a:rPr lang="en-US" smtClean="0"/>
-              <a:t>8/14/2018</a:t>
+              <a:t>8/15/2018</a:t>
             </a:fld>
             <a:endParaRPr lang="en-US"/>
           </a:p>
@@ -3167,7 +3167,7 @@
           <a:p>
             <a:fld id="{FC6A8C3F-F9CD-4550-85ED-F3BB84B83A87}" type="datetimeFigureOut">
               <a:rPr lang="en-US" smtClean="0"/>
-              <a:t>8/14/2018</a:t>
+              <a:t>8/15/2018</a:t>
             </a:fld>
             <a:endParaRPr lang="en-US"/>
           </a:p>
@@ -3347,7 +3347,7 @@
           <a:p>
             <a:fld id="{FC6A8C3F-F9CD-4550-85ED-F3BB84B83A87}" type="datetimeFigureOut">
               <a:rPr lang="en-US" smtClean="0"/>
-              <a:t>8/14/2018</a:t>
+              <a:t>8/15/2018</a:t>
             </a:fld>
             <a:endParaRPr lang="en-US"/>
           </a:p>
@@ -3517,7 +3517,7 @@
           <a:p>
             <a:fld id="{FC6A8C3F-F9CD-4550-85ED-F3BB84B83A87}" type="datetimeFigureOut">
               <a:rPr lang="en-US" smtClean="0"/>
-              <a:t>8/14/2018</a:t>
+              <a:t>8/15/2018</a:t>
             </a:fld>
             <a:endParaRPr lang="en-US"/>
           </a:p>
@@ -3763,7 +3763,7 @@
           <a:p>
             <a:fld id="{FC6A8C3F-F9CD-4550-85ED-F3BB84B83A87}" type="datetimeFigureOut">
               <a:rPr lang="en-US" smtClean="0"/>
-              <a:t>8/14/2018</a:t>
+              <a:t>8/15/2018</a:t>
             </a:fld>
             <a:endParaRPr lang="en-US"/>
           </a:p>
@@ -3995,7 +3995,7 @@
           <a:p>
             <a:fld id="{FC6A8C3F-F9CD-4550-85ED-F3BB84B83A87}" type="datetimeFigureOut">
               <a:rPr lang="en-US" smtClean="0"/>
-              <a:t>8/14/2018</a:t>
+              <a:t>8/15/2018</a:t>
             </a:fld>
             <a:endParaRPr lang="en-US"/>
           </a:p>
@@ -4362,7 +4362,7 @@
           <a:p>
             <a:fld id="{FC6A8C3F-F9CD-4550-85ED-F3BB84B83A87}" type="datetimeFigureOut">
               <a:rPr lang="en-US" smtClean="0"/>
-              <a:t>8/14/2018</a:t>
+              <a:t>8/15/2018</a:t>
             </a:fld>
             <a:endParaRPr lang="en-US"/>
           </a:p>
@@ -4480,7 +4480,7 @@
           <a:p>
             <a:fld id="{FC6A8C3F-F9CD-4550-85ED-F3BB84B83A87}" type="datetimeFigureOut">
               <a:rPr lang="en-US" smtClean="0"/>
-              <a:t>8/14/2018</a:t>
+              <a:t>8/15/2018</a:t>
             </a:fld>
             <a:endParaRPr lang="en-US"/>
           </a:p>
@@ -4575,7 +4575,7 @@
           <a:p>
             <a:fld id="{FC6A8C3F-F9CD-4550-85ED-F3BB84B83A87}" type="datetimeFigureOut">
               <a:rPr lang="en-US" smtClean="0"/>
-              <a:t>8/14/2018</a:t>
+              <a:t>8/15/2018</a:t>
             </a:fld>
             <a:endParaRPr lang="en-US"/>
           </a:p>
@@ -4852,7 +4852,7 @@
           <a:p>
             <a:fld id="{FC6A8C3F-F9CD-4550-85ED-F3BB84B83A87}" type="datetimeFigureOut">
               <a:rPr lang="en-US" smtClean="0"/>
-              <a:t>8/14/2018</a:t>
+              <a:t>8/15/2018</a:t>
             </a:fld>
             <a:endParaRPr lang="en-US"/>
           </a:p>
@@ -5109,7 +5109,7 @@
           <a:p>
             <a:fld id="{FC6A8C3F-F9CD-4550-85ED-F3BB84B83A87}" type="datetimeFigureOut">
               <a:rPr lang="en-US" smtClean="0"/>
-              <a:t>8/14/2018</a:t>
+              <a:t>8/15/2018</a:t>
             </a:fld>
             <a:endParaRPr lang="en-US"/>
           </a:p>
@@ -5322,7 +5322,7 @@
           <a:p>
             <a:fld id="{FC6A8C3F-F9CD-4550-85ED-F3BB84B83A87}" type="datetimeFigureOut">
               <a:rPr lang="en-US" smtClean="0"/>
-              <a:t>8/14/2018</a:t>
+              <a:t>8/15/2018</a:t>
             </a:fld>
             <a:endParaRPr lang="en-US"/>
           </a:p>
@@ -6904,7 +6904,7 @@
         </p:blipFill>
         <p:spPr>
           <a:xfrm>
-            <a:off x="5988205" y="1554411"/>
+            <a:off x="5929839" y="1226634"/>
             <a:ext cx="5861824" cy="4593220"/>
           </a:xfrm>
           <a:prstGeom prst="rect">
@@ -6930,7 +6930,7 @@
         </p:nvSpPr>
         <p:spPr>
           <a:xfrm>
-            <a:off x="664401" y="1569957"/>
+            <a:off x="664401" y="1239216"/>
             <a:ext cx="5100779" cy="3738023"/>
           </a:xfrm>
         </p:spPr>
@@ -7020,7 +7020,7 @@
           <a:graphicData uri="http://schemas.openxmlformats.org/presentationml/2006/ole">
             <mc:AlternateContent xmlns:mc="http://schemas.openxmlformats.org/markup-compatibility/2006">
               <mc:Choice xmlns:v="urn:schemas-microsoft-com:vml" Requires="v">
-                <p:oleObj spid="_x0000_s2083" r:id="rId6" imgW="347220" imgH="385210" progId="">
+                <p:oleObj spid="_x0000_s2085" r:id="rId6" imgW="347220" imgH="385210" progId="">
                   <p:embed/>
                 </p:oleObj>
               </mc:Choice>
@@ -7069,8 +7069,8 @@
         </p:nvSpPr>
         <p:spPr>
           <a:xfrm>
-            <a:off x="1137646" y="6337065"/>
-            <a:ext cx="9701117" cy="307777"/>
+            <a:off x="1021404" y="5942699"/>
+            <a:ext cx="10042660" cy="738664"/>
           </a:xfrm>
           <a:prstGeom prst="rect">
             <a:avLst/>
@@ -7078,7 +7078,7 @@
           <a:noFill/>
         </p:spPr>
         <p:txBody>
-          <a:bodyPr wrap="none" rtlCol="0">
+          <a:bodyPr wrap="square" rtlCol="0">
             <a:spAutoFit/>
           </a:bodyPr>
           <a:lstStyle/>
@@ -7145,6 +7145,88 @@
                   <a:srgbClr val="FFFF00"/>
                 </a:solidFill>
               </a:rPr>
+              <a:t>.</a:t>
+            </a:r>
+          </a:p>
+          <a:p>
+            <a:r>
+              <a:rPr lang="en-US" sz="1400" dirty="0"/>
+              <a:t>Ren, X.; </a:t>
+            </a:r>
+            <a:r>
+              <a:rPr lang="en-US" sz="1400" dirty="0" err="1"/>
+              <a:t>Pflüger</a:t>
+            </a:r>
+            <a:r>
+              <a:rPr lang="en-US" sz="1400" dirty="0"/>
+              <a:t>, T.; </a:t>
+            </a:r>
+            <a:r>
+              <a:rPr lang="en-US" sz="1400" dirty="0" err="1"/>
+              <a:t>Weyland</a:t>
+            </a:r>
+            <a:r>
+              <a:rPr lang="en-US" sz="1400" dirty="0"/>
+              <a:t>, M.; </a:t>
+            </a:r>
+            <a:r>
+              <a:rPr lang="en-US" sz="1400" dirty="0" err="1"/>
+              <a:t>Baek</a:t>
+            </a:r>
+            <a:r>
+              <a:rPr lang="en-US" sz="1400" dirty="0"/>
+              <a:t>, W. Y.; </a:t>
+            </a:r>
+            <a:r>
+              <a:rPr lang="en-US" sz="1400" dirty="0" err="1"/>
+              <a:t>Rabus</a:t>
+            </a:r>
+            <a:r>
+              <a:rPr lang="en-US" sz="1400" dirty="0"/>
+              <a:t>, H.; Ullrich, J.; Dorn, A. An (</a:t>
+            </a:r>
+            <a:r>
+              <a:rPr lang="en-US" sz="1400" i="1" dirty="0"/>
+              <a:t>e</a:t>
+            </a:r>
+            <a:r>
+              <a:rPr lang="en-US" sz="1400" dirty="0"/>
+              <a:t>, 2</a:t>
+            </a:r>
+            <a:r>
+              <a:rPr lang="en-US" sz="1400" i="1" dirty="0"/>
+              <a:t>e</a:t>
+            </a:r>
+            <a:r>
+              <a:rPr lang="en-US" sz="1400" dirty="0"/>
+              <a:t>+ion) study of low-energy electron-impact ionization and fragmentation of tetrahydrofuran with high mass and energy resolutions. </a:t>
+            </a:r>
+            <a:r>
+              <a:rPr lang="en-US" sz="1400" i="1" dirty="0"/>
+              <a:t>J. Chem. Phys. </a:t>
+            </a:r>
+            <a:r>
+              <a:rPr lang="en-US" sz="1400" b="1" dirty="0"/>
+              <a:t>2014</a:t>
+            </a:r>
+            <a:r>
+              <a:rPr lang="en-US" sz="1400" b="1" i="1" dirty="0"/>
+              <a:t>, </a:t>
+            </a:r>
+            <a:r>
+              <a:rPr lang="en-US" sz="1400" i="1" dirty="0"/>
+              <a:t>141</a:t>
+            </a:r>
+            <a:r>
+              <a:rPr lang="en-US" sz="1400" b="1" i="1" dirty="0"/>
+              <a:t>, </a:t>
+            </a:r>
+            <a:r>
+              <a:rPr lang="en-US" sz="1400" dirty="0"/>
+              <a:t>134314</a:t>
+            </a:r>
+            <a:r>
+              <a:rPr lang="en-US" sz="1400" b="1" i="1" dirty="0"/>
               <a:t>.</a:t>
             </a:r>
           </a:p>
@@ -7164,7 +7246,7 @@
         </p:nvSpPr>
         <p:spPr>
           <a:xfrm>
-            <a:off x="2339320" y="4809595"/>
+            <a:off x="2451616" y="4430216"/>
             <a:ext cx="1526347" cy="1569660"/>
           </a:xfrm>
           <a:prstGeom prst="rect">
@@ -16027,7 +16109,7 @@
           <a:graphicData uri="http://schemas.openxmlformats.org/presentationml/2006/ole">
             <mc:AlternateContent xmlns:mc="http://schemas.openxmlformats.org/markup-compatibility/2006">
               <mc:Choice xmlns:v="urn:schemas-microsoft-com:vml" Requires="v">
-                <p:oleObj spid="_x0000_s1066" name="Equation" r:id="rId4" imgW="3162240" imgH="469800" progId="Equation.DSMT4">
+                <p:oleObj spid="_x0000_s1068" name="Equation" r:id="rId4" imgW="3162240" imgH="469800" progId="Equation.DSMT4">
                   <p:embed/>
                 </p:oleObj>
               </mc:Choice>

--- a/ACS_Boston_2018_Irikura.pptx
+++ b/ACS_Boston_2018_Irikura.pptx
@@ -20,8 +20,8 @@
     <p:sldId id="275" r:id="rId11"/>
     <p:sldId id="269" r:id="rId12"/>
     <p:sldId id="271" r:id="rId13"/>
-    <p:sldId id="270" r:id="rId14"/>
-    <p:sldId id="266" r:id="rId15"/>
+    <p:sldId id="266" r:id="rId14"/>
+    <p:sldId id="270" r:id="rId15"/>
     <p:sldId id="273" r:id="rId16"/>
     <p:sldId id="274" r:id="rId17"/>
     <p:sldId id="276" r:id="rId18"/>
@@ -234,7 +234,7 @@
           <a:p>
             <a:fld id="{093871A6-C1FC-450D-9B63-9900A59C3DCC}" type="datetimeFigureOut">
               <a:rPr lang="en-US" smtClean="0"/>
-              <a:t>8/15/2018</a:t>
+              <a:t>8/16/2018</a:t>
             </a:fld>
             <a:endParaRPr lang="en-US"/>
           </a:p>
@@ -634,13 +634,7 @@
           <a:p>
             <a:r>
               <a:rPr lang="en-US" dirty="0"/>
-              <a:t>BEB theory is described on a supplemental slide. </a:t>
-            </a:r>
-          </a:p>
-          <a:p>
-            <a:r>
-              <a:rPr lang="en-US" dirty="0"/>
-              <a:t>This part of the problem appears to be under control. </a:t>
+              <a:t>To a first approximation, the incident electron knocks a bound electron out of the molecule, often creating a molecular ion in an excited state. </a:t>
             </a:r>
           </a:p>
         </p:txBody>
@@ -671,7 +665,7 @@
     </p:spTree>
     <p:extLst>
       <p:ext uri="{BB962C8B-B14F-4D97-AF65-F5344CB8AC3E}">
-        <p14:creationId xmlns:p14="http://schemas.microsoft.com/office/powerpoint/2010/main" val="1064968525"/>
+        <p14:creationId xmlns:p14="http://schemas.microsoft.com/office/powerpoint/2010/main" val="4244621437"/>
       </p:ext>
     </p:extLst>
   </p:cSld>
@@ -727,37 +721,13 @@
           <a:p>
             <a:r>
               <a:rPr lang="en-US" dirty="0"/>
-              <a:t>To a first approximation, the incident electron knocks a bound electron out of the molecule, often creating a molecular ion in an excited state. </a:t>
-            </a:r>
-          </a:p>
-          <a:p>
-            <a:r>
-              <a:rPr lang="en-US" dirty="0"/>
-              <a:t>Diagram shows electrons in molecular orbitals (H</a:t>
-            </a:r>
-            <a:r>
-              <a:rPr lang="en-US" baseline="-25000" dirty="0"/>
-              <a:t>2</a:t>
-            </a:r>
-            <a:r>
-              <a:rPr lang="en-US" dirty="0"/>
-              <a:t>O and H</a:t>
-            </a:r>
-            <a:r>
-              <a:rPr lang="en-US" baseline="-25000" dirty="0"/>
-              <a:t>2</a:t>
-            </a:r>
-            <a:r>
-              <a:rPr lang="en-US" dirty="0"/>
-              <a:t>O</a:t>
-            </a:r>
-            <a:r>
-              <a:rPr lang="en-US" baseline="30000" dirty="0"/>
-              <a:t>+</a:t>
-            </a:r>
-            <a:r>
-              <a:rPr lang="en-US" dirty="0"/>
-              <a:t>) in the frozen-orbital approximation. </a:t>
+              <a:t>BEB theory is described on a supplemental slide. </a:t>
+            </a:r>
+          </a:p>
+          <a:p>
+            <a:r>
+              <a:rPr lang="en-US" dirty="0"/>
+              <a:t>This part of the problem appears to be under control. </a:t>
             </a:r>
           </a:p>
         </p:txBody>
@@ -788,7 +758,7 @@
     </p:spTree>
     <p:extLst>
       <p:ext uri="{BB962C8B-B14F-4D97-AF65-F5344CB8AC3E}">
-        <p14:creationId xmlns:p14="http://schemas.microsoft.com/office/powerpoint/2010/main" val="4244621437"/>
+        <p14:creationId xmlns:p14="http://schemas.microsoft.com/office/powerpoint/2010/main" val="1064968525"/>
       </p:ext>
     </p:extLst>
   </p:cSld>
@@ -1470,7 +1440,7 @@
           <a:p>
             <a:r>
               <a:rPr lang="en-US" dirty="0"/>
-              <a:t>This is to show you that gas-phase chemistry is not only about molecular physics. </a:t>
+              <a:t>This is to show you that gas-phase ion chemistry is not only about molecular physics. </a:t>
             </a:r>
           </a:p>
           <a:p>
@@ -2997,7 +2967,7 @@
           <a:p>
             <a:fld id="{FC6A8C3F-F9CD-4550-85ED-F3BB84B83A87}" type="datetimeFigureOut">
               <a:rPr lang="en-US" smtClean="0"/>
-              <a:t>8/15/2018</a:t>
+              <a:t>8/16/2018</a:t>
             </a:fld>
             <a:endParaRPr lang="en-US"/>
           </a:p>
@@ -3167,7 +3137,7 @@
           <a:p>
             <a:fld id="{FC6A8C3F-F9CD-4550-85ED-F3BB84B83A87}" type="datetimeFigureOut">
               <a:rPr lang="en-US" smtClean="0"/>
-              <a:t>8/15/2018</a:t>
+              <a:t>8/16/2018</a:t>
             </a:fld>
             <a:endParaRPr lang="en-US"/>
           </a:p>
@@ -3347,7 +3317,7 @@
           <a:p>
             <a:fld id="{FC6A8C3F-F9CD-4550-85ED-F3BB84B83A87}" type="datetimeFigureOut">
               <a:rPr lang="en-US" smtClean="0"/>
-              <a:t>8/15/2018</a:t>
+              <a:t>8/16/2018</a:t>
             </a:fld>
             <a:endParaRPr lang="en-US"/>
           </a:p>
@@ -3517,7 +3487,7 @@
           <a:p>
             <a:fld id="{FC6A8C3F-F9CD-4550-85ED-F3BB84B83A87}" type="datetimeFigureOut">
               <a:rPr lang="en-US" smtClean="0"/>
-              <a:t>8/15/2018</a:t>
+              <a:t>8/16/2018</a:t>
             </a:fld>
             <a:endParaRPr lang="en-US"/>
           </a:p>
@@ -3763,7 +3733,7 @@
           <a:p>
             <a:fld id="{FC6A8C3F-F9CD-4550-85ED-F3BB84B83A87}" type="datetimeFigureOut">
               <a:rPr lang="en-US" smtClean="0"/>
-              <a:t>8/15/2018</a:t>
+              <a:t>8/16/2018</a:t>
             </a:fld>
             <a:endParaRPr lang="en-US"/>
           </a:p>
@@ -3995,7 +3965,7 @@
           <a:p>
             <a:fld id="{FC6A8C3F-F9CD-4550-85ED-F3BB84B83A87}" type="datetimeFigureOut">
               <a:rPr lang="en-US" smtClean="0"/>
-              <a:t>8/15/2018</a:t>
+              <a:t>8/16/2018</a:t>
             </a:fld>
             <a:endParaRPr lang="en-US"/>
           </a:p>
@@ -4362,7 +4332,7 @@
           <a:p>
             <a:fld id="{FC6A8C3F-F9CD-4550-85ED-F3BB84B83A87}" type="datetimeFigureOut">
               <a:rPr lang="en-US" smtClean="0"/>
-              <a:t>8/15/2018</a:t>
+              <a:t>8/16/2018</a:t>
             </a:fld>
             <a:endParaRPr lang="en-US"/>
           </a:p>
@@ -4480,7 +4450,7 @@
           <a:p>
             <a:fld id="{FC6A8C3F-F9CD-4550-85ED-F3BB84B83A87}" type="datetimeFigureOut">
               <a:rPr lang="en-US" smtClean="0"/>
-              <a:t>8/15/2018</a:t>
+              <a:t>8/16/2018</a:t>
             </a:fld>
             <a:endParaRPr lang="en-US"/>
           </a:p>
@@ -4575,7 +4545,7 @@
           <a:p>
             <a:fld id="{FC6A8C3F-F9CD-4550-85ED-F3BB84B83A87}" type="datetimeFigureOut">
               <a:rPr lang="en-US" smtClean="0"/>
-              <a:t>8/15/2018</a:t>
+              <a:t>8/16/2018</a:t>
             </a:fld>
             <a:endParaRPr lang="en-US"/>
           </a:p>
@@ -4852,7 +4822,7 @@
           <a:p>
             <a:fld id="{FC6A8C3F-F9CD-4550-85ED-F3BB84B83A87}" type="datetimeFigureOut">
               <a:rPr lang="en-US" smtClean="0"/>
-              <a:t>8/15/2018</a:t>
+              <a:t>8/16/2018</a:t>
             </a:fld>
             <a:endParaRPr lang="en-US"/>
           </a:p>
@@ -5109,7 +5079,7 @@
           <a:p>
             <a:fld id="{FC6A8C3F-F9CD-4550-85ED-F3BB84B83A87}" type="datetimeFigureOut">
               <a:rPr lang="en-US" smtClean="0"/>
-              <a:t>8/15/2018</a:t>
+              <a:t>8/16/2018</a:t>
             </a:fld>
             <a:endParaRPr lang="en-US"/>
           </a:p>
@@ -5322,7 +5292,7 @@
           <a:p>
             <a:fld id="{FC6A8C3F-F9CD-4550-85ED-F3BB84B83A87}" type="datetimeFigureOut">
               <a:rPr lang="en-US" smtClean="0"/>
-              <a:t>8/15/2018</a:t>
+              <a:t>8/16/2018</a:t>
             </a:fld>
             <a:endParaRPr lang="en-US"/>
           </a:p>
@@ -5970,7 +5940,7 @@
           <p:nvPr/>
         </p:nvPicPr>
         <p:blipFill>
-          <a:blip r:embed="rId2">
+          <a:blip r:embed="rId3">
             <a:extLst>
               <a:ext uri="{28A0092B-C50C-407E-A947-70E740481C1C}">
                 <a14:useLocalDpi xmlns:a14="http://schemas.microsoft.com/office/drawing/2010/main" val="0"/>
@@ -6006,7 +5976,7 @@
           <p:nvPr/>
         </p:nvPicPr>
         <p:blipFill>
-          <a:blip r:embed="rId3">
+          <a:blip r:embed="rId4">
             <a:extLst>
               <a:ext uri="{28A0092B-C50C-407E-A947-70E740481C1C}">
                 <a14:useLocalDpi xmlns:a14="http://schemas.microsoft.com/office/drawing/2010/main" val="0"/>
@@ -6066,6 +6036,111 @@
           </a:p>
         </p:txBody>
       </p:sp>
+      <p:graphicFrame>
+        <p:nvGraphicFramePr>
+          <p:cNvPr id="6" name="Object 5">
+            <a:extLst>
+              <a:ext uri="{FF2B5EF4-FFF2-40B4-BE49-F238E27FC236}">
+                <a16:creationId xmlns:a16="http://schemas.microsoft.com/office/drawing/2014/main" id="{81A55957-B8D1-4C97-8DAA-F9F8F07D2A1F}"/>
+              </a:ext>
+            </a:extLst>
+          </p:cNvPr>
+          <p:cNvGraphicFramePr>
+            <a:graphicFrameLocks noChangeAspect="1"/>
+          </p:cNvGraphicFramePr>
+          <p:nvPr>
+            <p:extLst>
+              <p:ext uri="{D42A27DB-BD31-4B8C-83A1-F6EECF244321}">
+                <p14:modId xmlns:p14="http://schemas.microsoft.com/office/powerpoint/2010/main" val="1880311601"/>
+              </p:ext>
+            </p:extLst>
+          </p:nvPr>
+        </p:nvGraphicFramePr>
+        <p:xfrm>
+          <a:off x="3947058" y="2389125"/>
+          <a:ext cx="871848" cy="967393"/>
+        </p:xfrm>
+        <a:graphic>
+          <a:graphicData uri="http://schemas.openxmlformats.org/presentationml/2006/ole">
+            <mc:AlternateContent xmlns:mc="http://schemas.openxmlformats.org/markup-compatibility/2006">
+              <mc:Choice xmlns:v="urn:schemas-microsoft-com:vml" Requires="v">
+                <p:oleObj spid="_x0000_s3075" r:id="rId5" imgW="347220" imgH="385210" progId="">
+                  <p:embed/>
+                </p:oleObj>
+              </mc:Choice>
+              <mc:Fallback>
+                <p:oleObj r:id="rId5" imgW="347220" imgH="385210" progId="">
+                  <p:embed/>
+                  <p:pic>
+                    <p:nvPicPr>
+                      <p:cNvPr id="13" name="Object 12">
+                        <a:extLst>
+                          <a:ext uri="{FF2B5EF4-FFF2-40B4-BE49-F238E27FC236}">
+                            <a16:creationId xmlns:a16="http://schemas.microsoft.com/office/drawing/2014/main" id="{AA350C75-D6C1-4EE4-A6FE-E121D036C44D}"/>
+                          </a:ext>
+                        </a:extLst>
+                      </p:cNvPr>
+                      <p:cNvPicPr/>
+                      <p:nvPr/>
+                    </p:nvPicPr>
+                    <p:blipFill>
+                      <a:blip r:embed="rId6"/>
+                      <a:stretch>
+                        <a:fillRect/>
+                      </a:stretch>
+                    </p:blipFill>
+                    <p:spPr>
+                      <a:xfrm>
+                        <a:off x="3947058" y="2389125"/>
+                        <a:ext cx="871848" cy="967393"/>
+                      </a:xfrm>
+                      <a:prstGeom prst="rect">
+                        <a:avLst/>
+                      </a:prstGeom>
+                    </p:spPr>
+                  </p:pic>
+                </p:oleObj>
+              </mc:Fallback>
+            </mc:AlternateContent>
+          </a:graphicData>
+        </a:graphic>
+      </p:graphicFrame>
+      <p:pic>
+        <p:nvPicPr>
+          <p:cNvPr id="4" name="Picture 3">
+            <a:extLst>
+              <a:ext uri="{FF2B5EF4-FFF2-40B4-BE49-F238E27FC236}">
+                <a16:creationId xmlns:a16="http://schemas.microsoft.com/office/drawing/2014/main" id="{4821FDE0-3A5B-4335-A3E1-BFFDF1197F99}"/>
+              </a:ext>
+            </a:extLst>
+          </p:cNvPr>
+          <p:cNvPicPr>
+            <a:picLocks noChangeAspect="1"/>
+          </p:cNvPicPr>
+          <p:nvPr/>
+        </p:nvPicPr>
+        <p:blipFill>
+          <a:blip r:embed="rId7">
+            <a:extLst>
+              <a:ext uri="{28A0092B-C50C-407E-A947-70E740481C1C}">
+                <a14:useLocalDpi xmlns:a14="http://schemas.microsoft.com/office/drawing/2010/main" val="0"/>
+              </a:ext>
+            </a:extLst>
+          </a:blip>
+          <a:stretch>
+            <a:fillRect/>
+          </a:stretch>
+        </p:blipFill>
+        <p:spPr>
+          <a:xfrm>
+            <a:off x="9348281" y="2288355"/>
+            <a:ext cx="2005519" cy="1224058"/>
+          </a:xfrm>
+          <a:prstGeom prst="rect">
+            <a:avLst/>
+          </a:prstGeom>
+        </p:spPr>
+      </p:pic>
     </p:spTree>
     <p:extLst>
       <p:ext uri="{BB962C8B-B14F-4D97-AF65-F5344CB8AC3E}">
@@ -6824,471 +6899,6 @@
 <file path=ppt/slides/slide13.xml><?xml version="1.0" encoding="utf-8"?>
 <p:sld xmlns:a="http://schemas.openxmlformats.org/drawingml/2006/main" xmlns:r="http://schemas.openxmlformats.org/officeDocument/2006/relationships" xmlns:p="http://schemas.openxmlformats.org/presentationml/2006/main">
   <p:cSld>
-    <p:spTree>
-      <p:nvGrpSpPr>
-        <p:cNvPr id="1" name=""/>
-        <p:cNvGrpSpPr/>
-        <p:nvPr/>
-      </p:nvGrpSpPr>
-      <p:grpSpPr>
-        <a:xfrm>
-          <a:off x="0" y="0"/>
-          <a:ext cx="0" cy="0"/>
-          <a:chOff x="0" y="0"/>
-          <a:chExt cx="0" cy="0"/>
-        </a:xfrm>
-      </p:grpSpPr>
-      <p:sp>
-        <p:nvSpPr>
-          <p:cNvPr id="2" name="Title 1">
-            <a:extLst>
-              <a:ext uri="{FF2B5EF4-FFF2-40B4-BE49-F238E27FC236}">
-                <a16:creationId xmlns:a16="http://schemas.microsoft.com/office/drawing/2014/main" id="{6E81E9CD-F3F7-4D41-931B-9B66D487BA2E}"/>
-              </a:ext>
-            </a:extLst>
-          </p:cNvPr>
-          <p:cNvSpPr>
-            <a:spLocks noGrp="1"/>
-          </p:cNvSpPr>
-          <p:nvPr>
-            <p:ph type="title"/>
-          </p:nvPr>
-        </p:nvSpPr>
-        <p:spPr>
-          <a:xfrm>
-            <a:off x="838200" y="365125"/>
-            <a:ext cx="10515600" cy="861509"/>
-          </a:xfrm>
-        </p:spPr>
-        <p:txBody>
-          <a:bodyPr/>
-          <a:lstStyle/>
-          <a:p>
-            <a:pPr algn="ctr"/>
-            <a:r>
-              <a:rPr lang="en-US" dirty="0">
-                <a:solidFill>
-                  <a:srgbClr val="00FF00"/>
-                </a:solidFill>
-              </a:rPr>
-              <a:t>Internal energy distribution</a:t>
-            </a:r>
-          </a:p>
-        </p:txBody>
-      </p:sp>
-      <p:pic>
-        <p:nvPicPr>
-          <p:cNvPr id="9" name="Picture 8">
-            <a:extLst>
-              <a:ext uri="{FF2B5EF4-FFF2-40B4-BE49-F238E27FC236}">
-                <a16:creationId xmlns:a16="http://schemas.microsoft.com/office/drawing/2014/main" id="{E06480B9-32C4-46CC-9190-49D2992E6C6B}"/>
-              </a:ext>
-            </a:extLst>
-          </p:cNvPr>
-          <p:cNvPicPr>
-            <a:picLocks noChangeAspect="1"/>
-          </p:cNvPicPr>
-          <p:nvPr/>
-        </p:nvPicPr>
-        <p:blipFill>
-          <a:blip r:embed="rId4">
-            <a:extLst>
-              <a:ext uri="{28A0092B-C50C-407E-A947-70E740481C1C}">
-                <a14:useLocalDpi xmlns:a14="http://schemas.microsoft.com/office/drawing/2010/main" val="0"/>
-              </a:ext>
-            </a:extLst>
-          </a:blip>
-          <a:stretch>
-            <a:fillRect/>
-          </a:stretch>
-        </p:blipFill>
-        <p:spPr>
-          <a:xfrm>
-            <a:off x="5929839" y="1226634"/>
-            <a:ext cx="5861824" cy="4593220"/>
-          </a:xfrm>
-          <a:prstGeom prst="rect">
-            <a:avLst/>
-          </a:prstGeom>
-        </p:spPr>
-      </p:pic>
-      <p:sp>
-        <p:nvSpPr>
-          <p:cNvPr id="11" name="Content Placeholder 10">
-            <a:extLst>
-              <a:ext uri="{FF2B5EF4-FFF2-40B4-BE49-F238E27FC236}">
-                <a16:creationId xmlns:a16="http://schemas.microsoft.com/office/drawing/2014/main" id="{24622322-F1B8-43FB-8068-684E36CD3BD4}"/>
-              </a:ext>
-            </a:extLst>
-          </p:cNvPr>
-          <p:cNvSpPr>
-            <a:spLocks noGrp="1"/>
-          </p:cNvSpPr>
-          <p:nvPr>
-            <p:ph idx="1"/>
-          </p:nvPr>
-        </p:nvSpPr>
-        <p:spPr>
-          <a:xfrm>
-            <a:off x="664401" y="1239216"/>
-            <a:ext cx="5100779" cy="3738023"/>
-          </a:xfrm>
-        </p:spPr>
-        <p:txBody>
-          <a:bodyPr>
-            <a:normAutofit/>
-          </a:bodyPr>
-          <a:lstStyle/>
-          <a:p>
-            <a:r>
-              <a:rPr lang="en-US" dirty="0"/>
-              <a:t>From Kim’s BEB (Binary-encounter Bethe) theory</a:t>
-            </a:r>
-          </a:p>
-          <a:p>
-            <a:pPr lvl="1"/>
-            <a:r>
-              <a:rPr lang="en-US" dirty="0"/>
-              <a:t>Yields </a:t>
-            </a:r>
-            <a:r>
-              <a:rPr lang="en-US" dirty="0">
-                <a:solidFill>
-                  <a:srgbClr val="FFFF00"/>
-                </a:solidFill>
-              </a:rPr>
-              <a:t>ionization cross section for each molecular orbital (MO)</a:t>
-            </a:r>
-          </a:p>
-          <a:p>
-            <a:pPr lvl="1"/>
-            <a:r>
-              <a:rPr lang="en-US" dirty="0">
-                <a:solidFill>
-                  <a:srgbClr val="FFFF00"/>
-                </a:solidFill>
-                <a:hlinkClick r:id="rId5"/>
-              </a:rPr>
-              <a:t>https://github.com/kkinist/BEB</a:t>
-            </a:r>
-            <a:endParaRPr lang="en-US" dirty="0">
-              <a:solidFill>
-                <a:srgbClr val="FFFF00"/>
-              </a:solidFill>
-            </a:endParaRPr>
-          </a:p>
-          <a:p>
-            <a:r>
-              <a:rPr lang="en-US" dirty="0"/>
-              <a:t>Agrees with all experimental measurements!</a:t>
-            </a:r>
-          </a:p>
-          <a:p>
-            <a:pPr lvl="1"/>
-            <a:r>
-              <a:rPr lang="en-US" dirty="0"/>
-              <a:t>But there are only two</a:t>
-            </a:r>
-          </a:p>
-        </p:txBody>
-      </p:sp>
-      <p:graphicFrame>
-        <p:nvGraphicFramePr>
-          <p:cNvPr id="13" name="Object 12">
-            <a:extLst>
-              <a:ext uri="{FF2B5EF4-FFF2-40B4-BE49-F238E27FC236}">
-                <a16:creationId xmlns:a16="http://schemas.microsoft.com/office/drawing/2014/main" id="{AA350C75-D6C1-4EE4-A6FE-E121D036C44D}"/>
-              </a:ext>
-            </a:extLst>
-          </p:cNvPr>
-          <p:cNvGraphicFramePr>
-            <a:graphicFrameLocks noChangeAspect="1"/>
-          </p:cNvGraphicFramePr>
-          <p:nvPr>
-            <p:extLst>
-              <p:ext uri="{D42A27DB-BD31-4B8C-83A1-F6EECF244321}">
-                <p14:modId xmlns:p14="http://schemas.microsoft.com/office/powerpoint/2010/main" val="3483649792"/>
-              </p:ext>
-            </p:extLst>
-          </p:nvPr>
-        </p:nvGraphicFramePr>
-        <p:xfrm>
-          <a:off x="10192216" y="2778232"/>
-          <a:ext cx="871848" cy="967393"/>
-        </p:xfrm>
-        <a:graphic>
-          <a:graphicData uri="http://schemas.openxmlformats.org/presentationml/2006/ole">
-            <mc:AlternateContent xmlns:mc="http://schemas.openxmlformats.org/markup-compatibility/2006">
-              <mc:Choice xmlns:v="urn:schemas-microsoft-com:vml" Requires="v">
-                <p:oleObj spid="_x0000_s2085" r:id="rId6" imgW="347220" imgH="385210" progId="">
-                  <p:embed/>
-                </p:oleObj>
-              </mc:Choice>
-              <mc:Fallback>
-                <p:oleObj r:id="rId6" imgW="347220" imgH="385210" progId="">
-                  <p:embed/>
-                  <p:pic>
-                    <p:nvPicPr>
-                      <p:cNvPr id="0" name=""/>
-                      <p:cNvPicPr/>
-                      <p:nvPr/>
-                    </p:nvPicPr>
-                    <p:blipFill>
-                      <a:blip r:embed="rId7"/>
-                      <a:stretch>
-                        <a:fillRect/>
-                      </a:stretch>
-                    </p:blipFill>
-                    <p:spPr>
-                      <a:xfrm>
-                        <a:off x="10192216" y="2778232"/>
-                        <a:ext cx="871848" cy="967393"/>
-                      </a:xfrm>
-                      <a:prstGeom prst="rect">
-                        <a:avLst/>
-                      </a:prstGeom>
-                    </p:spPr>
-                  </p:pic>
-                </p:oleObj>
-              </mc:Fallback>
-            </mc:AlternateContent>
-          </a:graphicData>
-        </a:graphic>
-      </p:graphicFrame>
-      <p:sp>
-        <p:nvSpPr>
-          <p:cNvPr id="14" name="TextBox 13">
-            <a:extLst>
-              <a:ext uri="{FF2B5EF4-FFF2-40B4-BE49-F238E27FC236}">
-                <a16:creationId xmlns:a16="http://schemas.microsoft.com/office/drawing/2014/main" id="{46FDEF67-AB7E-4E22-BBD8-603F965E029F}"/>
-              </a:ext>
-            </a:extLst>
-          </p:cNvPr>
-          <p:cNvSpPr txBox="1"/>
-          <p:nvPr/>
-        </p:nvSpPr>
-        <p:spPr>
-          <a:xfrm>
-            <a:off x="1021404" y="5942699"/>
-            <a:ext cx="10042660" cy="738664"/>
-          </a:xfrm>
-          <a:prstGeom prst="rect">
-            <a:avLst/>
-          </a:prstGeom>
-          <a:noFill/>
-        </p:spPr>
-        <p:txBody>
-          <a:bodyPr wrap="square" rtlCol="0">
-            <a:spAutoFit/>
-          </a:bodyPr>
-          <a:lstStyle/>
-          <a:p>
-            <a:r>
-              <a:rPr lang="en-US" sz="1400" dirty="0">
-                <a:solidFill>
-                  <a:srgbClr val="FFFF00"/>
-                </a:solidFill>
-              </a:rPr>
-              <a:t>Irikura, K. K. Ab Initio Computation of Energy Deposition During Electron Ionization of Molecules. </a:t>
-            </a:r>
-            <a:r>
-              <a:rPr lang="en-US" sz="1400" i="1" dirty="0">
-                <a:solidFill>
-                  <a:srgbClr val="FFFF00"/>
-                </a:solidFill>
-              </a:rPr>
-              <a:t>J. Phys. Chem. A </a:t>
-            </a:r>
-            <a:r>
-              <a:rPr lang="en-US" sz="1400" b="1" dirty="0">
-                <a:solidFill>
-                  <a:srgbClr val="FFFF00"/>
-                </a:solidFill>
-              </a:rPr>
-              <a:t>2017</a:t>
-            </a:r>
-            <a:r>
-              <a:rPr lang="en-US" sz="1400" b="1" i="1" dirty="0">
-                <a:solidFill>
-                  <a:srgbClr val="FFFF00"/>
-                </a:solidFill>
-              </a:rPr>
-              <a:t>, </a:t>
-            </a:r>
-            <a:r>
-              <a:rPr lang="en-US" sz="1400" i="1" dirty="0">
-                <a:solidFill>
-                  <a:srgbClr val="FFFF00"/>
-                </a:solidFill>
-              </a:rPr>
-              <a:t>121</a:t>
-            </a:r>
-            <a:r>
-              <a:rPr lang="en-US" sz="1400" b="1" i="1" dirty="0">
-                <a:solidFill>
-                  <a:srgbClr val="FFFF00"/>
-                </a:solidFill>
-              </a:rPr>
-              <a:t>, </a:t>
-            </a:r>
-            <a:r>
-              <a:rPr lang="en-US" sz="1400" dirty="0">
-                <a:solidFill>
-                  <a:srgbClr val="FFFF00"/>
-                </a:solidFill>
-              </a:rPr>
-              <a:t>7751</a:t>
-            </a:r>
-            <a:r>
-              <a:rPr lang="en-US" sz="1400" b="1" i="1" dirty="0">
-                <a:solidFill>
-                  <a:srgbClr val="FFFF00"/>
-                </a:solidFill>
-              </a:rPr>
-              <a:t>.</a:t>
-            </a:r>
-          </a:p>
-          <a:p>
-            <a:r>
-              <a:rPr lang="en-US" sz="1400" dirty="0"/>
-              <a:t>Ren, X.; </a:t>
-            </a:r>
-            <a:r>
-              <a:rPr lang="en-US" sz="1400" dirty="0" err="1"/>
-              <a:t>Pflüger</a:t>
-            </a:r>
-            <a:r>
-              <a:rPr lang="en-US" sz="1400" dirty="0"/>
-              <a:t>, T.; </a:t>
-            </a:r>
-            <a:r>
-              <a:rPr lang="en-US" sz="1400" dirty="0" err="1"/>
-              <a:t>Weyland</a:t>
-            </a:r>
-            <a:r>
-              <a:rPr lang="en-US" sz="1400" dirty="0"/>
-              <a:t>, M.; </a:t>
-            </a:r>
-            <a:r>
-              <a:rPr lang="en-US" sz="1400" dirty="0" err="1"/>
-              <a:t>Baek</a:t>
-            </a:r>
-            <a:r>
-              <a:rPr lang="en-US" sz="1400" dirty="0"/>
-              <a:t>, W. Y.; </a:t>
-            </a:r>
-            <a:r>
-              <a:rPr lang="en-US" sz="1400" dirty="0" err="1"/>
-              <a:t>Rabus</a:t>
-            </a:r>
-            <a:r>
-              <a:rPr lang="en-US" sz="1400" dirty="0"/>
-              <a:t>, H.; Ullrich, J.; Dorn, A. An (</a:t>
-            </a:r>
-            <a:r>
-              <a:rPr lang="en-US" sz="1400" i="1" dirty="0"/>
-              <a:t>e</a:t>
-            </a:r>
-            <a:r>
-              <a:rPr lang="en-US" sz="1400" dirty="0"/>
-              <a:t>, 2</a:t>
-            </a:r>
-            <a:r>
-              <a:rPr lang="en-US" sz="1400" i="1" dirty="0"/>
-              <a:t>e</a:t>
-            </a:r>
-            <a:r>
-              <a:rPr lang="en-US" sz="1400" dirty="0"/>
-              <a:t>+ion) study of low-energy electron-impact ionization and fragmentation of tetrahydrofuran with high mass and energy resolutions. </a:t>
-            </a:r>
-            <a:r>
-              <a:rPr lang="en-US" sz="1400" i="1" dirty="0"/>
-              <a:t>J. Chem. Phys. </a:t>
-            </a:r>
-            <a:r>
-              <a:rPr lang="en-US" sz="1400" b="1" dirty="0"/>
-              <a:t>2014</a:t>
-            </a:r>
-            <a:r>
-              <a:rPr lang="en-US" sz="1400" b="1" i="1" dirty="0"/>
-              <a:t>, </a:t>
-            </a:r>
-            <a:r>
-              <a:rPr lang="en-US" sz="1400" i="1" dirty="0"/>
-              <a:t>141</a:t>
-            </a:r>
-            <a:r>
-              <a:rPr lang="en-US" sz="1400" b="1" i="1" dirty="0"/>
-              <a:t>, </a:t>
-            </a:r>
-            <a:r>
-              <a:rPr lang="en-US" sz="1400" dirty="0"/>
-              <a:t>134314</a:t>
-            </a:r>
-            <a:r>
-              <a:rPr lang="en-US" sz="1400" b="1" i="1" dirty="0"/>
-              <a:t>.</a:t>
-            </a:r>
-          </a:p>
-        </p:txBody>
-      </p:sp>
-      <p:sp>
-        <p:nvSpPr>
-          <p:cNvPr id="15" name="Rectangle 14">
-            <a:extLst>
-              <a:ext uri="{FF2B5EF4-FFF2-40B4-BE49-F238E27FC236}">
-                <a16:creationId xmlns:a16="http://schemas.microsoft.com/office/drawing/2014/main" id="{BA60AB54-974C-4753-96C8-D70D0E65B8B8}"/>
-              </a:ext>
-            </a:extLst>
-          </p:cNvPr>
-          <p:cNvSpPr/>
-          <p:nvPr/>
-        </p:nvSpPr>
-        <p:spPr>
-          <a:xfrm>
-            <a:off x="2451616" y="4430216"/>
-            <a:ext cx="1526347" cy="1569660"/>
-          </a:xfrm>
-          <a:prstGeom prst="rect">
-            <a:avLst/>
-          </a:prstGeom>
-        </p:spPr>
-        <p:txBody>
-          <a:bodyPr wrap="square">
-            <a:spAutoFit/>
-          </a:bodyPr>
-          <a:lstStyle/>
-          <a:p>
-            <a:r>
-              <a:rPr lang="en-US" sz="9600" b="1" dirty="0">
-                <a:solidFill>
-                  <a:srgbClr val="00FF00"/>
-                </a:solidFill>
-                <a:latin typeface="Segoe UI Symbol" panose="020B0502040204020203" pitchFamily="34" charset="0"/>
-                <a:ea typeface="Segoe UI Symbol" panose="020B0502040204020203" pitchFamily="34" charset="0"/>
-              </a:rPr>
-              <a:t>😊</a:t>
-            </a:r>
-            <a:endParaRPr lang="en-US" sz="9600" dirty="0"/>
-          </a:p>
-        </p:txBody>
-      </p:sp>
-    </p:spTree>
-    <p:extLst>
-      <p:ext uri="{BB962C8B-B14F-4D97-AF65-F5344CB8AC3E}">
-        <p14:creationId xmlns:p14="http://schemas.microsoft.com/office/powerpoint/2010/main" val="2832279354"/>
-      </p:ext>
-    </p:extLst>
-  </p:cSld>
-  <p:clrMapOvr>
-    <a:masterClrMapping/>
-  </p:clrMapOvr>
-</p:sld>
-</file>
-
-<file path=ppt/slides/slide14.xml><?xml version="1.0" encoding="utf-8"?>
-<p:sld xmlns:a="http://schemas.openxmlformats.org/drawingml/2006/main" xmlns:r="http://schemas.openxmlformats.org/officeDocument/2006/relationships" xmlns:p="http://schemas.openxmlformats.org/presentationml/2006/main">
-  <p:cSld>
     <p:bg>
       <p:bgPr>
         <a:solidFill>
@@ -7367,8 +6977,8 @@
         </p:nvSpPr>
         <p:spPr>
           <a:xfrm>
-            <a:off x="838200" y="1697776"/>
-            <a:ext cx="5257798" cy="4368482"/>
+            <a:off x="838199" y="1697776"/>
+            <a:ext cx="5616497" cy="4368482"/>
           </a:xfrm>
         </p:spPr>
         <p:txBody>
@@ -7410,7 +7020,14 @@
             <a:pPr lvl="1"/>
             <a:r>
               <a:rPr lang="en-US" sz="2800" dirty="0"/>
-              <a:t>Energy can be high</a:t>
+              <a:t>Energy may be high</a:t>
+            </a:r>
+          </a:p>
+          <a:p>
+            <a:pPr lvl="2"/>
+            <a:r>
+              <a:rPr lang="en-US" sz="2400" dirty="0"/>
+              <a:t>High density of electronic states</a:t>
             </a:r>
           </a:p>
           <a:p>
@@ -8667,6 +8284,471 @@
 </p:sld>
 </file>
 
+<file path=ppt/slides/slide14.xml><?xml version="1.0" encoding="utf-8"?>
+<p:sld xmlns:a="http://schemas.openxmlformats.org/drawingml/2006/main" xmlns:r="http://schemas.openxmlformats.org/officeDocument/2006/relationships" xmlns:p="http://schemas.openxmlformats.org/presentationml/2006/main">
+  <p:cSld>
+    <p:spTree>
+      <p:nvGrpSpPr>
+        <p:cNvPr id="1" name=""/>
+        <p:cNvGrpSpPr/>
+        <p:nvPr/>
+      </p:nvGrpSpPr>
+      <p:grpSpPr>
+        <a:xfrm>
+          <a:off x="0" y="0"/>
+          <a:ext cx="0" cy="0"/>
+          <a:chOff x="0" y="0"/>
+          <a:chExt cx="0" cy="0"/>
+        </a:xfrm>
+      </p:grpSpPr>
+      <p:sp>
+        <p:nvSpPr>
+          <p:cNvPr id="2" name="Title 1">
+            <a:extLst>
+              <a:ext uri="{FF2B5EF4-FFF2-40B4-BE49-F238E27FC236}">
+                <a16:creationId xmlns:a16="http://schemas.microsoft.com/office/drawing/2014/main" id="{6E81E9CD-F3F7-4D41-931B-9B66D487BA2E}"/>
+              </a:ext>
+            </a:extLst>
+          </p:cNvPr>
+          <p:cNvSpPr>
+            <a:spLocks noGrp="1"/>
+          </p:cNvSpPr>
+          <p:nvPr>
+            <p:ph type="title"/>
+          </p:nvPr>
+        </p:nvSpPr>
+        <p:spPr>
+          <a:xfrm>
+            <a:off x="838200" y="365125"/>
+            <a:ext cx="10515600" cy="861509"/>
+          </a:xfrm>
+        </p:spPr>
+        <p:txBody>
+          <a:bodyPr/>
+          <a:lstStyle/>
+          <a:p>
+            <a:pPr algn="ctr"/>
+            <a:r>
+              <a:rPr lang="en-US" dirty="0">
+                <a:solidFill>
+                  <a:srgbClr val="00FF00"/>
+                </a:solidFill>
+              </a:rPr>
+              <a:t>Internal energy distribution</a:t>
+            </a:r>
+          </a:p>
+        </p:txBody>
+      </p:sp>
+      <p:pic>
+        <p:nvPicPr>
+          <p:cNvPr id="9" name="Picture 8">
+            <a:extLst>
+              <a:ext uri="{FF2B5EF4-FFF2-40B4-BE49-F238E27FC236}">
+                <a16:creationId xmlns:a16="http://schemas.microsoft.com/office/drawing/2014/main" id="{E06480B9-32C4-46CC-9190-49D2992E6C6B}"/>
+              </a:ext>
+            </a:extLst>
+          </p:cNvPr>
+          <p:cNvPicPr>
+            <a:picLocks noChangeAspect="1"/>
+          </p:cNvPicPr>
+          <p:nvPr/>
+        </p:nvPicPr>
+        <p:blipFill>
+          <a:blip r:embed="rId4">
+            <a:extLst>
+              <a:ext uri="{28A0092B-C50C-407E-A947-70E740481C1C}">
+                <a14:useLocalDpi xmlns:a14="http://schemas.microsoft.com/office/drawing/2010/main" val="0"/>
+              </a:ext>
+            </a:extLst>
+          </a:blip>
+          <a:stretch>
+            <a:fillRect/>
+          </a:stretch>
+        </p:blipFill>
+        <p:spPr>
+          <a:xfrm>
+            <a:off x="5929839" y="1226634"/>
+            <a:ext cx="5861824" cy="4593220"/>
+          </a:xfrm>
+          <a:prstGeom prst="rect">
+            <a:avLst/>
+          </a:prstGeom>
+        </p:spPr>
+      </p:pic>
+      <p:sp>
+        <p:nvSpPr>
+          <p:cNvPr id="11" name="Content Placeholder 10">
+            <a:extLst>
+              <a:ext uri="{FF2B5EF4-FFF2-40B4-BE49-F238E27FC236}">
+                <a16:creationId xmlns:a16="http://schemas.microsoft.com/office/drawing/2014/main" id="{24622322-F1B8-43FB-8068-684E36CD3BD4}"/>
+              </a:ext>
+            </a:extLst>
+          </p:cNvPr>
+          <p:cNvSpPr>
+            <a:spLocks noGrp="1"/>
+          </p:cNvSpPr>
+          <p:nvPr>
+            <p:ph idx="1"/>
+          </p:nvPr>
+        </p:nvSpPr>
+        <p:spPr>
+          <a:xfrm>
+            <a:off x="664401" y="1239216"/>
+            <a:ext cx="5100779" cy="3738023"/>
+          </a:xfrm>
+        </p:spPr>
+        <p:txBody>
+          <a:bodyPr>
+            <a:normAutofit/>
+          </a:bodyPr>
+          <a:lstStyle/>
+          <a:p>
+            <a:r>
+              <a:rPr lang="en-US" dirty="0"/>
+              <a:t>From Kim’s BEB (Binary-encounter Bethe) theory</a:t>
+            </a:r>
+          </a:p>
+          <a:p>
+            <a:pPr lvl="1"/>
+            <a:r>
+              <a:rPr lang="en-US" dirty="0"/>
+              <a:t>Yields </a:t>
+            </a:r>
+            <a:r>
+              <a:rPr lang="en-US" dirty="0">
+                <a:solidFill>
+                  <a:srgbClr val="FFFF00"/>
+                </a:solidFill>
+              </a:rPr>
+              <a:t>ionization cross section for each molecular orbital (MO)</a:t>
+            </a:r>
+          </a:p>
+          <a:p>
+            <a:pPr lvl="1"/>
+            <a:r>
+              <a:rPr lang="en-US" dirty="0">
+                <a:solidFill>
+                  <a:srgbClr val="FFFF00"/>
+                </a:solidFill>
+                <a:hlinkClick r:id="rId5"/>
+              </a:rPr>
+              <a:t>https://github.com/kkinist/BEB</a:t>
+            </a:r>
+            <a:endParaRPr lang="en-US" dirty="0">
+              <a:solidFill>
+                <a:srgbClr val="FFFF00"/>
+              </a:solidFill>
+            </a:endParaRPr>
+          </a:p>
+          <a:p>
+            <a:r>
+              <a:rPr lang="en-US" dirty="0"/>
+              <a:t>Agrees with all experimental measurements!</a:t>
+            </a:r>
+          </a:p>
+          <a:p>
+            <a:pPr lvl="1"/>
+            <a:r>
+              <a:rPr lang="en-US" dirty="0"/>
+              <a:t>But there are only two</a:t>
+            </a:r>
+          </a:p>
+        </p:txBody>
+      </p:sp>
+      <p:graphicFrame>
+        <p:nvGraphicFramePr>
+          <p:cNvPr id="13" name="Object 12">
+            <a:extLst>
+              <a:ext uri="{FF2B5EF4-FFF2-40B4-BE49-F238E27FC236}">
+                <a16:creationId xmlns:a16="http://schemas.microsoft.com/office/drawing/2014/main" id="{AA350C75-D6C1-4EE4-A6FE-E121D036C44D}"/>
+              </a:ext>
+            </a:extLst>
+          </p:cNvPr>
+          <p:cNvGraphicFramePr>
+            <a:graphicFrameLocks noChangeAspect="1"/>
+          </p:cNvGraphicFramePr>
+          <p:nvPr>
+            <p:extLst>
+              <p:ext uri="{D42A27DB-BD31-4B8C-83A1-F6EECF244321}">
+                <p14:modId xmlns:p14="http://schemas.microsoft.com/office/powerpoint/2010/main" val="3483649792"/>
+              </p:ext>
+            </p:extLst>
+          </p:nvPr>
+        </p:nvGraphicFramePr>
+        <p:xfrm>
+          <a:off x="10192216" y="2778232"/>
+          <a:ext cx="871848" cy="967393"/>
+        </p:xfrm>
+        <a:graphic>
+          <a:graphicData uri="http://schemas.openxmlformats.org/presentationml/2006/ole">
+            <mc:AlternateContent xmlns:mc="http://schemas.openxmlformats.org/markup-compatibility/2006">
+              <mc:Choice xmlns:v="urn:schemas-microsoft-com:vml" Requires="v">
+                <p:oleObj spid="_x0000_s2088" r:id="rId6" imgW="347220" imgH="385210" progId="">
+                  <p:embed/>
+                </p:oleObj>
+              </mc:Choice>
+              <mc:Fallback>
+                <p:oleObj r:id="rId6" imgW="347220" imgH="385210" progId="">
+                  <p:embed/>
+                  <p:pic>
+                    <p:nvPicPr>
+                      <p:cNvPr id="0" name=""/>
+                      <p:cNvPicPr/>
+                      <p:nvPr/>
+                    </p:nvPicPr>
+                    <p:blipFill>
+                      <a:blip r:embed="rId7"/>
+                      <a:stretch>
+                        <a:fillRect/>
+                      </a:stretch>
+                    </p:blipFill>
+                    <p:spPr>
+                      <a:xfrm>
+                        <a:off x="10192216" y="2778232"/>
+                        <a:ext cx="871848" cy="967393"/>
+                      </a:xfrm>
+                      <a:prstGeom prst="rect">
+                        <a:avLst/>
+                      </a:prstGeom>
+                    </p:spPr>
+                  </p:pic>
+                </p:oleObj>
+              </mc:Fallback>
+            </mc:AlternateContent>
+          </a:graphicData>
+        </a:graphic>
+      </p:graphicFrame>
+      <p:sp>
+        <p:nvSpPr>
+          <p:cNvPr id="14" name="TextBox 13">
+            <a:extLst>
+              <a:ext uri="{FF2B5EF4-FFF2-40B4-BE49-F238E27FC236}">
+                <a16:creationId xmlns:a16="http://schemas.microsoft.com/office/drawing/2014/main" id="{46FDEF67-AB7E-4E22-BBD8-603F965E029F}"/>
+              </a:ext>
+            </a:extLst>
+          </p:cNvPr>
+          <p:cNvSpPr txBox="1"/>
+          <p:nvPr/>
+        </p:nvSpPr>
+        <p:spPr>
+          <a:xfrm>
+            <a:off x="1021404" y="5942699"/>
+            <a:ext cx="10042660" cy="738664"/>
+          </a:xfrm>
+          <a:prstGeom prst="rect">
+            <a:avLst/>
+          </a:prstGeom>
+          <a:noFill/>
+        </p:spPr>
+        <p:txBody>
+          <a:bodyPr wrap="square" rtlCol="0">
+            <a:spAutoFit/>
+          </a:bodyPr>
+          <a:lstStyle/>
+          <a:p>
+            <a:r>
+              <a:rPr lang="en-US" sz="1400" dirty="0">
+                <a:solidFill>
+                  <a:srgbClr val="FFFF00"/>
+                </a:solidFill>
+              </a:rPr>
+              <a:t>Irikura, K. K. Ab Initio Computation of Energy Deposition During Electron Ionization of Molecules. </a:t>
+            </a:r>
+            <a:r>
+              <a:rPr lang="en-US" sz="1400" i="1" dirty="0">
+                <a:solidFill>
+                  <a:srgbClr val="FFFF00"/>
+                </a:solidFill>
+              </a:rPr>
+              <a:t>J. Phys. Chem. A </a:t>
+            </a:r>
+            <a:r>
+              <a:rPr lang="en-US" sz="1400" b="1" dirty="0">
+                <a:solidFill>
+                  <a:srgbClr val="FFFF00"/>
+                </a:solidFill>
+              </a:rPr>
+              <a:t>2017</a:t>
+            </a:r>
+            <a:r>
+              <a:rPr lang="en-US" sz="1400" b="1" i="1" dirty="0">
+                <a:solidFill>
+                  <a:srgbClr val="FFFF00"/>
+                </a:solidFill>
+              </a:rPr>
+              <a:t>, </a:t>
+            </a:r>
+            <a:r>
+              <a:rPr lang="en-US" sz="1400" i="1" dirty="0">
+                <a:solidFill>
+                  <a:srgbClr val="FFFF00"/>
+                </a:solidFill>
+              </a:rPr>
+              <a:t>121</a:t>
+            </a:r>
+            <a:r>
+              <a:rPr lang="en-US" sz="1400" b="1" i="1" dirty="0">
+                <a:solidFill>
+                  <a:srgbClr val="FFFF00"/>
+                </a:solidFill>
+              </a:rPr>
+              <a:t>, </a:t>
+            </a:r>
+            <a:r>
+              <a:rPr lang="en-US" sz="1400" dirty="0">
+                <a:solidFill>
+                  <a:srgbClr val="FFFF00"/>
+                </a:solidFill>
+              </a:rPr>
+              <a:t>7751</a:t>
+            </a:r>
+            <a:r>
+              <a:rPr lang="en-US" sz="1400" b="1" i="1" dirty="0">
+                <a:solidFill>
+                  <a:srgbClr val="FFFF00"/>
+                </a:solidFill>
+              </a:rPr>
+              <a:t>.</a:t>
+            </a:r>
+          </a:p>
+          <a:p>
+            <a:r>
+              <a:rPr lang="en-US" sz="1400" dirty="0"/>
+              <a:t>Ren, X.; </a:t>
+            </a:r>
+            <a:r>
+              <a:rPr lang="en-US" sz="1400" dirty="0" err="1"/>
+              <a:t>Pflüger</a:t>
+            </a:r>
+            <a:r>
+              <a:rPr lang="en-US" sz="1400" dirty="0"/>
+              <a:t>, T.; </a:t>
+            </a:r>
+            <a:r>
+              <a:rPr lang="en-US" sz="1400" dirty="0" err="1"/>
+              <a:t>Weyland</a:t>
+            </a:r>
+            <a:r>
+              <a:rPr lang="en-US" sz="1400" dirty="0"/>
+              <a:t>, M.; </a:t>
+            </a:r>
+            <a:r>
+              <a:rPr lang="en-US" sz="1400" dirty="0" err="1"/>
+              <a:t>Baek</a:t>
+            </a:r>
+            <a:r>
+              <a:rPr lang="en-US" sz="1400" dirty="0"/>
+              <a:t>, W. Y.; </a:t>
+            </a:r>
+            <a:r>
+              <a:rPr lang="en-US" sz="1400" dirty="0" err="1"/>
+              <a:t>Rabus</a:t>
+            </a:r>
+            <a:r>
+              <a:rPr lang="en-US" sz="1400" dirty="0"/>
+              <a:t>, H.; Ullrich, J.; Dorn, A. An (</a:t>
+            </a:r>
+            <a:r>
+              <a:rPr lang="en-US" sz="1400" i="1" dirty="0"/>
+              <a:t>e</a:t>
+            </a:r>
+            <a:r>
+              <a:rPr lang="en-US" sz="1400" dirty="0"/>
+              <a:t>, 2</a:t>
+            </a:r>
+            <a:r>
+              <a:rPr lang="en-US" sz="1400" i="1" dirty="0"/>
+              <a:t>e</a:t>
+            </a:r>
+            <a:r>
+              <a:rPr lang="en-US" sz="1400" dirty="0"/>
+              <a:t>+ion) study of low-energy electron-impact ionization and fragmentation of tetrahydrofuran with high mass and energy resolutions. </a:t>
+            </a:r>
+            <a:r>
+              <a:rPr lang="en-US" sz="1400" i="1" dirty="0"/>
+              <a:t>J. Chem. Phys. </a:t>
+            </a:r>
+            <a:r>
+              <a:rPr lang="en-US" sz="1400" b="1" dirty="0"/>
+              <a:t>2014</a:t>
+            </a:r>
+            <a:r>
+              <a:rPr lang="en-US" sz="1400" b="1" i="1" dirty="0"/>
+              <a:t>, </a:t>
+            </a:r>
+            <a:r>
+              <a:rPr lang="en-US" sz="1400" i="1" dirty="0"/>
+              <a:t>141</a:t>
+            </a:r>
+            <a:r>
+              <a:rPr lang="en-US" sz="1400" b="1" i="1" dirty="0"/>
+              <a:t>, </a:t>
+            </a:r>
+            <a:r>
+              <a:rPr lang="en-US" sz="1400" dirty="0"/>
+              <a:t>134314</a:t>
+            </a:r>
+            <a:r>
+              <a:rPr lang="en-US" sz="1400" b="1" i="1" dirty="0"/>
+              <a:t>.</a:t>
+            </a:r>
+          </a:p>
+        </p:txBody>
+      </p:sp>
+      <p:sp>
+        <p:nvSpPr>
+          <p:cNvPr id="15" name="Rectangle 14">
+            <a:extLst>
+              <a:ext uri="{FF2B5EF4-FFF2-40B4-BE49-F238E27FC236}">
+                <a16:creationId xmlns:a16="http://schemas.microsoft.com/office/drawing/2014/main" id="{BA60AB54-974C-4753-96C8-D70D0E65B8B8}"/>
+              </a:ext>
+            </a:extLst>
+          </p:cNvPr>
+          <p:cNvSpPr/>
+          <p:nvPr/>
+        </p:nvSpPr>
+        <p:spPr>
+          <a:xfrm>
+            <a:off x="2451616" y="4430216"/>
+            <a:ext cx="1526347" cy="1569660"/>
+          </a:xfrm>
+          <a:prstGeom prst="rect">
+            <a:avLst/>
+          </a:prstGeom>
+        </p:spPr>
+        <p:txBody>
+          <a:bodyPr wrap="square">
+            <a:spAutoFit/>
+          </a:bodyPr>
+          <a:lstStyle/>
+          <a:p>
+            <a:r>
+              <a:rPr lang="en-US" sz="9600" b="1" dirty="0">
+                <a:solidFill>
+                  <a:srgbClr val="00FF00"/>
+                </a:solidFill>
+                <a:latin typeface="Segoe UI Symbol" panose="020B0502040204020203" pitchFamily="34" charset="0"/>
+                <a:ea typeface="Segoe UI Symbol" panose="020B0502040204020203" pitchFamily="34" charset="0"/>
+              </a:rPr>
+              <a:t>😊</a:t>
+            </a:r>
+            <a:endParaRPr lang="en-US" sz="9600" dirty="0"/>
+          </a:p>
+        </p:txBody>
+      </p:sp>
+    </p:spTree>
+    <p:extLst>
+      <p:ext uri="{BB962C8B-B14F-4D97-AF65-F5344CB8AC3E}">
+        <p14:creationId xmlns:p14="http://schemas.microsoft.com/office/powerpoint/2010/main" val="2832279354"/>
+      </p:ext>
+    </p:extLst>
+  </p:cSld>
+  <p:clrMapOvr>
+    <a:masterClrMapping/>
+  </p:clrMapOvr>
+</p:sld>
+</file>
+
 <file path=ppt/slides/slide15.xml><?xml version="1.0" encoding="utf-8"?>
 <p:sld xmlns:a="http://schemas.openxmlformats.org/drawingml/2006/main" xmlns:r="http://schemas.openxmlformats.org/officeDocument/2006/relationships" xmlns:p="http://schemas.openxmlformats.org/presentationml/2006/main">
   <p:cSld>
@@ -9147,7 +9229,7 @@
         </p:nvSpPr>
         <p:spPr>
           <a:xfrm>
-            <a:off x="838200" y="1404386"/>
+            <a:off x="819619" y="1685365"/>
             <a:ext cx="5257798" cy="4661872"/>
           </a:xfrm>
         </p:spPr>
@@ -10389,7 +10471,7 @@
                   <a:srgbClr val="FFC000"/>
                 </a:solidFill>
               </a:rPr>
-              <a:t>Sometimes we can predict accurately</a:t>
+              <a:t>Often we can predict accurately</a:t>
             </a:r>
           </a:p>
         </p:txBody>
@@ -11112,7 +11194,9 @@
           </a:xfrm>
         </p:spPr>
         <p:txBody>
-          <a:bodyPr/>
+          <a:bodyPr>
+            <a:normAutofit lnSpcReduction="10000"/>
+          </a:bodyPr>
           <a:lstStyle/>
           <a:p>
             <a:r>
@@ -11130,7 +11214,7 @@
           <a:p>
             <a:r>
               <a:rPr lang="en-US" dirty="0"/>
-              <a:t>Bound excited states are common</a:t>
+              <a:t>But many excited states are bound</a:t>
             </a:r>
           </a:p>
           <a:p>
@@ -11151,10 +11235,10 @@
             <a:r>
               <a:rPr lang="en-US" dirty="0">
                 <a:solidFill>
-                  <a:srgbClr val="FF0000"/>
-                </a:solidFill>
-              </a:rPr>
-              <a:t>Can we predict accurately?</a:t>
+                  <a:schemeClr val="accent2"/>
+                </a:solidFill>
+              </a:rPr>
+              <a:t>Sometimes we can predict accurately</a:t>
             </a:r>
           </a:p>
         </p:txBody>
@@ -12386,7 +12470,7 @@
             <a:pPr lvl="1"/>
             <a:r>
               <a:rPr lang="en-US" dirty="0"/>
-              <a:t>A challenging research topic for decades</a:t>
+              <a:t>A challenging research topic</a:t>
             </a:r>
           </a:p>
           <a:p>
@@ -14030,8 +14114,8 @@
         </p:nvSpPr>
         <p:spPr>
           <a:xfrm>
-            <a:off x="440308" y="1215484"/>
-            <a:ext cx="5655692" cy="4538545"/>
+            <a:off x="440308" y="1429966"/>
+            <a:ext cx="5655692" cy="4017523"/>
           </a:xfrm>
         </p:spPr>
         <p:txBody>
@@ -14081,95 +14165,136 @@
           <a:p>
             <a:pPr lvl="1"/>
             <a:r>
-              <a:rPr lang="en-US" dirty="0"/>
+              <a:rPr lang="en-US" b="1" dirty="0">
+                <a:solidFill>
+                  <a:srgbClr val="66FFCC"/>
+                </a:solidFill>
+              </a:rPr>
               <a:t>C</a:t>
             </a:r>
             <a:r>
-              <a:rPr lang="en-US" baseline="-25000" dirty="0"/>
+              <a:rPr lang="en-US" b="1" baseline="-25000" dirty="0">
+                <a:solidFill>
+                  <a:srgbClr val="66FFCC"/>
+                </a:solidFill>
+              </a:rPr>
               <a:t>2</a:t>
             </a:r>
             <a:r>
-              <a:rPr lang="en-US" dirty="0"/>
+              <a:rPr lang="en-US" b="1" dirty="0">
+                <a:solidFill>
+                  <a:srgbClr val="66FFCC"/>
+                </a:solidFill>
+              </a:rPr>
               <a:t>H</a:t>
+            </a:r>
+            <a:r>
+              <a:rPr lang="en-US" b="1" baseline="-25000" dirty="0">
+                <a:solidFill>
+                  <a:srgbClr val="66FFCC"/>
+                </a:solidFill>
+              </a:rPr>
+              <a:t>4</a:t>
+            </a:r>
+            <a:r>
+              <a:rPr lang="en-US" b="1" dirty="0">
+                <a:solidFill>
+                  <a:srgbClr val="66FFCC"/>
+                </a:solidFill>
+              </a:rPr>
+              <a:t> for </a:t>
+            </a:r>
+            <a:r>
+              <a:rPr lang="en-US" b="1" i="1" dirty="0">
+                <a:solidFill>
+                  <a:srgbClr val="66FFCC"/>
+                </a:solidFill>
+              </a:rPr>
+              <a:t>T</a:t>
+            </a:r>
+            <a:r>
+              <a:rPr lang="en-US" b="1" dirty="0">
+                <a:solidFill>
+                  <a:srgbClr val="66FFCC"/>
+                </a:solidFill>
+              </a:rPr>
+              <a:t> &gt; 260 K</a:t>
+            </a:r>
+          </a:p>
+          <a:p>
+            <a:pPr lvl="1"/>
+            <a:r>
+              <a:rPr lang="en-US" b="1" dirty="0">
+                <a:solidFill>
+                  <a:srgbClr val="CC00FF"/>
+                </a:solidFill>
+              </a:rPr>
+              <a:t>CH</a:t>
+            </a:r>
+            <a:r>
+              <a:rPr lang="en-US" b="1" baseline="-25000" dirty="0">
+                <a:solidFill>
+                  <a:srgbClr val="CC00FF"/>
+                </a:solidFill>
+              </a:rPr>
+              <a:t>2</a:t>
+            </a:r>
+            <a:r>
+              <a:rPr lang="en-US" b="1" dirty="0">
+                <a:solidFill>
+                  <a:srgbClr val="CC00FF"/>
+                </a:solidFill>
+              </a:rPr>
+              <a:t>O for </a:t>
+            </a:r>
+            <a:r>
+              <a:rPr lang="en-US" b="1" i="1" dirty="0">
+                <a:solidFill>
+                  <a:srgbClr val="CC00FF"/>
+                </a:solidFill>
+              </a:rPr>
+              <a:t>T</a:t>
+            </a:r>
+            <a:r>
+              <a:rPr lang="en-US" b="1" dirty="0">
+                <a:solidFill>
+                  <a:srgbClr val="CC00FF"/>
+                </a:solidFill>
+              </a:rPr>
+              <a:t> &lt; 230 K</a:t>
+            </a:r>
+          </a:p>
+          <a:p>
+            <a:r>
+              <a:rPr lang="en-US" dirty="0"/>
+              <a:t>Olefin </a:t>
+            </a:r>
+            <a:r>
+              <a:rPr lang="en-US" dirty="0" err="1"/>
+              <a:t>dehydroaromatization</a:t>
+            </a:r>
+            <a:r>
+              <a:rPr lang="en-US" dirty="0"/>
+              <a:t> (not shown)</a:t>
+            </a:r>
+          </a:p>
+          <a:p>
+            <a:pPr lvl="1"/>
+            <a:r>
+              <a:rPr lang="en-US" dirty="0"/>
+              <a:t>Catalyzed by Fe</a:t>
             </a:r>
             <a:r>
               <a:rPr lang="en-US" baseline="-25000" dirty="0"/>
               <a:t>4</a:t>
             </a:r>
             <a:r>
-              <a:rPr lang="en-US" dirty="0"/>
-              <a:t> for </a:t>
-            </a:r>
-            <a:r>
-              <a:rPr lang="en-US" i="1" dirty="0"/>
-              <a:t>T</a:t>
-            </a:r>
-            <a:r>
-              <a:rPr lang="en-US" dirty="0"/>
-              <a:t> &gt; 260 K</a:t>
-            </a:r>
-          </a:p>
-          <a:p>
-            <a:pPr lvl="1"/>
-            <a:r>
-              <a:rPr lang="en-US" dirty="0"/>
-              <a:t>CH</a:t>
-            </a:r>
-            <a:r>
-              <a:rPr lang="en-US" baseline="-25000" dirty="0"/>
-              <a:t>2</a:t>
-            </a:r>
-            <a:r>
-              <a:rPr lang="en-US" dirty="0"/>
-              <a:t>O for </a:t>
-            </a:r>
-            <a:r>
-              <a:rPr lang="en-US" i="1" dirty="0"/>
-              <a:t>T</a:t>
-            </a:r>
-            <a:r>
-              <a:rPr lang="en-US" dirty="0"/>
-              <a:t> &lt; 230 K</a:t>
-            </a:r>
-          </a:p>
-          <a:p>
-            <a:r>
-              <a:rPr lang="en-US" dirty="0"/>
-              <a:t>Olefin </a:t>
-            </a:r>
-            <a:r>
-              <a:rPr lang="en-US" dirty="0" err="1"/>
-              <a:t>dehydroaromatization</a:t>
-            </a:r>
-            <a:r>
-              <a:rPr lang="en-US" dirty="0"/>
-              <a:t> (not shown)</a:t>
-            </a:r>
-          </a:p>
-          <a:p>
-            <a:pPr lvl="1"/>
-            <a:r>
-              <a:rPr lang="en-US" dirty="0"/>
-              <a:t>Catalyzed by Fe</a:t>
-            </a:r>
-            <a:r>
-              <a:rPr lang="en-US" baseline="-25000" dirty="0"/>
-              <a:t>4</a:t>
-            </a:r>
-            <a:r>
               <a:rPr lang="en-US" baseline="30000" dirty="0"/>
               <a:t>+</a:t>
             </a:r>
             <a:r>
               <a:rPr lang="en-US" dirty="0"/>
               <a:t> and by some atomic ions</a:t>
-            </a:r>
-          </a:p>
-          <a:p>
-            <a:pPr lvl="1"/>
-            <a:r>
-              <a:rPr lang="en-US" dirty="0"/>
-              <a:t>Product desorption requires input energy (or alkyne feed)</a:t>
             </a:r>
           </a:p>
         </p:txBody>
@@ -16109,7 +16234,7 @@
           <a:graphicData uri="http://schemas.openxmlformats.org/presentationml/2006/ole">
             <mc:AlternateContent xmlns:mc="http://schemas.openxmlformats.org/markup-compatibility/2006">
               <mc:Choice xmlns:v="urn:schemas-microsoft-com:vml" Requires="v">
-                <p:oleObj spid="_x0000_s1068" name="Equation" r:id="rId4" imgW="3162240" imgH="469800" progId="Equation.DSMT4">
+                <p:oleObj spid="_x0000_s1070" name="Equation" r:id="rId4" imgW="3162240" imgH="469800" progId="Equation.DSMT4">
                   <p:embed/>
                 </p:oleObj>
               </mc:Choice>
@@ -17177,13 +17302,13 @@
         </p:nvSpPr>
         <p:spPr>
           <a:xfrm>
-            <a:off x="838200" y="1232722"/>
-            <a:ext cx="5534891" cy="4944241"/>
+            <a:off x="464865" y="1381328"/>
+            <a:ext cx="5534891" cy="4519792"/>
           </a:xfrm>
         </p:spPr>
         <p:txBody>
           <a:bodyPr>
-            <a:normAutofit fontScale="92500" lnSpcReduction="10000"/>
+            <a:normAutofit fontScale="92500"/>
           </a:bodyPr>
           <a:lstStyle/>
           <a:p>
@@ -17200,13 +17325,6 @@
             </a:r>
           </a:p>
           <a:p>
-            <a:pPr lvl="1"/>
-            <a:r>
-              <a:rPr lang="en-US" dirty="0"/>
-              <a:t>Non-selective chemistry</a:t>
-            </a:r>
-          </a:p>
-          <a:p>
             <a:r>
               <a:rPr lang="en-US" dirty="0">
                 <a:solidFill>
@@ -17223,15 +17341,7 @@
           <a:p>
             <a:r>
               <a:rPr lang="en-US" dirty="0"/>
-              <a:t>Mostly excite H</a:t>
-            </a:r>
-            <a:r>
-              <a:rPr lang="en-US" baseline="-25000" dirty="0"/>
-              <a:t>2</a:t>
-            </a:r>
-            <a:r>
-              <a:rPr lang="en-US" dirty="0"/>
-              <a:t>O molecules, not solute</a:t>
+              <a:t>Mostly ionize solvent, not solute</a:t>
             </a:r>
           </a:p>
           <a:p>
@@ -17774,13 +17884,6 @@
               <a:t>Radiolysis chemistry (DNA damage)</a:t>
             </a:r>
           </a:p>
-          <a:p>
-            <a:pPr lvl="1"/>
-            <a:r>
-              <a:rPr lang="en-US" dirty="0"/>
-              <a:t>Non-adiabatic dynamics</a:t>
-            </a:r>
-          </a:p>
         </p:txBody>
       </p:sp>
       <p:pic>
@@ -17837,8 +17940,8 @@
         </p:nvSpPr>
         <p:spPr>
           <a:xfrm>
-            <a:off x="6636834" y="5905014"/>
-            <a:ext cx="4806174" cy="523220"/>
+            <a:off x="5252898" y="6012735"/>
+            <a:ext cx="6939102" cy="307777"/>
           </a:xfrm>
           <a:prstGeom prst="rect">
             <a:avLst/>
@@ -18032,7 +18135,7 @@
             </a:r>
             <a:r>
               <a:rPr lang="en-US" dirty="0"/>
-              <a:t>) is the extinction coefficient per particle (units: area)</a:t>
+              <a:t>) is the extinction coefficient per particle (units of area)</a:t>
             </a:r>
           </a:p>
         </p:txBody>
@@ -18486,6 +18589,213 @@
           </p:sp>
         </mc:Fallback>
       </mc:AlternateContent>
+      <p:sp>
+        <p:nvSpPr>
+          <p:cNvPr id="9" name="Content Placeholder 2">
+            <a:extLst>
+              <a:ext uri="{FF2B5EF4-FFF2-40B4-BE49-F238E27FC236}">
+                <a16:creationId xmlns:a16="http://schemas.microsoft.com/office/drawing/2014/main" id="{195164E2-73DF-4248-81E3-61AE110B6E2F}"/>
+              </a:ext>
+            </a:extLst>
+          </p:cNvPr>
+          <p:cNvSpPr txBox="1">
+            <a:spLocks/>
+          </p:cNvSpPr>
+          <p:nvPr/>
+        </p:nvSpPr>
+        <p:spPr>
+          <a:xfrm>
+            <a:off x="291315" y="3264996"/>
+            <a:ext cx="4708701" cy="1380972"/>
+          </a:xfrm>
+          <a:prstGeom prst="rect">
+            <a:avLst/>
+          </a:prstGeom>
+        </p:spPr>
+        <p:txBody>
+          <a:bodyPr vert="horz" lIns="91440" tIns="45720" rIns="91440" bIns="45720" rtlCol="0">
+            <a:normAutofit/>
+          </a:bodyPr>
+          <a:lstStyle>
+            <a:lvl1pPr marL="228600" indent="-228600" algn="l" defTabSz="914400" rtl="0" eaLnBrk="1" latinLnBrk="0" hangingPunct="1">
+              <a:lnSpc>
+                <a:spcPct val="90000"/>
+              </a:lnSpc>
+              <a:spcBef>
+                <a:spcPts val="1000"/>
+              </a:spcBef>
+              <a:buFont typeface="Arial" panose="020B0604020202020204" pitchFamily="34" charset="0"/>
+              <a:buChar char="•"/>
+              <a:defRPr sz="2800" kern="1200">
+                <a:solidFill>
+                  <a:schemeClr val="tx1"/>
+                </a:solidFill>
+                <a:latin typeface="+mn-lt"/>
+                <a:ea typeface="+mn-ea"/>
+                <a:cs typeface="+mn-cs"/>
+              </a:defRPr>
+            </a:lvl1pPr>
+            <a:lvl2pPr marL="685800" indent="-228600" algn="l" defTabSz="914400" rtl="0" eaLnBrk="1" latinLnBrk="0" hangingPunct="1">
+              <a:lnSpc>
+                <a:spcPct val="90000"/>
+              </a:lnSpc>
+              <a:spcBef>
+                <a:spcPts val="500"/>
+              </a:spcBef>
+              <a:buFont typeface="Arial" panose="020B0604020202020204" pitchFamily="34" charset="0"/>
+              <a:buChar char="•"/>
+              <a:defRPr sz="2400" kern="1200">
+                <a:solidFill>
+                  <a:schemeClr val="tx1"/>
+                </a:solidFill>
+                <a:latin typeface="+mn-lt"/>
+                <a:ea typeface="+mn-ea"/>
+                <a:cs typeface="+mn-cs"/>
+              </a:defRPr>
+            </a:lvl2pPr>
+            <a:lvl3pPr marL="1143000" indent="-228600" algn="l" defTabSz="914400" rtl="0" eaLnBrk="1" latinLnBrk="0" hangingPunct="1">
+              <a:lnSpc>
+                <a:spcPct val="90000"/>
+              </a:lnSpc>
+              <a:spcBef>
+                <a:spcPts val="500"/>
+              </a:spcBef>
+              <a:buFont typeface="Arial" panose="020B0604020202020204" pitchFamily="34" charset="0"/>
+              <a:buChar char="•"/>
+              <a:defRPr sz="2000" kern="1200">
+                <a:solidFill>
+                  <a:schemeClr val="tx1"/>
+                </a:solidFill>
+                <a:latin typeface="+mn-lt"/>
+                <a:ea typeface="+mn-ea"/>
+                <a:cs typeface="+mn-cs"/>
+              </a:defRPr>
+            </a:lvl3pPr>
+            <a:lvl4pPr marL="1600200" indent="-228600" algn="l" defTabSz="914400" rtl="0" eaLnBrk="1" latinLnBrk="0" hangingPunct="1">
+              <a:lnSpc>
+                <a:spcPct val="90000"/>
+              </a:lnSpc>
+              <a:spcBef>
+                <a:spcPts val="500"/>
+              </a:spcBef>
+              <a:buFont typeface="Arial" panose="020B0604020202020204" pitchFamily="34" charset="0"/>
+              <a:buChar char="•"/>
+              <a:defRPr sz="1800" kern="1200">
+                <a:solidFill>
+                  <a:schemeClr val="tx1"/>
+                </a:solidFill>
+                <a:latin typeface="+mn-lt"/>
+                <a:ea typeface="+mn-ea"/>
+                <a:cs typeface="+mn-cs"/>
+              </a:defRPr>
+            </a:lvl4pPr>
+            <a:lvl5pPr marL="2057400" indent="-228600" algn="l" defTabSz="914400" rtl="0" eaLnBrk="1" latinLnBrk="0" hangingPunct="1">
+              <a:lnSpc>
+                <a:spcPct val="90000"/>
+              </a:lnSpc>
+              <a:spcBef>
+                <a:spcPts val="500"/>
+              </a:spcBef>
+              <a:buFont typeface="Arial" panose="020B0604020202020204" pitchFamily="34" charset="0"/>
+              <a:buChar char="•"/>
+              <a:defRPr sz="1800" kern="1200">
+                <a:solidFill>
+                  <a:schemeClr val="tx1"/>
+                </a:solidFill>
+                <a:latin typeface="+mn-lt"/>
+                <a:ea typeface="+mn-ea"/>
+                <a:cs typeface="+mn-cs"/>
+              </a:defRPr>
+            </a:lvl5pPr>
+            <a:lvl6pPr marL="2514600" indent="-228600" algn="l" defTabSz="914400" rtl="0" eaLnBrk="1" latinLnBrk="0" hangingPunct="1">
+              <a:lnSpc>
+                <a:spcPct val="90000"/>
+              </a:lnSpc>
+              <a:spcBef>
+                <a:spcPts val="500"/>
+              </a:spcBef>
+              <a:buFont typeface="Arial" panose="020B0604020202020204" pitchFamily="34" charset="0"/>
+              <a:buChar char="•"/>
+              <a:defRPr sz="1800" kern="1200">
+                <a:solidFill>
+                  <a:schemeClr val="tx1"/>
+                </a:solidFill>
+                <a:latin typeface="+mn-lt"/>
+                <a:ea typeface="+mn-ea"/>
+                <a:cs typeface="+mn-cs"/>
+              </a:defRPr>
+            </a:lvl6pPr>
+            <a:lvl7pPr marL="2971800" indent="-228600" algn="l" defTabSz="914400" rtl="0" eaLnBrk="1" latinLnBrk="0" hangingPunct="1">
+              <a:lnSpc>
+                <a:spcPct val="90000"/>
+              </a:lnSpc>
+              <a:spcBef>
+                <a:spcPts val="500"/>
+              </a:spcBef>
+              <a:buFont typeface="Arial" panose="020B0604020202020204" pitchFamily="34" charset="0"/>
+              <a:buChar char="•"/>
+              <a:defRPr sz="1800" kern="1200">
+                <a:solidFill>
+                  <a:schemeClr val="tx1"/>
+                </a:solidFill>
+                <a:latin typeface="+mn-lt"/>
+                <a:ea typeface="+mn-ea"/>
+                <a:cs typeface="+mn-cs"/>
+              </a:defRPr>
+            </a:lvl7pPr>
+            <a:lvl8pPr marL="3429000" indent="-228600" algn="l" defTabSz="914400" rtl="0" eaLnBrk="1" latinLnBrk="0" hangingPunct="1">
+              <a:lnSpc>
+                <a:spcPct val="90000"/>
+              </a:lnSpc>
+              <a:spcBef>
+                <a:spcPts val="500"/>
+              </a:spcBef>
+              <a:buFont typeface="Arial" panose="020B0604020202020204" pitchFamily="34" charset="0"/>
+              <a:buChar char="•"/>
+              <a:defRPr sz="1800" kern="1200">
+                <a:solidFill>
+                  <a:schemeClr val="tx1"/>
+                </a:solidFill>
+                <a:latin typeface="+mn-lt"/>
+                <a:ea typeface="+mn-ea"/>
+                <a:cs typeface="+mn-cs"/>
+              </a:defRPr>
+            </a:lvl8pPr>
+            <a:lvl9pPr marL="3886200" indent="-228600" algn="l" defTabSz="914400" rtl="0" eaLnBrk="1" latinLnBrk="0" hangingPunct="1">
+              <a:lnSpc>
+                <a:spcPct val="90000"/>
+              </a:lnSpc>
+              <a:spcBef>
+                <a:spcPts val="500"/>
+              </a:spcBef>
+              <a:buFont typeface="Arial" panose="020B0604020202020204" pitchFamily="34" charset="0"/>
+              <a:buChar char="•"/>
+              <a:defRPr sz="1800" kern="1200">
+                <a:solidFill>
+                  <a:schemeClr val="tx1"/>
+                </a:solidFill>
+                <a:latin typeface="+mn-lt"/>
+                <a:ea typeface="+mn-ea"/>
+                <a:cs typeface="+mn-cs"/>
+              </a:defRPr>
+            </a:lvl9pPr>
+          </a:lstStyle>
+          <a:p>
+            <a:r>
+              <a:rPr lang="en-US" dirty="0"/>
+              <a:t>The slower the H</a:t>
+            </a:r>
+            <a:r>
+              <a:rPr lang="en-US" baseline="30000" dirty="0"/>
+              <a:t>+</a:t>
+            </a:r>
+            <a:r>
+              <a:rPr lang="en-US" dirty="0"/>
+              <a:t> gets, the more it slows down</a:t>
+            </a:r>
+          </a:p>
+        </p:txBody>
+      </p:sp>
     </p:spTree>
     <p:extLst>
       <p:ext uri="{BB962C8B-B14F-4D97-AF65-F5344CB8AC3E}">
@@ -18674,15 +18984,14 @@
             <a:pPr lvl="1"/>
             <a:r>
               <a:rPr lang="en-US" dirty="0"/>
-              <a:t>(100 </a:t>
-            </a:r>
-            <a:r>
-              <a:rPr lang="en-US" dirty="0" err="1"/>
-              <a:t>a.u</a:t>
-            </a:r>
-            <a:r>
-              <a:rPr lang="en-US" dirty="0"/>
-              <a:t>. of time ≈ 2.4 fs)</a:t>
+              <a:t>Snapshots at right </a:t>
+            </a:r>
+          </a:p>
+          <a:p>
+            <a:pPr lvl="2"/>
+            <a:r>
+              <a:rPr lang="en-US" dirty="0"/>
+              <a:t>Time shown ≈ 23 fs</a:t>
             </a:r>
           </a:p>
         </p:txBody>
@@ -18940,7 +19249,7 @@
         </p:nvSpPr>
         <p:spPr>
           <a:xfrm>
-            <a:off x="690664" y="2821559"/>
+            <a:off x="603116" y="2461636"/>
             <a:ext cx="8063043" cy="1283518"/>
           </a:xfrm>
           <a:prstGeom prst="rect">
@@ -19018,7 +19327,7 @@
             <a:pPr lvl="1"/>
             <a:r>
               <a:rPr lang="en-US" dirty="0"/>
-              <a:t>As in photo-excitation, but </a:t>
+              <a:t>Like photo-excitation, but </a:t>
             </a:r>
             <a:r>
               <a:rPr lang="en-US" dirty="0">
@@ -19027,13 +19336,6 @@
                 </a:solidFill>
               </a:rPr>
               <a:t>can change spin by ±1</a:t>
-            </a:r>
-          </a:p>
-          <a:p>
-            <a:pPr lvl="1"/>
-            <a:r>
-              <a:rPr lang="en-US" dirty="0"/>
-              <a:t>This is the closest to photochemistry</a:t>
             </a:r>
           </a:p>
           <a:p>
@@ -19091,6 +19393,13 @@
             <a:r>
               <a:rPr lang="en-US" dirty="0"/>
               <a:t>)</a:t>
+            </a:r>
+          </a:p>
+          <a:p>
+            <a:pPr lvl="1"/>
+            <a:r>
+              <a:rPr lang="en-US" dirty="0"/>
+              <a:t>Low-energy electrons</a:t>
             </a:r>
           </a:p>
           <a:p>

--- a/ACS_Boston_2018_Irikura.pptx
+++ b/ACS_Boston_2018_Irikura.pptx
@@ -234,7 +234,7 @@
           <a:p>
             <a:fld id="{093871A6-C1FC-450D-9B63-9900A59C3DCC}" type="datetimeFigureOut">
               <a:rPr lang="en-US" smtClean="0"/>
-              <a:t>8/16/2018</a:t>
+              <a:t>8/18/2018</a:t>
             </a:fld>
             <a:endParaRPr lang="en-US"/>
           </a:p>
@@ -632,10 +632,7 @@
           <a:bodyPr/>
           <a:lstStyle/>
           <a:p>
-            <a:r>
-              <a:rPr lang="en-US" dirty="0"/>
-              <a:t>To a first approximation, the incident electron knocks a bound electron out of the molecule, often creating a molecular ion in an excited state. </a:t>
-            </a:r>
+            <a:endParaRPr lang="en-US" dirty="0"/>
           </a:p>
         </p:txBody>
       </p:sp>
@@ -656,7 +653,7 @@
           <a:p>
             <a:fld id="{834948BD-10A7-4654-BC3D-1A706C7EB1E8}" type="slidenum">
               <a:rPr lang="en-US" smtClean="0"/>
-              <a:t>13</a:t>
+              <a:t>12</a:t>
             </a:fld>
             <a:endParaRPr lang="en-US"/>
           </a:p>
@@ -665,7 +662,7 @@
     </p:spTree>
     <p:extLst>
       <p:ext uri="{BB962C8B-B14F-4D97-AF65-F5344CB8AC3E}">
-        <p14:creationId xmlns:p14="http://schemas.microsoft.com/office/powerpoint/2010/main" val="4244621437"/>
+        <p14:creationId xmlns:p14="http://schemas.microsoft.com/office/powerpoint/2010/main" val="3697521841"/>
       </p:ext>
     </p:extLst>
   </p:cSld>
@@ -721,13 +718,7 @@
           <a:p>
             <a:r>
               <a:rPr lang="en-US" dirty="0"/>
-              <a:t>BEB theory is described on a supplemental slide. </a:t>
-            </a:r>
-          </a:p>
-          <a:p>
-            <a:r>
-              <a:rPr lang="en-US" dirty="0"/>
-              <a:t>This part of the problem appears to be under control. </a:t>
+              <a:t>To a first approximation, the incident electron knocks a bound electron out of the molecule, often creating a molecular ion in an excited state. </a:t>
             </a:r>
           </a:p>
         </p:txBody>
@@ -749,7 +740,7 @@
           <a:p>
             <a:fld id="{834948BD-10A7-4654-BC3D-1A706C7EB1E8}" type="slidenum">
               <a:rPr lang="en-US" smtClean="0"/>
-              <a:t>14</a:t>
+              <a:t>13</a:t>
             </a:fld>
             <a:endParaRPr lang="en-US"/>
           </a:p>
@@ -758,7 +749,7 @@
     </p:spTree>
     <p:extLst>
       <p:ext uri="{BB962C8B-B14F-4D97-AF65-F5344CB8AC3E}">
-        <p14:creationId xmlns:p14="http://schemas.microsoft.com/office/powerpoint/2010/main" val="1064968525"/>
+        <p14:creationId xmlns:p14="http://schemas.microsoft.com/office/powerpoint/2010/main" val="4244621437"/>
       </p:ext>
     </p:extLst>
   </p:cSld>
@@ -814,7 +805,19 @@
           <a:p>
             <a:r>
               <a:rPr lang="en-US" dirty="0"/>
-              <a:t>Finding the important reactions on the ground state is done often, but is computationally intensive and usually labor-intensive. </a:t>
+              <a:t>BEB theory is described on a supplemental slide. </a:t>
+            </a:r>
+          </a:p>
+          <a:p>
+            <a:r>
+              <a:rPr lang="en-US" dirty="0"/>
+              <a:t>This part of the problem appears to be under control. </a:t>
+            </a:r>
+          </a:p>
+          <a:p>
+            <a:r>
+              <a:rPr lang="en-US" dirty="0"/>
+              <a:t>Experimental team in Germany (Braunschweig and Heidelberg).</a:t>
             </a:r>
           </a:p>
         </p:txBody>
@@ -836,7 +839,7 @@
           <a:p>
             <a:fld id="{834948BD-10A7-4654-BC3D-1A706C7EB1E8}" type="slidenum">
               <a:rPr lang="en-US" smtClean="0"/>
-              <a:t>15</a:t>
+              <a:t>14</a:t>
             </a:fld>
             <a:endParaRPr lang="en-US"/>
           </a:p>
@@ -845,7 +848,7 @@
     </p:spTree>
     <p:extLst>
       <p:ext uri="{BB962C8B-B14F-4D97-AF65-F5344CB8AC3E}">
-        <p14:creationId xmlns:p14="http://schemas.microsoft.com/office/powerpoint/2010/main" val="41565649"/>
+        <p14:creationId xmlns:p14="http://schemas.microsoft.com/office/powerpoint/2010/main" val="1064968525"/>
       </p:ext>
     </p:extLst>
   </p:cSld>
@@ -901,7 +904,7 @@
           <a:p>
             <a:r>
               <a:rPr lang="en-US" dirty="0"/>
-              <a:t>When the excited state relaxes to the ground state, the excess energy is transferred to vibrations (red-hot molecular ion on right).  </a:t>
+              <a:t>Finding the important reactions on the ground state is done often, but is computationally intensive and usually labor-intensive. </a:t>
             </a:r>
           </a:p>
         </p:txBody>
@@ -923,7 +926,7 @@
           <a:p>
             <a:fld id="{834948BD-10A7-4654-BC3D-1A706C7EB1E8}" type="slidenum">
               <a:rPr lang="en-US" smtClean="0"/>
-              <a:t>16</a:t>
+              <a:t>15</a:t>
             </a:fld>
             <a:endParaRPr lang="en-US"/>
           </a:p>
@@ -932,7 +935,7 @@
     </p:spTree>
     <p:extLst>
       <p:ext uri="{BB962C8B-B14F-4D97-AF65-F5344CB8AC3E}">
-        <p14:creationId xmlns:p14="http://schemas.microsoft.com/office/powerpoint/2010/main" val="2302203558"/>
+        <p14:creationId xmlns:p14="http://schemas.microsoft.com/office/powerpoint/2010/main" val="41565649"/>
       </p:ext>
     </p:extLst>
   </p:cSld>
@@ -986,30 +989,10 @@
           <a:bodyPr/>
           <a:lstStyle/>
           <a:p>
-            <a:pPr marL="0" marR="0" lvl="0" indent="0" algn="l" defTabSz="914400" rtl="0" eaLnBrk="1" fontAlgn="auto" latinLnBrk="0" hangingPunct="1">
-              <a:lnSpc>
-                <a:spcPct val="100000"/>
-              </a:lnSpc>
-              <a:spcBef>
-                <a:spcPts val="0"/>
-              </a:spcBef>
-              <a:spcAft>
-                <a:spcPts val="0"/>
-              </a:spcAft>
-              <a:buClrTx/>
-              <a:buSzTx/>
-              <a:buFontTx/>
-              <a:buNone/>
-              <a:tabLst/>
-              <a:defRPr/>
-            </a:pPr>
-            <a:r>
-              <a:rPr lang="en-US" dirty="0"/>
-              <a:t>We can make these predictions, but they’re a lot of tedious work. </a:t>
-            </a:r>
-          </a:p>
-          <a:p>
-            <a:endParaRPr lang="en-US" dirty="0"/>
+            <a:r>
+              <a:rPr lang="en-US" dirty="0"/>
+              <a:t>When the excited state relaxes to the ground state, the excess energy is transferred to vibrations (red-hot molecular ion on right).  </a:t>
+            </a:r>
           </a:p>
         </p:txBody>
       </p:sp>
@@ -1030,7 +1013,7 @@
           <a:p>
             <a:fld id="{834948BD-10A7-4654-BC3D-1A706C7EB1E8}" type="slidenum">
               <a:rPr lang="en-US" smtClean="0"/>
-              <a:t>17</a:t>
+              <a:t>16</a:t>
             </a:fld>
             <a:endParaRPr lang="en-US"/>
           </a:p>
@@ -1039,7 +1022,7 @@
     </p:spTree>
     <p:extLst>
       <p:ext uri="{BB962C8B-B14F-4D97-AF65-F5344CB8AC3E}">
-        <p14:creationId xmlns:p14="http://schemas.microsoft.com/office/powerpoint/2010/main" val="3187274391"/>
+        <p14:creationId xmlns:p14="http://schemas.microsoft.com/office/powerpoint/2010/main" val="2302203558"/>
       </p:ext>
     </p:extLst>
   </p:cSld>
@@ -1093,10 +1076,90 @@
           <a:bodyPr/>
           <a:lstStyle/>
           <a:p>
-            <a:r>
-              <a:rPr lang="en-US" dirty="0"/>
-              <a:t>The existence of photochemistry proves that excited states do not always relax to the ground state before reacting. </a:t>
-            </a:r>
+            <a:pPr marL="0" marR="0" lvl="0" indent="0" algn="l" defTabSz="914400" rtl="0" eaLnBrk="1" fontAlgn="auto" latinLnBrk="0" hangingPunct="1">
+              <a:lnSpc>
+                <a:spcPct val="100000"/>
+              </a:lnSpc>
+              <a:spcBef>
+                <a:spcPts val="0"/>
+              </a:spcBef>
+              <a:spcAft>
+                <a:spcPts val="0"/>
+              </a:spcAft>
+              <a:buClrTx/>
+              <a:buSzTx/>
+              <a:buFontTx/>
+              <a:buNone/>
+              <a:tabLst/>
+              <a:defRPr/>
+            </a:pPr>
+            <a:r>
+              <a:rPr lang="en-US" dirty="0"/>
+              <a:t>We can make these predictions, but they’re a lot of tedious work. </a:t>
+            </a:r>
+          </a:p>
+          <a:p>
+            <a:pPr marL="0" marR="0" lvl="0" indent="0" algn="l" defTabSz="914400" rtl="0" eaLnBrk="1" fontAlgn="auto" latinLnBrk="0" hangingPunct="1">
+              <a:lnSpc>
+                <a:spcPct val="100000"/>
+              </a:lnSpc>
+              <a:spcBef>
+                <a:spcPts val="0"/>
+              </a:spcBef>
+              <a:spcAft>
+                <a:spcPts val="0"/>
+              </a:spcAft>
+              <a:buClrTx/>
+              <a:buSzTx/>
+              <a:buFontTx/>
+              <a:buNone/>
+              <a:tabLst/>
+              <a:defRPr/>
+            </a:pPr>
+            <a:r>
+              <a:rPr lang="en-US" dirty="0"/>
+              <a:t>Example software is from </a:t>
+            </a:r>
+            <a:r>
+              <a:rPr lang="en-US" sz="1200" b="0" i="0" kern="1200" dirty="0">
+                <a:solidFill>
+                  <a:schemeClr val="tx1"/>
+                </a:solidFill>
+                <a:effectLst/>
+                <a:latin typeface="+mn-lt"/>
+                <a:ea typeface="+mn-ea"/>
+                <a:cs typeface="+mn-cs"/>
+              </a:rPr>
+              <a:t>Emilio Martínez-</a:t>
+            </a:r>
+            <a:r>
+              <a:rPr lang="en-US" sz="1200" b="0" i="0" kern="1200" dirty="0" err="1">
+                <a:solidFill>
+                  <a:schemeClr val="tx1"/>
+                </a:solidFill>
+                <a:effectLst/>
+                <a:latin typeface="+mn-lt"/>
+                <a:ea typeface="+mn-ea"/>
+                <a:cs typeface="+mn-cs"/>
+              </a:rPr>
+              <a:t>Núñez</a:t>
+            </a:r>
+            <a:r>
+              <a:rPr lang="en-US" sz="1200" b="0" i="0" kern="1200" dirty="0">
+                <a:solidFill>
+                  <a:schemeClr val="tx1"/>
+                </a:solidFill>
+                <a:effectLst/>
+                <a:latin typeface="+mn-lt"/>
+                <a:ea typeface="+mn-ea"/>
+                <a:cs typeface="+mn-cs"/>
+              </a:rPr>
+              <a:t>, in Spain (Santiago de Compostela).</a:t>
+            </a:r>
+            <a:endParaRPr lang="en-US" dirty="0"/>
+          </a:p>
+          <a:p>
+            <a:endParaRPr lang="en-US" dirty="0"/>
           </a:p>
         </p:txBody>
       </p:sp>
@@ -1117,7 +1180,7 @@
           <a:p>
             <a:fld id="{834948BD-10A7-4654-BC3D-1A706C7EB1E8}" type="slidenum">
               <a:rPr lang="en-US" smtClean="0"/>
-              <a:t>18</a:t>
+              <a:t>17</a:t>
             </a:fld>
             <a:endParaRPr lang="en-US"/>
           </a:p>
@@ -1126,7 +1189,7 @@
     </p:spTree>
     <p:extLst>
       <p:ext uri="{BB962C8B-B14F-4D97-AF65-F5344CB8AC3E}">
-        <p14:creationId xmlns:p14="http://schemas.microsoft.com/office/powerpoint/2010/main" val="2304204582"/>
+        <p14:creationId xmlns:p14="http://schemas.microsoft.com/office/powerpoint/2010/main" val="3187274391"/>
       </p:ext>
     </p:extLst>
   </p:cSld>
@@ -1182,7 +1245,7 @@
           <a:p>
             <a:r>
               <a:rPr lang="en-US" dirty="0"/>
-              <a:t>We can probably predict accurately sometimes, but not all the time. </a:t>
+              <a:t>The existence of photochemistry proves that excited states do not always relax to the ground state before reacting. </a:t>
             </a:r>
           </a:p>
         </p:txBody>
@@ -1204,7 +1267,7 @@
           <a:p>
             <a:fld id="{834948BD-10A7-4654-BC3D-1A706C7EB1E8}" type="slidenum">
               <a:rPr lang="en-US" smtClean="0"/>
-              <a:t>19</a:t>
+              <a:t>18</a:t>
             </a:fld>
             <a:endParaRPr lang="en-US"/>
           </a:p>
@@ -1213,7 +1276,7 @@
     </p:spTree>
     <p:extLst>
       <p:ext uri="{BB962C8B-B14F-4D97-AF65-F5344CB8AC3E}">
-        <p14:creationId xmlns:p14="http://schemas.microsoft.com/office/powerpoint/2010/main" val="3845880663"/>
+        <p14:creationId xmlns:p14="http://schemas.microsoft.com/office/powerpoint/2010/main" val="2304204582"/>
       </p:ext>
     </p:extLst>
   </p:cSld>
@@ -1267,7 +1330,10 @@
           <a:bodyPr/>
           <a:lstStyle/>
           <a:p>
-            <a:endParaRPr lang="en-US" dirty="0"/>
+            <a:r>
+              <a:rPr lang="en-US" dirty="0"/>
+              <a:t>We can probably predict accurately sometimes, but not all the time. </a:t>
+            </a:r>
           </a:p>
         </p:txBody>
       </p:sp>
@@ -1288,7 +1354,7 @@
           <a:p>
             <a:fld id="{834948BD-10A7-4654-BC3D-1A706C7EB1E8}" type="slidenum">
               <a:rPr lang="en-US" smtClean="0"/>
-              <a:t>20</a:t>
+              <a:t>19</a:t>
             </a:fld>
             <a:endParaRPr lang="en-US"/>
           </a:p>
@@ -1297,7 +1363,7 @@
     </p:spTree>
     <p:extLst>
       <p:ext uri="{BB962C8B-B14F-4D97-AF65-F5344CB8AC3E}">
-        <p14:creationId xmlns:p14="http://schemas.microsoft.com/office/powerpoint/2010/main" val="3048087069"/>
+        <p14:creationId xmlns:p14="http://schemas.microsoft.com/office/powerpoint/2010/main" val="3845880663"/>
       </p:ext>
     </p:extLst>
   </p:cSld>
@@ -1351,10 +1417,7 @@
           <a:bodyPr/>
           <a:lstStyle/>
           <a:p>
-            <a:r>
-              <a:rPr lang="en-US" dirty="0"/>
-              <a:t>Someone might be able to predict accurately sometimes. </a:t>
-            </a:r>
+            <a:endParaRPr lang="en-US" dirty="0"/>
           </a:p>
         </p:txBody>
       </p:sp>
@@ -1375,7 +1438,7 @@
           <a:p>
             <a:fld id="{834948BD-10A7-4654-BC3D-1A706C7EB1E8}" type="slidenum">
               <a:rPr lang="en-US" smtClean="0"/>
-              <a:t>21</a:t>
+              <a:t>20</a:t>
             </a:fld>
             <a:endParaRPr lang="en-US"/>
           </a:p>
@@ -1384,7 +1447,7 @@
     </p:spTree>
     <p:extLst>
       <p:ext uri="{BB962C8B-B14F-4D97-AF65-F5344CB8AC3E}">
-        <p14:creationId xmlns:p14="http://schemas.microsoft.com/office/powerpoint/2010/main" val="1522942110"/>
+        <p14:creationId xmlns:p14="http://schemas.microsoft.com/office/powerpoint/2010/main" val="3048087069"/>
       </p:ext>
     </p:extLst>
   </p:cSld>
@@ -1440,13 +1503,7 @@
           <a:p>
             <a:r>
               <a:rPr lang="en-US" dirty="0"/>
-              <a:t>This is to show you that gas-phase ion chemistry is not only about molecular physics. </a:t>
-            </a:r>
-          </a:p>
-          <a:p>
-            <a:r>
-              <a:rPr lang="en-US" dirty="0"/>
-              <a:t>There are gas-phase analogues of both homogeneous and heterogeneous catalysts. </a:t>
+              <a:t>Someone might be able to predict accurately sometimes. </a:t>
             </a:r>
           </a:p>
         </p:txBody>
@@ -1468,7 +1525,7 @@
           <a:p>
             <a:fld id="{834948BD-10A7-4654-BC3D-1A706C7EB1E8}" type="slidenum">
               <a:rPr lang="en-US" smtClean="0"/>
-              <a:t>22</a:t>
+              <a:t>21</a:t>
             </a:fld>
             <a:endParaRPr lang="en-US"/>
           </a:p>
@@ -1477,7 +1534,7 @@
     </p:spTree>
     <p:extLst>
       <p:ext uri="{BB962C8B-B14F-4D97-AF65-F5344CB8AC3E}">
-        <p14:creationId xmlns:p14="http://schemas.microsoft.com/office/powerpoint/2010/main" val="114952724"/>
+        <p14:creationId xmlns:p14="http://schemas.microsoft.com/office/powerpoint/2010/main" val="1522942110"/>
       </p:ext>
     </p:extLst>
   </p:cSld>
@@ -1626,7 +1683,16 @@
           <a:bodyPr/>
           <a:lstStyle/>
           <a:p>
-            <a:endParaRPr lang="en-US" dirty="0"/>
+            <a:r>
+              <a:rPr lang="en-US" dirty="0"/>
+              <a:t>This is to show you that gas-phase ion chemistry is not only about molecular physics. </a:t>
+            </a:r>
+          </a:p>
+          <a:p>
+            <a:r>
+              <a:rPr lang="en-US" dirty="0"/>
+              <a:t>There are gas-phase analogues of both homogeneous and heterogeneous catalysts. </a:t>
+            </a:r>
           </a:p>
         </p:txBody>
       </p:sp>
@@ -1647,7 +1713,7 @@
           <a:p>
             <a:fld id="{834948BD-10A7-4654-BC3D-1A706C7EB1E8}" type="slidenum">
               <a:rPr lang="en-US" smtClean="0"/>
-              <a:t>24</a:t>
+              <a:t>22</a:t>
             </a:fld>
             <a:endParaRPr lang="en-US"/>
           </a:p>
@@ -1656,7 +1722,7 @@
     </p:spTree>
     <p:extLst>
       <p:ext uri="{BB962C8B-B14F-4D97-AF65-F5344CB8AC3E}">
-        <p14:creationId xmlns:p14="http://schemas.microsoft.com/office/powerpoint/2010/main" val="2913120672"/>
+        <p14:creationId xmlns:p14="http://schemas.microsoft.com/office/powerpoint/2010/main" val="114952724"/>
       </p:ext>
     </p:extLst>
   </p:cSld>
@@ -1710,16 +1776,7 @@
           <a:bodyPr/>
           <a:lstStyle/>
           <a:p>
-            <a:r>
-              <a:rPr lang="en-US" dirty="0"/>
-              <a:t>There are data plotted from several sources, but all for the same quantity (positive ions).  The solid line is BEB theory and the symbols are experimental measurements. </a:t>
-            </a:r>
-          </a:p>
-          <a:p>
-            <a:r>
-              <a:rPr lang="en-US" dirty="0"/>
-              <a:t>The good performance of BEB for TICS adds confidence in using it for individual MO cross sections. </a:t>
-            </a:r>
+            <a:endParaRPr lang="en-US" dirty="0"/>
           </a:p>
         </p:txBody>
       </p:sp>
@@ -1740,7 +1797,7 @@
           <a:p>
             <a:fld id="{834948BD-10A7-4654-BC3D-1A706C7EB1E8}" type="slidenum">
               <a:rPr lang="en-US" smtClean="0"/>
-              <a:t>25</a:t>
+              <a:t>24</a:t>
             </a:fld>
             <a:endParaRPr lang="en-US"/>
           </a:p>
@@ -1749,7 +1806,7 @@
     </p:spTree>
     <p:extLst>
       <p:ext uri="{BB962C8B-B14F-4D97-AF65-F5344CB8AC3E}">
-        <p14:creationId xmlns:p14="http://schemas.microsoft.com/office/powerpoint/2010/main" val="3294218096"/>
+        <p14:creationId xmlns:p14="http://schemas.microsoft.com/office/powerpoint/2010/main" val="2913120672"/>
       </p:ext>
     </p:extLst>
   </p:cSld>
@@ -1805,6 +1862,99 @@
           <a:p>
             <a:r>
               <a:rPr lang="en-US" dirty="0"/>
+              <a:t>There are data plotted from several sources, but all for the same quantity (positive ions).  The solid line is BEB theory and the symbols are experimental measurements. </a:t>
+            </a:r>
+          </a:p>
+          <a:p>
+            <a:r>
+              <a:rPr lang="en-US" dirty="0"/>
+              <a:t>The good performance of BEB for TICS adds confidence in using it for individual MO cross sections. </a:t>
+            </a:r>
+          </a:p>
+        </p:txBody>
+      </p:sp>
+      <p:sp>
+        <p:nvSpPr>
+          <p:cNvPr id="4" name="Slide Number Placeholder 3"/>
+          <p:cNvSpPr>
+            <a:spLocks noGrp="1"/>
+          </p:cNvSpPr>
+          <p:nvPr>
+            <p:ph type="sldNum" sz="quarter" idx="10"/>
+          </p:nvPr>
+        </p:nvSpPr>
+        <p:spPr/>
+        <p:txBody>
+          <a:bodyPr/>
+          <a:lstStyle/>
+          <a:p>
+            <a:fld id="{834948BD-10A7-4654-BC3D-1A706C7EB1E8}" type="slidenum">
+              <a:rPr lang="en-US" smtClean="0"/>
+              <a:t>25</a:t>
+            </a:fld>
+            <a:endParaRPr lang="en-US"/>
+          </a:p>
+        </p:txBody>
+      </p:sp>
+    </p:spTree>
+    <p:extLst>
+      <p:ext uri="{BB962C8B-B14F-4D97-AF65-F5344CB8AC3E}">
+        <p14:creationId xmlns:p14="http://schemas.microsoft.com/office/powerpoint/2010/main" val="3294218096"/>
+      </p:ext>
+    </p:extLst>
+  </p:cSld>
+  <p:clrMapOvr>
+    <a:masterClrMapping/>
+  </p:clrMapOvr>
+</p:notes>
+</file>
+
+<file path=ppt/notesSlides/notesSlide23.xml><?xml version="1.0" encoding="utf-8"?>
+<p:notes xmlns:a="http://schemas.openxmlformats.org/drawingml/2006/main" xmlns:r="http://schemas.openxmlformats.org/officeDocument/2006/relationships" xmlns:p="http://schemas.openxmlformats.org/presentationml/2006/main">
+  <p:cSld>
+    <p:spTree>
+      <p:nvGrpSpPr>
+        <p:cNvPr id="1" name=""/>
+        <p:cNvGrpSpPr/>
+        <p:nvPr/>
+      </p:nvGrpSpPr>
+      <p:grpSpPr>
+        <a:xfrm>
+          <a:off x="0" y="0"/>
+          <a:ext cx="0" cy="0"/>
+          <a:chOff x="0" y="0"/>
+          <a:chExt cx="0" cy="0"/>
+        </a:xfrm>
+      </p:grpSpPr>
+      <p:sp>
+        <p:nvSpPr>
+          <p:cNvPr id="2" name="Slide Image Placeholder 1"/>
+          <p:cNvSpPr>
+            <a:spLocks noGrp="1" noRot="1" noChangeAspect="1"/>
+          </p:cNvSpPr>
+          <p:nvPr>
+            <p:ph type="sldImg"/>
+          </p:nvPr>
+        </p:nvSpPr>
+        <p:spPr/>
+      </p:sp>
+      <p:sp>
+        <p:nvSpPr>
+          <p:cNvPr id="3" name="Notes Placeholder 2"/>
+          <p:cNvSpPr>
+            <a:spLocks noGrp="1"/>
+          </p:cNvSpPr>
+          <p:nvPr>
+            <p:ph type="body" idx="1"/>
+          </p:nvPr>
+        </p:nvSpPr>
+        <p:spPr/>
+        <p:txBody>
+          <a:bodyPr/>
+          <a:lstStyle/>
+          <a:p>
+            <a:r>
+              <a:rPr lang="en-US" dirty="0"/>
               <a:t>BEB is the most popular theory for computing TICS. </a:t>
             </a:r>
           </a:p>
@@ -1852,7 +2002,7 @@
 </p:notes>
 </file>
 
-<file path=ppt/notesSlides/notesSlide23.xml><?xml version="1.0" encoding="utf-8"?>
+<file path=ppt/notesSlides/notesSlide24.xml><?xml version="1.0" encoding="utf-8"?>
 <p:notes xmlns:a="http://schemas.openxmlformats.org/drawingml/2006/main" xmlns:r="http://schemas.openxmlformats.org/officeDocument/2006/relationships" xmlns:p="http://schemas.openxmlformats.org/presentationml/2006/main">
   <p:cSld>
     <p:spTree>
@@ -2445,6 +2595,15 @@
               </a:rPr>
               <a:t>. of time ~= 2.4 fs</a:t>
             </a:r>
+          </a:p>
+          <a:p>
+            <a:pPr algn="l"/>
+            <a:r>
+              <a:rPr lang="en-US" sz="1200" b="0" i="0" u="none" strike="noStrike" baseline="0" dirty="0">
+                <a:latin typeface="Palatino Linotype" panose="02040502050505030304" pitchFamily="18" charset="0"/>
+              </a:rPr>
+              <a:t>Work by the group of Jorge Morales (Texas Tech. U).</a:t>
+            </a:r>
             <a:endParaRPr lang="en-US" dirty="0"/>
           </a:p>
           <a:p>
@@ -2796,6 +2955,20 @@
             <a:r>
               <a:rPr lang="en-US" dirty="0"/>
               <a:t>I’ll return to this slide a few times.</a:t>
+            </a:r>
+          </a:p>
+          <a:p>
+            <a:r>
+              <a:rPr lang="en-US" dirty="0"/>
+              <a:t>See pioneering attempt by Stefan </a:t>
+            </a:r>
+            <a:r>
+              <a:rPr lang="en-US" dirty="0" err="1"/>
+              <a:t>Grimme</a:t>
+            </a:r>
+            <a:r>
+              <a:rPr lang="en-US" dirty="0"/>
+              <a:t>, in Germany (Bonn). </a:t>
             </a:r>
           </a:p>
         </p:txBody>
@@ -2967,7 +3140,7 @@
           <a:p>
             <a:fld id="{FC6A8C3F-F9CD-4550-85ED-F3BB84B83A87}" type="datetimeFigureOut">
               <a:rPr lang="en-US" smtClean="0"/>
-              <a:t>8/16/2018</a:t>
+              <a:t>8/18/2018</a:t>
             </a:fld>
             <a:endParaRPr lang="en-US"/>
           </a:p>
@@ -3137,7 +3310,7 @@
           <a:p>
             <a:fld id="{FC6A8C3F-F9CD-4550-85ED-F3BB84B83A87}" type="datetimeFigureOut">
               <a:rPr lang="en-US" smtClean="0"/>
-              <a:t>8/16/2018</a:t>
+              <a:t>8/18/2018</a:t>
             </a:fld>
             <a:endParaRPr lang="en-US"/>
           </a:p>
@@ -3317,7 +3490,7 @@
           <a:p>
             <a:fld id="{FC6A8C3F-F9CD-4550-85ED-F3BB84B83A87}" type="datetimeFigureOut">
               <a:rPr lang="en-US" smtClean="0"/>
-              <a:t>8/16/2018</a:t>
+              <a:t>8/18/2018</a:t>
             </a:fld>
             <a:endParaRPr lang="en-US"/>
           </a:p>
@@ -3487,7 +3660,7 @@
           <a:p>
             <a:fld id="{FC6A8C3F-F9CD-4550-85ED-F3BB84B83A87}" type="datetimeFigureOut">
               <a:rPr lang="en-US" smtClean="0"/>
-              <a:t>8/16/2018</a:t>
+              <a:t>8/18/2018</a:t>
             </a:fld>
             <a:endParaRPr lang="en-US"/>
           </a:p>
@@ -3733,7 +3906,7 @@
           <a:p>
             <a:fld id="{FC6A8C3F-F9CD-4550-85ED-F3BB84B83A87}" type="datetimeFigureOut">
               <a:rPr lang="en-US" smtClean="0"/>
-              <a:t>8/16/2018</a:t>
+              <a:t>8/18/2018</a:t>
             </a:fld>
             <a:endParaRPr lang="en-US"/>
           </a:p>
@@ -3965,7 +4138,7 @@
           <a:p>
             <a:fld id="{FC6A8C3F-F9CD-4550-85ED-F3BB84B83A87}" type="datetimeFigureOut">
               <a:rPr lang="en-US" smtClean="0"/>
-              <a:t>8/16/2018</a:t>
+              <a:t>8/18/2018</a:t>
             </a:fld>
             <a:endParaRPr lang="en-US"/>
           </a:p>
@@ -4332,7 +4505,7 @@
           <a:p>
             <a:fld id="{FC6A8C3F-F9CD-4550-85ED-F3BB84B83A87}" type="datetimeFigureOut">
               <a:rPr lang="en-US" smtClean="0"/>
-              <a:t>8/16/2018</a:t>
+              <a:t>8/18/2018</a:t>
             </a:fld>
             <a:endParaRPr lang="en-US"/>
           </a:p>
@@ -4450,7 +4623,7 @@
           <a:p>
             <a:fld id="{FC6A8C3F-F9CD-4550-85ED-F3BB84B83A87}" type="datetimeFigureOut">
               <a:rPr lang="en-US" smtClean="0"/>
-              <a:t>8/16/2018</a:t>
+              <a:t>8/18/2018</a:t>
             </a:fld>
             <a:endParaRPr lang="en-US"/>
           </a:p>
@@ -4545,7 +4718,7 @@
           <a:p>
             <a:fld id="{FC6A8C3F-F9CD-4550-85ED-F3BB84B83A87}" type="datetimeFigureOut">
               <a:rPr lang="en-US" smtClean="0"/>
-              <a:t>8/16/2018</a:t>
+              <a:t>8/18/2018</a:t>
             </a:fld>
             <a:endParaRPr lang="en-US"/>
           </a:p>
@@ -4822,7 +4995,7 @@
           <a:p>
             <a:fld id="{FC6A8C3F-F9CD-4550-85ED-F3BB84B83A87}" type="datetimeFigureOut">
               <a:rPr lang="en-US" smtClean="0"/>
-              <a:t>8/16/2018</a:t>
+              <a:t>8/18/2018</a:t>
             </a:fld>
             <a:endParaRPr lang="en-US"/>
           </a:p>
@@ -5079,7 +5252,7 @@
           <a:p>
             <a:fld id="{FC6A8C3F-F9CD-4550-85ED-F3BB84B83A87}" type="datetimeFigureOut">
               <a:rPr lang="en-US" smtClean="0"/>
-              <a:t>8/16/2018</a:t>
+              <a:t>8/18/2018</a:t>
             </a:fld>
             <a:endParaRPr lang="en-US"/>
           </a:p>
@@ -5292,7 +5465,7 @@
           <a:p>
             <a:fld id="{FC6A8C3F-F9CD-4550-85ED-F3BB84B83A87}" type="datetimeFigureOut">
               <a:rPr lang="en-US" smtClean="0"/>
-              <a:t>8/16/2018</a:t>
+              <a:t>8/18/2018</a:t>
             </a:fld>
             <a:endParaRPr lang="en-US"/>
           </a:p>
@@ -6064,7 +6237,7 @@
           <a:graphicData uri="http://schemas.openxmlformats.org/presentationml/2006/ole">
             <mc:AlternateContent xmlns:mc="http://schemas.openxmlformats.org/markup-compatibility/2006">
               <mc:Choice xmlns:v="urn:schemas-microsoft-com:vml" Requires="v">
-                <p:oleObj spid="_x0000_s3075" r:id="rId5" imgW="347220" imgH="385210" progId="">
+                <p:oleObj spid="_x0000_s3077" r:id="rId5" imgW="347220" imgH="385210" progId="">
                   <p:embed/>
                 </p:oleObj>
               </mc:Choice>
@@ -8483,7 +8656,7 @@
           <a:graphicData uri="http://schemas.openxmlformats.org/presentationml/2006/ole">
             <mc:AlternateContent xmlns:mc="http://schemas.openxmlformats.org/markup-compatibility/2006">
               <mc:Choice xmlns:v="urn:schemas-microsoft-com:vml" Requires="v">
-                <p:oleObj spid="_x0000_s2088" r:id="rId6" imgW="347220" imgH="385210" progId="">
+                <p:oleObj spid="_x0000_s2090" r:id="rId6" imgW="347220" imgH="385210" progId="">
                   <p:embed/>
                 </p:oleObj>
               </mc:Choice>
@@ -10456,13 +10629,18 @@
           <a:p>
             <a:pPr lvl="1"/>
             <a:r>
-              <a:rPr lang="en-US" sz="1800" dirty="0">
-                <a:solidFill>
-                  <a:srgbClr val="FFFF00"/>
-                </a:solidFill>
-              </a:rPr>
-              <a:t>http://forge.cesga.es/projects/tsscds2018</a:t>
-            </a:r>
+              <a:rPr lang="en-US" sz="2000" dirty="0">
+                <a:solidFill>
+                  <a:srgbClr val="FFFF00"/>
+                </a:solidFill>
+              </a:rPr>
+              <a:t>http://forge.cesga.es/wiki/g/tsscds</a:t>
+            </a:r>
+            <a:endParaRPr lang="en-US" sz="1800" dirty="0">
+              <a:solidFill>
+                <a:srgbClr val="FFFF00"/>
+              </a:solidFill>
+            </a:endParaRPr>
           </a:p>
           <a:p>
             <a:r>
@@ -14503,7 +14681,22 @@
                   <a:srgbClr val="00FF00"/>
                 </a:solidFill>
               </a:rPr>
-              <a:t>Questions?</a:t>
+              <a:t>Questions or </a:t>
+            </a:r>
+            <a:br>
+              <a:rPr lang="en-US" sz="7200" dirty="0">
+                <a:solidFill>
+                  <a:srgbClr val="00FF00"/>
+                </a:solidFill>
+              </a:rPr>
+            </a:br>
+            <a:r>
+              <a:rPr lang="en-US" sz="7200" dirty="0">
+                <a:solidFill>
+                  <a:srgbClr val="00FF00"/>
+                </a:solidFill>
+              </a:rPr>
+              <a:t>comments?</a:t>
             </a:r>
           </a:p>
         </p:txBody>
@@ -16234,7 +16427,7 @@
           <a:graphicData uri="http://schemas.openxmlformats.org/presentationml/2006/ole">
             <mc:AlternateContent xmlns:mc="http://schemas.openxmlformats.org/markup-compatibility/2006">
               <mc:Choice xmlns:v="urn:schemas-microsoft-com:vml" Requires="v">
-                <p:oleObj spid="_x0000_s1070" name="Equation" r:id="rId4" imgW="3162240" imgH="469800" progId="Equation.DSMT4">
+                <p:oleObj spid="_x0000_s1072" name="Equation" r:id="rId4" imgW="3162240" imgH="469800" progId="Equation.DSMT4">
                   <p:embed/>
                 </p:oleObj>
               </mc:Choice>

--- a/ACS_Boston_2018_Irikura.pptx
+++ b/ACS_Boston_2018_Irikura.pptx
@@ -5,7 +5,7 @@
     <p:sldMasterId id="2147483813" r:id="rId1"/>
   </p:sldMasterIdLst>
   <p:notesMasterIdLst>
-    <p:notesMasterId r:id="rId29"/>
+    <p:notesMasterId r:id="rId30"/>
   </p:notesMasterIdLst>
   <p:sldIdLst>
     <p:sldId id="256" r:id="rId2"/>
@@ -13,28 +13,29 @@
     <p:sldId id="258" r:id="rId4"/>
     <p:sldId id="259" r:id="rId5"/>
     <p:sldId id="260" r:id="rId6"/>
-    <p:sldId id="261" r:id="rId7"/>
-    <p:sldId id="263" r:id="rId8"/>
-    <p:sldId id="262" r:id="rId9"/>
-    <p:sldId id="267" r:id="rId10"/>
-    <p:sldId id="275" r:id="rId11"/>
-    <p:sldId id="269" r:id="rId12"/>
-    <p:sldId id="271" r:id="rId13"/>
-    <p:sldId id="266" r:id="rId14"/>
-    <p:sldId id="270" r:id="rId15"/>
-    <p:sldId id="273" r:id="rId16"/>
-    <p:sldId id="274" r:id="rId17"/>
-    <p:sldId id="276" r:id="rId18"/>
-    <p:sldId id="277" r:id="rId19"/>
-    <p:sldId id="278" r:id="rId20"/>
-    <p:sldId id="279" r:id="rId21"/>
-    <p:sldId id="280" r:id="rId22"/>
-    <p:sldId id="281" r:id="rId23"/>
-    <p:sldId id="272" r:id="rId24"/>
-    <p:sldId id="268" r:id="rId25"/>
-    <p:sldId id="264" r:id="rId26"/>
-    <p:sldId id="265" r:id="rId27"/>
-    <p:sldId id="282" r:id="rId28"/>
+    <p:sldId id="283" r:id="rId7"/>
+    <p:sldId id="261" r:id="rId8"/>
+    <p:sldId id="263" r:id="rId9"/>
+    <p:sldId id="262" r:id="rId10"/>
+    <p:sldId id="267" r:id="rId11"/>
+    <p:sldId id="275" r:id="rId12"/>
+    <p:sldId id="269" r:id="rId13"/>
+    <p:sldId id="271" r:id="rId14"/>
+    <p:sldId id="266" r:id="rId15"/>
+    <p:sldId id="270" r:id="rId16"/>
+    <p:sldId id="273" r:id="rId17"/>
+    <p:sldId id="274" r:id="rId18"/>
+    <p:sldId id="276" r:id="rId19"/>
+    <p:sldId id="277" r:id="rId20"/>
+    <p:sldId id="278" r:id="rId21"/>
+    <p:sldId id="279" r:id="rId22"/>
+    <p:sldId id="280" r:id="rId23"/>
+    <p:sldId id="281" r:id="rId24"/>
+    <p:sldId id="272" r:id="rId25"/>
+    <p:sldId id="268" r:id="rId26"/>
+    <p:sldId id="264" r:id="rId27"/>
+    <p:sldId id="265" r:id="rId28"/>
+    <p:sldId id="282" r:id="rId29"/>
   </p:sldIdLst>
   <p:sldSz cx="12192000" cy="6858000"/>
   <p:notesSz cx="6858000" cy="9144000"/>
@@ -234,7 +235,7 @@
           <a:p>
             <a:fld id="{093871A6-C1FC-450D-9B63-9900A59C3DCC}" type="datetimeFigureOut">
               <a:rPr lang="en-US" smtClean="0"/>
-              <a:t>8/18/2018</a:t>
+              <a:t>8/21/2018</a:t>
             </a:fld>
             <a:endParaRPr lang="en-US"/>
           </a:p>
@@ -632,7 +633,24 @@
           <a:bodyPr/>
           <a:lstStyle/>
           <a:p>
-            <a:endParaRPr lang="en-US" dirty="0"/>
+            <a:r>
+              <a:rPr lang="en-US" dirty="0"/>
+              <a:t>I’ll return to this slide a few times.</a:t>
+            </a:r>
+          </a:p>
+          <a:p>
+            <a:r>
+              <a:rPr lang="en-US" dirty="0"/>
+              <a:t>See pioneering attempt by Stefan </a:t>
+            </a:r>
+            <a:r>
+              <a:rPr lang="en-US" dirty="0" err="1"/>
+              <a:t>Grimme</a:t>
+            </a:r>
+            <a:r>
+              <a:rPr lang="en-US" dirty="0"/>
+              <a:t>, in Germany (Bonn). </a:t>
+            </a:r>
           </a:p>
         </p:txBody>
       </p:sp>
@@ -662,7 +680,7 @@
     </p:spTree>
     <p:extLst>
       <p:ext uri="{BB962C8B-B14F-4D97-AF65-F5344CB8AC3E}">
-        <p14:creationId xmlns:p14="http://schemas.microsoft.com/office/powerpoint/2010/main" val="3697521841"/>
+        <p14:creationId xmlns:p14="http://schemas.microsoft.com/office/powerpoint/2010/main" val="1383774049"/>
       </p:ext>
     </p:extLst>
   </p:cSld>
@@ -716,10 +734,7 @@
           <a:bodyPr/>
           <a:lstStyle/>
           <a:p>
-            <a:r>
-              <a:rPr lang="en-US" dirty="0"/>
-              <a:t>To a first approximation, the incident electron knocks a bound electron out of the molecule, often creating a molecular ion in an excited state. </a:t>
-            </a:r>
+            <a:endParaRPr lang="en-US" dirty="0"/>
           </a:p>
         </p:txBody>
       </p:sp>
@@ -749,7 +764,7 @@
     </p:spTree>
     <p:extLst>
       <p:ext uri="{BB962C8B-B14F-4D97-AF65-F5344CB8AC3E}">
-        <p14:creationId xmlns:p14="http://schemas.microsoft.com/office/powerpoint/2010/main" val="4244621437"/>
+        <p14:creationId xmlns:p14="http://schemas.microsoft.com/office/powerpoint/2010/main" val="3697521841"/>
       </p:ext>
     </p:extLst>
   </p:cSld>
@@ -805,19 +820,7 @@
           <a:p>
             <a:r>
               <a:rPr lang="en-US" dirty="0"/>
-              <a:t>BEB theory is described on a supplemental slide. </a:t>
-            </a:r>
-          </a:p>
-          <a:p>
-            <a:r>
-              <a:rPr lang="en-US" dirty="0"/>
-              <a:t>This part of the problem appears to be under control. </a:t>
-            </a:r>
-          </a:p>
-          <a:p>
-            <a:r>
-              <a:rPr lang="en-US" dirty="0"/>
-              <a:t>Experimental team in Germany (Braunschweig and Heidelberg).</a:t>
+              <a:t>To a first approximation, the incident electron knocks a bound electron out of the molecule, often creating a molecular ion in an excited state. </a:t>
             </a:r>
           </a:p>
         </p:txBody>
@@ -848,7 +851,7 @@
     </p:spTree>
     <p:extLst>
       <p:ext uri="{BB962C8B-B14F-4D97-AF65-F5344CB8AC3E}">
-        <p14:creationId xmlns:p14="http://schemas.microsoft.com/office/powerpoint/2010/main" val="1064968525"/>
+        <p14:creationId xmlns:p14="http://schemas.microsoft.com/office/powerpoint/2010/main" val="4244621437"/>
       </p:ext>
     </p:extLst>
   </p:cSld>
@@ -904,7 +907,19 @@
           <a:p>
             <a:r>
               <a:rPr lang="en-US" dirty="0"/>
-              <a:t>Finding the important reactions on the ground state is done often, but is computationally intensive and usually labor-intensive. </a:t>
+              <a:t>BEB theory is described on a supplemental slide. </a:t>
+            </a:r>
+          </a:p>
+          <a:p>
+            <a:r>
+              <a:rPr lang="en-US" dirty="0"/>
+              <a:t>This part of the problem appears to be under control. </a:t>
+            </a:r>
+          </a:p>
+          <a:p>
+            <a:r>
+              <a:rPr lang="en-US" dirty="0"/>
+              <a:t>Experimental team in Germany (Braunschweig and Heidelberg).</a:t>
             </a:r>
           </a:p>
         </p:txBody>
@@ -935,7 +950,7 @@
     </p:spTree>
     <p:extLst>
       <p:ext uri="{BB962C8B-B14F-4D97-AF65-F5344CB8AC3E}">
-        <p14:creationId xmlns:p14="http://schemas.microsoft.com/office/powerpoint/2010/main" val="41565649"/>
+        <p14:creationId xmlns:p14="http://schemas.microsoft.com/office/powerpoint/2010/main" val="1064968525"/>
       </p:ext>
     </p:extLst>
   </p:cSld>
@@ -991,7 +1006,7 @@
           <a:p>
             <a:r>
               <a:rPr lang="en-US" dirty="0"/>
-              <a:t>When the excited state relaxes to the ground state, the excess energy is transferred to vibrations (red-hot molecular ion on right).  </a:t>
+              <a:t>Finding the important reactions on the ground state is done often, but is computationally intensive and usually labor-intensive. </a:t>
             </a:r>
           </a:p>
         </p:txBody>
@@ -1022,7 +1037,7 @@
     </p:spTree>
     <p:extLst>
       <p:ext uri="{BB962C8B-B14F-4D97-AF65-F5344CB8AC3E}">
-        <p14:creationId xmlns:p14="http://schemas.microsoft.com/office/powerpoint/2010/main" val="2302203558"/>
+        <p14:creationId xmlns:p14="http://schemas.microsoft.com/office/powerpoint/2010/main" val="41565649"/>
       </p:ext>
     </p:extLst>
   </p:cSld>
@@ -1076,90 +1091,10 @@
           <a:bodyPr/>
           <a:lstStyle/>
           <a:p>
-            <a:pPr marL="0" marR="0" lvl="0" indent="0" algn="l" defTabSz="914400" rtl="0" eaLnBrk="1" fontAlgn="auto" latinLnBrk="0" hangingPunct="1">
-              <a:lnSpc>
-                <a:spcPct val="100000"/>
-              </a:lnSpc>
-              <a:spcBef>
-                <a:spcPts val="0"/>
-              </a:spcBef>
-              <a:spcAft>
-                <a:spcPts val="0"/>
-              </a:spcAft>
-              <a:buClrTx/>
-              <a:buSzTx/>
-              <a:buFontTx/>
-              <a:buNone/>
-              <a:tabLst/>
-              <a:defRPr/>
-            </a:pPr>
-            <a:r>
-              <a:rPr lang="en-US" dirty="0"/>
-              <a:t>We can make these predictions, but they’re a lot of tedious work. </a:t>
-            </a:r>
-          </a:p>
-          <a:p>
-            <a:pPr marL="0" marR="0" lvl="0" indent="0" algn="l" defTabSz="914400" rtl="0" eaLnBrk="1" fontAlgn="auto" latinLnBrk="0" hangingPunct="1">
-              <a:lnSpc>
-                <a:spcPct val="100000"/>
-              </a:lnSpc>
-              <a:spcBef>
-                <a:spcPts val="0"/>
-              </a:spcBef>
-              <a:spcAft>
-                <a:spcPts val="0"/>
-              </a:spcAft>
-              <a:buClrTx/>
-              <a:buSzTx/>
-              <a:buFontTx/>
-              <a:buNone/>
-              <a:tabLst/>
-              <a:defRPr/>
-            </a:pPr>
-            <a:r>
-              <a:rPr lang="en-US" dirty="0"/>
-              <a:t>Example software is from </a:t>
-            </a:r>
-            <a:r>
-              <a:rPr lang="en-US" sz="1200" b="0" i="0" kern="1200" dirty="0">
-                <a:solidFill>
-                  <a:schemeClr val="tx1"/>
-                </a:solidFill>
-                <a:effectLst/>
-                <a:latin typeface="+mn-lt"/>
-                <a:ea typeface="+mn-ea"/>
-                <a:cs typeface="+mn-cs"/>
-              </a:rPr>
-              <a:t>Emilio Martínez-</a:t>
-            </a:r>
-            <a:r>
-              <a:rPr lang="en-US" sz="1200" b="0" i="0" kern="1200" dirty="0" err="1">
-                <a:solidFill>
-                  <a:schemeClr val="tx1"/>
-                </a:solidFill>
-                <a:effectLst/>
-                <a:latin typeface="+mn-lt"/>
-                <a:ea typeface="+mn-ea"/>
-                <a:cs typeface="+mn-cs"/>
-              </a:rPr>
-              <a:t>Núñez</a:t>
-            </a:r>
-            <a:r>
-              <a:rPr lang="en-US" sz="1200" b="0" i="0" kern="1200" dirty="0">
-                <a:solidFill>
-                  <a:schemeClr val="tx1"/>
-                </a:solidFill>
-                <a:effectLst/>
-                <a:latin typeface="+mn-lt"/>
-                <a:ea typeface="+mn-ea"/>
-                <a:cs typeface="+mn-cs"/>
-              </a:rPr>
-              <a:t>, in Spain (Santiago de Compostela).</a:t>
-            </a:r>
-            <a:endParaRPr lang="en-US" dirty="0"/>
-          </a:p>
-          <a:p>
-            <a:endParaRPr lang="en-US" dirty="0"/>
+            <a:r>
+              <a:rPr lang="en-US" dirty="0"/>
+              <a:t>When the excited state relaxes to the ground state, the excess energy is transferred to vibrations (red-hot molecular ion on right).  </a:t>
+            </a:r>
           </a:p>
         </p:txBody>
       </p:sp>
@@ -1189,7 +1124,7 @@
     </p:spTree>
     <p:extLst>
       <p:ext uri="{BB962C8B-B14F-4D97-AF65-F5344CB8AC3E}">
-        <p14:creationId xmlns:p14="http://schemas.microsoft.com/office/powerpoint/2010/main" val="3187274391"/>
+        <p14:creationId xmlns:p14="http://schemas.microsoft.com/office/powerpoint/2010/main" val="2302203558"/>
       </p:ext>
     </p:extLst>
   </p:cSld>
@@ -1243,10 +1178,90 @@
           <a:bodyPr/>
           <a:lstStyle/>
           <a:p>
-            <a:r>
-              <a:rPr lang="en-US" dirty="0"/>
-              <a:t>The existence of photochemistry proves that excited states do not always relax to the ground state before reacting. </a:t>
-            </a:r>
+            <a:pPr marL="0" marR="0" lvl="0" indent="0" algn="l" defTabSz="914400" rtl="0" eaLnBrk="1" fontAlgn="auto" latinLnBrk="0" hangingPunct="1">
+              <a:lnSpc>
+                <a:spcPct val="100000"/>
+              </a:lnSpc>
+              <a:spcBef>
+                <a:spcPts val="0"/>
+              </a:spcBef>
+              <a:spcAft>
+                <a:spcPts val="0"/>
+              </a:spcAft>
+              <a:buClrTx/>
+              <a:buSzTx/>
+              <a:buFontTx/>
+              <a:buNone/>
+              <a:tabLst/>
+              <a:defRPr/>
+            </a:pPr>
+            <a:r>
+              <a:rPr lang="en-US" dirty="0"/>
+              <a:t>We can make these predictions, but they’re a lot of tedious work. </a:t>
+            </a:r>
+          </a:p>
+          <a:p>
+            <a:pPr marL="0" marR="0" lvl="0" indent="0" algn="l" defTabSz="914400" rtl="0" eaLnBrk="1" fontAlgn="auto" latinLnBrk="0" hangingPunct="1">
+              <a:lnSpc>
+                <a:spcPct val="100000"/>
+              </a:lnSpc>
+              <a:spcBef>
+                <a:spcPts val="0"/>
+              </a:spcBef>
+              <a:spcAft>
+                <a:spcPts val="0"/>
+              </a:spcAft>
+              <a:buClrTx/>
+              <a:buSzTx/>
+              <a:buFontTx/>
+              <a:buNone/>
+              <a:tabLst/>
+              <a:defRPr/>
+            </a:pPr>
+            <a:r>
+              <a:rPr lang="en-US" dirty="0"/>
+              <a:t>Example software is from </a:t>
+            </a:r>
+            <a:r>
+              <a:rPr lang="en-US" sz="1200" b="0" i="0" kern="1200" dirty="0">
+                <a:solidFill>
+                  <a:schemeClr val="tx1"/>
+                </a:solidFill>
+                <a:effectLst/>
+                <a:latin typeface="+mn-lt"/>
+                <a:ea typeface="+mn-ea"/>
+                <a:cs typeface="+mn-cs"/>
+              </a:rPr>
+              <a:t>Emilio Martínez-</a:t>
+            </a:r>
+            <a:r>
+              <a:rPr lang="en-US" sz="1200" b="0" i="0" kern="1200" dirty="0" err="1">
+                <a:solidFill>
+                  <a:schemeClr val="tx1"/>
+                </a:solidFill>
+                <a:effectLst/>
+                <a:latin typeface="+mn-lt"/>
+                <a:ea typeface="+mn-ea"/>
+                <a:cs typeface="+mn-cs"/>
+              </a:rPr>
+              <a:t>Núñez</a:t>
+            </a:r>
+            <a:r>
+              <a:rPr lang="en-US" sz="1200" b="0" i="0" kern="1200" dirty="0">
+                <a:solidFill>
+                  <a:schemeClr val="tx1"/>
+                </a:solidFill>
+                <a:effectLst/>
+                <a:latin typeface="+mn-lt"/>
+                <a:ea typeface="+mn-ea"/>
+                <a:cs typeface="+mn-cs"/>
+              </a:rPr>
+              <a:t>, in Spain (Santiago de Compostela).</a:t>
+            </a:r>
+            <a:endParaRPr lang="en-US" dirty="0"/>
+          </a:p>
+          <a:p>
+            <a:endParaRPr lang="en-US" dirty="0"/>
           </a:p>
         </p:txBody>
       </p:sp>
@@ -1276,7 +1291,7 @@
     </p:spTree>
     <p:extLst>
       <p:ext uri="{BB962C8B-B14F-4D97-AF65-F5344CB8AC3E}">
-        <p14:creationId xmlns:p14="http://schemas.microsoft.com/office/powerpoint/2010/main" val="2304204582"/>
+        <p14:creationId xmlns:p14="http://schemas.microsoft.com/office/powerpoint/2010/main" val="3187274391"/>
       </p:ext>
     </p:extLst>
   </p:cSld>
@@ -1332,7 +1347,7 @@
           <a:p>
             <a:r>
               <a:rPr lang="en-US" dirty="0"/>
-              <a:t>We can probably predict accurately sometimes, but not all the time. </a:t>
+              <a:t>The existence of photochemistry proves that excited states do not always relax to the ground state before reacting. </a:t>
             </a:r>
           </a:p>
         </p:txBody>
@@ -1363,7 +1378,7 @@
     </p:spTree>
     <p:extLst>
       <p:ext uri="{BB962C8B-B14F-4D97-AF65-F5344CB8AC3E}">
-        <p14:creationId xmlns:p14="http://schemas.microsoft.com/office/powerpoint/2010/main" val="3845880663"/>
+        <p14:creationId xmlns:p14="http://schemas.microsoft.com/office/powerpoint/2010/main" val="2304204582"/>
       </p:ext>
     </p:extLst>
   </p:cSld>
@@ -1417,7 +1432,10 @@
           <a:bodyPr/>
           <a:lstStyle/>
           <a:p>
-            <a:endParaRPr lang="en-US" dirty="0"/>
+            <a:r>
+              <a:rPr lang="en-US" dirty="0"/>
+              <a:t>We can probably predict accurately sometimes, but not all the time. </a:t>
+            </a:r>
           </a:p>
         </p:txBody>
       </p:sp>
@@ -1447,7 +1465,7 @@
     </p:spTree>
     <p:extLst>
       <p:ext uri="{BB962C8B-B14F-4D97-AF65-F5344CB8AC3E}">
-        <p14:creationId xmlns:p14="http://schemas.microsoft.com/office/powerpoint/2010/main" val="3048087069"/>
+        <p14:creationId xmlns:p14="http://schemas.microsoft.com/office/powerpoint/2010/main" val="3845880663"/>
       </p:ext>
     </p:extLst>
   </p:cSld>
@@ -1501,10 +1519,7 @@
           <a:bodyPr/>
           <a:lstStyle/>
           <a:p>
-            <a:r>
-              <a:rPr lang="en-US" dirty="0"/>
-              <a:t>Someone might be able to predict accurately sometimes. </a:t>
-            </a:r>
+            <a:endParaRPr lang="en-US" dirty="0"/>
           </a:p>
         </p:txBody>
       </p:sp>
@@ -1534,7 +1549,7 @@
     </p:spTree>
     <p:extLst>
       <p:ext uri="{BB962C8B-B14F-4D97-AF65-F5344CB8AC3E}">
-        <p14:creationId xmlns:p14="http://schemas.microsoft.com/office/powerpoint/2010/main" val="1522942110"/>
+        <p14:creationId xmlns:p14="http://schemas.microsoft.com/office/powerpoint/2010/main" val="3048087069"/>
       </p:ext>
     </p:extLst>
   </p:cSld>
@@ -1685,13 +1700,7 @@
           <a:p>
             <a:r>
               <a:rPr lang="en-US" dirty="0"/>
-              <a:t>This is to show you that gas-phase ion chemistry is not only about molecular physics. </a:t>
-            </a:r>
-          </a:p>
-          <a:p>
-            <a:r>
-              <a:rPr lang="en-US" dirty="0"/>
-              <a:t>There are gas-phase analogues of both homogeneous and heterogeneous catalysts. </a:t>
+              <a:t>Someone might be able to predict accurately sometimes. </a:t>
             </a:r>
           </a:p>
         </p:txBody>
@@ -1722,7 +1731,7 @@
     </p:spTree>
     <p:extLst>
       <p:ext uri="{BB962C8B-B14F-4D97-AF65-F5344CB8AC3E}">
-        <p14:creationId xmlns:p14="http://schemas.microsoft.com/office/powerpoint/2010/main" val="114952724"/>
+        <p14:creationId xmlns:p14="http://schemas.microsoft.com/office/powerpoint/2010/main" val="1522942110"/>
       </p:ext>
     </p:extLst>
   </p:cSld>
@@ -1776,7 +1785,16 @@
           <a:bodyPr/>
           <a:lstStyle/>
           <a:p>
-            <a:endParaRPr lang="en-US" dirty="0"/>
+            <a:r>
+              <a:rPr lang="en-US" dirty="0"/>
+              <a:t>This is to show you that gas-phase ion chemistry is not only about molecular physics. </a:t>
+            </a:r>
+          </a:p>
+          <a:p>
+            <a:r>
+              <a:rPr lang="en-US" dirty="0"/>
+              <a:t>There are gas-phase analogues of both homogeneous and heterogeneous catalysts. </a:t>
+            </a:r>
           </a:p>
         </p:txBody>
       </p:sp>
@@ -1797,7 +1815,7 @@
           <a:p>
             <a:fld id="{834948BD-10A7-4654-BC3D-1A706C7EB1E8}" type="slidenum">
               <a:rPr lang="en-US" smtClean="0"/>
-              <a:t>24</a:t>
+              <a:t>23</a:t>
             </a:fld>
             <a:endParaRPr lang="en-US"/>
           </a:p>
@@ -1806,7 +1824,7 @@
     </p:spTree>
     <p:extLst>
       <p:ext uri="{BB962C8B-B14F-4D97-AF65-F5344CB8AC3E}">
-        <p14:creationId xmlns:p14="http://schemas.microsoft.com/office/powerpoint/2010/main" val="2913120672"/>
+        <p14:creationId xmlns:p14="http://schemas.microsoft.com/office/powerpoint/2010/main" val="114952724"/>
       </p:ext>
     </p:extLst>
   </p:cSld>
@@ -1860,16 +1878,7 @@
           <a:bodyPr/>
           <a:lstStyle/>
           <a:p>
-            <a:r>
-              <a:rPr lang="en-US" dirty="0"/>
-              <a:t>There are data plotted from several sources, but all for the same quantity (positive ions).  The solid line is BEB theory and the symbols are experimental measurements. </a:t>
-            </a:r>
-          </a:p>
-          <a:p>
-            <a:r>
-              <a:rPr lang="en-US" dirty="0"/>
-              <a:t>The good performance of BEB for TICS adds confidence in using it for individual MO cross sections. </a:t>
-            </a:r>
+            <a:endParaRPr lang="en-US" dirty="0"/>
           </a:p>
         </p:txBody>
       </p:sp>
@@ -1899,7 +1908,7 @@
     </p:spTree>
     <p:extLst>
       <p:ext uri="{BB962C8B-B14F-4D97-AF65-F5344CB8AC3E}">
-        <p14:creationId xmlns:p14="http://schemas.microsoft.com/office/powerpoint/2010/main" val="3294218096"/>
+        <p14:creationId xmlns:p14="http://schemas.microsoft.com/office/powerpoint/2010/main" val="2913120672"/>
       </p:ext>
     </p:extLst>
   </p:cSld>
@@ -1955,13 +1964,13 @@
           <a:p>
             <a:r>
               <a:rPr lang="en-US" dirty="0"/>
-              <a:t>BEB is the most popular theory for computing TICS. </a:t>
-            </a:r>
-          </a:p>
-          <a:p>
-            <a:r>
-              <a:rPr lang="en-US" dirty="0"/>
-              <a:t>It says nothing about subsequent chemistry, such as ion fragmentation in EIMS. </a:t>
+              <a:t>There are data plotted from several sources, but all for the same quantity (positive ions).  The solid line is BEB theory and the symbols are experimental measurements. </a:t>
+            </a:r>
+          </a:p>
+          <a:p>
+            <a:r>
+              <a:rPr lang="en-US" dirty="0"/>
+              <a:t>The good performance of BEB for TICS adds confidence in using it for individual MO cross sections. </a:t>
             </a:r>
           </a:p>
         </p:txBody>
@@ -1992,7 +2001,7 @@
     </p:spTree>
     <p:extLst>
       <p:ext uri="{BB962C8B-B14F-4D97-AF65-F5344CB8AC3E}">
-        <p14:creationId xmlns:p14="http://schemas.microsoft.com/office/powerpoint/2010/main" val="3362720735"/>
+        <p14:creationId xmlns:p14="http://schemas.microsoft.com/office/powerpoint/2010/main" val="3294218096"/>
       </p:ext>
     </p:extLst>
   </p:cSld>
@@ -2048,41 +2057,13 @@
           <a:p>
             <a:r>
               <a:rPr lang="en-US" dirty="0"/>
-              <a:t>The figures are for gas-phase H</a:t>
-            </a:r>
-            <a:r>
-              <a:rPr lang="en-US" baseline="-25000" dirty="0"/>
-              <a:t>2</a:t>
-            </a:r>
-            <a:r>
-              <a:rPr lang="en-US" dirty="0"/>
-              <a:t>O. </a:t>
-            </a:r>
-          </a:p>
-          <a:p>
-            <a:r>
-              <a:rPr lang="en-US" dirty="0"/>
-              <a:t>When a proton ionizes something, it loses some energy and slows down. </a:t>
-            </a:r>
-          </a:p>
-          <a:p>
-            <a:r>
-              <a:rPr lang="en-US" dirty="0"/>
-              <a:t>Cross section for ejecting electrons peaks near 50 </a:t>
-            </a:r>
-            <a:r>
-              <a:rPr lang="en-US" dirty="0" err="1"/>
-              <a:t>keV</a:t>
-            </a:r>
-            <a:r>
-              <a:rPr lang="en-US" dirty="0"/>
-              <a:t>.  </a:t>
-            </a:r>
-          </a:p>
-          <a:p>
-            <a:r>
-              <a:rPr lang="en-US" dirty="0"/>
-              <a:t>Cross section for creating positive ions is larger and declines with energy.  As a proton slows down, it becomes more likely to slow down further. </a:t>
+              <a:t>BEB is the most popular theory for computing TICS. </a:t>
+            </a:r>
+          </a:p>
+          <a:p>
+            <a:r>
+              <a:rPr lang="en-US" dirty="0"/>
+              <a:t>It says nothing about subsequent chemistry, such as ion fragmentation in EIMS. </a:t>
             </a:r>
           </a:p>
         </p:txBody>
@@ -2105,6 +2086,127 @@
             <a:fld id="{834948BD-10A7-4654-BC3D-1A706C7EB1E8}" type="slidenum">
               <a:rPr lang="en-US" smtClean="0"/>
               <a:t>27</a:t>
+            </a:fld>
+            <a:endParaRPr lang="en-US"/>
+          </a:p>
+        </p:txBody>
+      </p:sp>
+    </p:spTree>
+    <p:extLst>
+      <p:ext uri="{BB962C8B-B14F-4D97-AF65-F5344CB8AC3E}">
+        <p14:creationId xmlns:p14="http://schemas.microsoft.com/office/powerpoint/2010/main" val="3362720735"/>
+      </p:ext>
+    </p:extLst>
+  </p:cSld>
+  <p:clrMapOvr>
+    <a:masterClrMapping/>
+  </p:clrMapOvr>
+</p:notes>
+</file>
+
+<file path=ppt/notesSlides/notesSlide25.xml><?xml version="1.0" encoding="utf-8"?>
+<p:notes xmlns:a="http://schemas.openxmlformats.org/drawingml/2006/main" xmlns:r="http://schemas.openxmlformats.org/officeDocument/2006/relationships" xmlns:p="http://schemas.openxmlformats.org/presentationml/2006/main">
+  <p:cSld>
+    <p:spTree>
+      <p:nvGrpSpPr>
+        <p:cNvPr id="1" name=""/>
+        <p:cNvGrpSpPr/>
+        <p:nvPr/>
+      </p:nvGrpSpPr>
+      <p:grpSpPr>
+        <a:xfrm>
+          <a:off x="0" y="0"/>
+          <a:ext cx="0" cy="0"/>
+          <a:chOff x="0" y="0"/>
+          <a:chExt cx="0" cy="0"/>
+        </a:xfrm>
+      </p:grpSpPr>
+      <p:sp>
+        <p:nvSpPr>
+          <p:cNvPr id="2" name="Slide Image Placeholder 1"/>
+          <p:cNvSpPr>
+            <a:spLocks noGrp="1" noRot="1" noChangeAspect="1"/>
+          </p:cNvSpPr>
+          <p:nvPr>
+            <p:ph type="sldImg"/>
+          </p:nvPr>
+        </p:nvSpPr>
+        <p:spPr/>
+      </p:sp>
+      <p:sp>
+        <p:nvSpPr>
+          <p:cNvPr id="3" name="Notes Placeholder 2"/>
+          <p:cNvSpPr>
+            <a:spLocks noGrp="1"/>
+          </p:cNvSpPr>
+          <p:nvPr>
+            <p:ph type="body" idx="1"/>
+          </p:nvPr>
+        </p:nvSpPr>
+        <p:spPr/>
+        <p:txBody>
+          <a:bodyPr/>
+          <a:lstStyle/>
+          <a:p>
+            <a:r>
+              <a:rPr lang="en-US" dirty="0"/>
+              <a:t>The figures are for gas-phase H</a:t>
+            </a:r>
+            <a:r>
+              <a:rPr lang="en-US" baseline="-25000" dirty="0"/>
+              <a:t>2</a:t>
+            </a:r>
+            <a:r>
+              <a:rPr lang="en-US" dirty="0"/>
+              <a:t>O. </a:t>
+            </a:r>
+          </a:p>
+          <a:p>
+            <a:r>
+              <a:rPr lang="en-US" dirty="0"/>
+              <a:t>When a proton ionizes something, it loses some energy and slows down. </a:t>
+            </a:r>
+          </a:p>
+          <a:p>
+            <a:r>
+              <a:rPr lang="en-US" dirty="0"/>
+              <a:t>Cross section for ejecting electrons peaks near 50 </a:t>
+            </a:r>
+            <a:r>
+              <a:rPr lang="en-US" dirty="0" err="1"/>
+              <a:t>keV</a:t>
+            </a:r>
+            <a:r>
+              <a:rPr lang="en-US" dirty="0"/>
+              <a:t>.  </a:t>
+            </a:r>
+          </a:p>
+          <a:p>
+            <a:r>
+              <a:rPr lang="en-US" dirty="0"/>
+              <a:t>Cross section for creating positive ions is larger and declines with energy.  As a proton slows down, it becomes more likely to slow down further. </a:t>
+            </a:r>
+          </a:p>
+        </p:txBody>
+      </p:sp>
+      <p:sp>
+        <p:nvSpPr>
+          <p:cNvPr id="4" name="Slide Number Placeholder 3"/>
+          <p:cNvSpPr>
+            <a:spLocks noGrp="1"/>
+          </p:cNvSpPr>
+          <p:nvPr>
+            <p:ph type="sldNum" sz="quarter" idx="10"/>
+          </p:nvPr>
+        </p:nvSpPr>
+        <p:spPr/>
+        <p:txBody>
+          <a:bodyPr/>
+          <a:lstStyle/>
+          <a:p>
+            <a:fld id="{834948BD-10A7-4654-BC3D-1A706C7EB1E8}" type="slidenum">
+              <a:rPr lang="en-US" smtClean="0"/>
+              <a:t>28</a:t>
             </a:fld>
             <a:endParaRPr lang="en-US"/>
           </a:p>
@@ -2352,25 +2454,19 @@
           <a:p>
             <a:r>
               <a:rPr lang="en-US" dirty="0"/>
-              <a:t>Clinically, it’s still unclear that PB is better than x-ray.  But it should be better, theoretically (as shown). </a:t>
-            </a:r>
-          </a:p>
-          <a:p>
-            <a:r>
-              <a:rPr lang="en-US" dirty="0"/>
-              <a:t>Figure is for 154 MeV.  Typical is 70-250 MeV. </a:t>
-            </a:r>
-          </a:p>
-          <a:p>
-            <a:r>
-              <a:rPr lang="en-US" dirty="0"/>
-              <a:t>“Dose” means the energy deposited. </a:t>
-            </a:r>
-          </a:p>
-          <a:p>
-            <a:r>
-              <a:rPr lang="en-US" dirty="0"/>
-              <a:t>The analogous curve for x-rays is very different; it decays with depth, so the highest dose is near the skin. </a:t>
+              <a:t>Ionizing radiation all similar. </a:t>
+            </a:r>
+          </a:p>
+          <a:p>
+            <a:r>
+              <a:rPr lang="en-US" dirty="0"/>
+              <a:t>Co-60: beta ~ 0.3 MeV plus 2 gammas ~ 1 MeV</a:t>
+            </a:r>
+          </a:p>
+          <a:p>
+            <a:r>
+              <a:rPr lang="en-US" dirty="0"/>
+              <a:t>The H atoms, electrons, and other high-energy species result from a cascade of fast events following ionization of a molecule by the gamma photon. </a:t>
             </a:r>
           </a:p>
         </p:txBody>
@@ -2401,7 +2497,7 @@
     </p:spTree>
     <p:extLst>
       <p:ext uri="{BB962C8B-B14F-4D97-AF65-F5344CB8AC3E}">
-        <p14:creationId xmlns:p14="http://schemas.microsoft.com/office/powerpoint/2010/main" val="2795061907"/>
+        <p14:creationId xmlns:p14="http://schemas.microsoft.com/office/powerpoint/2010/main" val="2022919359"/>
       </p:ext>
     </p:extLst>
   </p:cSld>
@@ -2457,41 +2553,25 @@
           <a:p>
             <a:r>
               <a:rPr lang="en-US" dirty="0"/>
-              <a:t>The figures are for gas-phase H</a:t>
-            </a:r>
-            <a:r>
-              <a:rPr lang="en-US" baseline="-25000" dirty="0"/>
-              <a:t>2</a:t>
-            </a:r>
-            <a:r>
-              <a:rPr lang="en-US" dirty="0"/>
-              <a:t>O. </a:t>
-            </a:r>
-          </a:p>
-          <a:p>
-            <a:r>
-              <a:rPr lang="en-US" dirty="0"/>
-              <a:t>When a proton ionizes something, it loses some energy and slows down. </a:t>
-            </a:r>
-          </a:p>
-          <a:p>
-            <a:r>
-              <a:rPr lang="en-US" dirty="0"/>
-              <a:t>Cross section for ejecting electrons peaks near 50 </a:t>
-            </a:r>
-            <a:r>
-              <a:rPr lang="en-US" dirty="0" err="1"/>
-              <a:t>keV</a:t>
-            </a:r>
-            <a:r>
-              <a:rPr lang="en-US" dirty="0"/>
-              <a:t>.  </a:t>
-            </a:r>
-          </a:p>
-          <a:p>
-            <a:r>
-              <a:rPr lang="en-US" dirty="0"/>
-              <a:t>Cross section for creating positive ions is larger and declines with energy.  As a proton slows down, it becomes more likely to slow down further. </a:t>
+              <a:t>Clinically, it’s still unclear that PB is better than x-ray.  But it should be better, theoretically (as shown). </a:t>
+            </a:r>
+          </a:p>
+          <a:p>
+            <a:r>
+              <a:rPr lang="en-US" dirty="0"/>
+              <a:t>Figure is for 154 MeV.  Typical is 70-250 MeV. </a:t>
+            </a:r>
+          </a:p>
+          <a:p>
+            <a:r>
+              <a:rPr lang="en-US" dirty="0"/>
+              <a:t>“Dose” means the energy deposited. </a:t>
+            </a:r>
+          </a:p>
+          <a:p>
+            <a:r>
+              <a:rPr lang="en-US" dirty="0"/>
+              <a:t>The analogous curve for x-rays is very different; it decays with depth, so the highest dose is near the skin. </a:t>
             </a:r>
           </a:p>
         </p:txBody>
@@ -2522,7 +2602,7 @@
     </p:spTree>
     <p:extLst>
       <p:ext uri="{BB962C8B-B14F-4D97-AF65-F5344CB8AC3E}">
-        <p14:creationId xmlns:p14="http://schemas.microsoft.com/office/powerpoint/2010/main" val="1650694054"/>
+        <p14:creationId xmlns:p14="http://schemas.microsoft.com/office/powerpoint/2010/main" val="2795061907"/>
       </p:ext>
     </p:extLst>
   </p:cSld>
@@ -2576,205 +2656,43 @@
           <a:bodyPr/>
           <a:lstStyle/>
           <a:p>
-            <a:pPr algn="l"/>
-            <a:r>
-              <a:rPr lang="en-US" sz="1200" b="0" i="0" u="none" strike="noStrike" baseline="0" dirty="0">
-                <a:latin typeface="Palatino Linotype" panose="02040502050505030304" pitchFamily="18" charset="0"/>
-              </a:rPr>
-              <a:t>100 </a:t>
-            </a:r>
-            <a:r>
-              <a:rPr lang="en-US" sz="1200" b="0" i="0" u="none" strike="noStrike" baseline="0" dirty="0" err="1">
-                <a:latin typeface="Palatino Linotype" panose="02040502050505030304" pitchFamily="18" charset="0"/>
-              </a:rPr>
-              <a:t>a.u</a:t>
-            </a:r>
-            <a:r>
-              <a:rPr lang="en-US" sz="1200" b="0" i="0" u="none" strike="noStrike" baseline="0" dirty="0">
-                <a:latin typeface="Palatino Linotype" panose="02040502050505030304" pitchFamily="18" charset="0"/>
-              </a:rPr>
-              <a:t>. of time ~= 2.4 fs</a:t>
-            </a:r>
-          </a:p>
-          <a:p>
-            <a:pPr algn="l"/>
-            <a:r>
-              <a:rPr lang="en-US" sz="1200" b="0" i="0" u="none" strike="noStrike" baseline="0" dirty="0">
-                <a:latin typeface="Palatino Linotype" panose="02040502050505030304" pitchFamily="18" charset="0"/>
-              </a:rPr>
-              <a:t>Work by the group of Jorge Morales (Texas Tech. U).</a:t>
-            </a:r>
-            <a:endParaRPr lang="en-US" dirty="0"/>
-          </a:p>
-          <a:p>
-            <a:pPr algn="l"/>
-            <a:r>
-              <a:rPr lang="en-US" sz="1200" b="1" i="0" u="none" strike="noStrike" baseline="0" dirty="0">
-                <a:latin typeface="Palatino Linotype,Bold"/>
-              </a:rPr>
-              <a:t>“Figure 6. </a:t>
-            </a:r>
-            <a:r>
-              <a:rPr lang="en-US" sz="1200" b="0" i="0" u="none" strike="noStrike" baseline="0" dirty="0">
-                <a:latin typeface="Palatino Linotype" panose="02040502050505030304" pitchFamily="18" charset="0"/>
-              </a:rPr>
-              <a:t>SLEND simulation of a proton-induced DNA SSB in H</a:t>
-            </a:r>
-            <a:r>
-              <a:rPr lang="en-US" sz="800" b="0" i="0" u="none" strike="noStrike" baseline="0" dirty="0">
-                <a:latin typeface="Palatino Linotype" panose="02040502050505030304" pitchFamily="18" charset="0"/>
-              </a:rPr>
-              <a:t>+ </a:t>
-            </a:r>
-            <a:r>
-              <a:rPr lang="en-US" sz="1200" b="0" i="0" u="none" strike="noStrike" baseline="0" dirty="0">
-                <a:latin typeface="Palatino Linotype" panose="02040502050505030304" pitchFamily="18" charset="0"/>
-              </a:rPr>
-              <a:t>+ excised cytosine nucleotide at 1 </a:t>
-            </a:r>
-            <a:r>
-              <a:rPr lang="en-US" sz="1200" b="0" i="0" u="none" strike="noStrike" baseline="0" dirty="0" err="1">
-                <a:latin typeface="Palatino Linotype" panose="02040502050505030304" pitchFamily="18" charset="0"/>
-              </a:rPr>
+            <a:r>
+              <a:rPr lang="en-US" dirty="0"/>
+              <a:t>The figures are for gas-phase H</a:t>
+            </a:r>
+            <a:r>
+              <a:rPr lang="en-US" baseline="-25000" dirty="0"/>
+              <a:t>2</a:t>
+            </a:r>
+            <a:r>
+              <a:rPr lang="en-US" dirty="0"/>
+              <a:t>O. </a:t>
+            </a:r>
+          </a:p>
+          <a:p>
+            <a:r>
+              <a:rPr lang="en-US" dirty="0"/>
+              <a:t>When a proton ionizes something, it loses some energy and slows down. </a:t>
+            </a:r>
+          </a:p>
+          <a:p>
+            <a:r>
+              <a:rPr lang="en-US" dirty="0"/>
+              <a:t>Cross section for ejecting electrons peaks near 50 </a:t>
+            </a:r>
+            <a:r>
+              <a:rPr lang="en-US" dirty="0" err="1"/>
               <a:t>keV</a:t>
             </a:r>
             <a:r>
-              <a:rPr lang="en-US" sz="1200" b="0" i="0" u="none" strike="noStrike" baseline="0" dirty="0">
-                <a:latin typeface="Palatino Linotype" panose="02040502050505030304" pitchFamily="18" charset="0"/>
-              </a:rPr>
-              <a:t> (frame times shown in atomic units (</a:t>
-            </a:r>
-            <a:r>
-              <a:rPr lang="en-US" sz="1200" b="0" i="0" u="none" strike="noStrike" baseline="0" dirty="0" err="1">
-                <a:latin typeface="Palatino Linotype" panose="02040502050505030304" pitchFamily="18" charset="0"/>
-              </a:rPr>
-              <a:t>a.u</a:t>
-            </a:r>
-            <a:r>
-              <a:rPr lang="en-US" sz="1200" b="0" i="0" u="none" strike="noStrike" baseline="0" dirty="0">
-                <a:latin typeface="Palatino Linotype" panose="02040502050505030304" pitchFamily="18" charset="0"/>
-              </a:rPr>
-              <a:t>.)). Colored spheres represent atoms (white = H, gray = C, red = O, blue = N, and orange = P) and the transparent clouds represent an electron density </a:t>
-            </a:r>
-            <a:r>
-              <a:rPr lang="en-US" sz="1200" b="0" i="0" u="none" strike="noStrike" baseline="0" dirty="0" err="1">
-                <a:latin typeface="Palatino Linotype" panose="02040502050505030304" pitchFamily="18" charset="0"/>
-              </a:rPr>
-              <a:t>isosurface</a:t>
-            </a:r>
-            <a:r>
-              <a:rPr lang="en-US" sz="1200" b="0" i="0" u="none" strike="noStrike" baseline="0" dirty="0">
-                <a:latin typeface="Palatino Linotype" panose="02040502050505030304" pitchFamily="18" charset="0"/>
-              </a:rPr>
-              <a:t>. The H</a:t>
-            </a:r>
-            <a:r>
-              <a:rPr lang="en-US" sz="800" b="0" i="0" u="none" strike="noStrike" baseline="0" dirty="0">
-                <a:latin typeface="Palatino Linotype" panose="02040502050505030304" pitchFamily="18" charset="0"/>
-              </a:rPr>
-              <a:t>+ </a:t>
-            </a:r>
-            <a:r>
-              <a:rPr lang="en-US" sz="1200" b="0" i="0" u="none" strike="noStrike" baseline="0" dirty="0">
-                <a:latin typeface="Palatino Linotype" panose="02040502050505030304" pitchFamily="18" charset="0"/>
-              </a:rPr>
-              <a:t>projectile approaches the nucleotide from the left aiming at the C atom of the 3′ phospho-ester bond (first panel), hits that atom, breaks that bond and scatters away (second panel); meanwhile, the nucleotide breaks into CH</a:t>
-            </a:r>
-            <a:r>
-              <a:rPr lang="en-US" sz="800" b="0" i="0" u="none" strike="noStrike" baseline="0" dirty="0">
-                <a:latin typeface="Palatino Linotype" panose="02040502050505030304" pitchFamily="18" charset="0"/>
-              </a:rPr>
-              <a:t>2</a:t>
-            </a:r>
-            <a:r>
-              <a:rPr lang="en-US" sz="1200" b="0" i="0" u="none" strike="noStrike" baseline="0" dirty="0">
-                <a:latin typeface="Palatino Linotype" panose="02040502050505030304" pitchFamily="18" charset="0"/>
-              </a:rPr>
-              <a:t>OH, H</a:t>
-            </a:r>
-            <a:r>
-              <a:rPr lang="en-US" sz="800" b="0" i="0" u="none" strike="noStrike" baseline="0" dirty="0">
-                <a:latin typeface="Palatino Linotype" panose="02040502050505030304" pitchFamily="18" charset="0"/>
-              </a:rPr>
-              <a:t>3</a:t>
-            </a:r>
-            <a:r>
-              <a:rPr lang="en-US" sz="1200" b="0" i="0" u="none" strike="noStrike" baseline="0" dirty="0">
-                <a:latin typeface="Palatino Linotype" panose="02040502050505030304" pitchFamily="18" charset="0"/>
-              </a:rPr>
-              <a:t>PO</a:t>
-            </a:r>
-            <a:r>
-              <a:rPr lang="en-US" sz="800" b="0" i="0" u="none" strike="noStrike" baseline="0" dirty="0">
-                <a:latin typeface="Palatino Linotype" panose="02040502050505030304" pitchFamily="18" charset="0"/>
-              </a:rPr>
-              <a:t>4, </a:t>
-            </a:r>
-            <a:r>
-              <a:rPr lang="en-US" sz="1200" b="0" i="0" u="none" strike="noStrike" baseline="0" dirty="0">
-                <a:latin typeface="Palatino Linotype" panose="02040502050505030304" pitchFamily="18" charset="0"/>
-              </a:rPr>
-              <a:t>CH, and C moieties and the rest of its structure.  During the collision, one H atom migrates from the CH</a:t>
-            </a:r>
-            <a:r>
-              <a:rPr lang="en-US" sz="800" b="0" i="0" u="none" strike="noStrike" baseline="0" dirty="0">
-                <a:latin typeface="Palatino Linotype" panose="02040502050505030304" pitchFamily="18" charset="0"/>
-              </a:rPr>
-              <a:t>3 </a:t>
-            </a:r>
-            <a:r>
-              <a:rPr lang="en-US" sz="1200" b="0" i="0" u="none" strike="noStrike" baseline="0" dirty="0">
-                <a:latin typeface="Palatino Linotype" panose="02040502050505030304" pitchFamily="18" charset="0"/>
-              </a:rPr>
-              <a:t>group hanging from the damaged sugar to the detached H</a:t>
-            </a:r>
-            <a:r>
-              <a:rPr lang="en-US" sz="800" b="0" i="0" u="none" strike="noStrike" baseline="0" dirty="0">
-                <a:latin typeface="Palatino Linotype" panose="02040502050505030304" pitchFamily="18" charset="0"/>
-              </a:rPr>
-              <a:t>2</a:t>
-            </a:r>
-            <a:r>
-              <a:rPr lang="en-US" sz="1200" b="0" i="0" u="none" strike="noStrike" baseline="0" dirty="0">
-                <a:latin typeface="Palatino Linotype" panose="02040502050505030304" pitchFamily="18" charset="0"/>
-              </a:rPr>
-              <a:t>PO</a:t>
-            </a:r>
-            <a:r>
-              <a:rPr lang="en-US" sz="800" b="0" i="0" u="none" strike="noStrike" baseline="0" dirty="0">
-                <a:latin typeface="Palatino Linotype" panose="02040502050505030304" pitchFamily="18" charset="0"/>
-              </a:rPr>
-              <a:t>4 </a:t>
-            </a:r>
-            <a:r>
-              <a:rPr lang="en-US" sz="1200" b="0" i="0" u="none" strike="noStrike" baseline="0" dirty="0">
-                <a:latin typeface="Palatino Linotype" panose="02040502050505030304" pitchFamily="18" charset="0"/>
-              </a:rPr>
-              <a:t>group to form a H</a:t>
-            </a:r>
-            <a:r>
-              <a:rPr lang="en-US" sz="800" b="0" i="0" u="none" strike="noStrike" baseline="0" dirty="0">
-                <a:latin typeface="Palatino Linotype" panose="02040502050505030304" pitchFamily="18" charset="0"/>
-              </a:rPr>
-              <a:t>3</a:t>
-            </a:r>
-            <a:r>
-              <a:rPr lang="en-US" sz="1200" b="0" i="0" u="none" strike="noStrike" baseline="0" dirty="0">
-                <a:latin typeface="Palatino Linotype" panose="02040502050505030304" pitchFamily="18" charset="0"/>
-              </a:rPr>
-              <a:t>PO</a:t>
-            </a:r>
-            <a:r>
-              <a:rPr lang="en-US" sz="800" b="0" i="0" u="none" strike="noStrike" baseline="0" dirty="0">
-                <a:latin typeface="Palatino Linotype" panose="02040502050505030304" pitchFamily="18" charset="0"/>
-              </a:rPr>
-              <a:t>4 </a:t>
-            </a:r>
-            <a:r>
-              <a:rPr lang="en-US" sz="1200" b="0" i="0" u="none" strike="noStrike" baseline="0" dirty="0">
-                <a:latin typeface="Palatino Linotype" panose="02040502050505030304" pitchFamily="18" charset="0"/>
-              </a:rPr>
-              <a:t>molecule (third and the fourth panels).” </a:t>
+              <a:rPr lang="en-US" dirty="0"/>
+              <a:t>.  </a:t>
+            </a:r>
+          </a:p>
+          <a:p>
+            <a:r>
+              <a:rPr lang="en-US" dirty="0"/>
+              <a:t>Cross section for creating positive ions is larger and declines with energy.  As a proton slows down, it becomes more likely to slow down further. </a:t>
             </a:r>
           </a:p>
         </p:txBody>
@@ -2805,7 +2723,7 @@
     </p:spTree>
     <p:extLst>
       <p:ext uri="{BB962C8B-B14F-4D97-AF65-F5344CB8AC3E}">
-        <p14:creationId xmlns:p14="http://schemas.microsoft.com/office/powerpoint/2010/main" val="4081160332"/>
+        <p14:creationId xmlns:p14="http://schemas.microsoft.com/office/powerpoint/2010/main" val="1650694054"/>
       </p:ext>
     </p:extLst>
   </p:cSld>
@@ -2859,15 +2777,205 @@
           <a:bodyPr/>
           <a:lstStyle/>
           <a:p>
-            <a:r>
-              <a:rPr lang="en-US" dirty="0"/>
-              <a:t>Excitation, ionization, and attachment may be followed by fragmentation or other chemistry. </a:t>
-            </a:r>
-          </a:p>
-          <a:p>
-            <a:r>
-              <a:rPr lang="en-US" dirty="0"/>
-              <a:t>I’ll focus on ionization. </a:t>
+            <a:pPr algn="l"/>
+            <a:r>
+              <a:rPr lang="en-US" sz="1200" b="0" i="0" u="none" strike="noStrike" baseline="0" dirty="0">
+                <a:latin typeface="Palatino Linotype" panose="02040502050505030304" pitchFamily="18" charset="0"/>
+              </a:rPr>
+              <a:t>100 </a:t>
+            </a:r>
+            <a:r>
+              <a:rPr lang="en-US" sz="1200" b="0" i="0" u="none" strike="noStrike" baseline="0" dirty="0" err="1">
+                <a:latin typeface="Palatino Linotype" panose="02040502050505030304" pitchFamily="18" charset="0"/>
+              </a:rPr>
+              <a:t>a.u</a:t>
+            </a:r>
+            <a:r>
+              <a:rPr lang="en-US" sz="1200" b="0" i="0" u="none" strike="noStrike" baseline="0" dirty="0">
+                <a:latin typeface="Palatino Linotype" panose="02040502050505030304" pitchFamily="18" charset="0"/>
+              </a:rPr>
+              <a:t>. of time ~= 2.4 fs</a:t>
+            </a:r>
+          </a:p>
+          <a:p>
+            <a:pPr algn="l"/>
+            <a:r>
+              <a:rPr lang="en-US" sz="1200" b="0" i="0" u="none" strike="noStrike" baseline="0" dirty="0">
+                <a:latin typeface="Palatino Linotype" panose="02040502050505030304" pitchFamily="18" charset="0"/>
+              </a:rPr>
+              <a:t>Work by the group of Jorge Morales (Texas Tech. U).</a:t>
+            </a:r>
+            <a:endParaRPr lang="en-US" dirty="0"/>
+          </a:p>
+          <a:p>
+            <a:pPr algn="l"/>
+            <a:r>
+              <a:rPr lang="en-US" sz="1200" b="1" i="0" u="none" strike="noStrike" baseline="0" dirty="0">
+                <a:latin typeface="Palatino Linotype,Bold"/>
+              </a:rPr>
+              <a:t>“Figure 6. </a:t>
+            </a:r>
+            <a:r>
+              <a:rPr lang="en-US" sz="1200" b="0" i="0" u="none" strike="noStrike" baseline="0" dirty="0">
+                <a:latin typeface="Palatino Linotype" panose="02040502050505030304" pitchFamily="18" charset="0"/>
+              </a:rPr>
+              <a:t>SLEND simulation of a proton-induced DNA SSB in H</a:t>
+            </a:r>
+            <a:r>
+              <a:rPr lang="en-US" sz="800" b="0" i="0" u="none" strike="noStrike" baseline="0" dirty="0">
+                <a:latin typeface="Palatino Linotype" panose="02040502050505030304" pitchFamily="18" charset="0"/>
+              </a:rPr>
+              <a:t>+ </a:t>
+            </a:r>
+            <a:r>
+              <a:rPr lang="en-US" sz="1200" b="0" i="0" u="none" strike="noStrike" baseline="0" dirty="0">
+                <a:latin typeface="Palatino Linotype" panose="02040502050505030304" pitchFamily="18" charset="0"/>
+              </a:rPr>
+              <a:t>+ excised cytosine nucleotide at 1 </a:t>
+            </a:r>
+            <a:r>
+              <a:rPr lang="en-US" sz="1200" b="0" i="0" u="none" strike="noStrike" baseline="0" dirty="0" err="1">
+                <a:latin typeface="Palatino Linotype" panose="02040502050505030304" pitchFamily="18" charset="0"/>
+              </a:rPr>
+              <a:t>keV</a:t>
+            </a:r>
+            <a:r>
+              <a:rPr lang="en-US" sz="1200" b="0" i="0" u="none" strike="noStrike" baseline="0" dirty="0">
+                <a:latin typeface="Palatino Linotype" panose="02040502050505030304" pitchFamily="18" charset="0"/>
+              </a:rPr>
+              <a:t> (frame times shown in atomic units (</a:t>
+            </a:r>
+            <a:r>
+              <a:rPr lang="en-US" sz="1200" b="0" i="0" u="none" strike="noStrike" baseline="0" dirty="0" err="1">
+                <a:latin typeface="Palatino Linotype" panose="02040502050505030304" pitchFamily="18" charset="0"/>
+              </a:rPr>
+              <a:t>a.u</a:t>
+            </a:r>
+            <a:r>
+              <a:rPr lang="en-US" sz="1200" b="0" i="0" u="none" strike="noStrike" baseline="0" dirty="0">
+                <a:latin typeface="Palatino Linotype" panose="02040502050505030304" pitchFamily="18" charset="0"/>
+              </a:rPr>
+              <a:t>.)). Colored spheres represent atoms (white = H, gray = C, red = O, blue = N, and orange = P) and the transparent clouds represent an electron density </a:t>
+            </a:r>
+            <a:r>
+              <a:rPr lang="en-US" sz="1200" b="0" i="0" u="none" strike="noStrike" baseline="0" dirty="0" err="1">
+                <a:latin typeface="Palatino Linotype" panose="02040502050505030304" pitchFamily="18" charset="0"/>
+              </a:rPr>
+              <a:t>isosurface</a:t>
+            </a:r>
+            <a:r>
+              <a:rPr lang="en-US" sz="1200" b="0" i="0" u="none" strike="noStrike" baseline="0" dirty="0">
+                <a:latin typeface="Palatino Linotype" panose="02040502050505030304" pitchFamily="18" charset="0"/>
+              </a:rPr>
+              <a:t>. The H</a:t>
+            </a:r>
+            <a:r>
+              <a:rPr lang="en-US" sz="800" b="0" i="0" u="none" strike="noStrike" baseline="0" dirty="0">
+                <a:latin typeface="Palatino Linotype" panose="02040502050505030304" pitchFamily="18" charset="0"/>
+              </a:rPr>
+              <a:t>+ </a:t>
+            </a:r>
+            <a:r>
+              <a:rPr lang="en-US" sz="1200" b="0" i="0" u="none" strike="noStrike" baseline="0" dirty="0">
+                <a:latin typeface="Palatino Linotype" panose="02040502050505030304" pitchFamily="18" charset="0"/>
+              </a:rPr>
+              <a:t>projectile approaches the nucleotide from the left aiming at the C atom of the 3′ phospho-ester bond (first panel), hits that atom, breaks that bond and scatters away (second panel); meanwhile, the nucleotide breaks into CH</a:t>
+            </a:r>
+            <a:r>
+              <a:rPr lang="en-US" sz="800" b="0" i="0" u="none" strike="noStrike" baseline="0" dirty="0">
+                <a:latin typeface="Palatino Linotype" panose="02040502050505030304" pitchFamily="18" charset="0"/>
+              </a:rPr>
+              <a:t>2</a:t>
+            </a:r>
+            <a:r>
+              <a:rPr lang="en-US" sz="1200" b="0" i="0" u="none" strike="noStrike" baseline="0" dirty="0">
+                <a:latin typeface="Palatino Linotype" panose="02040502050505030304" pitchFamily="18" charset="0"/>
+              </a:rPr>
+              <a:t>OH, H</a:t>
+            </a:r>
+            <a:r>
+              <a:rPr lang="en-US" sz="800" b="0" i="0" u="none" strike="noStrike" baseline="0" dirty="0">
+                <a:latin typeface="Palatino Linotype" panose="02040502050505030304" pitchFamily="18" charset="0"/>
+              </a:rPr>
+              <a:t>3</a:t>
+            </a:r>
+            <a:r>
+              <a:rPr lang="en-US" sz="1200" b="0" i="0" u="none" strike="noStrike" baseline="0" dirty="0">
+                <a:latin typeface="Palatino Linotype" panose="02040502050505030304" pitchFamily="18" charset="0"/>
+              </a:rPr>
+              <a:t>PO</a:t>
+            </a:r>
+            <a:r>
+              <a:rPr lang="en-US" sz="800" b="0" i="0" u="none" strike="noStrike" baseline="0" dirty="0">
+                <a:latin typeface="Palatino Linotype" panose="02040502050505030304" pitchFamily="18" charset="0"/>
+              </a:rPr>
+              <a:t>4, </a:t>
+            </a:r>
+            <a:r>
+              <a:rPr lang="en-US" sz="1200" b="0" i="0" u="none" strike="noStrike" baseline="0" dirty="0">
+                <a:latin typeface="Palatino Linotype" panose="02040502050505030304" pitchFamily="18" charset="0"/>
+              </a:rPr>
+              <a:t>CH, and C moieties and the rest of its structure.  During the collision, one H atom migrates from the CH</a:t>
+            </a:r>
+            <a:r>
+              <a:rPr lang="en-US" sz="800" b="0" i="0" u="none" strike="noStrike" baseline="0" dirty="0">
+                <a:latin typeface="Palatino Linotype" panose="02040502050505030304" pitchFamily="18" charset="0"/>
+              </a:rPr>
+              <a:t>3 </a:t>
+            </a:r>
+            <a:r>
+              <a:rPr lang="en-US" sz="1200" b="0" i="0" u="none" strike="noStrike" baseline="0" dirty="0">
+                <a:latin typeface="Palatino Linotype" panose="02040502050505030304" pitchFamily="18" charset="0"/>
+              </a:rPr>
+              <a:t>group hanging from the damaged sugar to the detached H</a:t>
+            </a:r>
+            <a:r>
+              <a:rPr lang="en-US" sz="800" b="0" i="0" u="none" strike="noStrike" baseline="0" dirty="0">
+                <a:latin typeface="Palatino Linotype" panose="02040502050505030304" pitchFamily="18" charset="0"/>
+              </a:rPr>
+              <a:t>2</a:t>
+            </a:r>
+            <a:r>
+              <a:rPr lang="en-US" sz="1200" b="0" i="0" u="none" strike="noStrike" baseline="0" dirty="0">
+                <a:latin typeface="Palatino Linotype" panose="02040502050505030304" pitchFamily="18" charset="0"/>
+              </a:rPr>
+              <a:t>PO</a:t>
+            </a:r>
+            <a:r>
+              <a:rPr lang="en-US" sz="800" b="0" i="0" u="none" strike="noStrike" baseline="0" dirty="0">
+                <a:latin typeface="Palatino Linotype" panose="02040502050505030304" pitchFamily="18" charset="0"/>
+              </a:rPr>
+              <a:t>4 </a:t>
+            </a:r>
+            <a:r>
+              <a:rPr lang="en-US" sz="1200" b="0" i="0" u="none" strike="noStrike" baseline="0" dirty="0">
+                <a:latin typeface="Palatino Linotype" panose="02040502050505030304" pitchFamily="18" charset="0"/>
+              </a:rPr>
+              <a:t>group to form a H</a:t>
+            </a:r>
+            <a:r>
+              <a:rPr lang="en-US" sz="800" b="0" i="0" u="none" strike="noStrike" baseline="0" dirty="0">
+                <a:latin typeface="Palatino Linotype" panose="02040502050505030304" pitchFamily="18" charset="0"/>
+              </a:rPr>
+              <a:t>3</a:t>
+            </a:r>
+            <a:r>
+              <a:rPr lang="en-US" sz="1200" b="0" i="0" u="none" strike="noStrike" baseline="0" dirty="0">
+                <a:latin typeface="Palatino Linotype" panose="02040502050505030304" pitchFamily="18" charset="0"/>
+              </a:rPr>
+              <a:t>PO</a:t>
+            </a:r>
+            <a:r>
+              <a:rPr lang="en-US" sz="800" b="0" i="0" u="none" strike="noStrike" baseline="0" dirty="0">
+                <a:latin typeface="Palatino Linotype" panose="02040502050505030304" pitchFamily="18" charset="0"/>
+              </a:rPr>
+              <a:t>4 </a:t>
+            </a:r>
+            <a:r>
+              <a:rPr lang="en-US" sz="1200" b="0" i="0" u="none" strike="noStrike" baseline="0" dirty="0">
+                <a:latin typeface="Palatino Linotype" panose="02040502050505030304" pitchFamily="18" charset="0"/>
+              </a:rPr>
+              <a:t>molecule (third and the fourth panels).” </a:t>
             </a:r>
           </a:p>
         </p:txBody>
@@ -2898,7 +3006,7 @@
     </p:spTree>
     <p:extLst>
       <p:ext uri="{BB962C8B-B14F-4D97-AF65-F5344CB8AC3E}">
-        <p14:creationId xmlns:p14="http://schemas.microsoft.com/office/powerpoint/2010/main" val="4170962400"/>
+        <p14:creationId xmlns:p14="http://schemas.microsoft.com/office/powerpoint/2010/main" val="4081160332"/>
       </p:ext>
     </p:extLst>
   </p:cSld>
@@ -2954,21 +3062,13 @@
           <a:p>
             <a:r>
               <a:rPr lang="en-US" dirty="0"/>
-              <a:t>I’ll return to this slide a few times.</a:t>
-            </a:r>
-          </a:p>
-          <a:p>
-            <a:r>
-              <a:rPr lang="en-US" dirty="0"/>
-              <a:t>See pioneering attempt by Stefan </a:t>
-            </a:r>
-            <a:r>
-              <a:rPr lang="en-US" dirty="0" err="1"/>
-              <a:t>Grimme</a:t>
-            </a:r>
-            <a:r>
-              <a:rPr lang="en-US" dirty="0"/>
-              <a:t>, in Germany (Bonn). </a:t>
+              <a:t>Excitation, ionization, and attachment may be followed by fragmentation or other chemistry. </a:t>
+            </a:r>
+          </a:p>
+          <a:p>
+            <a:r>
+              <a:rPr lang="en-US" dirty="0"/>
+              <a:t>I’ll focus on ionization. </a:t>
             </a:r>
           </a:p>
         </p:txBody>
@@ -2990,7 +3090,7 @@
           <a:p>
             <a:fld id="{834948BD-10A7-4654-BC3D-1A706C7EB1E8}" type="slidenum">
               <a:rPr lang="en-US" smtClean="0"/>
-              <a:t>11</a:t>
+              <a:t>10</a:t>
             </a:fld>
             <a:endParaRPr lang="en-US"/>
           </a:p>
@@ -2999,7 +3099,7 @@
     </p:spTree>
     <p:extLst>
       <p:ext uri="{BB962C8B-B14F-4D97-AF65-F5344CB8AC3E}">
-        <p14:creationId xmlns:p14="http://schemas.microsoft.com/office/powerpoint/2010/main" val="1383774049"/>
+        <p14:creationId xmlns:p14="http://schemas.microsoft.com/office/powerpoint/2010/main" val="4170962400"/>
       </p:ext>
     </p:extLst>
   </p:cSld>
@@ -3140,7 +3240,7 @@
           <a:p>
             <a:fld id="{FC6A8C3F-F9CD-4550-85ED-F3BB84B83A87}" type="datetimeFigureOut">
               <a:rPr lang="en-US" smtClean="0"/>
-              <a:t>8/18/2018</a:t>
+              <a:t>8/21/2018</a:t>
             </a:fld>
             <a:endParaRPr lang="en-US"/>
           </a:p>
@@ -3310,7 +3410,7 @@
           <a:p>
             <a:fld id="{FC6A8C3F-F9CD-4550-85ED-F3BB84B83A87}" type="datetimeFigureOut">
               <a:rPr lang="en-US" smtClean="0"/>
-              <a:t>8/18/2018</a:t>
+              <a:t>8/21/2018</a:t>
             </a:fld>
             <a:endParaRPr lang="en-US"/>
           </a:p>
@@ -3490,7 +3590,7 @@
           <a:p>
             <a:fld id="{FC6A8C3F-F9CD-4550-85ED-F3BB84B83A87}" type="datetimeFigureOut">
               <a:rPr lang="en-US" smtClean="0"/>
-              <a:t>8/18/2018</a:t>
+              <a:t>8/21/2018</a:t>
             </a:fld>
             <a:endParaRPr lang="en-US"/>
           </a:p>
@@ -3660,7 +3760,7 @@
           <a:p>
             <a:fld id="{FC6A8C3F-F9CD-4550-85ED-F3BB84B83A87}" type="datetimeFigureOut">
               <a:rPr lang="en-US" smtClean="0"/>
-              <a:t>8/18/2018</a:t>
+              <a:t>8/21/2018</a:t>
             </a:fld>
             <a:endParaRPr lang="en-US"/>
           </a:p>
@@ -3906,7 +4006,7 @@
           <a:p>
             <a:fld id="{FC6A8C3F-F9CD-4550-85ED-F3BB84B83A87}" type="datetimeFigureOut">
               <a:rPr lang="en-US" smtClean="0"/>
-              <a:t>8/18/2018</a:t>
+              <a:t>8/21/2018</a:t>
             </a:fld>
             <a:endParaRPr lang="en-US"/>
           </a:p>
@@ -4138,7 +4238,7 @@
           <a:p>
             <a:fld id="{FC6A8C3F-F9CD-4550-85ED-F3BB84B83A87}" type="datetimeFigureOut">
               <a:rPr lang="en-US" smtClean="0"/>
-              <a:t>8/18/2018</a:t>
+              <a:t>8/21/2018</a:t>
             </a:fld>
             <a:endParaRPr lang="en-US"/>
           </a:p>
@@ -4505,7 +4605,7 @@
           <a:p>
             <a:fld id="{FC6A8C3F-F9CD-4550-85ED-F3BB84B83A87}" type="datetimeFigureOut">
               <a:rPr lang="en-US" smtClean="0"/>
-              <a:t>8/18/2018</a:t>
+              <a:t>8/21/2018</a:t>
             </a:fld>
             <a:endParaRPr lang="en-US"/>
           </a:p>
@@ -4623,7 +4723,7 @@
           <a:p>
             <a:fld id="{FC6A8C3F-F9CD-4550-85ED-F3BB84B83A87}" type="datetimeFigureOut">
               <a:rPr lang="en-US" smtClean="0"/>
-              <a:t>8/18/2018</a:t>
+              <a:t>8/21/2018</a:t>
             </a:fld>
             <a:endParaRPr lang="en-US"/>
           </a:p>
@@ -4718,7 +4818,7 @@
           <a:p>
             <a:fld id="{FC6A8C3F-F9CD-4550-85ED-F3BB84B83A87}" type="datetimeFigureOut">
               <a:rPr lang="en-US" smtClean="0"/>
-              <a:t>8/18/2018</a:t>
+              <a:t>8/21/2018</a:t>
             </a:fld>
             <a:endParaRPr lang="en-US"/>
           </a:p>
@@ -4995,7 +5095,7 @@
           <a:p>
             <a:fld id="{FC6A8C3F-F9CD-4550-85ED-F3BB84B83A87}" type="datetimeFigureOut">
               <a:rPr lang="en-US" smtClean="0"/>
-              <a:t>8/18/2018</a:t>
+              <a:t>8/21/2018</a:t>
             </a:fld>
             <a:endParaRPr lang="en-US"/>
           </a:p>
@@ -5252,7 +5352,7 @@
           <a:p>
             <a:fld id="{FC6A8C3F-F9CD-4550-85ED-F3BB84B83A87}" type="datetimeFigureOut">
               <a:rPr lang="en-US" smtClean="0"/>
-              <a:t>8/18/2018</a:t>
+              <a:t>8/21/2018</a:t>
             </a:fld>
             <a:endParaRPr lang="en-US"/>
           </a:p>
@@ -5465,7 +5565,7 @@
           <a:p>
             <a:fld id="{FC6A8C3F-F9CD-4550-85ED-F3BB84B83A87}" type="datetimeFigureOut">
               <a:rPr lang="en-US" smtClean="0"/>
-              <a:t>8/18/2018</a:t>
+              <a:t>8/21/2018</a:t>
             </a:fld>
             <a:endParaRPr lang="en-US"/>
           </a:p>
@@ -6070,6 +6170,263 @@
           <p:cNvPr id="2" name="Title 1">
             <a:extLst>
               <a:ext uri="{FF2B5EF4-FFF2-40B4-BE49-F238E27FC236}">
+                <a16:creationId xmlns:a16="http://schemas.microsoft.com/office/drawing/2014/main" id="{1656CA0C-287C-4AF5-B857-4F94FA35D300}"/>
+              </a:ext>
+            </a:extLst>
+          </p:cNvPr>
+          <p:cNvSpPr>
+            <a:spLocks noGrp="1"/>
+          </p:cNvSpPr>
+          <p:nvPr>
+            <p:ph type="title"/>
+          </p:nvPr>
+        </p:nvSpPr>
+        <p:spPr>
+          <a:xfrm>
+            <a:off x="838200" y="365126"/>
+            <a:ext cx="10515600" cy="775306"/>
+          </a:xfrm>
+        </p:spPr>
+        <p:txBody>
+          <a:bodyPr/>
+          <a:lstStyle/>
+          <a:p>
+            <a:pPr algn="ctr"/>
+            <a:r>
+              <a:rPr lang="en-US" dirty="0">
+                <a:solidFill>
+                  <a:srgbClr val="00FF00"/>
+                </a:solidFill>
+              </a:rPr>
+              <a:t>Electron beams on molecules</a:t>
+            </a:r>
+          </a:p>
+        </p:txBody>
+      </p:sp>
+      <p:sp>
+        <p:nvSpPr>
+          <p:cNvPr id="4" name="Rectangle 3">
+            <a:extLst>
+              <a:ext uri="{FF2B5EF4-FFF2-40B4-BE49-F238E27FC236}">
+                <a16:creationId xmlns:a16="http://schemas.microsoft.com/office/drawing/2014/main" id="{63B5D835-A8B4-49E0-ADCD-620D9FB77C4B}"/>
+              </a:ext>
+            </a:extLst>
+          </p:cNvPr>
+          <p:cNvSpPr/>
+          <p:nvPr/>
+        </p:nvSpPr>
+        <p:spPr>
+          <a:xfrm>
+            <a:off x="603116" y="2461636"/>
+            <a:ext cx="8063043" cy="1283518"/>
+          </a:xfrm>
+          <a:prstGeom prst="rect">
+            <a:avLst/>
+          </a:prstGeom>
+          <a:solidFill>
+            <a:schemeClr val="bg1">
+              <a:lumMod val="75000"/>
+              <a:lumOff val="25000"/>
+            </a:schemeClr>
+          </a:solidFill>
+          <a:ln>
+            <a:noFill/>
+          </a:ln>
+        </p:spPr>
+        <p:style>
+          <a:lnRef idx="2">
+            <a:schemeClr val="accent1">
+              <a:shade val="50000"/>
+            </a:schemeClr>
+          </a:lnRef>
+          <a:fillRef idx="1">
+            <a:schemeClr val="accent1"/>
+          </a:fillRef>
+          <a:effectRef idx="0">
+            <a:schemeClr val="accent1"/>
+          </a:effectRef>
+          <a:fontRef idx="minor">
+            <a:schemeClr val="lt1"/>
+          </a:fontRef>
+        </p:style>
+        <p:txBody>
+          <a:bodyPr rtlCol="0" anchor="ctr"/>
+          <a:lstStyle/>
+          <a:p>
+            <a:pPr algn="ctr"/>
+            <a:endParaRPr lang="en-US"/>
+          </a:p>
+        </p:txBody>
+      </p:sp>
+      <p:sp>
+        <p:nvSpPr>
+          <p:cNvPr id="3" name="Content Placeholder 2">
+            <a:extLst>
+              <a:ext uri="{FF2B5EF4-FFF2-40B4-BE49-F238E27FC236}">
+                <a16:creationId xmlns:a16="http://schemas.microsoft.com/office/drawing/2014/main" id="{96C0B52F-74D0-4972-A32C-0C5EAE260DCE}"/>
+              </a:ext>
+            </a:extLst>
+          </p:cNvPr>
+          <p:cNvSpPr>
+            <a:spLocks noGrp="1"/>
+          </p:cNvSpPr>
+          <p:nvPr>
+            <p:ph idx="1"/>
+          </p:nvPr>
+        </p:nvSpPr>
+        <p:spPr>
+          <a:xfrm>
+            <a:off x="838200" y="1556426"/>
+            <a:ext cx="10457985" cy="4833223"/>
+          </a:xfrm>
+        </p:spPr>
+        <p:txBody>
+          <a:bodyPr>
+            <a:normAutofit/>
+          </a:bodyPr>
+          <a:lstStyle/>
+          <a:p>
+            <a:r>
+              <a:rPr lang="en-US" dirty="0"/>
+              <a:t>Electronic excitation (M*)</a:t>
+            </a:r>
+          </a:p>
+          <a:p>
+            <a:pPr lvl="1"/>
+            <a:r>
+              <a:rPr lang="en-US" dirty="0"/>
+              <a:t>Like photo-excitation, but </a:t>
+            </a:r>
+            <a:r>
+              <a:rPr lang="en-US" dirty="0">
+                <a:solidFill>
+                  <a:srgbClr val="FFFF00"/>
+                </a:solidFill>
+              </a:rPr>
+              <a:t>can change spin by ±1</a:t>
+            </a:r>
+          </a:p>
+          <a:p>
+            <a:r>
+              <a:rPr lang="en-US" b="1" dirty="0">
+                <a:solidFill>
+                  <a:srgbClr val="FFFF00"/>
+                </a:solidFill>
+              </a:rPr>
+              <a:t>Ionization (M</a:t>
+            </a:r>
+            <a:r>
+              <a:rPr lang="en-US" b="1" baseline="30000" dirty="0">
+                <a:solidFill>
+                  <a:srgbClr val="FFFF00"/>
+                </a:solidFill>
+              </a:rPr>
+              <a:t>+</a:t>
+            </a:r>
+            <a:r>
+              <a:rPr lang="en-US" b="1" dirty="0">
+                <a:solidFill>
+                  <a:srgbClr val="FFFF00"/>
+                </a:solidFill>
+              </a:rPr>
+              <a:t>)</a:t>
+            </a:r>
+          </a:p>
+          <a:p>
+            <a:pPr lvl="1"/>
+            <a:r>
+              <a:rPr lang="en-US" dirty="0"/>
+              <a:t>Produces many different fragment ions</a:t>
+            </a:r>
+            <a:endParaRPr lang="en-US" i="1" dirty="0"/>
+          </a:p>
+          <a:p>
+            <a:pPr lvl="1"/>
+            <a:r>
+              <a:rPr lang="en-US" dirty="0"/>
+              <a:t>Basis of electron-ionization mass spectrometry (EIMS)</a:t>
+            </a:r>
+          </a:p>
+          <a:p>
+            <a:r>
+              <a:rPr lang="en-US" dirty="0"/>
+              <a:t>Attachment (M</a:t>
+            </a:r>
+            <a:r>
+              <a:rPr lang="en-US" baseline="30000" dirty="0">
+                <a:latin typeface="Symbol" panose="05050102010706020507" pitchFamily="18" charset="2"/>
+              </a:rPr>
+              <a:t>-</a:t>
+            </a:r>
+            <a:r>
+              <a:rPr lang="en-US" dirty="0"/>
+              <a:t>)</a:t>
+            </a:r>
+          </a:p>
+          <a:p>
+            <a:pPr lvl="1"/>
+            <a:r>
+              <a:rPr lang="en-US" dirty="0"/>
+              <a:t>Low-energy electrons</a:t>
+            </a:r>
+          </a:p>
+          <a:p>
+            <a:r>
+              <a:rPr lang="en-US" dirty="0"/>
+              <a:t>Processes that are chemically boring but relevant in plasmas</a:t>
+            </a:r>
+          </a:p>
+          <a:p>
+            <a:pPr lvl="1"/>
+            <a:r>
+              <a:rPr lang="en-US" dirty="0"/>
+              <a:t>Vibrational/rotational excitation</a:t>
+            </a:r>
+          </a:p>
+          <a:p>
+            <a:pPr lvl="1"/>
+            <a:r>
+              <a:rPr lang="en-US" dirty="0"/>
+              <a:t>Elastic scattering</a:t>
+            </a:r>
+          </a:p>
+        </p:txBody>
+      </p:sp>
+    </p:spTree>
+    <p:extLst>
+      <p:ext uri="{BB962C8B-B14F-4D97-AF65-F5344CB8AC3E}">
+        <p14:creationId xmlns:p14="http://schemas.microsoft.com/office/powerpoint/2010/main" val="4088096867"/>
+      </p:ext>
+    </p:extLst>
+  </p:cSld>
+  <p:clrMapOvr>
+    <a:masterClrMapping/>
+  </p:clrMapOvr>
+</p:sld>
+</file>
+
+<file path=ppt/slides/slide11.xml><?xml version="1.0" encoding="utf-8"?>
+<p:sld xmlns:a="http://schemas.openxmlformats.org/drawingml/2006/main" xmlns:r="http://schemas.openxmlformats.org/officeDocument/2006/relationships" xmlns:p="http://schemas.openxmlformats.org/presentationml/2006/main">
+  <p:cSld>
+    <p:spTree>
+      <p:nvGrpSpPr>
+        <p:cNvPr id="1" name=""/>
+        <p:cNvGrpSpPr/>
+        <p:nvPr/>
+      </p:nvGrpSpPr>
+      <p:grpSpPr>
+        <a:xfrm>
+          <a:off x="0" y="0"/>
+          <a:ext cx="0" cy="0"/>
+          <a:chOff x="0" y="0"/>
+          <a:chExt cx="0" cy="0"/>
+        </a:xfrm>
+      </p:grpSpPr>
+      <p:sp>
+        <p:nvSpPr>
+          <p:cNvPr id="2" name="Title 1">
+            <a:extLst>
+              <a:ext uri="{FF2B5EF4-FFF2-40B4-BE49-F238E27FC236}">
                 <a16:creationId xmlns:a16="http://schemas.microsoft.com/office/drawing/2014/main" id="{07FFDBFC-6AE3-4868-8727-CA2476AF3F85}"/>
               </a:ext>
             </a:extLst>
@@ -6237,7 +6594,7 @@
           <a:graphicData uri="http://schemas.openxmlformats.org/presentationml/2006/ole">
             <mc:AlternateContent xmlns:mc="http://schemas.openxmlformats.org/markup-compatibility/2006">
               <mc:Choice xmlns:v="urn:schemas-microsoft-com:vml" Requires="v">
-                <p:oleObj spid="_x0000_s3077" r:id="rId5" imgW="347220" imgH="385210" progId="">
+                <p:oleObj spid="_x0000_s3078" r:id="rId5" imgW="347220" imgH="385210" progId="">
                   <p:embed/>
                 </p:oleObj>
               </mc:Choice>
@@ -6327,7 +6684,7 @@
 </p:sld>
 </file>
 
-<file path=ppt/slides/slide11.xml><?xml version="1.0" encoding="utf-8"?>
+<file path=ppt/slides/slide12.xml><?xml version="1.0" encoding="utf-8"?>
 <p:sld xmlns:a="http://schemas.openxmlformats.org/drawingml/2006/main" xmlns:r="http://schemas.openxmlformats.org/officeDocument/2006/relationships" xmlns:p="http://schemas.openxmlformats.org/presentationml/2006/main">
   <p:cSld>
     <p:spTree>
@@ -6666,7 +7023,7 @@
 </p:sld>
 </file>
 
-<file path=ppt/slides/slide12.xml><?xml version="1.0" encoding="utf-8"?>
+<file path=ppt/slides/slide13.xml><?xml version="1.0" encoding="utf-8"?>
 <p:sld xmlns:a="http://schemas.openxmlformats.org/drawingml/2006/main" xmlns:r="http://schemas.openxmlformats.org/officeDocument/2006/relationships" xmlns:p="http://schemas.openxmlformats.org/presentationml/2006/main">
   <p:cSld>
     <p:spTree>
@@ -7069,7 +7426,7 @@
 </p:sld>
 </file>
 
-<file path=ppt/slides/slide13.xml><?xml version="1.0" encoding="utf-8"?>
+<file path=ppt/slides/slide14.xml><?xml version="1.0" encoding="utf-8"?>
 <p:sld xmlns:a="http://schemas.openxmlformats.org/drawingml/2006/main" xmlns:r="http://schemas.openxmlformats.org/officeDocument/2006/relationships" xmlns:p="http://schemas.openxmlformats.org/presentationml/2006/main">
   <p:cSld>
     <p:bg>
@@ -8457,7 +8814,7 @@
 </p:sld>
 </file>
 
-<file path=ppt/slides/slide14.xml><?xml version="1.0" encoding="utf-8"?>
+<file path=ppt/slides/slide15.xml><?xml version="1.0" encoding="utf-8"?>
 <p:sld xmlns:a="http://schemas.openxmlformats.org/drawingml/2006/main" xmlns:r="http://schemas.openxmlformats.org/officeDocument/2006/relationships" xmlns:p="http://schemas.openxmlformats.org/presentationml/2006/main">
   <p:cSld>
     <p:spTree>
@@ -8656,7 +9013,7 @@
           <a:graphicData uri="http://schemas.openxmlformats.org/presentationml/2006/ole">
             <mc:AlternateContent xmlns:mc="http://schemas.openxmlformats.org/markup-compatibility/2006">
               <mc:Choice xmlns:v="urn:schemas-microsoft-com:vml" Requires="v">
-                <p:oleObj spid="_x0000_s2090" r:id="rId6" imgW="347220" imgH="385210" progId="">
+                <p:oleObj spid="_x0000_s2091" r:id="rId6" imgW="347220" imgH="385210" progId="">
                   <p:embed/>
                 </p:oleObj>
               </mc:Choice>
@@ -8922,7 +9279,7 @@
 </p:sld>
 </file>
 
-<file path=ppt/slides/slide15.xml><?xml version="1.0" encoding="utf-8"?>
+<file path=ppt/slides/slide16.xml><?xml version="1.0" encoding="utf-8"?>
 <p:sld xmlns:a="http://schemas.openxmlformats.org/drawingml/2006/main" xmlns:r="http://schemas.openxmlformats.org/officeDocument/2006/relationships" xmlns:p="http://schemas.openxmlformats.org/presentationml/2006/main">
   <p:cSld>
     <p:spTree>
@@ -9329,7 +9686,7 @@
 </p:sld>
 </file>
 
-<file path=ppt/slides/slide16.xml><?xml version="1.0" encoding="utf-8"?>
+<file path=ppt/slides/slide17.xml><?xml version="1.0" encoding="utf-8"?>
 <p:sld xmlns:a="http://schemas.openxmlformats.org/drawingml/2006/main" xmlns:r="http://schemas.openxmlformats.org/officeDocument/2006/relationships" xmlns:p="http://schemas.openxmlformats.org/presentationml/2006/main">
   <p:cSld>
     <p:spTree>
@@ -10517,7 +10874,7 @@
 </p:sld>
 </file>
 
-<file path=ppt/slides/slide17.xml><?xml version="1.0" encoding="utf-8"?>
+<file path=ppt/slides/slide18.xml><?xml version="1.0" encoding="utf-8"?>
 <p:sld xmlns:a="http://schemas.openxmlformats.org/drawingml/2006/main" xmlns:r="http://schemas.openxmlformats.org/officeDocument/2006/relationships" xmlns:p="http://schemas.openxmlformats.org/presentationml/2006/main">
   <p:cSld>
     <p:spTree>
@@ -10887,7 +11244,7 @@
 </p:sld>
 </file>
 
-<file path=ppt/slides/slide18.xml><?xml version="1.0" encoding="utf-8"?>
+<file path=ppt/slides/slide19.xml><?xml version="1.0" encoding="utf-8"?>
 <p:sld xmlns:a="http://schemas.openxmlformats.org/drawingml/2006/main" xmlns:r="http://schemas.openxmlformats.org/officeDocument/2006/relationships" xmlns:p="http://schemas.openxmlformats.org/presentationml/2006/main">
   <p:cSld>
     <p:spTree>
@@ -11294,7 +11651,138 @@
 </p:sld>
 </file>
 
-<file path=ppt/slides/slide19.xml><?xml version="1.0" encoding="utf-8"?>
+<file path=ppt/slides/slide2.xml><?xml version="1.0" encoding="utf-8"?>
+<p:sld xmlns:a="http://schemas.openxmlformats.org/drawingml/2006/main" xmlns:r="http://schemas.openxmlformats.org/officeDocument/2006/relationships" xmlns:p="http://schemas.openxmlformats.org/presentationml/2006/main">
+  <p:cSld>
+    <p:spTree>
+      <p:nvGrpSpPr>
+        <p:cNvPr id="1" name=""/>
+        <p:cNvGrpSpPr/>
+        <p:nvPr/>
+      </p:nvGrpSpPr>
+      <p:grpSpPr>
+        <a:xfrm>
+          <a:off x="0" y="0"/>
+          <a:ext cx="0" cy="0"/>
+          <a:chOff x="0" y="0"/>
+          <a:chExt cx="0" cy="0"/>
+        </a:xfrm>
+      </p:grpSpPr>
+      <p:sp>
+        <p:nvSpPr>
+          <p:cNvPr id="2" name="Title 1">
+            <a:extLst>
+              <a:ext uri="{FF2B5EF4-FFF2-40B4-BE49-F238E27FC236}">
+                <a16:creationId xmlns:a16="http://schemas.microsoft.com/office/drawing/2014/main" id="{2E6BD18C-FB50-4AE4-B9BA-817230EEFDF7}"/>
+              </a:ext>
+            </a:extLst>
+          </p:cNvPr>
+          <p:cNvSpPr>
+            <a:spLocks noGrp="1"/>
+          </p:cNvSpPr>
+          <p:nvPr>
+            <p:ph type="title"/>
+          </p:nvPr>
+        </p:nvSpPr>
+        <p:spPr/>
+        <p:txBody>
+          <a:bodyPr/>
+          <a:lstStyle/>
+          <a:p>
+            <a:pPr algn="ctr"/>
+            <a:r>
+              <a:rPr lang="en-US" dirty="0">
+                <a:solidFill>
+                  <a:srgbClr val="00FF00"/>
+                </a:solidFill>
+              </a:rPr>
+              <a:t>Overview</a:t>
+            </a:r>
+          </a:p>
+        </p:txBody>
+      </p:sp>
+      <p:sp>
+        <p:nvSpPr>
+          <p:cNvPr id="3" name="Content Placeholder 2">
+            <a:extLst>
+              <a:ext uri="{FF2B5EF4-FFF2-40B4-BE49-F238E27FC236}">
+                <a16:creationId xmlns:a16="http://schemas.microsoft.com/office/drawing/2014/main" id="{687243F3-E3DD-4C01-868B-F026D35A31B4}"/>
+              </a:ext>
+            </a:extLst>
+          </p:cNvPr>
+          <p:cNvSpPr>
+            <a:spLocks noGrp="1"/>
+          </p:cNvSpPr>
+          <p:nvPr>
+            <p:ph idx="1"/>
+          </p:nvPr>
+        </p:nvSpPr>
+        <p:spPr/>
+        <p:txBody>
+          <a:bodyPr/>
+          <a:lstStyle/>
+          <a:p>
+            <a:r>
+              <a:rPr lang="en-US" dirty="0"/>
+              <a:t>Importance of photochemistry</a:t>
+            </a:r>
+          </a:p>
+          <a:p>
+            <a:r>
+              <a:rPr lang="en-US" dirty="0"/>
+              <a:t>“Photochemistry” generalized</a:t>
+            </a:r>
+          </a:p>
+          <a:p>
+            <a:r>
+              <a:rPr lang="en-US" dirty="0"/>
+              <a:t>Examples</a:t>
+            </a:r>
+          </a:p>
+          <a:p>
+            <a:pPr lvl="1"/>
+            <a:r>
+              <a:rPr lang="en-US" dirty="0"/>
+              <a:t>Gamma radiolysis</a:t>
+            </a:r>
+          </a:p>
+          <a:p>
+            <a:pPr lvl="1"/>
+            <a:r>
+              <a:rPr lang="en-US" dirty="0"/>
+              <a:t>Proton beam therapy</a:t>
+            </a:r>
+          </a:p>
+          <a:p>
+            <a:pPr lvl="1"/>
+            <a:r>
+              <a:rPr lang="en-US" dirty="0"/>
+              <a:t>Electron impact</a:t>
+            </a:r>
+          </a:p>
+          <a:p>
+            <a:pPr lvl="1"/>
+            <a:r>
+              <a:rPr lang="en-US" dirty="0"/>
+              <a:t>Gas-phase catalysis</a:t>
+            </a:r>
+          </a:p>
+        </p:txBody>
+      </p:sp>
+    </p:spTree>
+    <p:extLst>
+      <p:ext uri="{BB962C8B-B14F-4D97-AF65-F5344CB8AC3E}">
+        <p14:creationId xmlns:p14="http://schemas.microsoft.com/office/powerpoint/2010/main" val="4262813016"/>
+      </p:ext>
+    </p:extLst>
+  </p:cSld>
+  <p:clrMapOvr>
+    <a:masterClrMapping/>
+  </p:clrMapOvr>
+</p:sld>
+</file>
+
+<file path=ppt/slides/slide20.xml><?xml version="1.0" encoding="utf-8"?>
 <p:sld xmlns:a="http://schemas.openxmlformats.org/drawingml/2006/main" xmlns:r="http://schemas.openxmlformats.org/officeDocument/2006/relationships" xmlns:p="http://schemas.openxmlformats.org/presentationml/2006/main">
   <p:cSld>
     <p:spTree>
@@ -12018,138 +12506,7 @@
 </p:sld>
 </file>
 
-<file path=ppt/slides/slide2.xml><?xml version="1.0" encoding="utf-8"?>
-<p:sld xmlns:a="http://schemas.openxmlformats.org/drawingml/2006/main" xmlns:r="http://schemas.openxmlformats.org/officeDocument/2006/relationships" xmlns:p="http://schemas.openxmlformats.org/presentationml/2006/main">
-  <p:cSld>
-    <p:spTree>
-      <p:nvGrpSpPr>
-        <p:cNvPr id="1" name=""/>
-        <p:cNvGrpSpPr/>
-        <p:nvPr/>
-      </p:nvGrpSpPr>
-      <p:grpSpPr>
-        <a:xfrm>
-          <a:off x="0" y="0"/>
-          <a:ext cx="0" cy="0"/>
-          <a:chOff x="0" y="0"/>
-          <a:chExt cx="0" cy="0"/>
-        </a:xfrm>
-      </p:grpSpPr>
-      <p:sp>
-        <p:nvSpPr>
-          <p:cNvPr id="2" name="Title 1">
-            <a:extLst>
-              <a:ext uri="{FF2B5EF4-FFF2-40B4-BE49-F238E27FC236}">
-                <a16:creationId xmlns:a16="http://schemas.microsoft.com/office/drawing/2014/main" id="{2E6BD18C-FB50-4AE4-B9BA-817230EEFDF7}"/>
-              </a:ext>
-            </a:extLst>
-          </p:cNvPr>
-          <p:cNvSpPr>
-            <a:spLocks noGrp="1"/>
-          </p:cNvSpPr>
-          <p:nvPr>
-            <p:ph type="title"/>
-          </p:nvPr>
-        </p:nvSpPr>
-        <p:spPr/>
-        <p:txBody>
-          <a:bodyPr/>
-          <a:lstStyle/>
-          <a:p>
-            <a:pPr algn="ctr"/>
-            <a:r>
-              <a:rPr lang="en-US" dirty="0">
-                <a:solidFill>
-                  <a:srgbClr val="00FF00"/>
-                </a:solidFill>
-              </a:rPr>
-              <a:t>Overview</a:t>
-            </a:r>
-          </a:p>
-        </p:txBody>
-      </p:sp>
-      <p:sp>
-        <p:nvSpPr>
-          <p:cNvPr id="3" name="Content Placeholder 2">
-            <a:extLst>
-              <a:ext uri="{FF2B5EF4-FFF2-40B4-BE49-F238E27FC236}">
-                <a16:creationId xmlns:a16="http://schemas.microsoft.com/office/drawing/2014/main" id="{687243F3-E3DD-4C01-868B-F026D35A31B4}"/>
-              </a:ext>
-            </a:extLst>
-          </p:cNvPr>
-          <p:cNvSpPr>
-            <a:spLocks noGrp="1"/>
-          </p:cNvSpPr>
-          <p:nvPr>
-            <p:ph idx="1"/>
-          </p:nvPr>
-        </p:nvSpPr>
-        <p:spPr/>
-        <p:txBody>
-          <a:bodyPr/>
-          <a:lstStyle/>
-          <a:p>
-            <a:r>
-              <a:rPr lang="en-US" dirty="0"/>
-              <a:t>Importance of photochemistry</a:t>
-            </a:r>
-          </a:p>
-          <a:p>
-            <a:r>
-              <a:rPr lang="en-US" dirty="0"/>
-              <a:t>“Photochemistry” generalized</a:t>
-            </a:r>
-          </a:p>
-          <a:p>
-            <a:r>
-              <a:rPr lang="en-US" dirty="0"/>
-              <a:t>Examples</a:t>
-            </a:r>
-          </a:p>
-          <a:p>
-            <a:pPr lvl="1"/>
-            <a:r>
-              <a:rPr lang="en-US" dirty="0"/>
-              <a:t>Gamma radiolysis</a:t>
-            </a:r>
-          </a:p>
-          <a:p>
-            <a:pPr lvl="1"/>
-            <a:r>
-              <a:rPr lang="en-US" dirty="0"/>
-              <a:t>Proton beam therapy</a:t>
-            </a:r>
-          </a:p>
-          <a:p>
-            <a:pPr lvl="1"/>
-            <a:r>
-              <a:rPr lang="en-US" dirty="0"/>
-              <a:t>Electron impact</a:t>
-            </a:r>
-          </a:p>
-          <a:p>
-            <a:pPr lvl="1"/>
-            <a:r>
-              <a:rPr lang="en-US" dirty="0"/>
-              <a:t>Gas-phase catalysis</a:t>
-            </a:r>
-          </a:p>
-        </p:txBody>
-      </p:sp>
-    </p:spTree>
-    <p:extLst>
-      <p:ext uri="{BB962C8B-B14F-4D97-AF65-F5344CB8AC3E}">
-        <p14:creationId xmlns:p14="http://schemas.microsoft.com/office/powerpoint/2010/main" val="4262813016"/>
-      </p:ext>
-    </p:extLst>
-  </p:cSld>
-  <p:clrMapOvr>
-    <a:masterClrMapping/>
-  </p:clrMapOvr>
-</p:sld>
-</file>
-
-<file path=ppt/slides/slide20.xml><?xml version="1.0" encoding="utf-8"?>
+<file path=ppt/slides/slide21.xml><?xml version="1.0" encoding="utf-8"?>
 <p:sld xmlns:a="http://schemas.openxmlformats.org/drawingml/2006/main" xmlns:r="http://schemas.openxmlformats.org/officeDocument/2006/relationships" xmlns:p="http://schemas.openxmlformats.org/presentationml/2006/main">
   <p:cSld>
     <p:spTree>
@@ -12556,7 +12913,7 @@
 </p:sld>
 </file>
 
-<file path=ppt/slides/slide21.xml><?xml version="1.0" encoding="utf-8"?>
+<file path=ppt/slides/slide22.xml><?xml version="1.0" encoding="utf-8"?>
 <p:sld xmlns:a="http://schemas.openxmlformats.org/drawingml/2006/main" xmlns:r="http://schemas.openxmlformats.org/officeDocument/2006/relationships" xmlns:p="http://schemas.openxmlformats.org/presentationml/2006/main">
   <p:cSld>
     <p:spTree>
@@ -14219,416 +14576,6 @@
 </p:sld>
 </file>
 
-<file path=ppt/slides/slide22.xml><?xml version="1.0" encoding="utf-8"?>
-<p:sld xmlns:a="http://schemas.openxmlformats.org/drawingml/2006/main" xmlns:r="http://schemas.openxmlformats.org/officeDocument/2006/relationships" xmlns:p="http://schemas.openxmlformats.org/presentationml/2006/main">
-  <p:cSld>
-    <p:spTree>
-      <p:nvGrpSpPr>
-        <p:cNvPr id="1" name=""/>
-        <p:cNvGrpSpPr/>
-        <p:nvPr/>
-      </p:nvGrpSpPr>
-      <p:grpSpPr>
-        <a:xfrm>
-          <a:off x="0" y="0"/>
-          <a:ext cx="0" cy="0"/>
-          <a:chOff x="0" y="0"/>
-          <a:chExt cx="0" cy="0"/>
-        </a:xfrm>
-      </p:grpSpPr>
-      <p:sp>
-        <p:nvSpPr>
-          <p:cNvPr id="2" name="Title 1">
-            <a:extLst>
-              <a:ext uri="{FF2B5EF4-FFF2-40B4-BE49-F238E27FC236}">
-                <a16:creationId xmlns:a16="http://schemas.microsoft.com/office/drawing/2014/main" id="{2DBCF5FA-7B5D-4D89-AC73-73AD8BC4A688}"/>
-              </a:ext>
-            </a:extLst>
-          </p:cNvPr>
-          <p:cNvSpPr>
-            <a:spLocks noGrp="1"/>
-          </p:cNvSpPr>
-          <p:nvPr>
-            <p:ph type="title"/>
-          </p:nvPr>
-        </p:nvSpPr>
-        <p:spPr>
-          <a:xfrm>
-            <a:off x="838200" y="365126"/>
-            <a:ext cx="10515600" cy="850358"/>
-          </a:xfrm>
-        </p:spPr>
-        <p:txBody>
-          <a:bodyPr/>
-          <a:lstStyle/>
-          <a:p>
-            <a:pPr algn="ctr"/>
-            <a:r>
-              <a:rPr lang="en-US" dirty="0">
-                <a:solidFill>
-                  <a:srgbClr val="00FF00"/>
-                </a:solidFill>
-              </a:rPr>
-              <a:t>Catalysis by gas-phase ions</a:t>
-            </a:r>
-          </a:p>
-        </p:txBody>
-      </p:sp>
-      <p:sp>
-        <p:nvSpPr>
-          <p:cNvPr id="3" name="Content Placeholder 2">
-            <a:extLst>
-              <a:ext uri="{FF2B5EF4-FFF2-40B4-BE49-F238E27FC236}">
-                <a16:creationId xmlns:a16="http://schemas.microsoft.com/office/drawing/2014/main" id="{5623BC6F-26FD-439A-9693-D2E5942A71BA}"/>
-              </a:ext>
-            </a:extLst>
-          </p:cNvPr>
-          <p:cNvSpPr>
-            <a:spLocks noGrp="1"/>
-          </p:cNvSpPr>
-          <p:nvPr>
-            <p:ph idx="1"/>
-          </p:nvPr>
-        </p:nvSpPr>
-        <p:spPr>
-          <a:xfrm>
-            <a:off x="440308" y="1429966"/>
-            <a:ext cx="5655692" cy="4017523"/>
-          </a:xfrm>
-        </p:spPr>
-        <p:txBody>
-          <a:bodyPr/>
-          <a:lstStyle/>
-          <a:p>
-            <a:r>
-              <a:rPr lang="en-US" dirty="0"/>
-              <a:t>CH</a:t>
-            </a:r>
-            <a:r>
-              <a:rPr lang="en-US" baseline="-25000" dirty="0"/>
-              <a:t>4</a:t>
-            </a:r>
-            <a:r>
-              <a:rPr lang="en-US" dirty="0"/>
-              <a:t> conversion by Au</a:t>
-            </a:r>
-            <a:r>
-              <a:rPr lang="en-US" baseline="-25000" dirty="0"/>
-              <a:t>2</a:t>
-            </a:r>
-            <a:r>
-              <a:rPr lang="en-US" baseline="30000" dirty="0"/>
-              <a:t>+</a:t>
-            </a:r>
-            <a:r>
-              <a:rPr lang="en-US" dirty="0"/>
-              <a:t> (shown)</a:t>
-            </a:r>
-          </a:p>
-          <a:p>
-            <a:pPr lvl="1"/>
-            <a:r>
-              <a:rPr lang="en-US" dirty="0"/>
-              <a:t>In presence of O</a:t>
-            </a:r>
-            <a:r>
-              <a:rPr lang="en-US" baseline="-25000" dirty="0"/>
-              <a:t>2</a:t>
-            </a:r>
-            <a:r>
-              <a:rPr lang="en-US" dirty="0"/>
-              <a:t>, selective is controlled by temperature</a:t>
-            </a:r>
-          </a:p>
-          <a:p>
-            <a:pPr lvl="1"/>
-            <a:r>
-              <a:rPr lang="en-US" b="1" dirty="0">
-                <a:solidFill>
-                  <a:srgbClr val="66FFCC"/>
-                </a:solidFill>
-              </a:rPr>
-              <a:t>C</a:t>
-            </a:r>
-            <a:r>
-              <a:rPr lang="en-US" b="1" baseline="-25000" dirty="0">
-                <a:solidFill>
-                  <a:srgbClr val="66FFCC"/>
-                </a:solidFill>
-              </a:rPr>
-              <a:t>2</a:t>
-            </a:r>
-            <a:r>
-              <a:rPr lang="en-US" b="1" dirty="0">
-                <a:solidFill>
-                  <a:srgbClr val="66FFCC"/>
-                </a:solidFill>
-              </a:rPr>
-              <a:t>H</a:t>
-            </a:r>
-            <a:r>
-              <a:rPr lang="en-US" b="1" baseline="-25000" dirty="0">
-                <a:solidFill>
-                  <a:srgbClr val="66FFCC"/>
-                </a:solidFill>
-              </a:rPr>
-              <a:t>4</a:t>
-            </a:r>
-            <a:r>
-              <a:rPr lang="en-US" b="1" dirty="0">
-                <a:solidFill>
-                  <a:srgbClr val="66FFCC"/>
-                </a:solidFill>
-              </a:rPr>
-              <a:t> for </a:t>
-            </a:r>
-            <a:r>
-              <a:rPr lang="en-US" b="1" i="1" dirty="0">
-                <a:solidFill>
-                  <a:srgbClr val="66FFCC"/>
-                </a:solidFill>
-              </a:rPr>
-              <a:t>T</a:t>
-            </a:r>
-            <a:r>
-              <a:rPr lang="en-US" b="1" dirty="0">
-                <a:solidFill>
-                  <a:srgbClr val="66FFCC"/>
-                </a:solidFill>
-              </a:rPr>
-              <a:t> &gt; 260 K</a:t>
-            </a:r>
-          </a:p>
-          <a:p>
-            <a:pPr lvl="1"/>
-            <a:r>
-              <a:rPr lang="en-US" b="1" dirty="0">
-                <a:solidFill>
-                  <a:srgbClr val="CC00FF"/>
-                </a:solidFill>
-              </a:rPr>
-              <a:t>CH</a:t>
-            </a:r>
-            <a:r>
-              <a:rPr lang="en-US" b="1" baseline="-25000" dirty="0">
-                <a:solidFill>
-                  <a:srgbClr val="CC00FF"/>
-                </a:solidFill>
-              </a:rPr>
-              <a:t>2</a:t>
-            </a:r>
-            <a:r>
-              <a:rPr lang="en-US" b="1" dirty="0">
-                <a:solidFill>
-                  <a:srgbClr val="CC00FF"/>
-                </a:solidFill>
-              </a:rPr>
-              <a:t>O for </a:t>
-            </a:r>
-            <a:r>
-              <a:rPr lang="en-US" b="1" i="1" dirty="0">
-                <a:solidFill>
-                  <a:srgbClr val="CC00FF"/>
-                </a:solidFill>
-              </a:rPr>
-              <a:t>T</a:t>
-            </a:r>
-            <a:r>
-              <a:rPr lang="en-US" b="1" dirty="0">
-                <a:solidFill>
-                  <a:srgbClr val="CC00FF"/>
-                </a:solidFill>
-              </a:rPr>
-              <a:t> &lt; 230 K</a:t>
-            </a:r>
-          </a:p>
-          <a:p>
-            <a:r>
-              <a:rPr lang="en-US" dirty="0"/>
-              <a:t>Olefin </a:t>
-            </a:r>
-            <a:r>
-              <a:rPr lang="en-US" dirty="0" err="1"/>
-              <a:t>dehydroaromatization</a:t>
-            </a:r>
-            <a:r>
-              <a:rPr lang="en-US" dirty="0"/>
-              <a:t> (not shown)</a:t>
-            </a:r>
-          </a:p>
-          <a:p>
-            <a:pPr lvl="1"/>
-            <a:r>
-              <a:rPr lang="en-US" dirty="0"/>
-              <a:t>Catalyzed by Fe</a:t>
-            </a:r>
-            <a:r>
-              <a:rPr lang="en-US" baseline="-25000" dirty="0"/>
-              <a:t>4</a:t>
-            </a:r>
-            <a:r>
-              <a:rPr lang="en-US" baseline="30000" dirty="0"/>
-              <a:t>+</a:t>
-            </a:r>
-            <a:r>
-              <a:rPr lang="en-US" dirty="0"/>
-              <a:t> and by some atomic ions</a:t>
-            </a:r>
-          </a:p>
-        </p:txBody>
-      </p:sp>
-      <p:pic>
-        <p:nvPicPr>
-          <p:cNvPr id="5" name="Picture 4">
-            <a:extLst>
-              <a:ext uri="{FF2B5EF4-FFF2-40B4-BE49-F238E27FC236}">
-                <a16:creationId xmlns:a16="http://schemas.microsoft.com/office/drawing/2014/main" id="{C92995CF-63FD-4834-B328-DA60260D744D}"/>
-              </a:ext>
-            </a:extLst>
-          </p:cNvPr>
-          <p:cNvPicPr>
-            <a:picLocks noChangeAspect="1"/>
-          </p:cNvPicPr>
-          <p:nvPr/>
-        </p:nvPicPr>
-        <p:blipFill>
-          <a:blip r:embed="rId3">
-            <a:extLst>
-              <a:ext uri="{28A0092B-C50C-407E-A947-70E740481C1C}">
-                <a14:useLocalDpi xmlns:a14="http://schemas.microsoft.com/office/drawing/2010/main" val="0"/>
-              </a:ext>
-            </a:extLst>
-          </a:blip>
-          <a:stretch>
-            <a:fillRect/>
-          </a:stretch>
-        </p:blipFill>
-        <p:spPr>
-          <a:xfrm>
-            <a:off x="6356195" y="1215484"/>
-            <a:ext cx="5496737" cy="5011896"/>
-          </a:xfrm>
-          <a:prstGeom prst="rect">
-            <a:avLst/>
-          </a:prstGeom>
-        </p:spPr>
-      </p:pic>
-      <p:sp>
-        <p:nvSpPr>
-          <p:cNvPr id="6" name="TextBox 5">
-            <a:extLst>
-              <a:ext uri="{FF2B5EF4-FFF2-40B4-BE49-F238E27FC236}">
-                <a16:creationId xmlns:a16="http://schemas.microsoft.com/office/drawing/2014/main" id="{81E66534-87D3-4685-AEA7-6762C92AB166}"/>
-              </a:ext>
-            </a:extLst>
-          </p:cNvPr>
-          <p:cNvSpPr txBox="1"/>
-          <p:nvPr/>
-        </p:nvSpPr>
-        <p:spPr>
-          <a:xfrm>
-            <a:off x="1325131" y="6300441"/>
-            <a:ext cx="9965485" cy="307777"/>
-          </a:xfrm>
-          <a:prstGeom prst="rect">
-            <a:avLst/>
-          </a:prstGeom>
-          <a:noFill/>
-        </p:spPr>
-        <p:txBody>
-          <a:bodyPr wrap="none" rtlCol="0">
-            <a:spAutoFit/>
-          </a:bodyPr>
-          <a:lstStyle/>
-          <a:p>
-            <a:r>
-              <a:rPr lang="en-US" sz="1400" dirty="0">
-                <a:solidFill>
-                  <a:srgbClr val="FFFF00"/>
-                </a:solidFill>
-              </a:rPr>
-              <a:t>Schwarz, H. Ménage-à-trois: single-atom catalysis, mass spectrometry, and computational chemistry. </a:t>
-            </a:r>
-            <a:r>
-              <a:rPr lang="en-US" sz="1400" i="1" dirty="0" err="1">
-                <a:solidFill>
-                  <a:srgbClr val="FFFF00"/>
-                </a:solidFill>
-              </a:rPr>
-              <a:t>Catal</a:t>
-            </a:r>
-            <a:r>
-              <a:rPr lang="en-US" sz="1400" i="1" dirty="0">
-                <a:solidFill>
-                  <a:srgbClr val="FFFF00"/>
-                </a:solidFill>
-              </a:rPr>
-              <a:t>. Sci. Tech. </a:t>
-            </a:r>
-            <a:r>
-              <a:rPr lang="en-US" sz="1400" b="1" dirty="0">
-                <a:solidFill>
-                  <a:srgbClr val="FFFF00"/>
-                </a:solidFill>
-              </a:rPr>
-              <a:t>2017</a:t>
-            </a:r>
-            <a:r>
-              <a:rPr lang="en-US" sz="1400" b="1" i="1" dirty="0">
-                <a:solidFill>
-                  <a:srgbClr val="FFFF00"/>
-                </a:solidFill>
-              </a:rPr>
-              <a:t>, </a:t>
-            </a:r>
-            <a:r>
-              <a:rPr lang="en-US" sz="1400" i="1" dirty="0">
-                <a:solidFill>
-                  <a:srgbClr val="FFFF00"/>
-                </a:solidFill>
-              </a:rPr>
-              <a:t>7</a:t>
-            </a:r>
-            <a:r>
-              <a:rPr lang="en-US" sz="1400" b="1" i="1" dirty="0">
-                <a:solidFill>
-                  <a:srgbClr val="FFFF00"/>
-                </a:solidFill>
-              </a:rPr>
-              <a:t>, </a:t>
-            </a:r>
-            <a:r>
-              <a:rPr lang="en-US" sz="1400" dirty="0">
-                <a:solidFill>
-                  <a:srgbClr val="FFFF00"/>
-                </a:solidFill>
-              </a:rPr>
-              <a:t>4302</a:t>
-            </a:r>
-            <a:r>
-              <a:rPr lang="en-US" sz="1400" b="1" i="1" dirty="0">
-                <a:solidFill>
-                  <a:srgbClr val="FFFF00"/>
-                </a:solidFill>
-              </a:rPr>
-              <a:t>.</a:t>
-            </a:r>
-          </a:p>
-        </p:txBody>
-      </p:sp>
-    </p:spTree>
-    <p:extLst>
-      <p:ext uri="{BB962C8B-B14F-4D97-AF65-F5344CB8AC3E}">
-        <p14:creationId xmlns:p14="http://schemas.microsoft.com/office/powerpoint/2010/main" val="3288280280"/>
-      </p:ext>
-    </p:extLst>
-  </p:cSld>
-  <p:clrMapOvr>
-    <a:masterClrMapping/>
-  </p:clrMapOvr>
-</p:sld>
-</file>
-
 <file path=ppt/slides/slide23.xml><?xml version="1.0" encoding="utf-8"?>
 <p:sld xmlns:a="http://schemas.openxmlformats.org/drawingml/2006/main" xmlns:r="http://schemas.openxmlformats.org/officeDocument/2006/relationships" xmlns:p="http://schemas.openxmlformats.org/presentationml/2006/main">
   <p:cSld>
@@ -14651,6 +14598,420 @@
           <p:cNvPr id="2" name="Title 1">
             <a:extLst>
               <a:ext uri="{FF2B5EF4-FFF2-40B4-BE49-F238E27FC236}">
+                <a16:creationId xmlns:a16="http://schemas.microsoft.com/office/drawing/2014/main" id="{2DBCF5FA-7B5D-4D89-AC73-73AD8BC4A688}"/>
+              </a:ext>
+            </a:extLst>
+          </p:cNvPr>
+          <p:cNvSpPr>
+            <a:spLocks noGrp="1"/>
+          </p:cNvSpPr>
+          <p:nvPr>
+            <p:ph type="title"/>
+          </p:nvPr>
+        </p:nvSpPr>
+        <p:spPr>
+          <a:xfrm>
+            <a:off x="838200" y="365126"/>
+            <a:ext cx="10515600" cy="850358"/>
+          </a:xfrm>
+        </p:spPr>
+        <p:txBody>
+          <a:bodyPr/>
+          <a:lstStyle/>
+          <a:p>
+            <a:pPr algn="ctr"/>
+            <a:r>
+              <a:rPr lang="en-US" dirty="0">
+                <a:solidFill>
+                  <a:srgbClr val="00FF00"/>
+                </a:solidFill>
+              </a:rPr>
+              <a:t>Catalysis by gas-phase ions</a:t>
+            </a:r>
+          </a:p>
+        </p:txBody>
+      </p:sp>
+      <p:sp>
+        <p:nvSpPr>
+          <p:cNvPr id="3" name="Content Placeholder 2">
+            <a:extLst>
+              <a:ext uri="{FF2B5EF4-FFF2-40B4-BE49-F238E27FC236}">
+                <a16:creationId xmlns:a16="http://schemas.microsoft.com/office/drawing/2014/main" id="{5623BC6F-26FD-439A-9693-D2E5942A71BA}"/>
+              </a:ext>
+            </a:extLst>
+          </p:cNvPr>
+          <p:cNvSpPr>
+            <a:spLocks noGrp="1"/>
+          </p:cNvSpPr>
+          <p:nvPr>
+            <p:ph idx="1"/>
+          </p:nvPr>
+        </p:nvSpPr>
+        <p:spPr>
+          <a:xfrm>
+            <a:off x="440308" y="1429966"/>
+            <a:ext cx="5655692" cy="4017523"/>
+          </a:xfrm>
+        </p:spPr>
+        <p:txBody>
+          <a:bodyPr/>
+          <a:lstStyle/>
+          <a:p>
+            <a:r>
+              <a:rPr lang="en-US" dirty="0"/>
+              <a:t>CH</a:t>
+            </a:r>
+            <a:r>
+              <a:rPr lang="en-US" baseline="-25000" dirty="0"/>
+              <a:t>4</a:t>
+            </a:r>
+            <a:r>
+              <a:rPr lang="en-US" dirty="0"/>
+              <a:t> conversion by Au</a:t>
+            </a:r>
+            <a:r>
+              <a:rPr lang="en-US" baseline="-25000" dirty="0"/>
+              <a:t>2</a:t>
+            </a:r>
+            <a:r>
+              <a:rPr lang="en-US" baseline="30000" dirty="0"/>
+              <a:t>+</a:t>
+            </a:r>
+            <a:r>
+              <a:rPr lang="en-US" dirty="0"/>
+              <a:t> (shown)</a:t>
+            </a:r>
+          </a:p>
+          <a:p>
+            <a:pPr lvl="1"/>
+            <a:r>
+              <a:rPr lang="en-US" dirty="0"/>
+              <a:t>In presence of O</a:t>
+            </a:r>
+            <a:r>
+              <a:rPr lang="en-US" baseline="-25000" dirty="0"/>
+              <a:t>2</a:t>
+            </a:r>
+            <a:r>
+              <a:rPr lang="en-US"/>
+              <a:t>, selectivity </a:t>
+            </a:r>
+            <a:r>
+              <a:rPr lang="en-US" dirty="0"/>
+              <a:t>is controlled by temperature</a:t>
+            </a:r>
+          </a:p>
+          <a:p>
+            <a:pPr lvl="1"/>
+            <a:r>
+              <a:rPr lang="en-US" b="1" dirty="0">
+                <a:solidFill>
+                  <a:srgbClr val="66FFCC"/>
+                </a:solidFill>
+              </a:rPr>
+              <a:t>C</a:t>
+            </a:r>
+            <a:r>
+              <a:rPr lang="en-US" b="1" baseline="-25000" dirty="0">
+                <a:solidFill>
+                  <a:srgbClr val="66FFCC"/>
+                </a:solidFill>
+              </a:rPr>
+              <a:t>2</a:t>
+            </a:r>
+            <a:r>
+              <a:rPr lang="en-US" b="1" dirty="0">
+                <a:solidFill>
+                  <a:srgbClr val="66FFCC"/>
+                </a:solidFill>
+              </a:rPr>
+              <a:t>H</a:t>
+            </a:r>
+            <a:r>
+              <a:rPr lang="en-US" b="1" baseline="-25000" dirty="0">
+                <a:solidFill>
+                  <a:srgbClr val="66FFCC"/>
+                </a:solidFill>
+              </a:rPr>
+              <a:t>4</a:t>
+            </a:r>
+            <a:r>
+              <a:rPr lang="en-US" b="1" dirty="0">
+                <a:solidFill>
+                  <a:srgbClr val="66FFCC"/>
+                </a:solidFill>
+              </a:rPr>
+              <a:t> for </a:t>
+            </a:r>
+            <a:r>
+              <a:rPr lang="en-US" b="1" i="1" dirty="0">
+                <a:solidFill>
+                  <a:srgbClr val="66FFCC"/>
+                </a:solidFill>
+              </a:rPr>
+              <a:t>T</a:t>
+            </a:r>
+            <a:r>
+              <a:rPr lang="en-US" b="1" dirty="0">
+                <a:solidFill>
+                  <a:srgbClr val="66FFCC"/>
+                </a:solidFill>
+              </a:rPr>
+              <a:t> &gt; 260 K</a:t>
+            </a:r>
+          </a:p>
+          <a:p>
+            <a:pPr lvl="1"/>
+            <a:r>
+              <a:rPr lang="en-US" b="1" dirty="0">
+                <a:solidFill>
+                  <a:srgbClr val="CC00FF"/>
+                </a:solidFill>
+              </a:rPr>
+              <a:t>CH</a:t>
+            </a:r>
+            <a:r>
+              <a:rPr lang="en-US" b="1" baseline="-25000" dirty="0">
+                <a:solidFill>
+                  <a:srgbClr val="CC00FF"/>
+                </a:solidFill>
+              </a:rPr>
+              <a:t>2</a:t>
+            </a:r>
+            <a:r>
+              <a:rPr lang="en-US" b="1" dirty="0">
+                <a:solidFill>
+                  <a:srgbClr val="CC00FF"/>
+                </a:solidFill>
+              </a:rPr>
+              <a:t>O for </a:t>
+            </a:r>
+            <a:r>
+              <a:rPr lang="en-US" b="1" i="1" dirty="0">
+                <a:solidFill>
+                  <a:srgbClr val="CC00FF"/>
+                </a:solidFill>
+              </a:rPr>
+              <a:t>T</a:t>
+            </a:r>
+            <a:r>
+              <a:rPr lang="en-US" b="1" dirty="0">
+                <a:solidFill>
+                  <a:srgbClr val="CC00FF"/>
+                </a:solidFill>
+              </a:rPr>
+              <a:t> &lt; 230 K</a:t>
+            </a:r>
+          </a:p>
+          <a:p>
+            <a:r>
+              <a:rPr lang="en-US" dirty="0"/>
+              <a:t>Olefin </a:t>
+            </a:r>
+            <a:r>
+              <a:rPr lang="en-US" dirty="0" err="1"/>
+              <a:t>dehydroaromatization</a:t>
+            </a:r>
+            <a:r>
+              <a:rPr lang="en-US" dirty="0"/>
+              <a:t> (not shown)</a:t>
+            </a:r>
+          </a:p>
+          <a:p>
+            <a:pPr lvl="1"/>
+            <a:r>
+              <a:rPr lang="en-US" dirty="0"/>
+              <a:t>Catalyzed by Fe</a:t>
+            </a:r>
+            <a:r>
+              <a:rPr lang="en-US" baseline="-25000" dirty="0"/>
+              <a:t>4</a:t>
+            </a:r>
+            <a:r>
+              <a:rPr lang="en-US" baseline="30000" dirty="0"/>
+              <a:t>+</a:t>
+            </a:r>
+            <a:r>
+              <a:rPr lang="en-US" dirty="0"/>
+              <a:t> and by some atomic ions</a:t>
+            </a:r>
+          </a:p>
+        </p:txBody>
+      </p:sp>
+      <p:pic>
+        <p:nvPicPr>
+          <p:cNvPr id="5" name="Picture 4">
+            <a:extLst>
+              <a:ext uri="{FF2B5EF4-FFF2-40B4-BE49-F238E27FC236}">
+                <a16:creationId xmlns:a16="http://schemas.microsoft.com/office/drawing/2014/main" id="{C92995CF-63FD-4834-B328-DA60260D744D}"/>
+              </a:ext>
+            </a:extLst>
+          </p:cNvPr>
+          <p:cNvPicPr>
+            <a:picLocks noChangeAspect="1"/>
+          </p:cNvPicPr>
+          <p:nvPr/>
+        </p:nvPicPr>
+        <p:blipFill>
+          <a:blip r:embed="rId3">
+            <a:extLst>
+              <a:ext uri="{28A0092B-C50C-407E-A947-70E740481C1C}">
+                <a14:useLocalDpi xmlns:a14="http://schemas.microsoft.com/office/drawing/2010/main" val="0"/>
+              </a:ext>
+            </a:extLst>
+          </a:blip>
+          <a:stretch>
+            <a:fillRect/>
+          </a:stretch>
+        </p:blipFill>
+        <p:spPr>
+          <a:xfrm>
+            <a:off x="6356195" y="1215484"/>
+            <a:ext cx="5496737" cy="5011896"/>
+          </a:xfrm>
+          <a:prstGeom prst="rect">
+            <a:avLst/>
+          </a:prstGeom>
+        </p:spPr>
+      </p:pic>
+      <p:sp>
+        <p:nvSpPr>
+          <p:cNvPr id="6" name="TextBox 5">
+            <a:extLst>
+              <a:ext uri="{FF2B5EF4-FFF2-40B4-BE49-F238E27FC236}">
+                <a16:creationId xmlns:a16="http://schemas.microsoft.com/office/drawing/2014/main" id="{81E66534-87D3-4685-AEA7-6762C92AB166}"/>
+              </a:ext>
+            </a:extLst>
+          </p:cNvPr>
+          <p:cNvSpPr txBox="1"/>
+          <p:nvPr/>
+        </p:nvSpPr>
+        <p:spPr>
+          <a:xfrm>
+            <a:off x="1325131" y="6300441"/>
+            <a:ext cx="9965485" cy="307777"/>
+          </a:xfrm>
+          <a:prstGeom prst="rect">
+            <a:avLst/>
+          </a:prstGeom>
+          <a:noFill/>
+        </p:spPr>
+        <p:txBody>
+          <a:bodyPr wrap="none" rtlCol="0">
+            <a:spAutoFit/>
+          </a:bodyPr>
+          <a:lstStyle/>
+          <a:p>
+            <a:r>
+              <a:rPr lang="en-US" sz="1400" dirty="0">
+                <a:solidFill>
+                  <a:srgbClr val="FFFF00"/>
+                </a:solidFill>
+              </a:rPr>
+              <a:t>Schwarz, H. Ménage-à-trois: single-atom catalysis, mass spectrometry, and computational chemistry. </a:t>
+            </a:r>
+            <a:r>
+              <a:rPr lang="en-US" sz="1400" i="1" dirty="0" err="1">
+                <a:solidFill>
+                  <a:srgbClr val="FFFF00"/>
+                </a:solidFill>
+              </a:rPr>
+              <a:t>Catal</a:t>
+            </a:r>
+            <a:r>
+              <a:rPr lang="en-US" sz="1400" i="1" dirty="0">
+                <a:solidFill>
+                  <a:srgbClr val="FFFF00"/>
+                </a:solidFill>
+              </a:rPr>
+              <a:t>. Sci. Tech. </a:t>
+            </a:r>
+            <a:r>
+              <a:rPr lang="en-US" sz="1400" b="1" dirty="0">
+                <a:solidFill>
+                  <a:srgbClr val="FFFF00"/>
+                </a:solidFill>
+              </a:rPr>
+              <a:t>2017</a:t>
+            </a:r>
+            <a:r>
+              <a:rPr lang="en-US" sz="1400" b="1" i="1" dirty="0">
+                <a:solidFill>
+                  <a:srgbClr val="FFFF00"/>
+                </a:solidFill>
+              </a:rPr>
+              <a:t>, </a:t>
+            </a:r>
+            <a:r>
+              <a:rPr lang="en-US" sz="1400" i="1" dirty="0">
+                <a:solidFill>
+                  <a:srgbClr val="FFFF00"/>
+                </a:solidFill>
+              </a:rPr>
+              <a:t>7</a:t>
+            </a:r>
+            <a:r>
+              <a:rPr lang="en-US" sz="1400" b="1" i="1" dirty="0">
+                <a:solidFill>
+                  <a:srgbClr val="FFFF00"/>
+                </a:solidFill>
+              </a:rPr>
+              <a:t>, </a:t>
+            </a:r>
+            <a:r>
+              <a:rPr lang="en-US" sz="1400" dirty="0">
+                <a:solidFill>
+                  <a:srgbClr val="FFFF00"/>
+                </a:solidFill>
+              </a:rPr>
+              <a:t>4302</a:t>
+            </a:r>
+            <a:r>
+              <a:rPr lang="en-US" sz="1400" b="1" i="1" dirty="0">
+                <a:solidFill>
+                  <a:srgbClr val="FFFF00"/>
+                </a:solidFill>
+              </a:rPr>
+              <a:t>.</a:t>
+            </a:r>
+          </a:p>
+        </p:txBody>
+      </p:sp>
+    </p:spTree>
+    <p:extLst>
+      <p:ext uri="{BB962C8B-B14F-4D97-AF65-F5344CB8AC3E}">
+        <p14:creationId xmlns:p14="http://schemas.microsoft.com/office/powerpoint/2010/main" val="3288280280"/>
+      </p:ext>
+    </p:extLst>
+  </p:cSld>
+  <p:clrMapOvr>
+    <a:masterClrMapping/>
+  </p:clrMapOvr>
+</p:sld>
+</file>
+
+<file path=ppt/slides/slide24.xml><?xml version="1.0" encoding="utf-8"?>
+<p:sld xmlns:a="http://schemas.openxmlformats.org/drawingml/2006/main" xmlns:r="http://schemas.openxmlformats.org/officeDocument/2006/relationships" xmlns:p="http://schemas.openxmlformats.org/presentationml/2006/main">
+  <p:cSld>
+    <p:spTree>
+      <p:nvGrpSpPr>
+        <p:cNvPr id="1" name=""/>
+        <p:cNvGrpSpPr/>
+        <p:nvPr/>
+      </p:nvGrpSpPr>
+      <p:grpSpPr>
+        <a:xfrm>
+          <a:off x="0" y="0"/>
+          <a:ext cx="0" cy="0"/>
+          <a:chOff x="0" y="0"/>
+          <a:chExt cx="0" cy="0"/>
+        </a:xfrm>
+      </p:grpSpPr>
+      <p:sp>
+        <p:nvSpPr>
+          <p:cNvPr id="2" name="Title 1">
+            <a:extLst>
+              <a:ext uri="{FF2B5EF4-FFF2-40B4-BE49-F238E27FC236}">
                 <a16:creationId xmlns:a16="http://schemas.microsoft.com/office/drawing/2014/main" id="{464E55BD-821A-493F-934B-681073927AE1}"/>
               </a:ext>
             </a:extLst>
@@ -14714,7 +15075,7 @@
 </p:sld>
 </file>
 
-<file path=ppt/slides/slide24.xml><?xml version="1.0" encoding="utf-8"?>
+<file path=ppt/slides/slide25.xml><?xml version="1.0" encoding="utf-8"?>
 <p:sld xmlns:a="http://schemas.openxmlformats.org/drawingml/2006/main" xmlns:r="http://schemas.openxmlformats.org/officeDocument/2006/relationships" xmlns:p="http://schemas.openxmlformats.org/presentationml/2006/main">
   <p:cSld>
     <p:spTree>
@@ -15795,7 +16156,7 @@
 </p:sld>
 </file>
 
-<file path=ppt/slides/slide25.xml><?xml version="1.0" encoding="utf-8"?>
+<file path=ppt/slides/slide26.xml><?xml version="1.0" encoding="utf-8"?>
 <p:sld xmlns:a="http://schemas.openxmlformats.org/drawingml/2006/main" xmlns:r="http://schemas.openxmlformats.org/officeDocument/2006/relationships" xmlns:p="http://schemas.openxmlformats.org/presentationml/2006/main">
   <p:cSld>
     <p:spTree>
@@ -16089,7 +16450,7 @@
 </p:sld>
 </file>
 
-<file path=ppt/slides/slide26.xml><?xml version="1.0" encoding="utf-8"?>
+<file path=ppt/slides/slide27.xml><?xml version="1.0" encoding="utf-8"?>
 <p:sld xmlns:a="http://schemas.openxmlformats.org/drawingml/2006/main" xmlns:r="http://schemas.openxmlformats.org/officeDocument/2006/relationships" xmlns:p="http://schemas.openxmlformats.org/presentationml/2006/main">
   <p:cSld>
     <p:spTree>
@@ -16427,7 +16788,7 @@
           <a:graphicData uri="http://schemas.openxmlformats.org/presentationml/2006/ole">
             <mc:AlternateContent xmlns:mc="http://schemas.openxmlformats.org/markup-compatibility/2006">
               <mc:Choice xmlns:v="urn:schemas-microsoft-com:vml" Requires="v">
-                <p:oleObj spid="_x0000_s1072" name="Equation" r:id="rId4" imgW="3162240" imgH="469800" progId="Equation.DSMT4">
+                <p:oleObj spid="_x0000_s1073" name="Equation" r:id="rId4" imgW="3162240" imgH="469800" progId="Equation.DSMT4">
                   <p:embed/>
                 </p:oleObj>
               </mc:Choice>
@@ -16488,7 +16849,7 @@
 </p:sld>
 </file>
 
-<file path=ppt/slides/slide27.xml><?xml version="1.0" encoding="utf-8"?>
+<file path=ppt/slides/slide28.xml><?xml version="1.0" encoding="utf-8"?>
 <p:sld xmlns:a="http://schemas.openxmlformats.org/drawingml/2006/main" xmlns:r="http://schemas.openxmlformats.org/officeDocument/2006/relationships" xmlns:p="http://schemas.openxmlformats.org/presentationml/2006/main">
   <p:cSld>
     <p:spTree>
@@ -17889,6 +18250,58 @@
           </a:p>
         </p:txBody>
       </p:sp>
+      <p:sp>
+        <p:nvSpPr>
+          <p:cNvPr id="5" name="Rectangle 4">
+            <a:extLst>
+              <a:ext uri="{FF2B5EF4-FFF2-40B4-BE49-F238E27FC236}">
+                <a16:creationId xmlns:a16="http://schemas.microsoft.com/office/drawing/2014/main" id="{FA2FC5D1-6462-40C4-ADA7-9B2EDD048E3C}"/>
+              </a:ext>
+            </a:extLst>
+          </p:cNvPr>
+          <p:cNvSpPr/>
+          <p:nvPr/>
+        </p:nvSpPr>
+        <p:spPr>
+          <a:xfrm>
+            <a:off x="6231849" y="2600838"/>
+            <a:ext cx="5589646" cy="2891037"/>
+          </a:xfrm>
+          <a:prstGeom prst="rect">
+            <a:avLst/>
+          </a:prstGeom>
+          <a:solidFill>
+            <a:schemeClr val="bg1"/>
+          </a:solidFill>
+          <a:ln>
+            <a:noFill/>
+          </a:ln>
+        </p:spPr>
+        <p:style>
+          <a:lnRef idx="2">
+            <a:schemeClr val="accent1">
+              <a:shade val="50000"/>
+            </a:schemeClr>
+          </a:lnRef>
+          <a:fillRef idx="1">
+            <a:schemeClr val="accent1"/>
+          </a:fillRef>
+          <a:effectRef idx="0">
+            <a:schemeClr val="accent1"/>
+          </a:effectRef>
+          <a:fontRef idx="minor">
+            <a:schemeClr val="lt1"/>
+          </a:fontRef>
+        </p:style>
+        <p:txBody>
+          <a:bodyPr rtlCol="0" anchor="ctr"/>
+          <a:lstStyle/>
+          <a:p>
+            <a:pPr algn="ctr"/>
+            <a:endParaRPr lang="en-US"/>
+          </a:p>
+        </p:txBody>
+      </p:sp>
     </p:spTree>
     <p:extLst>
       <p:ext uri="{BB962C8B-B14F-4D97-AF65-F5344CB8AC3E}">
@@ -17924,6 +18337,486 @@
           <p:cNvPr id="2" name="Title 1">
             <a:extLst>
               <a:ext uri="{FF2B5EF4-FFF2-40B4-BE49-F238E27FC236}">
+                <a16:creationId xmlns:a16="http://schemas.microsoft.com/office/drawing/2014/main" id="{9E12B27F-0A30-4040-879C-226796DE5C8F}"/>
+              </a:ext>
+            </a:extLst>
+          </p:cNvPr>
+          <p:cNvSpPr>
+            <a:spLocks noGrp="1"/>
+          </p:cNvSpPr>
+          <p:nvPr>
+            <p:ph type="title"/>
+          </p:nvPr>
+        </p:nvSpPr>
+        <p:spPr>
+          <a:xfrm>
+            <a:off x="838200" y="365126"/>
+            <a:ext cx="10515600" cy="867596"/>
+          </a:xfrm>
+        </p:spPr>
+        <p:txBody>
+          <a:bodyPr anchor="ctr" anchorCtr="0"/>
+          <a:lstStyle/>
+          <a:p>
+            <a:pPr algn="ctr"/>
+            <a:r>
+              <a:rPr lang="en-US" dirty="0">
+                <a:solidFill>
+                  <a:srgbClr val="00FF00"/>
+                </a:solidFill>
+              </a:rPr>
+              <a:t>Gamma radiolysis</a:t>
+            </a:r>
+          </a:p>
+        </p:txBody>
+      </p:sp>
+      <p:sp>
+        <p:nvSpPr>
+          <p:cNvPr id="3" name="Content Placeholder 2">
+            <a:extLst>
+              <a:ext uri="{FF2B5EF4-FFF2-40B4-BE49-F238E27FC236}">
+                <a16:creationId xmlns:a16="http://schemas.microsoft.com/office/drawing/2014/main" id="{5327FC95-D15D-46A2-80FA-ED0E96522E9B}"/>
+              </a:ext>
+            </a:extLst>
+          </p:cNvPr>
+          <p:cNvSpPr>
+            <a:spLocks noGrp="1"/>
+          </p:cNvSpPr>
+          <p:nvPr>
+            <p:ph idx="1"/>
+          </p:nvPr>
+        </p:nvSpPr>
+        <p:spPr>
+          <a:xfrm>
+            <a:off x="464865" y="1381328"/>
+            <a:ext cx="5534891" cy="4519792"/>
+          </a:xfrm>
+        </p:spPr>
+        <p:txBody>
+          <a:bodyPr>
+            <a:normAutofit fontScale="92500"/>
+          </a:bodyPr>
+          <a:lstStyle/>
+          <a:p>
+            <a:r>
+              <a:rPr lang="en-US" dirty="0"/>
+              <a:t>High-energy photon</a:t>
+            </a:r>
+          </a:p>
+          <a:p>
+            <a:pPr lvl="1"/>
+            <a:r>
+              <a:rPr lang="en-US" dirty="0"/>
+              <a:t>Everything is a “chromophore”</a:t>
+            </a:r>
+          </a:p>
+          <a:p>
+            <a:r>
+              <a:rPr lang="en-US" dirty="0">
+                <a:solidFill>
+                  <a:srgbClr val="FFFF00"/>
+                </a:solidFill>
+              </a:rPr>
+              <a:t>“Pulse radiolysis” uses high-energy electrons</a:t>
+            </a:r>
+            <a:r>
+              <a:rPr lang="en-US" dirty="0"/>
+              <a:t> (several MeV)</a:t>
+            </a:r>
+          </a:p>
+          <a:p>
+            <a:r>
+              <a:rPr lang="en-US" dirty="0"/>
+              <a:t>Mostly ionize solvent, not solute</a:t>
+            </a:r>
+          </a:p>
+          <a:p>
+            <a:pPr lvl="1"/>
+            <a:r>
+              <a:rPr lang="en-US" dirty="0"/>
+              <a:t>Oxidative DNA damage</a:t>
+            </a:r>
+          </a:p>
+          <a:p>
+            <a:pPr lvl="1"/>
+            <a:r>
+              <a:rPr lang="en-US" dirty="0"/>
+              <a:t>Radiation damage of materials</a:t>
+            </a:r>
+          </a:p>
+          <a:p>
+            <a:r>
+              <a:rPr lang="en-US" dirty="0"/>
+              <a:t>Example: </a:t>
+            </a:r>
+            <a:r>
+              <a:rPr lang="en-US" dirty="0">
+                <a:solidFill>
+                  <a:srgbClr val="FFFF00"/>
+                </a:solidFill>
+              </a:rPr>
+              <a:t>reduction of aqueous nitrate</a:t>
+            </a:r>
+            <a:r>
+              <a:rPr lang="en-US" dirty="0"/>
+              <a:t> (nuclear reactors)</a:t>
+            </a:r>
+          </a:p>
+          <a:p>
+            <a:pPr lvl="1"/>
+            <a:r>
+              <a:rPr lang="en-US" dirty="0"/>
+              <a:t>Compare with municipal wastewater treatment by </a:t>
+            </a:r>
+            <a:r>
+              <a:rPr lang="en-US" dirty="0">
+                <a:solidFill>
+                  <a:srgbClr val="00B0F0"/>
+                </a:solidFill>
+              </a:rPr>
+              <a:t>photocatalytic reduction</a:t>
+            </a:r>
+          </a:p>
+        </p:txBody>
+      </p:sp>
+      <p:pic>
+        <p:nvPicPr>
+          <p:cNvPr id="11" name="Picture 10">
+            <a:extLst>
+              <a:ext uri="{FF2B5EF4-FFF2-40B4-BE49-F238E27FC236}">
+                <a16:creationId xmlns:a16="http://schemas.microsoft.com/office/drawing/2014/main" id="{8E6EA461-A37D-409D-8608-3A976C2D1948}"/>
+              </a:ext>
+            </a:extLst>
+          </p:cNvPr>
+          <p:cNvPicPr>
+            <a:picLocks noChangeAspect="1"/>
+          </p:cNvPicPr>
+          <p:nvPr/>
+        </p:nvPicPr>
+        <p:blipFill>
+          <a:blip r:embed="rId3">
+            <a:extLst>
+              <a:ext uri="{28A0092B-C50C-407E-A947-70E740481C1C}">
+                <a14:useLocalDpi xmlns:a14="http://schemas.microsoft.com/office/drawing/2010/main" val="0"/>
+              </a:ext>
+            </a:extLst>
+          </a:blip>
+          <a:stretch>
+            <a:fillRect/>
+          </a:stretch>
+        </p:blipFill>
+        <p:spPr>
+          <a:xfrm>
+            <a:off x="6203594" y="1594626"/>
+            <a:ext cx="5666368" cy="3944768"/>
+          </a:xfrm>
+          <a:prstGeom prst="rect">
+            <a:avLst/>
+          </a:prstGeom>
+          <a:ln w="25400" cap="rnd">
+            <a:solidFill>
+              <a:srgbClr val="FFFF00"/>
+            </a:solidFill>
+          </a:ln>
+        </p:spPr>
+      </p:pic>
+      <p:sp>
+        <p:nvSpPr>
+          <p:cNvPr id="12" name="TextBox 11">
+            <a:extLst>
+              <a:ext uri="{FF2B5EF4-FFF2-40B4-BE49-F238E27FC236}">
+                <a16:creationId xmlns:a16="http://schemas.microsoft.com/office/drawing/2014/main" id="{F73A20A0-21F9-4EF5-B51B-338BA158C2CD}"/>
+              </a:ext>
+            </a:extLst>
+          </p:cNvPr>
+          <p:cNvSpPr txBox="1"/>
+          <p:nvPr/>
+        </p:nvSpPr>
+        <p:spPr>
+          <a:xfrm>
+            <a:off x="6315309" y="5743027"/>
+            <a:ext cx="5554653" cy="738664"/>
+          </a:xfrm>
+          <a:prstGeom prst="rect">
+            <a:avLst/>
+          </a:prstGeom>
+          <a:noFill/>
+        </p:spPr>
+        <p:txBody>
+          <a:bodyPr wrap="square" rtlCol="0">
+            <a:spAutoFit/>
+          </a:bodyPr>
+          <a:lstStyle/>
+          <a:p>
+            <a:r>
+              <a:rPr lang="en-US" sz="1400" dirty="0">
+                <a:solidFill>
+                  <a:srgbClr val="FFFF00"/>
+                </a:solidFill>
+              </a:rPr>
+              <a:t>Horne, G. P.; </a:t>
+            </a:r>
+            <a:r>
+              <a:rPr lang="en-US" sz="1400" dirty="0" err="1">
+                <a:solidFill>
+                  <a:srgbClr val="FFFF00"/>
+                </a:solidFill>
+              </a:rPr>
+              <a:t>Donoclift</a:t>
+            </a:r>
+            <a:r>
+              <a:rPr lang="en-US" sz="1400" dirty="0">
+                <a:solidFill>
+                  <a:srgbClr val="FFFF00"/>
+                </a:solidFill>
+              </a:rPr>
+              <a:t>, T. A.; Sims, H. E.; Orr, R. M.; </a:t>
+            </a:r>
+            <a:r>
+              <a:rPr lang="en-US" sz="1400" dirty="0" err="1">
+                <a:solidFill>
+                  <a:srgbClr val="FFFF00"/>
+                </a:solidFill>
+              </a:rPr>
+              <a:t>Pimblott</a:t>
+            </a:r>
+            <a:r>
+              <a:rPr lang="en-US" sz="1400" dirty="0">
+                <a:solidFill>
+                  <a:srgbClr val="FFFF00"/>
+                </a:solidFill>
+              </a:rPr>
+              <a:t>, S. M. Multi-Scale Modeling of the Gamma Radiolysis of Nitrate Solutions. </a:t>
+            </a:r>
+            <a:r>
+              <a:rPr lang="en-US" sz="1400" i="1" dirty="0">
+                <a:solidFill>
+                  <a:srgbClr val="FFFF00"/>
+                </a:solidFill>
+              </a:rPr>
+              <a:t>J. Phys. Chem. B </a:t>
+            </a:r>
+            <a:r>
+              <a:rPr lang="en-US" sz="1400" b="1" dirty="0">
+                <a:solidFill>
+                  <a:srgbClr val="FFFF00"/>
+                </a:solidFill>
+              </a:rPr>
+              <a:t>2016</a:t>
+            </a:r>
+            <a:r>
+              <a:rPr lang="en-US" sz="1400" b="1" i="1" dirty="0">
+                <a:solidFill>
+                  <a:srgbClr val="FFFF00"/>
+                </a:solidFill>
+              </a:rPr>
+              <a:t>, </a:t>
+            </a:r>
+            <a:r>
+              <a:rPr lang="en-US" sz="1400" i="1" dirty="0">
+                <a:solidFill>
+                  <a:srgbClr val="FFFF00"/>
+                </a:solidFill>
+              </a:rPr>
+              <a:t>120</a:t>
+            </a:r>
+            <a:r>
+              <a:rPr lang="en-US" sz="1400" b="1" i="1" dirty="0">
+                <a:solidFill>
+                  <a:srgbClr val="FFFF00"/>
+                </a:solidFill>
+              </a:rPr>
+              <a:t>, </a:t>
+            </a:r>
+            <a:r>
+              <a:rPr lang="en-US" sz="1400" dirty="0">
+                <a:solidFill>
+                  <a:srgbClr val="FFFF00"/>
+                </a:solidFill>
+              </a:rPr>
+              <a:t>11781</a:t>
+            </a:r>
+            <a:r>
+              <a:rPr lang="en-US" sz="1400" b="1" i="1" dirty="0">
+                <a:solidFill>
+                  <a:srgbClr val="FFFF00"/>
+                </a:solidFill>
+              </a:rPr>
+              <a:t>.</a:t>
+            </a:r>
+          </a:p>
+        </p:txBody>
+      </p:sp>
+      <p:sp>
+        <p:nvSpPr>
+          <p:cNvPr id="13" name="TextBox 12">
+            <a:extLst>
+              <a:ext uri="{FF2B5EF4-FFF2-40B4-BE49-F238E27FC236}">
+                <a16:creationId xmlns:a16="http://schemas.microsoft.com/office/drawing/2014/main" id="{F227E597-F6ED-47CE-A26B-3D514F5E60D1}"/>
+              </a:ext>
+            </a:extLst>
+          </p:cNvPr>
+          <p:cNvSpPr txBox="1"/>
+          <p:nvPr/>
+        </p:nvSpPr>
+        <p:spPr>
+          <a:xfrm>
+            <a:off x="512956" y="5870787"/>
+            <a:ext cx="5363737" cy="738664"/>
+          </a:xfrm>
+          <a:prstGeom prst="rect">
+            <a:avLst/>
+          </a:prstGeom>
+          <a:noFill/>
+        </p:spPr>
+        <p:txBody>
+          <a:bodyPr wrap="square" rtlCol="0">
+            <a:spAutoFit/>
+          </a:bodyPr>
+          <a:lstStyle/>
+          <a:p>
+            <a:r>
+              <a:rPr lang="en-US" sz="1400" dirty="0" err="1">
+                <a:solidFill>
+                  <a:srgbClr val="00B0F0"/>
+                </a:solidFill>
+              </a:rPr>
+              <a:t>Tugaoen</a:t>
+            </a:r>
+            <a:r>
+              <a:rPr lang="en-US" sz="1400" dirty="0">
+                <a:solidFill>
+                  <a:srgbClr val="00B0F0"/>
+                </a:solidFill>
+              </a:rPr>
+              <a:t>, H. O.; Garcia-Segura, S.; </a:t>
+            </a:r>
+            <a:r>
+              <a:rPr lang="en-US" sz="1400" dirty="0" err="1">
+                <a:solidFill>
+                  <a:srgbClr val="00B0F0"/>
+                </a:solidFill>
+              </a:rPr>
+              <a:t>Hristovski</a:t>
+            </a:r>
+            <a:r>
+              <a:rPr lang="en-US" sz="1400" dirty="0">
+                <a:solidFill>
+                  <a:srgbClr val="00B0F0"/>
+                </a:solidFill>
+              </a:rPr>
+              <a:t>, K.; </a:t>
+            </a:r>
+            <a:r>
+              <a:rPr lang="en-US" sz="1400" dirty="0" err="1">
+                <a:solidFill>
+                  <a:srgbClr val="00B0F0"/>
+                </a:solidFill>
+              </a:rPr>
+              <a:t>Westerhoff</a:t>
+            </a:r>
+            <a:r>
+              <a:rPr lang="en-US" sz="1400" dirty="0">
+                <a:solidFill>
+                  <a:srgbClr val="00B0F0"/>
+                </a:solidFill>
+              </a:rPr>
+              <a:t>, P. Challenges in photocatalytic reduction of nitrate as a water treatment technology. </a:t>
+            </a:r>
+            <a:r>
+              <a:rPr lang="en-US" sz="1400" i="1" dirty="0">
+                <a:solidFill>
+                  <a:srgbClr val="00B0F0"/>
+                </a:solidFill>
+              </a:rPr>
+              <a:t>Sci. Total Environ. </a:t>
+            </a:r>
+            <a:r>
+              <a:rPr lang="en-US" sz="1400" b="1" dirty="0">
+                <a:solidFill>
+                  <a:srgbClr val="00B0F0"/>
+                </a:solidFill>
+              </a:rPr>
+              <a:t>2017</a:t>
+            </a:r>
+            <a:r>
+              <a:rPr lang="en-US" sz="1400" b="1" i="1" dirty="0">
+                <a:solidFill>
+                  <a:srgbClr val="00B0F0"/>
+                </a:solidFill>
+              </a:rPr>
+              <a:t>, </a:t>
+            </a:r>
+            <a:r>
+              <a:rPr lang="en-US" sz="1400" i="1" dirty="0">
+                <a:solidFill>
+                  <a:srgbClr val="00B0F0"/>
+                </a:solidFill>
+              </a:rPr>
+              <a:t>599</a:t>
+            </a:r>
+            <a:r>
+              <a:rPr lang="en-US" sz="1400" b="1" i="1" dirty="0">
+                <a:solidFill>
+                  <a:srgbClr val="00B0F0"/>
+                </a:solidFill>
+              </a:rPr>
+              <a:t>, </a:t>
+            </a:r>
+            <a:r>
+              <a:rPr lang="en-US" sz="1400" dirty="0">
+                <a:solidFill>
+                  <a:srgbClr val="00B0F0"/>
+                </a:solidFill>
+              </a:rPr>
+              <a:t>1524</a:t>
+            </a:r>
+            <a:r>
+              <a:rPr lang="en-US" sz="1400" b="1" i="1" dirty="0">
+                <a:solidFill>
+                  <a:srgbClr val="00B0F0"/>
+                </a:solidFill>
+              </a:rPr>
+              <a:t>.</a:t>
+            </a:r>
+          </a:p>
+        </p:txBody>
+      </p:sp>
+    </p:spTree>
+    <p:extLst>
+      <p:ext uri="{BB962C8B-B14F-4D97-AF65-F5344CB8AC3E}">
+        <p14:creationId xmlns:p14="http://schemas.microsoft.com/office/powerpoint/2010/main" val="673411243"/>
+      </p:ext>
+    </p:extLst>
+  </p:cSld>
+  <p:clrMapOvr>
+    <a:masterClrMapping/>
+  </p:clrMapOvr>
+</p:sld>
+</file>
+
+<file path=ppt/slides/slide7.xml><?xml version="1.0" encoding="utf-8"?>
+<p:sld xmlns:a="http://schemas.openxmlformats.org/drawingml/2006/main" xmlns:r="http://schemas.openxmlformats.org/officeDocument/2006/relationships" xmlns:p="http://schemas.openxmlformats.org/presentationml/2006/main">
+  <p:cSld>
+    <p:spTree>
+      <p:nvGrpSpPr>
+        <p:cNvPr id="1" name=""/>
+        <p:cNvGrpSpPr/>
+        <p:nvPr/>
+      </p:nvGrpSpPr>
+      <p:grpSpPr>
+        <a:xfrm>
+          <a:off x="0" y="0"/>
+          <a:ext cx="0" cy="0"/>
+          <a:chOff x="0" y="0"/>
+          <a:chExt cx="0" cy="0"/>
+        </a:xfrm>
+      </p:grpSpPr>
+      <p:sp>
+        <p:nvSpPr>
+          <p:cNvPr id="2" name="Title 1">
+            <a:extLst>
+              <a:ext uri="{FF2B5EF4-FFF2-40B4-BE49-F238E27FC236}">
                 <a16:creationId xmlns:a16="http://schemas.microsoft.com/office/drawing/2014/main" id="{F57ADDE1-A1D4-4B1D-849C-4C648BE8F43B}"/>
               </a:ext>
             </a:extLst>
@@ -18235,7 +19128,7 @@
 </p:sld>
 </file>
 
-<file path=ppt/slides/slide7.xml><?xml version="1.0" encoding="utf-8"?>
+<file path=ppt/slides/slide8.xml><?xml version="1.0" encoding="utf-8"?>
 <p:sld xmlns:a="http://schemas.openxmlformats.org/drawingml/2006/main" xmlns:r="http://schemas.openxmlformats.org/officeDocument/2006/relationships" xmlns:p="http://schemas.openxmlformats.org/presentationml/2006/main">
   <p:cSld>
     <p:spTree>
@@ -19002,377 +19895,6 @@
 </p:sld>
 </file>
 
-<file path=ppt/slides/slide8.xml><?xml version="1.0" encoding="utf-8"?>
-<p:sld xmlns:a="http://schemas.openxmlformats.org/drawingml/2006/main" xmlns:r="http://schemas.openxmlformats.org/officeDocument/2006/relationships" xmlns:p="http://schemas.openxmlformats.org/presentationml/2006/main">
-  <p:cSld>
-    <p:spTree>
-      <p:nvGrpSpPr>
-        <p:cNvPr id="1" name=""/>
-        <p:cNvGrpSpPr/>
-        <p:nvPr/>
-      </p:nvGrpSpPr>
-      <p:grpSpPr>
-        <a:xfrm>
-          <a:off x="0" y="0"/>
-          <a:ext cx="0" cy="0"/>
-          <a:chOff x="0" y="0"/>
-          <a:chExt cx="0" cy="0"/>
-        </a:xfrm>
-      </p:grpSpPr>
-      <p:sp>
-        <p:nvSpPr>
-          <p:cNvPr id="2" name="Title 1">
-            <a:extLst>
-              <a:ext uri="{FF2B5EF4-FFF2-40B4-BE49-F238E27FC236}">
-                <a16:creationId xmlns:a16="http://schemas.microsoft.com/office/drawing/2014/main" id="{05192140-C050-4DB6-A658-06A0A6B3C41B}"/>
-              </a:ext>
-            </a:extLst>
-          </p:cNvPr>
-          <p:cNvSpPr>
-            <a:spLocks noGrp="1"/>
-          </p:cNvSpPr>
-          <p:nvPr>
-            <p:ph type="title"/>
-          </p:nvPr>
-        </p:nvSpPr>
-        <p:spPr>
-          <a:xfrm>
-            <a:off x="838200" y="365125"/>
-            <a:ext cx="10515600" cy="749997"/>
-          </a:xfrm>
-        </p:spPr>
-        <p:txBody>
-          <a:bodyPr/>
-          <a:lstStyle/>
-          <a:p>
-            <a:pPr algn="ctr"/>
-            <a:r>
-              <a:rPr lang="en-US" dirty="0">
-                <a:solidFill>
-                  <a:srgbClr val="00FF00"/>
-                </a:solidFill>
-              </a:rPr>
-              <a:t>Proton beams:  non-adiabatic dynamics</a:t>
-            </a:r>
-          </a:p>
-        </p:txBody>
-      </p:sp>
-      <p:sp>
-        <p:nvSpPr>
-          <p:cNvPr id="3" name="Content Placeholder 2">
-            <a:extLst>
-              <a:ext uri="{FF2B5EF4-FFF2-40B4-BE49-F238E27FC236}">
-                <a16:creationId xmlns:a16="http://schemas.microsoft.com/office/drawing/2014/main" id="{D3FC2967-55BB-4B71-BAAB-ACBFE2E86A8E}"/>
-              </a:ext>
-            </a:extLst>
-          </p:cNvPr>
-          <p:cNvSpPr>
-            <a:spLocks noGrp="1"/>
-          </p:cNvSpPr>
-          <p:nvPr>
-            <p:ph idx="1"/>
-          </p:nvPr>
-        </p:nvSpPr>
-        <p:spPr>
-          <a:xfrm>
-            <a:off x="582651" y="1572706"/>
-            <a:ext cx="5584902" cy="4351338"/>
-          </a:xfrm>
-        </p:spPr>
-        <p:txBody>
-          <a:bodyPr/>
-          <a:lstStyle/>
-          <a:p>
-            <a:r>
-              <a:rPr lang="en-US" dirty="0"/>
-              <a:t>High-energy (10s of </a:t>
-            </a:r>
-            <a:r>
-              <a:rPr lang="en-US" dirty="0" err="1"/>
-              <a:t>keV</a:t>
-            </a:r>
-            <a:r>
-              <a:rPr lang="en-US" dirty="0"/>
-              <a:t>) radiolysis of water</a:t>
-            </a:r>
-          </a:p>
-          <a:p>
-            <a:pPr lvl="1"/>
-            <a:r>
-              <a:rPr lang="en-US" dirty="0"/>
-              <a:t>Free radicals (H, OH)</a:t>
-            </a:r>
-          </a:p>
-          <a:p>
-            <a:pPr lvl="1"/>
-            <a:r>
-              <a:rPr lang="en-US" dirty="0"/>
-              <a:t>Secondary ions (H</a:t>
-            </a:r>
-            <a:r>
-              <a:rPr lang="en-US" baseline="30000" dirty="0"/>
-              <a:t>+</a:t>
-            </a:r>
-            <a:r>
-              <a:rPr lang="en-US" dirty="0"/>
-              <a:t>, OH</a:t>
-            </a:r>
-            <a:r>
-              <a:rPr lang="en-US" baseline="30000" dirty="0">
-                <a:latin typeface="Symbol" panose="05050102010706020507" pitchFamily="18" charset="2"/>
-              </a:rPr>
-              <a:t>-</a:t>
-            </a:r>
-            <a:r>
-              <a:rPr lang="en-US" dirty="0"/>
-              <a:t>, </a:t>
-            </a:r>
-            <a:r>
-              <a:rPr lang="en-US" i="1" dirty="0"/>
-              <a:t>e</a:t>
-            </a:r>
-            <a:r>
-              <a:rPr lang="en-US" baseline="30000" dirty="0">
-                <a:latin typeface="Symbol" panose="05050102010706020507" pitchFamily="18" charset="2"/>
-              </a:rPr>
-              <a:t>-</a:t>
-            </a:r>
-            <a:r>
-              <a:rPr lang="en-US" dirty="0">
-                <a:latin typeface="Symbol" panose="05050102010706020507" pitchFamily="18" charset="2"/>
-              </a:rPr>
-              <a:t>)</a:t>
-            </a:r>
-            <a:endParaRPr lang="en-US" dirty="0"/>
-          </a:p>
-          <a:p>
-            <a:pPr lvl="1"/>
-            <a:r>
-              <a:rPr lang="en-US" dirty="0"/>
-              <a:t>Excited states</a:t>
-            </a:r>
-          </a:p>
-          <a:p>
-            <a:pPr lvl="1"/>
-            <a:r>
-              <a:rPr lang="en-US" dirty="0"/>
-              <a:t>Reactive molecules (HOOH)</a:t>
-            </a:r>
-          </a:p>
-          <a:p>
-            <a:r>
-              <a:rPr lang="en-US" dirty="0"/>
-              <a:t>Some direct H</a:t>
-            </a:r>
-            <a:r>
-              <a:rPr lang="en-US" baseline="30000" dirty="0"/>
-              <a:t>+</a:t>
-            </a:r>
-            <a:r>
-              <a:rPr lang="en-US" dirty="0"/>
-              <a:t> collisions with DNA</a:t>
-            </a:r>
-          </a:p>
-          <a:p>
-            <a:pPr lvl="1"/>
-            <a:r>
-              <a:rPr lang="en-US" dirty="0"/>
-              <a:t>Snapshots at right </a:t>
-            </a:r>
-          </a:p>
-          <a:p>
-            <a:pPr lvl="2"/>
-            <a:r>
-              <a:rPr lang="en-US" dirty="0"/>
-              <a:t>Time shown ≈ 23 fs</a:t>
-            </a:r>
-          </a:p>
-        </p:txBody>
-      </p:sp>
-      <p:sp>
-        <p:nvSpPr>
-          <p:cNvPr id="4" name="TextBox 3">
-            <a:extLst>
-              <a:ext uri="{FF2B5EF4-FFF2-40B4-BE49-F238E27FC236}">
-                <a16:creationId xmlns:a16="http://schemas.microsoft.com/office/drawing/2014/main" id="{CB3C4B74-A554-410C-8904-055739B21805}"/>
-              </a:ext>
-            </a:extLst>
-          </p:cNvPr>
-          <p:cNvSpPr txBox="1"/>
-          <p:nvPr/>
-        </p:nvSpPr>
-        <p:spPr>
-          <a:xfrm>
-            <a:off x="582651" y="6176963"/>
-            <a:ext cx="11026698" cy="523220"/>
-          </a:xfrm>
-          <a:prstGeom prst="rect">
-            <a:avLst/>
-          </a:prstGeom>
-          <a:noFill/>
-        </p:spPr>
-        <p:txBody>
-          <a:bodyPr wrap="square" rtlCol="0">
-            <a:spAutoFit/>
-          </a:bodyPr>
-          <a:lstStyle/>
-          <a:p>
-            <a:r>
-              <a:rPr lang="en-US" sz="1400" dirty="0">
-                <a:solidFill>
-                  <a:srgbClr val="FFFF00"/>
-                </a:solidFill>
-              </a:rPr>
-              <a:t>Teixeira, E. S.; </a:t>
-            </a:r>
-            <a:r>
-              <a:rPr lang="en-US" sz="1400" dirty="0" err="1">
-                <a:solidFill>
-                  <a:srgbClr val="FFFF00"/>
-                </a:solidFill>
-              </a:rPr>
-              <a:t>Uppulury</a:t>
-            </a:r>
-            <a:r>
-              <a:rPr lang="en-US" sz="1400" dirty="0">
-                <a:solidFill>
-                  <a:srgbClr val="FFFF00"/>
-                </a:solidFill>
-              </a:rPr>
-              <a:t>, K.; </a:t>
-            </a:r>
-            <a:r>
-              <a:rPr lang="en-US" sz="1400" dirty="0" err="1">
-                <a:solidFill>
-                  <a:srgbClr val="FFFF00"/>
-                </a:solidFill>
-              </a:rPr>
-              <a:t>Privett</a:t>
-            </a:r>
-            <a:r>
-              <a:rPr lang="en-US" sz="1400" dirty="0">
-                <a:solidFill>
-                  <a:srgbClr val="FFFF00"/>
-                </a:solidFill>
-              </a:rPr>
-              <a:t>, A. J.; </a:t>
-            </a:r>
-            <a:r>
-              <a:rPr lang="en-US" sz="1400" dirty="0" err="1">
-                <a:solidFill>
-                  <a:srgbClr val="FFFF00"/>
-                </a:solidFill>
-              </a:rPr>
-              <a:t>Stopera</a:t>
-            </a:r>
-            <a:r>
-              <a:rPr lang="en-US" sz="1400" dirty="0">
-                <a:solidFill>
-                  <a:srgbClr val="FFFF00"/>
-                </a:solidFill>
-              </a:rPr>
-              <a:t>, C.; McLaurin, P. M.; Morales, J. A. Electron Nuclear Dynamics Simulations of Proton Cancer Therapy Reactions: Water Radiolysis and Proton- and Electron-Induced DNA Damage in Computational Prototypes. </a:t>
-            </a:r>
-            <a:r>
-              <a:rPr lang="en-US" sz="1400" i="1" dirty="0">
-                <a:solidFill>
-                  <a:srgbClr val="FFFF00"/>
-                </a:solidFill>
-              </a:rPr>
-              <a:t>Cancers </a:t>
-            </a:r>
-            <a:r>
-              <a:rPr lang="en-US" sz="1400" b="1" dirty="0">
-                <a:solidFill>
-                  <a:srgbClr val="FFFF00"/>
-                </a:solidFill>
-              </a:rPr>
-              <a:t>2018</a:t>
-            </a:r>
-            <a:r>
-              <a:rPr lang="en-US" sz="1400" b="1" i="1" dirty="0">
-                <a:solidFill>
-                  <a:srgbClr val="FFFF00"/>
-                </a:solidFill>
-              </a:rPr>
-              <a:t>, </a:t>
-            </a:r>
-            <a:r>
-              <a:rPr lang="en-US" sz="1400" i="1" dirty="0">
-                <a:solidFill>
-                  <a:srgbClr val="FFFF00"/>
-                </a:solidFill>
-              </a:rPr>
-              <a:t>10</a:t>
-            </a:r>
-            <a:r>
-              <a:rPr lang="en-US" sz="1400" dirty="0">
-                <a:solidFill>
-                  <a:srgbClr val="FFFF00"/>
-                </a:solidFill>
-              </a:rPr>
-              <a:t>, 136</a:t>
-            </a:r>
-            <a:r>
-              <a:rPr lang="en-US" sz="1400" b="1" i="1" dirty="0">
-                <a:solidFill>
-                  <a:srgbClr val="FFFF00"/>
-                </a:solidFill>
-              </a:rPr>
-              <a:t>.</a:t>
-            </a:r>
-          </a:p>
-        </p:txBody>
-      </p:sp>
-      <p:pic>
-        <p:nvPicPr>
-          <p:cNvPr id="10" name="Picture 9">
-            <a:extLst>
-              <a:ext uri="{FF2B5EF4-FFF2-40B4-BE49-F238E27FC236}">
-                <a16:creationId xmlns:a16="http://schemas.microsoft.com/office/drawing/2014/main" id="{0754A7E9-8A11-4CED-A4BD-856DB4D58100}"/>
-              </a:ext>
-            </a:extLst>
-          </p:cNvPr>
-          <p:cNvPicPr>
-            <a:picLocks noChangeAspect="1"/>
-          </p:cNvPicPr>
-          <p:nvPr/>
-        </p:nvPicPr>
-        <p:blipFill>
-          <a:blip r:embed="rId3">
-            <a:extLst>
-              <a:ext uri="{28A0092B-C50C-407E-A947-70E740481C1C}">
-                <a14:useLocalDpi xmlns:a14="http://schemas.microsoft.com/office/drawing/2010/main" val="0"/>
-              </a:ext>
-            </a:extLst>
-          </a:blip>
-          <a:stretch>
-            <a:fillRect/>
-          </a:stretch>
-        </p:blipFill>
-        <p:spPr>
-          <a:xfrm>
-            <a:off x="6678653" y="1148578"/>
-            <a:ext cx="5053359" cy="4906499"/>
-          </a:xfrm>
-          <a:prstGeom prst="rect">
-            <a:avLst/>
-          </a:prstGeom>
-        </p:spPr>
-      </p:pic>
-    </p:spTree>
-    <p:extLst>
-      <p:ext uri="{BB962C8B-B14F-4D97-AF65-F5344CB8AC3E}">
-        <p14:creationId xmlns:p14="http://schemas.microsoft.com/office/powerpoint/2010/main" val="4236934424"/>
-      </p:ext>
-    </p:extLst>
-  </p:cSld>
-  <p:clrMapOvr>
-    <a:masterClrMapping/>
-  </p:clrMapOvr>
-</p:sld>
-</file>
-
 <file path=ppt/slides/slide9.xml><?xml version="1.0" encoding="utf-8"?>
 <p:sld xmlns:a="http://schemas.openxmlformats.org/drawingml/2006/main" xmlns:r="http://schemas.openxmlformats.org/officeDocument/2006/relationships" xmlns:p="http://schemas.openxmlformats.org/presentationml/2006/main">
   <p:cSld>
@@ -19395,7 +19917,7 @@
           <p:cNvPr id="2" name="Title 1">
             <a:extLst>
               <a:ext uri="{FF2B5EF4-FFF2-40B4-BE49-F238E27FC236}">
-                <a16:creationId xmlns:a16="http://schemas.microsoft.com/office/drawing/2014/main" id="{1656CA0C-287C-4AF5-B857-4F94FA35D300}"/>
+                <a16:creationId xmlns:a16="http://schemas.microsoft.com/office/drawing/2014/main" id="{05192140-C050-4DB6-A658-06A0A6B3C41B}"/>
               </a:ext>
             </a:extLst>
           </p:cNvPr>
@@ -19408,8 +19930,8 @@
         </p:nvSpPr>
         <p:spPr>
           <a:xfrm>
-            <a:off x="838200" y="365126"/>
-            <a:ext cx="10515600" cy="775306"/>
+            <a:off x="838200" y="365125"/>
+            <a:ext cx="10515600" cy="749997"/>
           </a:xfrm>
         </p:spPr>
         <p:txBody>
@@ -19423,72 +19945,17 @@
                   <a:srgbClr val="00FF00"/>
                 </a:solidFill>
               </a:rPr>
-              <a:t>Electron beams on molecules</a:t>
-            </a:r>
-          </a:p>
-        </p:txBody>
-      </p:sp>
-      <p:sp>
-        <p:nvSpPr>
-          <p:cNvPr id="4" name="Rectangle 3">
+              <a:t>Proton beams:  non-adiabatic dynamics</a:t>
+            </a:r>
+          </a:p>
+        </p:txBody>
+      </p:sp>
+      <p:sp>
+        <p:nvSpPr>
+          <p:cNvPr id="3" name="Content Placeholder 2">
             <a:extLst>
               <a:ext uri="{FF2B5EF4-FFF2-40B4-BE49-F238E27FC236}">
-                <a16:creationId xmlns:a16="http://schemas.microsoft.com/office/drawing/2014/main" id="{63B5D835-A8B4-49E0-ADCD-620D9FB77C4B}"/>
-              </a:ext>
-            </a:extLst>
-          </p:cNvPr>
-          <p:cNvSpPr/>
-          <p:nvPr/>
-        </p:nvSpPr>
-        <p:spPr>
-          <a:xfrm>
-            <a:off x="603116" y="2461636"/>
-            <a:ext cx="8063043" cy="1283518"/>
-          </a:xfrm>
-          <a:prstGeom prst="rect">
-            <a:avLst/>
-          </a:prstGeom>
-          <a:solidFill>
-            <a:schemeClr val="bg1">
-              <a:lumMod val="75000"/>
-              <a:lumOff val="25000"/>
-            </a:schemeClr>
-          </a:solidFill>
-          <a:ln>
-            <a:noFill/>
-          </a:ln>
-        </p:spPr>
-        <p:style>
-          <a:lnRef idx="2">
-            <a:schemeClr val="accent1">
-              <a:shade val="50000"/>
-            </a:schemeClr>
-          </a:lnRef>
-          <a:fillRef idx="1">
-            <a:schemeClr val="accent1"/>
-          </a:fillRef>
-          <a:effectRef idx="0">
-            <a:schemeClr val="accent1"/>
-          </a:effectRef>
-          <a:fontRef idx="minor">
-            <a:schemeClr val="lt1"/>
-          </a:fontRef>
-        </p:style>
-        <p:txBody>
-          <a:bodyPr rtlCol="0" anchor="ctr"/>
-          <a:lstStyle/>
-          <a:p>
-            <a:pPr algn="ctr"/>
-            <a:endParaRPr lang="en-US"/>
-          </a:p>
-        </p:txBody>
-      </p:sp>
-      <p:sp>
-        <p:nvSpPr>
-          <p:cNvPr id="3" name="Content Placeholder 2">
-            <a:extLst>
-              <a:ext uri="{FF2B5EF4-FFF2-40B4-BE49-F238E27FC236}">
-                <a16:creationId xmlns:a16="http://schemas.microsoft.com/office/drawing/2014/main" id="{96C0B52F-74D0-4972-A32C-0C5EAE260DCE}"/>
+                <a16:creationId xmlns:a16="http://schemas.microsoft.com/office/drawing/2014/main" id="{D3FC2967-55BB-4B71-BAAB-ACBFE2E86A8E}"/>
               </a:ext>
             </a:extLst>
           </p:cNvPr>
@@ -19501,81 +19968,47 @@
         </p:nvSpPr>
         <p:spPr>
           <a:xfrm>
-            <a:off x="838200" y="1556426"/>
-            <a:ext cx="10457985" cy="4833223"/>
+            <a:off x="582651" y="1572706"/>
+            <a:ext cx="5584902" cy="4351338"/>
           </a:xfrm>
         </p:spPr>
         <p:txBody>
-          <a:bodyPr>
-            <a:normAutofit/>
-          </a:bodyPr>
-          <a:lstStyle/>
-          <a:p>
-            <a:r>
-              <a:rPr lang="en-US" dirty="0"/>
-              <a:t>Electronic excitation (M*)</a:t>
+          <a:bodyPr/>
+          <a:lstStyle/>
+          <a:p>
+            <a:r>
+              <a:rPr lang="en-US" dirty="0"/>
+              <a:t>High-energy (10s of </a:t>
+            </a:r>
+            <a:r>
+              <a:rPr lang="en-US" dirty="0" err="1"/>
+              <a:t>keV</a:t>
+            </a:r>
+            <a:r>
+              <a:rPr lang="en-US" dirty="0"/>
+              <a:t>) radiolysis of water</a:t>
             </a:r>
           </a:p>
           <a:p>
             <a:pPr lvl="1"/>
             <a:r>
               <a:rPr lang="en-US" dirty="0"/>
-              <a:t>Like photo-excitation, but </a:t>
-            </a:r>
-            <a:r>
-              <a:rPr lang="en-US" dirty="0">
-                <a:solidFill>
-                  <a:srgbClr val="FFFF00"/>
-                </a:solidFill>
-              </a:rPr>
-              <a:t>can change spin by ±1</a:t>
-            </a:r>
-          </a:p>
-          <a:p>
-            <a:r>
-              <a:rPr lang="en-US" b="1" dirty="0">
-                <a:solidFill>
-                  <a:srgbClr val="FFFF00"/>
-                </a:solidFill>
-              </a:rPr>
-              <a:t>Ionization (M</a:t>
-            </a:r>
-            <a:r>
-              <a:rPr lang="en-US" b="1" baseline="30000" dirty="0">
-                <a:solidFill>
-                  <a:srgbClr val="FFFF00"/>
-                </a:solidFill>
-              </a:rPr>
+              <a:t>Free radicals (H, OH)</a:t>
+            </a:r>
+          </a:p>
+          <a:p>
+            <a:pPr lvl="1"/>
+            <a:r>
+              <a:rPr lang="en-US" dirty="0"/>
+              <a:t>Secondary ions (H</a:t>
+            </a:r>
+            <a:r>
+              <a:rPr lang="en-US" baseline="30000" dirty="0"/>
               <a:t>+</a:t>
             </a:r>
             <a:r>
-              <a:rPr lang="en-US" b="1" dirty="0">
-                <a:solidFill>
-                  <a:srgbClr val="FFFF00"/>
-                </a:solidFill>
-              </a:rPr>
-              <a:t>)</a:t>
-            </a:r>
-          </a:p>
-          <a:p>
-            <a:pPr lvl="1"/>
-            <a:r>
-              <a:rPr lang="en-US" dirty="0"/>
-              <a:t>Produces many different fragment ions</a:t>
-            </a:r>
-            <a:endParaRPr lang="en-US" i="1" dirty="0"/>
-          </a:p>
-          <a:p>
-            <a:pPr lvl="1"/>
-            <a:r>
-              <a:rPr lang="en-US" dirty="0"/>
-              <a:t>Basis of electron-ionization mass spectrometry (EIMS)</a:t>
-            </a:r>
-          </a:p>
-          <a:p>
-            <a:r>
-              <a:rPr lang="en-US" dirty="0"/>
-              <a:t>Attachment (M</a:t>
+              <a:rPr lang="en-US" dirty="0"/>
+              <a:t>, OH</a:t>
             </a:r>
             <a:r>
               <a:rPr lang="en-US" baseline="30000" dirty="0">
@@ -19585,42 +20018,245 @@
             </a:r>
             <a:r>
               <a:rPr lang="en-US" dirty="0"/>
+              <a:t>, </a:t>
+            </a:r>
+            <a:r>
+              <a:rPr lang="en-US" i="1" dirty="0"/>
+              <a:t>e</a:t>
+            </a:r>
+            <a:r>
+              <a:rPr lang="en-US" baseline="30000" dirty="0">
+                <a:latin typeface="Symbol" panose="05050102010706020507" pitchFamily="18" charset="2"/>
+              </a:rPr>
+              <a:t>-</a:t>
+            </a:r>
+            <a:r>
+              <a:rPr lang="en-US" dirty="0">
+                <a:latin typeface="Symbol" panose="05050102010706020507" pitchFamily="18" charset="2"/>
+              </a:rPr>
               <a:t>)</a:t>
             </a:r>
+            <a:endParaRPr lang="en-US" dirty="0"/>
           </a:p>
           <a:p>
             <a:pPr lvl="1"/>
             <a:r>
               <a:rPr lang="en-US" dirty="0"/>
-              <a:t>Low-energy electrons</a:t>
-            </a:r>
-          </a:p>
-          <a:p>
-            <a:r>
-              <a:rPr lang="en-US" dirty="0"/>
-              <a:t>Processes that are chemically boring but relevant in plasmas</a:t>
+              <a:t>Excited states</a:t>
             </a:r>
           </a:p>
           <a:p>
             <a:pPr lvl="1"/>
             <a:r>
               <a:rPr lang="en-US" dirty="0"/>
-              <a:t>Vibrational/rotational excitation</a:t>
+              <a:t>Reactive molecules (HOOH)</a:t>
+            </a:r>
+          </a:p>
+          <a:p>
+            <a:r>
+              <a:rPr lang="en-US" dirty="0"/>
+              <a:t>Some direct H</a:t>
+            </a:r>
+            <a:r>
+              <a:rPr lang="en-US" baseline="30000" dirty="0"/>
+              <a:t>+</a:t>
+            </a:r>
+            <a:r>
+              <a:rPr lang="en-US" dirty="0"/>
+              <a:t> collisions with DNA</a:t>
             </a:r>
           </a:p>
           <a:p>
             <a:pPr lvl="1"/>
             <a:r>
               <a:rPr lang="en-US" dirty="0"/>
-              <a:t>Elastic scattering</a:t>
-            </a:r>
-          </a:p>
-        </p:txBody>
-      </p:sp>
+              <a:t>Snapshots at right </a:t>
+            </a:r>
+          </a:p>
+          <a:p>
+            <a:pPr lvl="2"/>
+            <a:r>
+              <a:rPr lang="en-US" dirty="0"/>
+              <a:t>Time shown ≈ 23 fs</a:t>
+            </a:r>
+          </a:p>
+        </p:txBody>
+      </p:sp>
+      <p:sp>
+        <p:nvSpPr>
+          <p:cNvPr id="4" name="TextBox 3">
+            <a:extLst>
+              <a:ext uri="{FF2B5EF4-FFF2-40B4-BE49-F238E27FC236}">
+                <a16:creationId xmlns:a16="http://schemas.microsoft.com/office/drawing/2014/main" id="{CB3C4B74-A554-410C-8904-055739B21805}"/>
+              </a:ext>
+            </a:extLst>
+          </p:cNvPr>
+          <p:cNvSpPr txBox="1"/>
+          <p:nvPr/>
+        </p:nvSpPr>
+        <p:spPr>
+          <a:xfrm>
+            <a:off x="582651" y="6176963"/>
+            <a:ext cx="11026698" cy="523220"/>
+          </a:xfrm>
+          <a:prstGeom prst="rect">
+            <a:avLst/>
+          </a:prstGeom>
+          <a:noFill/>
+        </p:spPr>
+        <p:txBody>
+          <a:bodyPr wrap="square" rtlCol="0">
+            <a:spAutoFit/>
+          </a:bodyPr>
+          <a:lstStyle/>
+          <a:p>
+            <a:r>
+              <a:rPr lang="en-US" sz="1400" dirty="0">
+                <a:solidFill>
+                  <a:srgbClr val="FFFF00"/>
+                </a:solidFill>
+              </a:rPr>
+              <a:t>Teixeira, E. S.; </a:t>
+            </a:r>
+            <a:r>
+              <a:rPr lang="en-US" sz="1400" dirty="0" err="1">
+                <a:solidFill>
+                  <a:srgbClr val="FFFF00"/>
+                </a:solidFill>
+              </a:rPr>
+              <a:t>Uppulury</a:t>
+            </a:r>
+            <a:r>
+              <a:rPr lang="en-US" sz="1400" dirty="0">
+                <a:solidFill>
+                  <a:srgbClr val="FFFF00"/>
+                </a:solidFill>
+              </a:rPr>
+              <a:t>, K.; </a:t>
+            </a:r>
+            <a:r>
+              <a:rPr lang="en-US" sz="1400" dirty="0" err="1">
+                <a:solidFill>
+                  <a:srgbClr val="FFFF00"/>
+                </a:solidFill>
+              </a:rPr>
+              <a:t>Privett</a:t>
+            </a:r>
+            <a:r>
+              <a:rPr lang="en-US" sz="1400" dirty="0">
+                <a:solidFill>
+                  <a:srgbClr val="FFFF00"/>
+                </a:solidFill>
+              </a:rPr>
+              <a:t>, A. J.; </a:t>
+            </a:r>
+            <a:r>
+              <a:rPr lang="en-US" sz="1400" dirty="0" err="1">
+                <a:solidFill>
+                  <a:srgbClr val="FFFF00"/>
+                </a:solidFill>
+              </a:rPr>
+              <a:t>Stopera</a:t>
+            </a:r>
+            <a:r>
+              <a:rPr lang="en-US" sz="1400" dirty="0">
+                <a:solidFill>
+                  <a:srgbClr val="FFFF00"/>
+                </a:solidFill>
+              </a:rPr>
+              <a:t>, C.; McLaurin, P. M.; Morales, J. A. Electron Nuclear Dynamics Simulations of Proton Cancer Therapy Reactions: Water Radiolysis and Proton- and Electron-Induced DNA Damage in Computational Prototypes. </a:t>
+            </a:r>
+            <a:r>
+              <a:rPr lang="en-US" sz="1400" i="1" dirty="0">
+                <a:solidFill>
+                  <a:srgbClr val="FFFF00"/>
+                </a:solidFill>
+              </a:rPr>
+              <a:t>Cancers </a:t>
+            </a:r>
+            <a:r>
+              <a:rPr lang="en-US" sz="1400" b="1" dirty="0">
+                <a:solidFill>
+                  <a:srgbClr val="FFFF00"/>
+                </a:solidFill>
+              </a:rPr>
+              <a:t>2018</a:t>
+            </a:r>
+            <a:r>
+              <a:rPr lang="en-US" sz="1400" b="1" i="1" dirty="0">
+                <a:solidFill>
+                  <a:srgbClr val="FFFF00"/>
+                </a:solidFill>
+              </a:rPr>
+              <a:t>, </a:t>
+            </a:r>
+            <a:r>
+              <a:rPr lang="en-US" sz="1400" i="1" dirty="0">
+                <a:solidFill>
+                  <a:srgbClr val="FFFF00"/>
+                </a:solidFill>
+              </a:rPr>
+              <a:t>10</a:t>
+            </a:r>
+            <a:r>
+              <a:rPr lang="en-US" sz="1400" dirty="0">
+                <a:solidFill>
+                  <a:srgbClr val="FFFF00"/>
+                </a:solidFill>
+              </a:rPr>
+              <a:t>, 136</a:t>
+            </a:r>
+            <a:r>
+              <a:rPr lang="en-US" sz="1400" b="1" i="1" dirty="0">
+                <a:solidFill>
+                  <a:srgbClr val="FFFF00"/>
+                </a:solidFill>
+              </a:rPr>
+              <a:t>.</a:t>
+            </a:r>
+          </a:p>
+        </p:txBody>
+      </p:sp>
+      <p:pic>
+        <p:nvPicPr>
+          <p:cNvPr id="10" name="Picture 9">
+            <a:extLst>
+              <a:ext uri="{FF2B5EF4-FFF2-40B4-BE49-F238E27FC236}">
+                <a16:creationId xmlns:a16="http://schemas.microsoft.com/office/drawing/2014/main" id="{0754A7E9-8A11-4CED-A4BD-856DB4D58100}"/>
+              </a:ext>
+            </a:extLst>
+          </p:cNvPr>
+          <p:cNvPicPr>
+            <a:picLocks noChangeAspect="1"/>
+          </p:cNvPicPr>
+          <p:nvPr/>
+        </p:nvPicPr>
+        <p:blipFill>
+          <a:blip r:embed="rId3">
+            <a:extLst>
+              <a:ext uri="{28A0092B-C50C-407E-A947-70E740481C1C}">
+                <a14:useLocalDpi xmlns:a14="http://schemas.microsoft.com/office/drawing/2010/main" val="0"/>
+              </a:ext>
+            </a:extLst>
+          </a:blip>
+          <a:stretch>
+            <a:fillRect/>
+          </a:stretch>
+        </p:blipFill>
+        <p:spPr>
+          <a:xfrm>
+            <a:off x="6678653" y="1148578"/>
+            <a:ext cx="5053359" cy="4906499"/>
+          </a:xfrm>
+          <a:prstGeom prst="rect">
+            <a:avLst/>
+          </a:prstGeom>
+        </p:spPr>
+      </p:pic>
     </p:spTree>
     <p:extLst>
       <p:ext uri="{BB962C8B-B14F-4D97-AF65-F5344CB8AC3E}">
-        <p14:creationId xmlns:p14="http://schemas.microsoft.com/office/powerpoint/2010/main" val="4088096867"/>
+        <p14:creationId xmlns:p14="http://schemas.microsoft.com/office/powerpoint/2010/main" val="4236934424"/>
       </p:ext>
     </p:extLst>
   </p:cSld>

--- a/ACS_Boston_2018_Irikura.pptx
+++ b/ACS_Boston_2018_Irikura.pptx
@@ -6594,7 +6594,7 @@
           <a:graphicData uri="http://schemas.openxmlformats.org/presentationml/2006/ole">
             <mc:AlternateContent xmlns:mc="http://schemas.openxmlformats.org/markup-compatibility/2006">
               <mc:Choice xmlns:v="urn:schemas-microsoft-com:vml" Requires="v">
-                <p:oleObj spid="_x0000_s3078" r:id="rId5" imgW="347220" imgH="385210" progId="">
+                <p:oleObj spid="_x0000_s3079" r:id="rId5" imgW="347220" imgH="385210" progId="">
                   <p:embed/>
                 </p:oleObj>
               </mc:Choice>
@@ -6869,19 +6869,8 @@
           <a:p>
             <a:r>
               <a:rPr lang="en-US" dirty="0"/>
-              <a:t>Smaller effects that partly cancel  </a:t>
-            </a:r>
-            <a:r>
-              <a:rPr lang="en-US" sz="3200" b="1" dirty="0">
-                <a:solidFill>
-                  <a:srgbClr val="00B0F0"/>
-                </a:solidFill>
-                <a:latin typeface="Segoe UI Symbol" panose="020B0502040204020203" pitchFamily="34" charset="0"/>
-                <a:ea typeface="Segoe UI Symbol" panose="020B0502040204020203" pitchFamily="34" charset="0"/>
-              </a:rPr>
-              <a:t>😫</a:t>
-            </a:r>
-            <a:endParaRPr lang="en-US" dirty="0"/>
+              <a:t>Smaller effects that partly cancel</a:t>
+            </a:r>
           </a:p>
           <a:p>
             <a:pPr lvl="1"/>
@@ -7209,16 +7198,6 @@
             <a:r>
               <a:rPr lang="en-US" dirty="0"/>
               <a:t>Smaller effects that partly cancel  </a:t>
-            </a:r>
-            <a:r>
-              <a:rPr lang="en-US" sz="3200" b="1" dirty="0">
-                <a:solidFill>
-                  <a:srgbClr val="00B0F0"/>
-                </a:solidFill>
-                <a:latin typeface="Segoe UI Symbol" panose="020B0502040204020203" pitchFamily="34" charset="0"/>
-                <a:ea typeface="Segoe UI Symbol" panose="020B0502040204020203" pitchFamily="34" charset="0"/>
-              </a:rPr>
-              <a:t>😫</a:t>
             </a:r>
             <a:endParaRPr lang="en-US" b="1" dirty="0">
               <a:solidFill>
@@ -9013,7 +8992,7 @@
           <a:graphicData uri="http://schemas.openxmlformats.org/presentationml/2006/ole">
             <mc:AlternateContent xmlns:mc="http://schemas.openxmlformats.org/markup-compatibility/2006">
               <mc:Choice xmlns:v="urn:schemas-microsoft-com:vml" Requires="v">
-                <p:oleObj spid="_x0000_s2091" r:id="rId6" imgW="347220" imgH="385210" progId="">
+                <p:oleObj spid="_x0000_s2092" r:id="rId6" imgW="347220" imgH="385210" progId="">
                   <p:embed/>
                 </p:oleObj>
               </mc:Choice>
@@ -9473,16 +9452,6 @@
             <a:r>
               <a:rPr lang="en-US" dirty="0"/>
               <a:t>Smaller effects that partly cancel </a:t>
-            </a:r>
-            <a:r>
-              <a:rPr lang="en-US" sz="3200" b="1" dirty="0">
-                <a:solidFill>
-                  <a:srgbClr val="00B0F0"/>
-                </a:solidFill>
-                <a:latin typeface="Segoe UI Symbol" panose="020B0502040204020203" pitchFamily="34" charset="0"/>
-                <a:ea typeface="Segoe UI Symbol" panose="020B0502040204020203" pitchFamily="34" charset="0"/>
-              </a:rPr>
-              <a:t>😫</a:t>
             </a:r>
             <a:endParaRPr lang="en-US" b="1" dirty="0"/>
           </a:p>
@@ -11439,17 +11408,6 @@
               <a:rPr lang="en-US" dirty="0"/>
               <a:t>Smaller effects that partly cancel </a:t>
             </a:r>
-            <a:r>
-              <a:rPr lang="en-US" sz="3200" b="1" dirty="0">
-                <a:solidFill>
-                  <a:srgbClr val="00B0F0"/>
-                </a:solidFill>
-                <a:latin typeface="Segoe UI Symbol" panose="020B0502040204020203" pitchFamily="34" charset="0"/>
-                <a:ea typeface="Segoe UI Symbol" panose="020B0502040204020203" pitchFamily="34" charset="0"/>
-              </a:rPr>
-              <a:t>😫</a:t>
-            </a:r>
-            <a:endParaRPr lang="en-US" dirty="0"/>
           </a:p>
           <a:p>
             <a:pPr lvl="1"/>
@@ -12701,17 +12659,6 @@
               <a:rPr lang="en-US" dirty="0"/>
               <a:t>Smaller effects that partly cancel </a:t>
             </a:r>
-            <a:r>
-              <a:rPr lang="en-US" sz="3200" b="1" dirty="0">
-                <a:solidFill>
-                  <a:srgbClr val="00B0F0"/>
-                </a:solidFill>
-                <a:latin typeface="Segoe UI Symbol" panose="020B0502040204020203" pitchFamily="34" charset="0"/>
-                <a:ea typeface="Segoe UI Symbol" panose="020B0502040204020203" pitchFamily="34" charset="0"/>
-              </a:rPr>
-              <a:t>😫</a:t>
-            </a:r>
-            <a:endParaRPr lang="en-US" dirty="0"/>
           </a:p>
           <a:p>
             <a:pPr lvl="1"/>
@@ -16788,7 +16735,7 @@
           <a:graphicData uri="http://schemas.openxmlformats.org/presentationml/2006/ole">
             <mc:AlternateContent xmlns:mc="http://schemas.openxmlformats.org/markup-compatibility/2006">
               <mc:Choice xmlns:v="urn:schemas-microsoft-com:vml" Requires="v">
-                <p:oleObj spid="_x0000_s1073" name="Equation" r:id="rId4" imgW="3162240" imgH="469800" progId="Equation.DSMT4">
+                <p:oleObj spid="_x0000_s1074" name="Equation" r:id="rId4" imgW="3162240" imgH="469800" progId="Equation.DSMT4">
                   <p:embed/>
                 </p:oleObj>
               </mc:Choice>
